--- a/计算机图形学/图形学教程/Leson_9.pptx
+++ b/计算机图形学/图形学教程/Leson_9.pptx
@@ -6,6 +6,7 @@
   </p:sldMasterIdLst>
   <p:sldIdLst>
     <p:sldId id="256" r:id="rId2"/>
+    <p:sldId id="257" r:id="rId3"/>
   </p:sldIdLst>
   <p:sldSz cx="12192000" cy="6858000"/>
   <p:notesSz cx="6858000" cy="9144000"/>
@@ -104,6 +105,11 @@
       </a:defRPr>
     </a:lvl9pPr>
   </p:defaultTextStyle>
+  <p:extLst>
+    <p:ext uri="{EFAFB233-063F-42B5-8137-9DF3F51BA10A}">
+      <p15:sldGuideLst xmlns:p15="http://schemas.microsoft.com/office/powerpoint/2012/main"/>
+    </p:ext>
+  </p:extLst>
 </p:presentation>
 </file>
 
@@ -254,7 +260,7 @@
           <a:p>
             <a:fld id="{EFC9EF4B-DC85-456E-A69C-7178B0A20B85}" type="datetimeFigureOut">
               <a:rPr lang="zh-CN" altLang="en-US" smtClean="0"/>
-              <a:t>2024/10/14</a:t>
+              <a:t>2024/10/15</a:t>
             </a:fld>
             <a:endParaRPr lang="zh-CN" altLang="en-US"/>
           </a:p>
@@ -452,7 +458,7 @@
           <a:p>
             <a:fld id="{EFC9EF4B-DC85-456E-A69C-7178B0A20B85}" type="datetimeFigureOut">
               <a:rPr lang="zh-CN" altLang="en-US" smtClean="0"/>
-              <a:t>2024/10/14</a:t>
+              <a:t>2024/10/15</a:t>
             </a:fld>
             <a:endParaRPr lang="zh-CN" altLang="en-US"/>
           </a:p>
@@ -660,7 +666,7 @@
           <a:p>
             <a:fld id="{EFC9EF4B-DC85-456E-A69C-7178B0A20B85}" type="datetimeFigureOut">
               <a:rPr lang="zh-CN" altLang="en-US" smtClean="0"/>
-              <a:t>2024/10/14</a:t>
+              <a:t>2024/10/15</a:t>
             </a:fld>
             <a:endParaRPr lang="zh-CN" altLang="en-US"/>
           </a:p>
@@ -858,7 +864,7 @@
           <a:p>
             <a:fld id="{EFC9EF4B-DC85-456E-A69C-7178B0A20B85}" type="datetimeFigureOut">
               <a:rPr lang="zh-CN" altLang="en-US" smtClean="0"/>
-              <a:t>2024/10/14</a:t>
+              <a:t>2024/10/15</a:t>
             </a:fld>
             <a:endParaRPr lang="zh-CN" altLang="en-US"/>
           </a:p>
@@ -1133,7 +1139,7 @@
           <a:p>
             <a:fld id="{EFC9EF4B-DC85-456E-A69C-7178B0A20B85}" type="datetimeFigureOut">
               <a:rPr lang="zh-CN" altLang="en-US" smtClean="0"/>
-              <a:t>2024/10/14</a:t>
+              <a:t>2024/10/15</a:t>
             </a:fld>
             <a:endParaRPr lang="zh-CN" altLang="en-US"/>
           </a:p>
@@ -1398,7 +1404,7 @@
           <a:p>
             <a:fld id="{EFC9EF4B-DC85-456E-A69C-7178B0A20B85}" type="datetimeFigureOut">
               <a:rPr lang="zh-CN" altLang="en-US" smtClean="0"/>
-              <a:t>2024/10/14</a:t>
+              <a:t>2024/10/15</a:t>
             </a:fld>
             <a:endParaRPr lang="zh-CN" altLang="en-US"/>
           </a:p>
@@ -1810,7 +1816,7 @@
           <a:p>
             <a:fld id="{EFC9EF4B-DC85-456E-A69C-7178B0A20B85}" type="datetimeFigureOut">
               <a:rPr lang="zh-CN" altLang="en-US" smtClean="0"/>
-              <a:t>2024/10/14</a:t>
+              <a:t>2024/10/15</a:t>
             </a:fld>
             <a:endParaRPr lang="zh-CN" altLang="en-US"/>
           </a:p>
@@ -1951,7 +1957,7 @@
           <a:p>
             <a:fld id="{EFC9EF4B-DC85-456E-A69C-7178B0A20B85}" type="datetimeFigureOut">
               <a:rPr lang="zh-CN" altLang="en-US" smtClean="0"/>
-              <a:t>2024/10/14</a:t>
+              <a:t>2024/10/15</a:t>
             </a:fld>
             <a:endParaRPr lang="zh-CN" altLang="en-US"/>
           </a:p>
@@ -2064,7 +2070,7 @@
           <a:p>
             <a:fld id="{EFC9EF4B-DC85-456E-A69C-7178B0A20B85}" type="datetimeFigureOut">
               <a:rPr lang="zh-CN" altLang="en-US" smtClean="0"/>
-              <a:t>2024/10/14</a:t>
+              <a:t>2024/10/15</a:t>
             </a:fld>
             <a:endParaRPr lang="zh-CN" altLang="en-US"/>
           </a:p>
@@ -2375,7 +2381,7 @@
           <a:p>
             <a:fld id="{EFC9EF4B-DC85-456E-A69C-7178B0A20B85}" type="datetimeFigureOut">
               <a:rPr lang="zh-CN" altLang="en-US" smtClean="0"/>
-              <a:t>2024/10/14</a:t>
+              <a:t>2024/10/15</a:t>
             </a:fld>
             <a:endParaRPr lang="zh-CN" altLang="en-US"/>
           </a:p>
@@ -2663,7 +2669,7 @@
           <a:p>
             <a:fld id="{EFC9EF4B-DC85-456E-A69C-7178B0A20B85}" type="datetimeFigureOut">
               <a:rPr lang="zh-CN" altLang="en-US" smtClean="0"/>
-              <a:t>2024/10/14</a:t>
+              <a:t>2024/10/15</a:t>
             </a:fld>
             <a:endParaRPr lang="zh-CN" altLang="en-US"/>
           </a:p>
@@ -2904,7 +2910,7 @@
           <a:p>
             <a:fld id="{EFC9EF4B-DC85-456E-A69C-7178B0A20B85}" type="datetimeFigureOut">
               <a:rPr lang="zh-CN" altLang="en-US" smtClean="0"/>
-              <a:t>2024/10/14</a:t>
+              <a:t>2024/10/15</a:t>
             </a:fld>
             <a:endParaRPr lang="zh-CN" altLang="en-US"/>
           </a:p>
@@ -3532,6 +3538,231 @@
 </p:sld>
 </file>
 
+<file path=ppt/slides/slide2.xml><?xml version="1.0" encoding="utf-8"?>
+<p:sld xmlns:a="http://schemas.openxmlformats.org/drawingml/2006/main" xmlns:r="http://schemas.openxmlformats.org/officeDocument/2006/relationships" xmlns:p="http://schemas.openxmlformats.org/presentationml/2006/main">
+  <p:cSld>
+    <p:spTree>
+      <p:nvGrpSpPr>
+        <p:cNvPr id="1" name=""/>
+        <p:cNvGrpSpPr/>
+        <p:nvPr/>
+      </p:nvGrpSpPr>
+      <p:grpSpPr>
+        <a:xfrm>
+          <a:off x="0" y="0"/>
+          <a:ext cx="0" cy="0"/>
+          <a:chOff x="0" y="0"/>
+          <a:chExt cx="0" cy="0"/>
+        </a:xfrm>
+      </p:grpSpPr>
+      <p:pic>
+        <p:nvPicPr>
+          <p:cNvPr id="5" name="图片 4">
+            <a:extLst>
+              <a:ext uri="{FF2B5EF4-FFF2-40B4-BE49-F238E27FC236}">
+                <a16:creationId xmlns:a16="http://schemas.microsoft.com/office/drawing/2014/main" id="{082D206B-9B38-A551-59DB-41C6234EFB4E}"/>
+              </a:ext>
+            </a:extLst>
+          </p:cNvPr>
+          <p:cNvPicPr>
+            <a:picLocks noChangeAspect="1"/>
+          </p:cNvPicPr>
+          <p:nvPr/>
+        </p:nvPicPr>
+        <p:blipFill>
+          <a:blip r:embed="rId2"/>
+          <a:stretch>
+            <a:fillRect/>
+          </a:stretch>
+        </p:blipFill>
+        <p:spPr>
+          <a:xfrm>
+            <a:off x="655555" y="289285"/>
+            <a:ext cx="2747521" cy="2692571"/>
+          </a:xfrm>
+          <a:prstGeom prst="rect">
+            <a:avLst/>
+          </a:prstGeom>
+        </p:spPr>
+      </p:pic>
+      <p:sp>
+        <p:nvSpPr>
+          <p:cNvPr id="6" name="文本框 5">
+            <a:extLst>
+              <a:ext uri="{FF2B5EF4-FFF2-40B4-BE49-F238E27FC236}">
+                <a16:creationId xmlns:a16="http://schemas.microsoft.com/office/drawing/2014/main" id="{1E78970F-6229-6783-C77E-3BE875CA31AE}"/>
+              </a:ext>
+            </a:extLst>
+          </p:cNvPr>
+          <p:cNvSpPr txBox="1"/>
+          <p:nvPr/>
+        </p:nvSpPr>
+        <p:spPr>
+          <a:xfrm>
+            <a:off x="4590855" y="3221494"/>
+            <a:ext cx="2238474" cy="369332"/>
+          </a:xfrm>
+          <a:prstGeom prst="rect">
+            <a:avLst/>
+          </a:prstGeom>
+          <a:noFill/>
+        </p:spPr>
+        <p:txBody>
+          <a:bodyPr wrap="square" rtlCol="0">
+            <a:spAutoFit/>
+          </a:bodyPr>
+          <a:lstStyle/>
+          <a:p>
+            <a:r>
+              <a:rPr lang="en-US" altLang="zh-CN"/>
+              <a:t>Wrap Mode: Repeat</a:t>
+            </a:r>
+          </a:p>
+        </p:txBody>
+      </p:sp>
+      <p:pic>
+        <p:nvPicPr>
+          <p:cNvPr id="8" name="图片 7">
+            <a:extLst>
+              <a:ext uri="{FF2B5EF4-FFF2-40B4-BE49-F238E27FC236}">
+                <a16:creationId xmlns:a16="http://schemas.microsoft.com/office/drawing/2014/main" id="{9D97AAF9-6650-EFDB-2CF7-395D53B9A4EE}"/>
+              </a:ext>
+            </a:extLst>
+          </p:cNvPr>
+          <p:cNvPicPr>
+            <a:picLocks noChangeAspect="1"/>
+          </p:cNvPicPr>
+          <p:nvPr/>
+        </p:nvPicPr>
+        <p:blipFill>
+          <a:blip r:embed="rId3"/>
+          <a:stretch>
+            <a:fillRect/>
+          </a:stretch>
+        </p:blipFill>
+        <p:spPr>
+          <a:xfrm>
+            <a:off x="4336332" y="289285"/>
+            <a:ext cx="2747520" cy="2752217"/>
+          </a:xfrm>
+          <a:prstGeom prst="rect">
+            <a:avLst/>
+          </a:prstGeom>
+        </p:spPr>
+      </p:pic>
+      <p:sp>
+        <p:nvSpPr>
+          <p:cNvPr id="9" name="文本框 8">
+            <a:extLst>
+              <a:ext uri="{FF2B5EF4-FFF2-40B4-BE49-F238E27FC236}">
+                <a16:creationId xmlns:a16="http://schemas.microsoft.com/office/drawing/2014/main" id="{C5181533-FB92-2CE5-A200-1DAADA2EB908}"/>
+              </a:ext>
+            </a:extLst>
+          </p:cNvPr>
+          <p:cNvSpPr txBox="1"/>
+          <p:nvPr/>
+        </p:nvSpPr>
+        <p:spPr>
+          <a:xfrm>
+            <a:off x="1034198" y="3221494"/>
+            <a:ext cx="2238474" cy="369332"/>
+          </a:xfrm>
+          <a:prstGeom prst="rect">
+            <a:avLst/>
+          </a:prstGeom>
+          <a:noFill/>
+        </p:spPr>
+        <p:txBody>
+          <a:bodyPr wrap="square" rtlCol="0">
+            <a:spAutoFit/>
+          </a:bodyPr>
+          <a:lstStyle/>
+          <a:p>
+            <a:r>
+              <a:rPr lang="en-US" altLang="zh-CN"/>
+              <a:t>Wrap Mode: Clamp</a:t>
+            </a:r>
+          </a:p>
+        </p:txBody>
+      </p:sp>
+      <p:pic>
+        <p:nvPicPr>
+          <p:cNvPr id="11" name="图片 10">
+            <a:extLst>
+              <a:ext uri="{FF2B5EF4-FFF2-40B4-BE49-F238E27FC236}">
+                <a16:creationId xmlns:a16="http://schemas.microsoft.com/office/drawing/2014/main" id="{C655FC8F-80A2-33F4-19CF-F95D4CBD2F0C}"/>
+              </a:ext>
+            </a:extLst>
+          </p:cNvPr>
+          <p:cNvPicPr>
+            <a:picLocks noChangeAspect="1"/>
+          </p:cNvPicPr>
+          <p:nvPr/>
+        </p:nvPicPr>
+        <p:blipFill>
+          <a:blip r:embed="rId4"/>
+          <a:stretch>
+            <a:fillRect/>
+          </a:stretch>
+        </p:blipFill>
+        <p:spPr>
+          <a:xfrm>
+            <a:off x="8230624" y="289285"/>
+            <a:ext cx="2747496" cy="2752217"/>
+          </a:xfrm>
+          <a:prstGeom prst="rect">
+            <a:avLst/>
+          </a:prstGeom>
+        </p:spPr>
+      </p:pic>
+      <p:sp>
+        <p:nvSpPr>
+          <p:cNvPr id="12" name="文本框 11">
+            <a:extLst>
+              <a:ext uri="{FF2B5EF4-FFF2-40B4-BE49-F238E27FC236}">
+                <a16:creationId xmlns:a16="http://schemas.microsoft.com/office/drawing/2014/main" id="{B2A7CF9D-C6F8-DC48-C3D6-76E1DEB6A09E}"/>
+              </a:ext>
+            </a:extLst>
+          </p:cNvPr>
+          <p:cNvSpPr txBox="1"/>
+          <p:nvPr/>
+        </p:nvSpPr>
+        <p:spPr>
+          <a:xfrm>
+            <a:off x="8561110" y="3221494"/>
+            <a:ext cx="2238474" cy="369332"/>
+          </a:xfrm>
+          <a:prstGeom prst="rect">
+            <a:avLst/>
+          </a:prstGeom>
+          <a:noFill/>
+        </p:spPr>
+        <p:txBody>
+          <a:bodyPr wrap="square" rtlCol="0">
+            <a:spAutoFit/>
+          </a:bodyPr>
+          <a:lstStyle/>
+          <a:p>
+            <a:r>
+              <a:rPr lang="en-US" altLang="zh-CN"/>
+              <a:t>Wrap Mode: Mirror</a:t>
+            </a:r>
+          </a:p>
+        </p:txBody>
+      </p:sp>
+    </p:spTree>
+    <p:extLst>
+      <p:ext uri="{BB962C8B-B14F-4D97-AF65-F5344CB8AC3E}">
+        <p14:creationId xmlns:p14="http://schemas.microsoft.com/office/powerpoint/2010/main" val="3530763328"/>
+      </p:ext>
+    </p:extLst>
+  </p:cSld>
+  <p:clrMapOvr>
+    <a:masterClrMapping/>
+  </p:clrMapOvr>
+</p:sld>
+</file>
+
 <file path=ppt/theme/theme1.xml><?xml version="1.0" encoding="utf-8"?>
 <a:theme xmlns:a="http://schemas.openxmlformats.org/drawingml/2006/main" name="Office 主题​​">
   <a:themeElements>

--- a/计算机图形学/图形学教程/Leson_9.pptx
+++ b/计算机图形学/图形学教程/Leson_9.pptx
@@ -7,6 +7,8 @@
   <p:sldIdLst>
     <p:sldId id="256" r:id="rId2"/>
     <p:sldId id="257" r:id="rId3"/>
+    <p:sldId id="258" r:id="rId4"/>
+    <p:sldId id="259" r:id="rId5"/>
   </p:sldIdLst>
   <p:sldSz cx="12192000" cy="6858000"/>
   <p:notesSz cx="6858000" cy="9144000"/>
@@ -260,7 +262,7 @@
           <a:p>
             <a:fld id="{EFC9EF4B-DC85-456E-A69C-7178B0A20B85}" type="datetimeFigureOut">
               <a:rPr lang="zh-CN" altLang="en-US" smtClean="0"/>
-              <a:t>2024/10/15</a:t>
+              <a:t>2024/11/4</a:t>
             </a:fld>
             <a:endParaRPr lang="zh-CN" altLang="en-US"/>
           </a:p>
@@ -458,7 +460,7 @@
           <a:p>
             <a:fld id="{EFC9EF4B-DC85-456E-A69C-7178B0A20B85}" type="datetimeFigureOut">
               <a:rPr lang="zh-CN" altLang="en-US" smtClean="0"/>
-              <a:t>2024/10/15</a:t>
+              <a:t>2024/11/4</a:t>
             </a:fld>
             <a:endParaRPr lang="zh-CN" altLang="en-US"/>
           </a:p>
@@ -666,7 +668,7 @@
           <a:p>
             <a:fld id="{EFC9EF4B-DC85-456E-A69C-7178B0A20B85}" type="datetimeFigureOut">
               <a:rPr lang="zh-CN" altLang="en-US" smtClean="0"/>
-              <a:t>2024/10/15</a:t>
+              <a:t>2024/11/4</a:t>
             </a:fld>
             <a:endParaRPr lang="zh-CN" altLang="en-US"/>
           </a:p>
@@ -864,7 +866,7 @@
           <a:p>
             <a:fld id="{EFC9EF4B-DC85-456E-A69C-7178B0A20B85}" type="datetimeFigureOut">
               <a:rPr lang="zh-CN" altLang="en-US" smtClean="0"/>
-              <a:t>2024/10/15</a:t>
+              <a:t>2024/11/4</a:t>
             </a:fld>
             <a:endParaRPr lang="zh-CN" altLang="en-US"/>
           </a:p>
@@ -1139,7 +1141,7 @@
           <a:p>
             <a:fld id="{EFC9EF4B-DC85-456E-A69C-7178B0A20B85}" type="datetimeFigureOut">
               <a:rPr lang="zh-CN" altLang="en-US" smtClean="0"/>
-              <a:t>2024/10/15</a:t>
+              <a:t>2024/11/4</a:t>
             </a:fld>
             <a:endParaRPr lang="zh-CN" altLang="en-US"/>
           </a:p>
@@ -1404,7 +1406,7 @@
           <a:p>
             <a:fld id="{EFC9EF4B-DC85-456E-A69C-7178B0A20B85}" type="datetimeFigureOut">
               <a:rPr lang="zh-CN" altLang="en-US" smtClean="0"/>
-              <a:t>2024/10/15</a:t>
+              <a:t>2024/11/4</a:t>
             </a:fld>
             <a:endParaRPr lang="zh-CN" altLang="en-US"/>
           </a:p>
@@ -1816,7 +1818,7 @@
           <a:p>
             <a:fld id="{EFC9EF4B-DC85-456E-A69C-7178B0A20B85}" type="datetimeFigureOut">
               <a:rPr lang="zh-CN" altLang="en-US" smtClean="0"/>
-              <a:t>2024/10/15</a:t>
+              <a:t>2024/11/4</a:t>
             </a:fld>
             <a:endParaRPr lang="zh-CN" altLang="en-US"/>
           </a:p>
@@ -1957,7 +1959,7 @@
           <a:p>
             <a:fld id="{EFC9EF4B-DC85-456E-A69C-7178B0A20B85}" type="datetimeFigureOut">
               <a:rPr lang="zh-CN" altLang="en-US" smtClean="0"/>
-              <a:t>2024/10/15</a:t>
+              <a:t>2024/11/4</a:t>
             </a:fld>
             <a:endParaRPr lang="zh-CN" altLang="en-US"/>
           </a:p>
@@ -2070,7 +2072,7 @@
           <a:p>
             <a:fld id="{EFC9EF4B-DC85-456E-A69C-7178B0A20B85}" type="datetimeFigureOut">
               <a:rPr lang="zh-CN" altLang="en-US" smtClean="0"/>
-              <a:t>2024/10/15</a:t>
+              <a:t>2024/11/4</a:t>
             </a:fld>
             <a:endParaRPr lang="zh-CN" altLang="en-US"/>
           </a:p>
@@ -2381,7 +2383,7 @@
           <a:p>
             <a:fld id="{EFC9EF4B-DC85-456E-A69C-7178B0A20B85}" type="datetimeFigureOut">
               <a:rPr lang="zh-CN" altLang="en-US" smtClean="0"/>
-              <a:t>2024/10/15</a:t>
+              <a:t>2024/11/4</a:t>
             </a:fld>
             <a:endParaRPr lang="zh-CN" altLang="en-US"/>
           </a:p>
@@ -2669,7 +2671,7 @@
           <a:p>
             <a:fld id="{EFC9EF4B-DC85-456E-A69C-7178B0A20B85}" type="datetimeFigureOut">
               <a:rPr lang="zh-CN" altLang="en-US" smtClean="0"/>
-              <a:t>2024/10/15</a:t>
+              <a:t>2024/11/4</a:t>
             </a:fld>
             <a:endParaRPr lang="zh-CN" altLang="en-US"/>
           </a:p>
@@ -2910,7 +2912,7 @@
           <a:p>
             <a:fld id="{EFC9EF4B-DC85-456E-A69C-7178B0A20B85}" type="datetimeFigureOut">
               <a:rPr lang="zh-CN" altLang="en-US" smtClean="0"/>
-              <a:t>2024/10/15</a:t>
+              <a:t>2024/11/4</a:t>
             </a:fld>
             <a:endParaRPr lang="zh-CN" altLang="en-US"/>
           </a:p>
@@ -3763,6 +3765,347 @@
 </p:sld>
 </file>
 
+<file path=ppt/slides/slide3.xml><?xml version="1.0" encoding="utf-8"?>
+<p:sld xmlns:a="http://schemas.openxmlformats.org/drawingml/2006/main" xmlns:r="http://schemas.openxmlformats.org/officeDocument/2006/relationships" xmlns:p="http://schemas.openxmlformats.org/presentationml/2006/main">
+  <p:cSld>
+    <p:spTree>
+      <p:nvGrpSpPr>
+        <p:cNvPr id="1" name=""/>
+        <p:cNvGrpSpPr/>
+        <p:nvPr/>
+      </p:nvGrpSpPr>
+      <p:grpSpPr>
+        <a:xfrm>
+          <a:off x="0" y="0"/>
+          <a:ext cx="0" cy="0"/>
+          <a:chOff x="0" y="0"/>
+          <a:chExt cx="0" cy="0"/>
+        </a:xfrm>
+      </p:grpSpPr>
+      <p:pic>
+        <p:nvPicPr>
+          <p:cNvPr id="5" name="图片 4">
+            <a:extLst>
+              <a:ext uri="{FF2B5EF4-FFF2-40B4-BE49-F238E27FC236}">
+                <a16:creationId xmlns:a16="http://schemas.microsoft.com/office/drawing/2014/main" id="{B3CC499A-251E-E5B1-5A8E-3273A6D0C379}"/>
+              </a:ext>
+            </a:extLst>
+          </p:cNvPr>
+          <p:cNvPicPr>
+            <a:picLocks noChangeAspect="1"/>
+          </p:cNvPicPr>
+          <p:nvPr/>
+        </p:nvPicPr>
+        <p:blipFill>
+          <a:blip r:embed="rId2"/>
+          <a:stretch>
+            <a:fillRect/>
+          </a:stretch>
+        </p:blipFill>
+        <p:spPr>
+          <a:xfrm>
+            <a:off x="720660" y="146803"/>
+            <a:ext cx="4473682" cy="4415770"/>
+          </a:xfrm>
+          <a:prstGeom prst="rect">
+            <a:avLst/>
+          </a:prstGeom>
+        </p:spPr>
+      </p:pic>
+      <p:sp>
+        <p:nvSpPr>
+          <p:cNvPr id="6" name="文本框 5">
+            <a:extLst>
+              <a:ext uri="{FF2B5EF4-FFF2-40B4-BE49-F238E27FC236}">
+                <a16:creationId xmlns:a16="http://schemas.microsoft.com/office/drawing/2014/main" id="{529A5221-7399-05F0-CF50-EBB26F111072}"/>
+              </a:ext>
+            </a:extLst>
+          </p:cNvPr>
+          <p:cNvSpPr txBox="1"/>
+          <p:nvPr/>
+        </p:nvSpPr>
+        <p:spPr>
+          <a:xfrm>
+            <a:off x="1809946" y="4713402"/>
+            <a:ext cx="2969443" cy="369332"/>
+          </a:xfrm>
+          <a:prstGeom prst="rect">
+            <a:avLst/>
+          </a:prstGeom>
+          <a:noFill/>
+        </p:spPr>
+        <p:txBody>
+          <a:bodyPr wrap="square" rtlCol="0">
+            <a:spAutoFit/>
+          </a:bodyPr>
+          <a:lstStyle/>
+          <a:p>
+            <a:r>
+              <a:rPr lang="zh-CN" altLang="en-US"/>
+              <a:t>未开启</a:t>
+            </a:r>
+            <a:r>
+              <a:rPr lang="en-US" altLang="zh-CN"/>
+              <a:t>Mipmap</a:t>
+            </a:r>
+            <a:r>
+              <a:rPr lang="zh-CN" altLang="en-US"/>
+              <a:t>的效果</a:t>
+            </a:r>
+          </a:p>
+        </p:txBody>
+      </p:sp>
+      <p:pic>
+        <p:nvPicPr>
+          <p:cNvPr id="8" name="图片 7">
+            <a:extLst>
+              <a:ext uri="{FF2B5EF4-FFF2-40B4-BE49-F238E27FC236}">
+                <a16:creationId xmlns:a16="http://schemas.microsoft.com/office/drawing/2014/main" id="{3069BCCD-65CF-9F25-D079-77D8CC337199}"/>
+              </a:ext>
+            </a:extLst>
+          </p:cNvPr>
+          <p:cNvPicPr>
+            <a:picLocks noChangeAspect="1"/>
+          </p:cNvPicPr>
+          <p:nvPr/>
+        </p:nvPicPr>
+        <p:blipFill>
+          <a:blip r:embed="rId3"/>
+          <a:stretch>
+            <a:fillRect/>
+          </a:stretch>
+        </p:blipFill>
+        <p:spPr>
+          <a:xfrm>
+            <a:off x="5939059" y="146803"/>
+            <a:ext cx="4473682" cy="4488398"/>
+          </a:xfrm>
+          <a:prstGeom prst="rect">
+            <a:avLst/>
+          </a:prstGeom>
+        </p:spPr>
+      </p:pic>
+      <p:sp>
+        <p:nvSpPr>
+          <p:cNvPr id="9" name="文本框 8">
+            <a:extLst>
+              <a:ext uri="{FF2B5EF4-FFF2-40B4-BE49-F238E27FC236}">
+                <a16:creationId xmlns:a16="http://schemas.microsoft.com/office/drawing/2014/main" id="{29A3652F-436D-60FA-254D-2137BDC488CE}"/>
+              </a:ext>
+            </a:extLst>
+          </p:cNvPr>
+          <p:cNvSpPr txBox="1"/>
+          <p:nvPr/>
+        </p:nvSpPr>
+        <p:spPr>
+          <a:xfrm>
+            <a:off x="6986832" y="4766093"/>
+            <a:ext cx="2969443" cy="369332"/>
+          </a:xfrm>
+          <a:prstGeom prst="rect">
+            <a:avLst/>
+          </a:prstGeom>
+          <a:noFill/>
+        </p:spPr>
+        <p:txBody>
+          <a:bodyPr wrap="square" rtlCol="0">
+            <a:spAutoFit/>
+          </a:bodyPr>
+          <a:lstStyle/>
+          <a:p>
+            <a:r>
+              <a:rPr lang="zh-CN" altLang="en-US"/>
+              <a:t>开启了</a:t>
+            </a:r>
+            <a:r>
+              <a:rPr lang="en-US" altLang="zh-CN"/>
+              <a:t>Mipmap</a:t>
+            </a:r>
+            <a:r>
+              <a:rPr lang="zh-CN" altLang="en-US"/>
+              <a:t>的效果</a:t>
+            </a:r>
+          </a:p>
+        </p:txBody>
+      </p:sp>
+    </p:spTree>
+    <p:extLst>
+      <p:ext uri="{BB962C8B-B14F-4D97-AF65-F5344CB8AC3E}">
+        <p14:creationId xmlns:p14="http://schemas.microsoft.com/office/powerpoint/2010/main" val="2770377250"/>
+      </p:ext>
+    </p:extLst>
+  </p:cSld>
+  <p:clrMapOvr>
+    <a:masterClrMapping/>
+  </p:clrMapOvr>
+</p:sld>
+</file>
+
+<file path=ppt/slides/slide4.xml><?xml version="1.0" encoding="utf-8"?>
+<p:sld xmlns:a="http://schemas.openxmlformats.org/drawingml/2006/main" xmlns:r="http://schemas.openxmlformats.org/officeDocument/2006/relationships" xmlns:p="http://schemas.openxmlformats.org/presentationml/2006/main">
+  <p:cSld>
+    <p:spTree>
+      <p:nvGrpSpPr>
+        <p:cNvPr id="1" name=""/>
+        <p:cNvGrpSpPr/>
+        <p:nvPr/>
+      </p:nvGrpSpPr>
+      <p:grpSpPr>
+        <a:xfrm>
+          <a:off x="0" y="0"/>
+          <a:ext cx="0" cy="0"/>
+          <a:chOff x="0" y="0"/>
+          <a:chExt cx="0" cy="0"/>
+        </a:xfrm>
+      </p:grpSpPr>
+      <p:pic>
+        <p:nvPicPr>
+          <p:cNvPr id="5" name="图片 4">
+            <a:extLst>
+              <a:ext uri="{FF2B5EF4-FFF2-40B4-BE49-F238E27FC236}">
+                <a16:creationId xmlns:a16="http://schemas.microsoft.com/office/drawing/2014/main" id="{C4502E18-95BF-E227-F579-518EC63A169C}"/>
+              </a:ext>
+            </a:extLst>
+          </p:cNvPr>
+          <p:cNvPicPr>
+            <a:picLocks noChangeAspect="1"/>
+          </p:cNvPicPr>
+          <p:nvPr/>
+        </p:nvPicPr>
+        <p:blipFill>
+          <a:blip r:embed="rId2"/>
+          <a:stretch>
+            <a:fillRect/>
+          </a:stretch>
+        </p:blipFill>
+        <p:spPr>
+          <a:xfrm>
+            <a:off x="7517679" y="340985"/>
+            <a:ext cx="4000500" cy="3800475"/>
+          </a:xfrm>
+          <a:prstGeom prst="rect">
+            <a:avLst/>
+          </a:prstGeom>
+        </p:spPr>
+      </p:pic>
+      <p:sp>
+        <p:nvSpPr>
+          <p:cNvPr id="6" name="文本框 5">
+            <a:extLst>
+              <a:ext uri="{FF2B5EF4-FFF2-40B4-BE49-F238E27FC236}">
+                <a16:creationId xmlns:a16="http://schemas.microsoft.com/office/drawing/2014/main" id="{7F0AE773-D7E4-ABF2-7582-40A58FB11D8B}"/>
+              </a:ext>
+            </a:extLst>
+          </p:cNvPr>
+          <p:cNvSpPr txBox="1"/>
+          <p:nvPr/>
+        </p:nvSpPr>
+        <p:spPr>
+          <a:xfrm>
+            <a:off x="8672659" y="4308050"/>
+            <a:ext cx="2205872" cy="369332"/>
+          </a:xfrm>
+          <a:prstGeom prst="rect">
+            <a:avLst/>
+          </a:prstGeom>
+          <a:noFill/>
+        </p:spPr>
+        <p:txBody>
+          <a:bodyPr wrap="square" rtlCol="0">
+            <a:spAutoFit/>
+          </a:bodyPr>
+          <a:lstStyle/>
+          <a:p>
+            <a:r>
+              <a:rPr lang="zh-CN" altLang="en-US"/>
+              <a:t>各向异性过滤</a:t>
+            </a:r>
+          </a:p>
+        </p:txBody>
+      </p:sp>
+      <p:pic>
+        <p:nvPicPr>
+          <p:cNvPr id="8" name="图片 7">
+            <a:extLst>
+              <a:ext uri="{FF2B5EF4-FFF2-40B4-BE49-F238E27FC236}">
+                <a16:creationId xmlns:a16="http://schemas.microsoft.com/office/drawing/2014/main" id="{5FDBC7EB-E330-FF13-B95D-723F32FB6B01}"/>
+              </a:ext>
+            </a:extLst>
+          </p:cNvPr>
+          <p:cNvPicPr>
+            <a:picLocks noChangeAspect="1"/>
+          </p:cNvPicPr>
+          <p:nvPr/>
+        </p:nvPicPr>
+        <p:blipFill>
+          <a:blip r:embed="rId3"/>
+          <a:stretch>
+            <a:fillRect/>
+          </a:stretch>
+        </p:blipFill>
+        <p:spPr>
+          <a:xfrm>
+            <a:off x="1410877" y="550683"/>
+            <a:ext cx="4603815" cy="3069210"/>
+          </a:xfrm>
+          <a:prstGeom prst="rect">
+            <a:avLst/>
+          </a:prstGeom>
+        </p:spPr>
+      </p:pic>
+      <p:sp>
+        <p:nvSpPr>
+          <p:cNvPr id="9" name="文本框 8">
+            <a:extLst>
+              <a:ext uri="{FF2B5EF4-FFF2-40B4-BE49-F238E27FC236}">
+                <a16:creationId xmlns:a16="http://schemas.microsoft.com/office/drawing/2014/main" id="{11A88A20-44B0-9724-3E77-91EB49045FAF}"/>
+              </a:ext>
+            </a:extLst>
+          </p:cNvPr>
+          <p:cNvSpPr txBox="1"/>
+          <p:nvPr/>
+        </p:nvSpPr>
+        <p:spPr>
+          <a:xfrm>
+            <a:off x="2416406" y="4308050"/>
+            <a:ext cx="2205872" cy="369332"/>
+          </a:xfrm>
+          <a:prstGeom prst="rect">
+            <a:avLst/>
+          </a:prstGeom>
+          <a:noFill/>
+        </p:spPr>
+        <p:txBody>
+          <a:bodyPr wrap="square" rtlCol="0">
+            <a:spAutoFit/>
+          </a:bodyPr>
+          <a:lstStyle/>
+          <a:p>
+            <a:r>
+              <a:rPr lang="zh-CN" altLang="en-US"/>
+              <a:t>正常的</a:t>
+            </a:r>
+            <a:r>
+              <a:rPr lang="en-US" altLang="zh-CN"/>
+              <a:t>Mipmap</a:t>
+            </a:r>
+            <a:endParaRPr lang="zh-CN" altLang="en-US"/>
+          </a:p>
+        </p:txBody>
+      </p:sp>
+    </p:spTree>
+    <p:extLst>
+      <p:ext uri="{BB962C8B-B14F-4D97-AF65-F5344CB8AC3E}">
+        <p14:creationId xmlns:p14="http://schemas.microsoft.com/office/powerpoint/2010/main" val="753909048"/>
+      </p:ext>
+    </p:extLst>
+  </p:cSld>
+  <p:clrMapOvr>
+    <a:masterClrMapping/>
+  </p:clrMapOvr>
+</p:sld>
+</file>
+
 <file path=ppt/theme/theme1.xml><?xml version="1.0" encoding="utf-8"?>
 <a:theme xmlns:a="http://schemas.openxmlformats.org/drawingml/2006/main" name="Office 主题​​">
   <a:themeElements>

--- a/计算机图形学/图形学教程/Leson_9.pptx
+++ b/计算机图形学/图形学教程/Leson_9.pptx
@@ -9,6 +9,8 @@
     <p:sldId id="257" r:id="rId3"/>
     <p:sldId id="258" r:id="rId4"/>
     <p:sldId id="259" r:id="rId5"/>
+    <p:sldId id="260" r:id="rId6"/>
+    <p:sldId id="261" r:id="rId7"/>
   </p:sldIdLst>
   <p:sldSz cx="12192000" cy="6858000"/>
   <p:notesSz cx="6858000" cy="9144000"/>
@@ -262,7 +264,7 @@
           <a:p>
             <a:fld id="{EFC9EF4B-DC85-456E-A69C-7178B0A20B85}" type="datetimeFigureOut">
               <a:rPr lang="zh-CN" altLang="en-US" smtClean="0"/>
-              <a:t>2024/11/4</a:t>
+              <a:t>2024/11/7</a:t>
             </a:fld>
             <a:endParaRPr lang="zh-CN" altLang="en-US"/>
           </a:p>
@@ -460,7 +462,7 @@
           <a:p>
             <a:fld id="{EFC9EF4B-DC85-456E-A69C-7178B0A20B85}" type="datetimeFigureOut">
               <a:rPr lang="zh-CN" altLang="en-US" smtClean="0"/>
-              <a:t>2024/11/4</a:t>
+              <a:t>2024/11/7</a:t>
             </a:fld>
             <a:endParaRPr lang="zh-CN" altLang="en-US"/>
           </a:p>
@@ -668,7 +670,7 @@
           <a:p>
             <a:fld id="{EFC9EF4B-DC85-456E-A69C-7178B0A20B85}" type="datetimeFigureOut">
               <a:rPr lang="zh-CN" altLang="en-US" smtClean="0"/>
-              <a:t>2024/11/4</a:t>
+              <a:t>2024/11/7</a:t>
             </a:fld>
             <a:endParaRPr lang="zh-CN" altLang="en-US"/>
           </a:p>
@@ -866,7 +868,7 @@
           <a:p>
             <a:fld id="{EFC9EF4B-DC85-456E-A69C-7178B0A20B85}" type="datetimeFigureOut">
               <a:rPr lang="zh-CN" altLang="en-US" smtClean="0"/>
-              <a:t>2024/11/4</a:t>
+              <a:t>2024/11/7</a:t>
             </a:fld>
             <a:endParaRPr lang="zh-CN" altLang="en-US"/>
           </a:p>
@@ -1141,7 +1143,7 @@
           <a:p>
             <a:fld id="{EFC9EF4B-DC85-456E-A69C-7178B0A20B85}" type="datetimeFigureOut">
               <a:rPr lang="zh-CN" altLang="en-US" smtClean="0"/>
-              <a:t>2024/11/4</a:t>
+              <a:t>2024/11/7</a:t>
             </a:fld>
             <a:endParaRPr lang="zh-CN" altLang="en-US"/>
           </a:p>
@@ -1406,7 +1408,7 @@
           <a:p>
             <a:fld id="{EFC9EF4B-DC85-456E-A69C-7178B0A20B85}" type="datetimeFigureOut">
               <a:rPr lang="zh-CN" altLang="en-US" smtClean="0"/>
-              <a:t>2024/11/4</a:t>
+              <a:t>2024/11/7</a:t>
             </a:fld>
             <a:endParaRPr lang="zh-CN" altLang="en-US"/>
           </a:p>
@@ -1818,7 +1820,7 @@
           <a:p>
             <a:fld id="{EFC9EF4B-DC85-456E-A69C-7178B0A20B85}" type="datetimeFigureOut">
               <a:rPr lang="zh-CN" altLang="en-US" smtClean="0"/>
-              <a:t>2024/11/4</a:t>
+              <a:t>2024/11/7</a:t>
             </a:fld>
             <a:endParaRPr lang="zh-CN" altLang="en-US"/>
           </a:p>
@@ -1959,7 +1961,7 @@
           <a:p>
             <a:fld id="{EFC9EF4B-DC85-456E-A69C-7178B0A20B85}" type="datetimeFigureOut">
               <a:rPr lang="zh-CN" altLang="en-US" smtClean="0"/>
-              <a:t>2024/11/4</a:t>
+              <a:t>2024/11/7</a:t>
             </a:fld>
             <a:endParaRPr lang="zh-CN" altLang="en-US"/>
           </a:p>
@@ -2072,7 +2074,7 @@
           <a:p>
             <a:fld id="{EFC9EF4B-DC85-456E-A69C-7178B0A20B85}" type="datetimeFigureOut">
               <a:rPr lang="zh-CN" altLang="en-US" smtClean="0"/>
-              <a:t>2024/11/4</a:t>
+              <a:t>2024/11/7</a:t>
             </a:fld>
             <a:endParaRPr lang="zh-CN" altLang="en-US"/>
           </a:p>
@@ -2383,7 +2385,7 @@
           <a:p>
             <a:fld id="{EFC9EF4B-DC85-456E-A69C-7178B0A20B85}" type="datetimeFigureOut">
               <a:rPr lang="zh-CN" altLang="en-US" smtClean="0"/>
-              <a:t>2024/11/4</a:t>
+              <a:t>2024/11/7</a:t>
             </a:fld>
             <a:endParaRPr lang="zh-CN" altLang="en-US"/>
           </a:p>
@@ -2671,7 +2673,7 @@
           <a:p>
             <a:fld id="{EFC9EF4B-DC85-456E-A69C-7178B0A20B85}" type="datetimeFigureOut">
               <a:rPr lang="zh-CN" altLang="en-US" smtClean="0"/>
-              <a:t>2024/11/4</a:t>
+              <a:t>2024/11/7</a:t>
             </a:fld>
             <a:endParaRPr lang="zh-CN" altLang="en-US"/>
           </a:p>
@@ -2912,7 +2914,7 @@
           <a:p>
             <a:fld id="{EFC9EF4B-DC85-456E-A69C-7178B0A20B85}" type="datetimeFigureOut">
               <a:rPr lang="zh-CN" altLang="en-US" smtClean="0"/>
-              <a:t>2024/11/4</a:t>
+              <a:t>2024/11/7</a:t>
             </a:fld>
             <a:endParaRPr lang="zh-CN" altLang="en-US"/>
           </a:p>
@@ -4106,6 +4108,412 @@
 </p:sld>
 </file>
 
+<file path=ppt/slides/slide5.xml><?xml version="1.0" encoding="utf-8"?>
+<p:sld xmlns:a="http://schemas.openxmlformats.org/drawingml/2006/main" xmlns:r="http://schemas.openxmlformats.org/officeDocument/2006/relationships" xmlns:p="http://schemas.openxmlformats.org/presentationml/2006/main">
+  <p:cSld>
+    <p:spTree>
+      <p:nvGrpSpPr>
+        <p:cNvPr id="1" name=""/>
+        <p:cNvGrpSpPr/>
+        <p:nvPr/>
+      </p:nvGrpSpPr>
+      <p:grpSpPr>
+        <a:xfrm>
+          <a:off x="0" y="0"/>
+          <a:ext cx="0" cy="0"/>
+          <a:chOff x="0" y="0"/>
+          <a:chExt cx="0" cy="0"/>
+        </a:xfrm>
+      </p:grpSpPr>
+      <p:pic>
+        <p:nvPicPr>
+          <p:cNvPr id="5" name="图片 4">
+            <a:extLst>
+              <a:ext uri="{FF2B5EF4-FFF2-40B4-BE49-F238E27FC236}">
+                <a16:creationId xmlns:a16="http://schemas.microsoft.com/office/drawing/2014/main" id="{9E58F999-EC38-F261-B5E4-4005BA2CE928}"/>
+              </a:ext>
+            </a:extLst>
+          </p:cNvPr>
+          <p:cNvPicPr>
+            <a:picLocks noChangeAspect="1"/>
+          </p:cNvPicPr>
+          <p:nvPr/>
+        </p:nvPicPr>
+        <p:blipFill>
+          <a:blip r:embed="rId2"/>
+          <a:stretch>
+            <a:fillRect/>
+          </a:stretch>
+        </p:blipFill>
+        <p:spPr>
+          <a:xfrm>
+            <a:off x="850180" y="767057"/>
+            <a:ext cx="4533900" cy="3438525"/>
+          </a:xfrm>
+          <a:prstGeom prst="rect">
+            <a:avLst/>
+          </a:prstGeom>
+        </p:spPr>
+      </p:pic>
+      <p:sp>
+        <p:nvSpPr>
+          <p:cNvPr id="6" name="文本框 5">
+            <a:extLst>
+              <a:ext uri="{FF2B5EF4-FFF2-40B4-BE49-F238E27FC236}">
+                <a16:creationId xmlns:a16="http://schemas.microsoft.com/office/drawing/2014/main" id="{97832D58-FBF2-3286-FD91-40734B4B9D7F}"/>
+              </a:ext>
+            </a:extLst>
+          </p:cNvPr>
+          <p:cNvSpPr txBox="1"/>
+          <p:nvPr/>
+        </p:nvSpPr>
+        <p:spPr>
+          <a:xfrm>
+            <a:off x="1866507" y="4368480"/>
+            <a:ext cx="3648173" cy="369332"/>
+          </a:xfrm>
+          <a:prstGeom prst="rect">
+            <a:avLst/>
+          </a:prstGeom>
+          <a:noFill/>
+        </p:spPr>
+        <p:txBody>
+          <a:bodyPr wrap="square" rtlCol="0">
+            <a:spAutoFit/>
+          </a:bodyPr>
+          <a:lstStyle/>
+          <a:p>
+            <a:r>
+              <a:rPr lang="zh-CN" altLang="en-US"/>
+              <a:t>可视化漫反射项</a:t>
+            </a:r>
+            <a:r>
+              <a:rPr lang="en-US" altLang="zh-CN"/>
+              <a:t>Diffuse</a:t>
+            </a:r>
+            <a:endParaRPr lang="zh-CN" altLang="en-US"/>
+          </a:p>
+        </p:txBody>
+      </p:sp>
+      <p:pic>
+        <p:nvPicPr>
+          <p:cNvPr id="8" name="图片 7">
+            <a:extLst>
+              <a:ext uri="{FF2B5EF4-FFF2-40B4-BE49-F238E27FC236}">
+                <a16:creationId xmlns:a16="http://schemas.microsoft.com/office/drawing/2014/main" id="{F551E59F-792E-ED73-E506-48190D571E09}"/>
+              </a:ext>
+            </a:extLst>
+          </p:cNvPr>
+          <p:cNvPicPr>
+            <a:picLocks noChangeAspect="1"/>
+          </p:cNvPicPr>
+          <p:nvPr/>
+        </p:nvPicPr>
+        <p:blipFill>
+          <a:blip r:embed="rId3"/>
+          <a:stretch>
+            <a:fillRect/>
+          </a:stretch>
+        </p:blipFill>
+        <p:spPr>
+          <a:xfrm>
+            <a:off x="6390686" y="767057"/>
+            <a:ext cx="4206840" cy="3438525"/>
+          </a:xfrm>
+          <a:prstGeom prst="rect">
+            <a:avLst/>
+          </a:prstGeom>
+        </p:spPr>
+      </p:pic>
+      <p:sp>
+        <p:nvSpPr>
+          <p:cNvPr id="9" name="文本框 8">
+            <a:extLst>
+              <a:ext uri="{FF2B5EF4-FFF2-40B4-BE49-F238E27FC236}">
+                <a16:creationId xmlns:a16="http://schemas.microsoft.com/office/drawing/2014/main" id="{05D1D78F-9E78-B277-3E98-7D1B97A8523C}"/>
+              </a:ext>
+            </a:extLst>
+          </p:cNvPr>
+          <p:cNvSpPr txBox="1"/>
+          <p:nvPr/>
+        </p:nvSpPr>
+        <p:spPr>
+          <a:xfrm>
+            <a:off x="6501353" y="4368480"/>
+            <a:ext cx="4576713" cy="369332"/>
+          </a:xfrm>
+          <a:prstGeom prst="rect">
+            <a:avLst/>
+          </a:prstGeom>
+          <a:noFill/>
+        </p:spPr>
+        <p:txBody>
+          <a:bodyPr wrap="square" rtlCol="0">
+            <a:spAutoFit/>
+          </a:bodyPr>
+          <a:lstStyle/>
+          <a:p>
+            <a:r>
+              <a:rPr lang="zh-CN" altLang="en-US"/>
+              <a:t>可视化漫反射项</a:t>
+            </a:r>
+            <a:r>
+              <a:rPr lang="en-US" altLang="zh-CN"/>
+              <a:t>Diffuse + </a:t>
+            </a:r>
+            <a:r>
+              <a:rPr lang="zh-CN" altLang="en-US"/>
+              <a:t>环境光</a:t>
+            </a:r>
+            <a:r>
+              <a:rPr lang="en-US" altLang="zh-CN"/>
+              <a:t>Ambient</a:t>
+            </a:r>
+            <a:endParaRPr lang="zh-CN" altLang="en-US"/>
+          </a:p>
+        </p:txBody>
+      </p:sp>
+    </p:spTree>
+    <p:extLst>
+      <p:ext uri="{BB962C8B-B14F-4D97-AF65-F5344CB8AC3E}">
+        <p14:creationId xmlns:p14="http://schemas.microsoft.com/office/powerpoint/2010/main" val="3724190197"/>
+      </p:ext>
+    </p:extLst>
+  </p:cSld>
+  <p:clrMapOvr>
+    <a:masterClrMapping/>
+  </p:clrMapOvr>
+</p:sld>
+</file>
+
+<file path=ppt/slides/slide6.xml><?xml version="1.0" encoding="utf-8"?>
+<p:sld xmlns:a="http://schemas.openxmlformats.org/drawingml/2006/main" xmlns:r="http://schemas.openxmlformats.org/officeDocument/2006/relationships" xmlns:p="http://schemas.openxmlformats.org/presentationml/2006/main">
+  <p:cSld>
+    <p:spTree>
+      <p:nvGrpSpPr>
+        <p:cNvPr id="1" name=""/>
+        <p:cNvGrpSpPr/>
+        <p:nvPr/>
+      </p:nvGrpSpPr>
+      <p:grpSpPr>
+        <a:xfrm>
+          <a:off x="0" y="0"/>
+          <a:ext cx="0" cy="0"/>
+          <a:chOff x="0" y="0"/>
+          <a:chExt cx="0" cy="0"/>
+        </a:xfrm>
+      </p:grpSpPr>
+      <p:pic>
+        <p:nvPicPr>
+          <p:cNvPr id="5" name="图片 4">
+            <a:extLst>
+              <a:ext uri="{FF2B5EF4-FFF2-40B4-BE49-F238E27FC236}">
+                <a16:creationId xmlns:a16="http://schemas.microsoft.com/office/drawing/2014/main" id="{57B0FB3A-E82E-DCB0-3167-5D4C4F43FE9D}"/>
+              </a:ext>
+            </a:extLst>
+          </p:cNvPr>
+          <p:cNvPicPr>
+            <a:picLocks noChangeAspect="1"/>
+          </p:cNvPicPr>
+          <p:nvPr/>
+        </p:nvPicPr>
+        <p:blipFill>
+          <a:blip r:embed="rId2"/>
+          <a:stretch>
+            <a:fillRect/>
+          </a:stretch>
+        </p:blipFill>
+        <p:spPr>
+          <a:xfrm>
+            <a:off x="659581" y="465743"/>
+            <a:ext cx="3105150" cy="2457450"/>
+          </a:xfrm>
+          <a:prstGeom prst="rect">
+            <a:avLst/>
+          </a:prstGeom>
+        </p:spPr>
+      </p:pic>
+      <p:sp>
+        <p:nvSpPr>
+          <p:cNvPr id="6" name="文本框 5">
+            <a:extLst>
+              <a:ext uri="{FF2B5EF4-FFF2-40B4-BE49-F238E27FC236}">
+                <a16:creationId xmlns:a16="http://schemas.microsoft.com/office/drawing/2014/main" id="{9BF79A28-FC29-EE7D-CED1-BBA7F62804C9}"/>
+              </a:ext>
+            </a:extLst>
+          </p:cNvPr>
+          <p:cNvSpPr txBox="1"/>
+          <p:nvPr/>
+        </p:nvSpPr>
+        <p:spPr>
+          <a:xfrm>
+            <a:off x="1347738" y="3186259"/>
+            <a:ext cx="2969739" cy="369332"/>
+          </a:xfrm>
+          <a:prstGeom prst="rect">
+            <a:avLst/>
+          </a:prstGeom>
+          <a:noFill/>
+        </p:spPr>
+        <p:txBody>
+          <a:bodyPr wrap="square" rtlCol="0">
+            <a:spAutoFit/>
+          </a:bodyPr>
+          <a:lstStyle/>
+          <a:p>
+            <a:r>
+              <a:rPr lang="en-US" altLang="zh-CN"/>
+              <a:t>Glossiness = 1</a:t>
+            </a:r>
+            <a:endParaRPr lang="zh-CN" altLang="en-US"/>
+          </a:p>
+        </p:txBody>
+      </p:sp>
+      <p:pic>
+        <p:nvPicPr>
+          <p:cNvPr id="8" name="图片 7">
+            <a:extLst>
+              <a:ext uri="{FF2B5EF4-FFF2-40B4-BE49-F238E27FC236}">
+                <a16:creationId xmlns:a16="http://schemas.microsoft.com/office/drawing/2014/main" id="{DE6D0378-11A9-9717-7BD1-9AF4FF5A3463}"/>
+              </a:ext>
+            </a:extLst>
+          </p:cNvPr>
+          <p:cNvPicPr>
+            <a:picLocks noChangeAspect="1"/>
+          </p:cNvPicPr>
+          <p:nvPr/>
+        </p:nvPicPr>
+        <p:blipFill>
+          <a:blip r:embed="rId3"/>
+          <a:stretch>
+            <a:fillRect/>
+          </a:stretch>
+        </p:blipFill>
+        <p:spPr>
+          <a:xfrm>
+            <a:off x="4438698" y="465743"/>
+            <a:ext cx="2655245" cy="2457450"/>
+          </a:xfrm>
+          <a:prstGeom prst="rect">
+            <a:avLst/>
+          </a:prstGeom>
+        </p:spPr>
+      </p:pic>
+      <p:sp>
+        <p:nvSpPr>
+          <p:cNvPr id="9" name="文本框 8">
+            <a:extLst>
+              <a:ext uri="{FF2B5EF4-FFF2-40B4-BE49-F238E27FC236}">
+                <a16:creationId xmlns:a16="http://schemas.microsoft.com/office/drawing/2014/main" id="{72442D99-AA3B-9129-0BE8-14367C6AD62E}"/>
+              </a:ext>
+            </a:extLst>
+          </p:cNvPr>
+          <p:cNvSpPr txBox="1"/>
+          <p:nvPr/>
+        </p:nvSpPr>
+        <p:spPr>
+          <a:xfrm>
+            <a:off x="4904786" y="3186259"/>
+            <a:ext cx="2969739" cy="369332"/>
+          </a:xfrm>
+          <a:prstGeom prst="rect">
+            <a:avLst/>
+          </a:prstGeom>
+          <a:noFill/>
+        </p:spPr>
+        <p:txBody>
+          <a:bodyPr wrap="square" rtlCol="0">
+            <a:spAutoFit/>
+          </a:bodyPr>
+          <a:lstStyle/>
+          <a:p>
+            <a:r>
+              <a:rPr lang="en-US" altLang="zh-CN"/>
+              <a:t>Glossiness = 16</a:t>
+            </a:r>
+            <a:endParaRPr lang="zh-CN" altLang="en-US"/>
+          </a:p>
+        </p:txBody>
+      </p:sp>
+      <p:pic>
+        <p:nvPicPr>
+          <p:cNvPr id="11" name="图片 10">
+            <a:extLst>
+              <a:ext uri="{FF2B5EF4-FFF2-40B4-BE49-F238E27FC236}">
+                <a16:creationId xmlns:a16="http://schemas.microsoft.com/office/drawing/2014/main" id="{1A2E8BB0-C79C-1A7B-43CE-D135CC51BABD}"/>
+              </a:ext>
+            </a:extLst>
+          </p:cNvPr>
+          <p:cNvPicPr>
+            <a:picLocks noChangeAspect="1"/>
+          </p:cNvPicPr>
+          <p:nvPr/>
+        </p:nvPicPr>
+        <p:blipFill>
+          <a:blip r:embed="rId4"/>
+          <a:stretch>
+            <a:fillRect/>
+          </a:stretch>
+        </p:blipFill>
+        <p:spPr>
+          <a:xfrm>
+            <a:off x="8163515" y="471127"/>
+            <a:ext cx="3077429" cy="2472720"/>
+          </a:xfrm>
+          <a:prstGeom prst="rect">
+            <a:avLst/>
+          </a:prstGeom>
+        </p:spPr>
+      </p:pic>
+      <p:sp>
+        <p:nvSpPr>
+          <p:cNvPr id="12" name="文本框 11">
+            <a:extLst>
+              <a:ext uri="{FF2B5EF4-FFF2-40B4-BE49-F238E27FC236}">
+                <a16:creationId xmlns:a16="http://schemas.microsoft.com/office/drawing/2014/main" id="{8BDBD2DA-8A21-C779-128D-BCA1C0B941DB}"/>
+              </a:ext>
+            </a:extLst>
+          </p:cNvPr>
+          <p:cNvSpPr txBox="1"/>
+          <p:nvPr/>
+        </p:nvSpPr>
+        <p:spPr>
+          <a:xfrm>
+            <a:off x="9054151" y="3157978"/>
+            <a:ext cx="2969739" cy="369332"/>
+          </a:xfrm>
+          <a:prstGeom prst="rect">
+            <a:avLst/>
+          </a:prstGeom>
+          <a:noFill/>
+        </p:spPr>
+        <p:txBody>
+          <a:bodyPr wrap="square" rtlCol="0">
+            <a:spAutoFit/>
+          </a:bodyPr>
+          <a:lstStyle/>
+          <a:p>
+            <a:r>
+              <a:rPr lang="en-US" altLang="zh-CN"/>
+              <a:t>Glossiness = 64</a:t>
+            </a:r>
+            <a:endParaRPr lang="zh-CN" altLang="en-US"/>
+          </a:p>
+        </p:txBody>
+      </p:sp>
+    </p:spTree>
+    <p:extLst>
+      <p:ext uri="{BB962C8B-B14F-4D97-AF65-F5344CB8AC3E}">
+        <p14:creationId xmlns:p14="http://schemas.microsoft.com/office/powerpoint/2010/main" val="1174271318"/>
+      </p:ext>
+    </p:extLst>
+  </p:cSld>
+  <p:clrMapOvr>
+    <a:masterClrMapping/>
+  </p:clrMapOvr>
+</p:sld>
+</file>
+
 <file path=ppt/theme/theme1.xml><?xml version="1.0" encoding="utf-8"?>
 <a:theme xmlns:a="http://schemas.openxmlformats.org/drawingml/2006/main" name="Office 主题​​">
   <a:themeElements>

--- a/计算机图形学/图形学教程/Leson_9.pptx
+++ b/计算机图形学/图形学教程/Leson_9.pptx
@@ -11,6 +11,7 @@
     <p:sldId id="259" r:id="rId5"/>
     <p:sldId id="260" r:id="rId6"/>
     <p:sldId id="261" r:id="rId7"/>
+    <p:sldId id="262" r:id="rId8"/>
   </p:sldIdLst>
   <p:sldSz cx="12192000" cy="6858000"/>
   <p:notesSz cx="6858000" cy="9144000"/>
@@ -264,7 +265,7 @@
           <a:p>
             <a:fld id="{EFC9EF4B-DC85-456E-A69C-7178B0A20B85}" type="datetimeFigureOut">
               <a:rPr lang="zh-CN" altLang="en-US" smtClean="0"/>
-              <a:t>2024/11/7</a:t>
+              <a:t>2024/11/8</a:t>
             </a:fld>
             <a:endParaRPr lang="zh-CN" altLang="en-US"/>
           </a:p>
@@ -462,7 +463,7 @@
           <a:p>
             <a:fld id="{EFC9EF4B-DC85-456E-A69C-7178B0A20B85}" type="datetimeFigureOut">
               <a:rPr lang="zh-CN" altLang="en-US" smtClean="0"/>
-              <a:t>2024/11/7</a:t>
+              <a:t>2024/11/8</a:t>
             </a:fld>
             <a:endParaRPr lang="zh-CN" altLang="en-US"/>
           </a:p>
@@ -670,7 +671,7 @@
           <a:p>
             <a:fld id="{EFC9EF4B-DC85-456E-A69C-7178B0A20B85}" type="datetimeFigureOut">
               <a:rPr lang="zh-CN" altLang="en-US" smtClean="0"/>
-              <a:t>2024/11/7</a:t>
+              <a:t>2024/11/8</a:t>
             </a:fld>
             <a:endParaRPr lang="zh-CN" altLang="en-US"/>
           </a:p>
@@ -868,7 +869,7 @@
           <a:p>
             <a:fld id="{EFC9EF4B-DC85-456E-A69C-7178B0A20B85}" type="datetimeFigureOut">
               <a:rPr lang="zh-CN" altLang="en-US" smtClean="0"/>
-              <a:t>2024/11/7</a:t>
+              <a:t>2024/11/8</a:t>
             </a:fld>
             <a:endParaRPr lang="zh-CN" altLang="en-US"/>
           </a:p>
@@ -1143,7 +1144,7 @@
           <a:p>
             <a:fld id="{EFC9EF4B-DC85-456E-A69C-7178B0A20B85}" type="datetimeFigureOut">
               <a:rPr lang="zh-CN" altLang="en-US" smtClean="0"/>
-              <a:t>2024/11/7</a:t>
+              <a:t>2024/11/8</a:t>
             </a:fld>
             <a:endParaRPr lang="zh-CN" altLang="en-US"/>
           </a:p>
@@ -1408,7 +1409,7 @@
           <a:p>
             <a:fld id="{EFC9EF4B-DC85-456E-A69C-7178B0A20B85}" type="datetimeFigureOut">
               <a:rPr lang="zh-CN" altLang="en-US" smtClean="0"/>
-              <a:t>2024/11/7</a:t>
+              <a:t>2024/11/8</a:t>
             </a:fld>
             <a:endParaRPr lang="zh-CN" altLang="en-US"/>
           </a:p>
@@ -1820,7 +1821,7 @@
           <a:p>
             <a:fld id="{EFC9EF4B-DC85-456E-A69C-7178B0A20B85}" type="datetimeFigureOut">
               <a:rPr lang="zh-CN" altLang="en-US" smtClean="0"/>
-              <a:t>2024/11/7</a:t>
+              <a:t>2024/11/8</a:t>
             </a:fld>
             <a:endParaRPr lang="zh-CN" altLang="en-US"/>
           </a:p>
@@ -1961,7 +1962,7 @@
           <a:p>
             <a:fld id="{EFC9EF4B-DC85-456E-A69C-7178B0A20B85}" type="datetimeFigureOut">
               <a:rPr lang="zh-CN" altLang="en-US" smtClean="0"/>
-              <a:t>2024/11/7</a:t>
+              <a:t>2024/11/8</a:t>
             </a:fld>
             <a:endParaRPr lang="zh-CN" altLang="en-US"/>
           </a:p>
@@ -2074,7 +2075,7 @@
           <a:p>
             <a:fld id="{EFC9EF4B-DC85-456E-A69C-7178B0A20B85}" type="datetimeFigureOut">
               <a:rPr lang="zh-CN" altLang="en-US" smtClean="0"/>
-              <a:t>2024/11/7</a:t>
+              <a:t>2024/11/8</a:t>
             </a:fld>
             <a:endParaRPr lang="zh-CN" altLang="en-US"/>
           </a:p>
@@ -2385,7 +2386,7 @@
           <a:p>
             <a:fld id="{EFC9EF4B-DC85-456E-A69C-7178B0A20B85}" type="datetimeFigureOut">
               <a:rPr lang="zh-CN" altLang="en-US" smtClean="0"/>
-              <a:t>2024/11/7</a:t>
+              <a:t>2024/11/8</a:t>
             </a:fld>
             <a:endParaRPr lang="zh-CN" altLang="en-US"/>
           </a:p>
@@ -2673,7 +2674,7 @@
           <a:p>
             <a:fld id="{EFC9EF4B-DC85-456E-A69C-7178B0A20B85}" type="datetimeFigureOut">
               <a:rPr lang="zh-CN" altLang="en-US" smtClean="0"/>
-              <a:t>2024/11/7</a:t>
+              <a:t>2024/11/8</a:t>
             </a:fld>
             <a:endParaRPr lang="zh-CN" altLang="en-US"/>
           </a:p>
@@ -2914,7 +2915,7 @@
           <a:p>
             <a:fld id="{EFC9EF4B-DC85-456E-A69C-7178B0A20B85}" type="datetimeFigureOut">
               <a:rPr lang="zh-CN" altLang="en-US" smtClean="0"/>
-              <a:t>2024/11/7</a:t>
+              <a:t>2024/11/8</a:t>
             </a:fld>
             <a:endParaRPr lang="zh-CN" altLang="en-US"/>
           </a:p>
@@ -4514,6 +4515,631 @@
 </p:sld>
 </file>
 
+<file path=ppt/slides/slide7.xml><?xml version="1.0" encoding="utf-8"?>
+<p:sld xmlns:a="http://schemas.openxmlformats.org/drawingml/2006/main" xmlns:r="http://schemas.openxmlformats.org/officeDocument/2006/relationships" xmlns:p="http://schemas.openxmlformats.org/presentationml/2006/main">
+  <p:cSld>
+    <p:spTree>
+      <p:nvGrpSpPr>
+        <p:cNvPr id="1" name=""/>
+        <p:cNvGrpSpPr/>
+        <p:nvPr/>
+      </p:nvGrpSpPr>
+      <p:grpSpPr>
+        <a:xfrm>
+          <a:off x="0" y="0"/>
+          <a:ext cx="0" cy="0"/>
+          <a:chOff x="0" y="0"/>
+          <a:chExt cx="0" cy="0"/>
+        </a:xfrm>
+      </p:grpSpPr>
+      <p:grpSp>
+        <p:nvGrpSpPr>
+          <p:cNvPr id="35" name="组合 34">
+            <a:extLst>
+              <a:ext uri="{FF2B5EF4-FFF2-40B4-BE49-F238E27FC236}">
+                <a16:creationId xmlns:a16="http://schemas.microsoft.com/office/drawing/2014/main" id="{F12705AA-0116-9657-DE1E-909CAE469663}"/>
+              </a:ext>
+            </a:extLst>
+          </p:cNvPr>
+          <p:cNvGrpSpPr/>
+          <p:nvPr/>
+        </p:nvGrpSpPr>
+        <p:grpSpPr>
+          <a:xfrm>
+            <a:off x="754144" y="1140643"/>
+            <a:ext cx="2592370" cy="3893270"/>
+            <a:chOff x="754144" y="1140643"/>
+            <a:chExt cx="2592370" cy="3893270"/>
+          </a:xfrm>
+        </p:grpSpPr>
+        <p:sp>
+          <p:nvSpPr>
+            <p:cNvPr id="4" name="直角三角形 3">
+              <a:extLst>
+                <a:ext uri="{FF2B5EF4-FFF2-40B4-BE49-F238E27FC236}">
+                  <a16:creationId xmlns:a16="http://schemas.microsoft.com/office/drawing/2014/main" id="{1763DA23-B5FC-4C02-C537-D82583804DB3}"/>
+                </a:ext>
+              </a:extLst>
+            </p:cNvPr>
+            <p:cNvSpPr/>
+            <p:nvPr/>
+          </p:nvSpPr>
+          <p:spPr>
+            <a:xfrm>
+              <a:off x="754144" y="1140643"/>
+              <a:ext cx="2215299" cy="3893270"/>
+            </a:xfrm>
+            <a:prstGeom prst="rtTriangle">
+              <a:avLst/>
+            </a:prstGeom>
+            <a:solidFill>
+              <a:schemeClr val="accent1">
+                <a:alpha val="32000"/>
+              </a:schemeClr>
+            </a:solidFill>
+          </p:spPr>
+          <p:style>
+            <a:lnRef idx="2">
+              <a:schemeClr val="accent1">
+                <a:shade val="15000"/>
+              </a:schemeClr>
+            </a:lnRef>
+            <a:fillRef idx="1">
+              <a:schemeClr val="accent1"/>
+            </a:fillRef>
+            <a:effectRef idx="0">
+              <a:schemeClr val="accent1"/>
+            </a:effectRef>
+            <a:fontRef idx="minor">
+              <a:schemeClr val="lt1"/>
+            </a:fontRef>
+          </p:style>
+          <p:txBody>
+            <a:bodyPr rtlCol="0" anchor="ctr"/>
+            <a:lstStyle/>
+            <a:p>
+              <a:pPr algn="ctr"/>
+              <a:endParaRPr lang="zh-CN" altLang="en-US"/>
+            </a:p>
+          </p:txBody>
+        </p:sp>
+        <p:cxnSp>
+          <p:nvCxnSpPr>
+            <p:cNvPr id="6" name="直接箭头连接符 5">
+              <a:extLst>
+                <a:ext uri="{FF2B5EF4-FFF2-40B4-BE49-F238E27FC236}">
+                  <a16:creationId xmlns:a16="http://schemas.microsoft.com/office/drawing/2014/main" id="{2E51AFC2-C904-A6DC-1503-FE94F2446CBE}"/>
+                </a:ext>
+              </a:extLst>
+            </p:cNvPr>
+            <p:cNvCxnSpPr>
+              <a:stCxn id="4" idx="5"/>
+            </p:cNvCxnSpPr>
+            <p:nvPr/>
+          </p:nvCxnSpPr>
+          <p:spPr>
+            <a:xfrm flipV="1">
+              <a:off x="1861794" y="2441542"/>
+              <a:ext cx="1107649" cy="645736"/>
+            </a:xfrm>
+            <a:prstGeom prst="straightConnector1">
+              <a:avLst/>
+            </a:prstGeom>
+            <a:ln>
+              <a:solidFill>
+                <a:srgbClr val="FF0000"/>
+              </a:solidFill>
+              <a:tailEnd type="triangle"/>
+            </a:ln>
+          </p:spPr>
+          <p:style>
+            <a:lnRef idx="1">
+              <a:schemeClr val="accent1"/>
+            </a:lnRef>
+            <a:fillRef idx="0">
+              <a:schemeClr val="accent1"/>
+            </a:fillRef>
+            <a:effectRef idx="0">
+              <a:schemeClr val="accent1"/>
+            </a:effectRef>
+            <a:fontRef idx="minor">
+              <a:schemeClr val="tx1"/>
+            </a:fontRef>
+          </p:style>
+        </p:cxnSp>
+        <p:sp>
+          <p:nvSpPr>
+            <p:cNvPr id="7" name="文本框 6">
+              <a:extLst>
+                <a:ext uri="{FF2B5EF4-FFF2-40B4-BE49-F238E27FC236}">
+                  <a16:creationId xmlns:a16="http://schemas.microsoft.com/office/drawing/2014/main" id="{196575ED-2B34-DC7E-2362-136A44CF5222}"/>
+                </a:ext>
+              </a:extLst>
+            </p:cNvPr>
+            <p:cNvSpPr txBox="1"/>
+            <p:nvPr/>
+          </p:nvSpPr>
+          <p:spPr>
+            <a:xfrm>
+              <a:off x="2771479" y="2043930"/>
+              <a:ext cx="575035" cy="369332"/>
+            </a:xfrm>
+            <a:prstGeom prst="rect">
+              <a:avLst/>
+            </a:prstGeom>
+            <a:noFill/>
+          </p:spPr>
+          <p:txBody>
+            <a:bodyPr wrap="square" rtlCol="0">
+              <a:spAutoFit/>
+            </a:bodyPr>
+            <a:lstStyle/>
+            <a:p>
+              <a:r>
+                <a:rPr lang="en-US" altLang="zh-CN"/>
+                <a:t>N</a:t>
+              </a:r>
+              <a:endParaRPr lang="zh-CN" altLang="en-US"/>
+            </a:p>
+          </p:txBody>
+        </p:sp>
+        <p:cxnSp>
+          <p:nvCxnSpPr>
+            <p:cNvPr id="12" name="直接箭头连接符 11">
+              <a:extLst>
+                <a:ext uri="{FF2B5EF4-FFF2-40B4-BE49-F238E27FC236}">
+                  <a16:creationId xmlns:a16="http://schemas.microsoft.com/office/drawing/2014/main" id="{1031A748-85B5-30F0-B38C-BEB1797E7D29}"/>
+                </a:ext>
+              </a:extLst>
+            </p:cNvPr>
+            <p:cNvCxnSpPr>
+              <a:cxnSpLocks/>
+            </p:cNvCxnSpPr>
+            <p:nvPr/>
+          </p:nvCxnSpPr>
+          <p:spPr>
+            <a:xfrm>
+              <a:off x="1861793" y="3087278"/>
+              <a:ext cx="645736" cy="1135930"/>
+            </a:xfrm>
+            <a:prstGeom prst="straightConnector1">
+              <a:avLst/>
+            </a:prstGeom>
+            <a:ln w="38100">
+              <a:tailEnd type="triangle"/>
+            </a:ln>
+          </p:spPr>
+          <p:style>
+            <a:lnRef idx="1">
+              <a:schemeClr val="accent6"/>
+            </a:lnRef>
+            <a:fillRef idx="0">
+              <a:schemeClr val="accent6"/>
+            </a:fillRef>
+            <a:effectRef idx="0">
+              <a:schemeClr val="accent6"/>
+            </a:effectRef>
+            <a:fontRef idx="minor">
+              <a:schemeClr val="tx1"/>
+            </a:fontRef>
+          </p:style>
+        </p:cxnSp>
+        <p:sp>
+          <p:nvSpPr>
+            <p:cNvPr id="13" name="文本框 12">
+              <a:extLst>
+                <a:ext uri="{FF2B5EF4-FFF2-40B4-BE49-F238E27FC236}">
+                  <a16:creationId xmlns:a16="http://schemas.microsoft.com/office/drawing/2014/main" id="{F37CBF8A-ABD3-2434-C689-74DF6C15DBED}"/>
+                </a:ext>
+              </a:extLst>
+            </p:cNvPr>
+            <p:cNvSpPr txBox="1"/>
+            <p:nvPr/>
+          </p:nvSpPr>
+          <p:spPr>
+            <a:xfrm>
+              <a:off x="2526381" y="4060422"/>
+              <a:ext cx="575035" cy="369332"/>
+            </a:xfrm>
+            <a:prstGeom prst="rect">
+              <a:avLst/>
+            </a:prstGeom>
+            <a:noFill/>
+          </p:spPr>
+          <p:txBody>
+            <a:bodyPr wrap="square" rtlCol="0">
+              <a:spAutoFit/>
+            </a:bodyPr>
+            <a:lstStyle/>
+            <a:p>
+              <a:r>
+                <a:rPr lang="en-US" altLang="zh-CN"/>
+                <a:t>T</a:t>
+              </a:r>
+              <a:endParaRPr lang="zh-CN" altLang="en-US"/>
+            </a:p>
+          </p:txBody>
+        </p:sp>
+      </p:grpSp>
+      <p:sp>
+        <p:nvSpPr>
+          <p:cNvPr id="37" name="直角三角形 36">
+            <a:extLst>
+              <a:ext uri="{FF2B5EF4-FFF2-40B4-BE49-F238E27FC236}">
+                <a16:creationId xmlns:a16="http://schemas.microsoft.com/office/drawing/2014/main" id="{46AE0BB6-74D3-8BDF-B7F1-6DB2A070A6A1}"/>
+              </a:ext>
+            </a:extLst>
+          </p:cNvPr>
+          <p:cNvSpPr/>
+          <p:nvPr/>
+        </p:nvSpPr>
+        <p:spPr>
+          <a:xfrm>
+            <a:off x="4279766" y="3853540"/>
+            <a:ext cx="2215299" cy="1152427"/>
+          </a:xfrm>
+          <a:prstGeom prst="rtTriangle">
+            <a:avLst/>
+          </a:prstGeom>
+          <a:solidFill>
+            <a:schemeClr val="accent1">
+              <a:alpha val="32000"/>
+            </a:schemeClr>
+          </a:solidFill>
+        </p:spPr>
+        <p:style>
+          <a:lnRef idx="2">
+            <a:schemeClr val="accent1">
+              <a:shade val="15000"/>
+            </a:schemeClr>
+          </a:lnRef>
+          <a:fillRef idx="1">
+            <a:schemeClr val="accent1"/>
+          </a:fillRef>
+          <a:effectRef idx="0">
+            <a:schemeClr val="accent1"/>
+          </a:effectRef>
+          <a:fontRef idx="minor">
+            <a:schemeClr val="lt1"/>
+          </a:fontRef>
+        </p:style>
+        <p:txBody>
+          <a:bodyPr rtlCol="0" anchor="ctr"/>
+          <a:lstStyle/>
+          <a:p>
+            <a:pPr algn="ctr"/>
+            <a:endParaRPr lang="zh-CN" altLang="en-US"/>
+          </a:p>
+        </p:txBody>
+      </p:sp>
+      <p:cxnSp>
+        <p:nvCxnSpPr>
+          <p:cNvPr id="38" name="直接箭头连接符 37">
+            <a:extLst>
+              <a:ext uri="{FF2B5EF4-FFF2-40B4-BE49-F238E27FC236}">
+                <a16:creationId xmlns:a16="http://schemas.microsoft.com/office/drawing/2014/main" id="{D872BFE7-1027-3AA9-CA2C-54928EAD7D5B}"/>
+              </a:ext>
+            </a:extLst>
+          </p:cNvPr>
+          <p:cNvCxnSpPr>
+            <a:stCxn id="37" idx="5"/>
+          </p:cNvCxnSpPr>
+          <p:nvPr/>
+        </p:nvCxnSpPr>
+        <p:spPr>
+          <a:xfrm flipV="1">
+            <a:off x="5387416" y="4238612"/>
+            <a:ext cx="1107649" cy="191141"/>
+          </a:xfrm>
+          <a:prstGeom prst="straightConnector1">
+            <a:avLst/>
+          </a:prstGeom>
+          <a:ln>
+            <a:solidFill>
+              <a:srgbClr val="FF0000"/>
+            </a:solidFill>
+            <a:tailEnd type="triangle"/>
+          </a:ln>
+        </p:spPr>
+        <p:style>
+          <a:lnRef idx="1">
+            <a:schemeClr val="accent1"/>
+          </a:lnRef>
+          <a:fillRef idx="0">
+            <a:schemeClr val="accent1"/>
+          </a:fillRef>
+          <a:effectRef idx="0">
+            <a:schemeClr val="accent1"/>
+          </a:effectRef>
+          <a:fontRef idx="minor">
+            <a:schemeClr val="tx1"/>
+          </a:fontRef>
+        </p:style>
+      </p:cxnSp>
+      <p:sp>
+        <p:nvSpPr>
+          <p:cNvPr id="39" name="文本框 38">
+            <a:extLst>
+              <a:ext uri="{FF2B5EF4-FFF2-40B4-BE49-F238E27FC236}">
+                <a16:creationId xmlns:a16="http://schemas.microsoft.com/office/drawing/2014/main" id="{5195022C-9731-F1C8-5F9A-463C1E3E647A}"/>
+              </a:ext>
+            </a:extLst>
+          </p:cNvPr>
+          <p:cNvSpPr txBox="1"/>
+          <p:nvPr/>
+        </p:nvSpPr>
+        <p:spPr>
+          <a:xfrm>
+            <a:off x="6777868" y="4060422"/>
+            <a:ext cx="1696232" cy="369332"/>
+          </a:xfrm>
+          <a:prstGeom prst="rect">
+            <a:avLst/>
+          </a:prstGeom>
+          <a:noFill/>
+        </p:spPr>
+        <p:txBody>
+          <a:bodyPr wrap="square" rtlCol="0">
+            <a:spAutoFit/>
+          </a:bodyPr>
+          <a:lstStyle/>
+          <a:p>
+            <a:r>
+              <a:rPr lang="en-US" altLang="zh-CN"/>
+              <a:t>N</a:t>
+            </a:r>
+            <a:r>
+              <a:rPr lang="zh-CN" altLang="en-US"/>
+              <a:t>（错误）</a:t>
+            </a:r>
+          </a:p>
+        </p:txBody>
+      </p:sp>
+      <p:cxnSp>
+        <p:nvCxnSpPr>
+          <p:cNvPr id="40" name="直接箭头连接符 39">
+            <a:extLst>
+              <a:ext uri="{FF2B5EF4-FFF2-40B4-BE49-F238E27FC236}">
+                <a16:creationId xmlns:a16="http://schemas.microsoft.com/office/drawing/2014/main" id="{B4ED05C5-B89D-766C-A79C-4BC6E1077C38}"/>
+              </a:ext>
+            </a:extLst>
+          </p:cNvPr>
+          <p:cNvCxnSpPr>
+            <a:cxnSpLocks/>
+          </p:cNvCxnSpPr>
+          <p:nvPr/>
+        </p:nvCxnSpPr>
+        <p:spPr>
+          <a:xfrm>
+            <a:off x="5387415" y="4429754"/>
+            <a:ext cx="645736" cy="336241"/>
+          </a:xfrm>
+          <a:prstGeom prst="straightConnector1">
+            <a:avLst/>
+          </a:prstGeom>
+          <a:ln w="38100">
+            <a:tailEnd type="triangle"/>
+          </a:ln>
+        </p:spPr>
+        <p:style>
+          <a:lnRef idx="1">
+            <a:schemeClr val="accent6"/>
+          </a:lnRef>
+          <a:fillRef idx="0">
+            <a:schemeClr val="accent6"/>
+          </a:fillRef>
+          <a:effectRef idx="0">
+            <a:schemeClr val="accent6"/>
+          </a:effectRef>
+          <a:fontRef idx="minor">
+            <a:schemeClr val="tx1"/>
+          </a:fontRef>
+        </p:style>
+      </p:cxnSp>
+      <p:sp>
+        <p:nvSpPr>
+          <p:cNvPr id="41" name="文本框 40">
+            <a:extLst>
+              <a:ext uri="{FF2B5EF4-FFF2-40B4-BE49-F238E27FC236}">
+                <a16:creationId xmlns:a16="http://schemas.microsoft.com/office/drawing/2014/main" id="{74C857AA-D76C-F596-1C30-76D3E61FF179}"/>
+              </a:ext>
+            </a:extLst>
+          </p:cNvPr>
+          <p:cNvSpPr txBox="1"/>
+          <p:nvPr/>
+        </p:nvSpPr>
+        <p:spPr>
+          <a:xfrm>
+            <a:off x="5520965" y="4725218"/>
+            <a:ext cx="575035" cy="109324"/>
+          </a:xfrm>
+          <a:prstGeom prst="rect">
+            <a:avLst/>
+          </a:prstGeom>
+          <a:noFill/>
+        </p:spPr>
+        <p:txBody>
+          <a:bodyPr wrap="square" rtlCol="0">
+            <a:spAutoFit/>
+          </a:bodyPr>
+          <a:lstStyle/>
+          <a:p>
+            <a:r>
+              <a:rPr lang="en-US" altLang="zh-CN"/>
+              <a:t>T</a:t>
+            </a:r>
+            <a:endParaRPr lang="zh-CN" altLang="en-US"/>
+          </a:p>
+        </p:txBody>
+      </p:sp>
+      <p:cxnSp>
+        <p:nvCxnSpPr>
+          <p:cNvPr id="42" name="直接箭头连接符 41">
+            <a:extLst>
+              <a:ext uri="{FF2B5EF4-FFF2-40B4-BE49-F238E27FC236}">
+                <a16:creationId xmlns:a16="http://schemas.microsoft.com/office/drawing/2014/main" id="{160E122D-191C-B082-F890-DD9B8893797B}"/>
+              </a:ext>
+            </a:extLst>
+          </p:cNvPr>
+          <p:cNvCxnSpPr>
+            <a:cxnSpLocks/>
+          </p:cNvCxnSpPr>
+          <p:nvPr/>
+        </p:nvCxnSpPr>
+        <p:spPr>
+          <a:xfrm flipV="1">
+            <a:off x="5410392" y="3243154"/>
+            <a:ext cx="622759" cy="1164496"/>
+          </a:xfrm>
+          <a:prstGeom prst="straightConnector1">
+            <a:avLst/>
+          </a:prstGeom>
+          <a:ln>
+            <a:solidFill>
+              <a:schemeClr val="accent6">
+                <a:lumMod val="50000"/>
+              </a:schemeClr>
+            </a:solidFill>
+            <a:tailEnd type="triangle"/>
+          </a:ln>
+        </p:spPr>
+        <p:style>
+          <a:lnRef idx="1">
+            <a:schemeClr val="accent1"/>
+          </a:lnRef>
+          <a:fillRef idx="0">
+            <a:schemeClr val="accent1"/>
+          </a:fillRef>
+          <a:effectRef idx="0">
+            <a:schemeClr val="accent1"/>
+          </a:effectRef>
+          <a:fontRef idx="minor">
+            <a:schemeClr val="tx1"/>
+          </a:fontRef>
+        </p:style>
+      </p:cxnSp>
+      <p:sp>
+        <p:nvSpPr>
+          <p:cNvPr id="44" name="文本框 43">
+            <a:extLst>
+              <a:ext uri="{FF2B5EF4-FFF2-40B4-BE49-F238E27FC236}">
+                <a16:creationId xmlns:a16="http://schemas.microsoft.com/office/drawing/2014/main" id="{5982AD23-EE0E-0278-0AA9-EF7875C532F9}"/>
+              </a:ext>
+            </a:extLst>
+          </p:cNvPr>
+          <p:cNvSpPr txBox="1"/>
+          <p:nvPr/>
+        </p:nvSpPr>
+        <p:spPr>
+          <a:xfrm>
+            <a:off x="5808482" y="2761762"/>
+            <a:ext cx="1696232" cy="369332"/>
+          </a:xfrm>
+          <a:prstGeom prst="rect">
+            <a:avLst/>
+          </a:prstGeom>
+          <a:noFill/>
+        </p:spPr>
+        <p:txBody>
+          <a:bodyPr wrap="square" rtlCol="0">
+            <a:spAutoFit/>
+          </a:bodyPr>
+          <a:lstStyle/>
+          <a:p>
+            <a:r>
+              <a:rPr lang="en-US" altLang="zh-CN"/>
+              <a:t>N</a:t>
+            </a:r>
+            <a:r>
+              <a:rPr lang="zh-CN" altLang="en-US"/>
+              <a:t>（正确）</a:t>
+            </a:r>
+          </a:p>
+        </p:txBody>
+      </p:sp>
+      <p:sp>
+        <p:nvSpPr>
+          <p:cNvPr id="45" name="文本框 44">
+            <a:extLst>
+              <a:ext uri="{FF2B5EF4-FFF2-40B4-BE49-F238E27FC236}">
+                <a16:creationId xmlns:a16="http://schemas.microsoft.com/office/drawing/2014/main" id="{D2A8352C-9FD1-504A-92B0-970B86A6A016}"/>
+              </a:ext>
+            </a:extLst>
+          </p:cNvPr>
+          <p:cNvSpPr txBox="1"/>
+          <p:nvPr/>
+        </p:nvSpPr>
+        <p:spPr>
+          <a:xfrm>
+            <a:off x="1237267" y="5253086"/>
+            <a:ext cx="1178351" cy="372359"/>
+          </a:xfrm>
+          <a:prstGeom prst="rect">
+            <a:avLst/>
+          </a:prstGeom>
+          <a:noFill/>
+        </p:spPr>
+        <p:txBody>
+          <a:bodyPr wrap="square" rtlCol="0">
+            <a:spAutoFit/>
+          </a:bodyPr>
+          <a:lstStyle/>
+          <a:p>
+            <a:r>
+              <a:rPr lang="zh-CN" altLang="en-US"/>
+              <a:t>变换前</a:t>
+            </a:r>
+          </a:p>
+        </p:txBody>
+      </p:sp>
+      <p:sp>
+        <p:nvSpPr>
+          <p:cNvPr id="47" name="文本框 46">
+            <a:extLst>
+              <a:ext uri="{FF2B5EF4-FFF2-40B4-BE49-F238E27FC236}">
+                <a16:creationId xmlns:a16="http://schemas.microsoft.com/office/drawing/2014/main" id="{1F74404C-0492-5E71-F818-765E2C34AD7A}"/>
+              </a:ext>
+            </a:extLst>
+          </p:cNvPr>
+          <p:cNvSpPr txBox="1"/>
+          <p:nvPr/>
+        </p:nvSpPr>
+        <p:spPr>
+          <a:xfrm>
+            <a:off x="4781747" y="5243819"/>
+            <a:ext cx="921469" cy="369332"/>
+          </a:xfrm>
+          <a:prstGeom prst="rect">
+            <a:avLst/>
+          </a:prstGeom>
+          <a:noFill/>
+        </p:spPr>
+        <p:txBody>
+          <a:bodyPr wrap="square">
+            <a:spAutoFit/>
+          </a:bodyPr>
+          <a:lstStyle/>
+          <a:p>
+            <a:r>
+              <a:rPr lang="zh-CN" altLang="en-US"/>
+              <a:t>变换后</a:t>
+            </a:r>
+          </a:p>
+        </p:txBody>
+      </p:sp>
+    </p:spTree>
+    <p:extLst>
+      <p:ext uri="{BB962C8B-B14F-4D97-AF65-F5344CB8AC3E}">
+        <p14:creationId xmlns:p14="http://schemas.microsoft.com/office/powerpoint/2010/main" val="2581386905"/>
+      </p:ext>
+    </p:extLst>
+  </p:cSld>
+  <p:clrMapOvr>
+    <a:masterClrMapping/>
+  </p:clrMapOvr>
+</p:sld>
+</file>
+
 <file path=ppt/theme/theme1.xml><?xml version="1.0" encoding="utf-8"?>
 <a:theme xmlns:a="http://schemas.openxmlformats.org/drawingml/2006/main" name="Office 主题​​">
   <a:themeElements>

--- a/计算机图形学/图形学教程/Leson_9.pptx
+++ b/计算机图形学/图形学教程/Leson_9.pptx
@@ -12,9 +12,13 @@
     <p:sldId id="260" r:id="rId6"/>
     <p:sldId id="261" r:id="rId7"/>
     <p:sldId id="262" r:id="rId8"/>
+    <p:sldId id="263" r:id="rId9"/>
+    <p:sldId id="264" r:id="rId10"/>
+    <p:sldId id="265" r:id="rId11"/>
+    <p:sldId id="266" r:id="rId12"/>
   </p:sldIdLst>
   <p:sldSz cx="12192000" cy="6858000"/>
-  <p:notesSz cx="6858000" cy="9144000"/>
+  <p:notesSz cx="6797675" cy="9928225"/>
   <p:defaultTextStyle>
     <a:defPPr>
       <a:defRPr lang="zh-CN"/>
@@ -265,7 +269,7 @@
           <a:p>
             <a:fld id="{EFC9EF4B-DC85-456E-A69C-7178B0A20B85}" type="datetimeFigureOut">
               <a:rPr lang="zh-CN" altLang="en-US" smtClean="0"/>
-              <a:t>2024/11/8</a:t>
+              <a:t>2024/11/19</a:t>
             </a:fld>
             <a:endParaRPr lang="zh-CN" altLang="en-US"/>
           </a:p>
@@ -463,7 +467,7 @@
           <a:p>
             <a:fld id="{EFC9EF4B-DC85-456E-A69C-7178B0A20B85}" type="datetimeFigureOut">
               <a:rPr lang="zh-CN" altLang="en-US" smtClean="0"/>
-              <a:t>2024/11/8</a:t>
+              <a:t>2024/11/19</a:t>
             </a:fld>
             <a:endParaRPr lang="zh-CN" altLang="en-US"/>
           </a:p>
@@ -671,7 +675,7 @@
           <a:p>
             <a:fld id="{EFC9EF4B-DC85-456E-A69C-7178B0A20B85}" type="datetimeFigureOut">
               <a:rPr lang="zh-CN" altLang="en-US" smtClean="0"/>
-              <a:t>2024/11/8</a:t>
+              <a:t>2024/11/19</a:t>
             </a:fld>
             <a:endParaRPr lang="zh-CN" altLang="en-US"/>
           </a:p>
@@ -869,7 +873,7 @@
           <a:p>
             <a:fld id="{EFC9EF4B-DC85-456E-A69C-7178B0A20B85}" type="datetimeFigureOut">
               <a:rPr lang="zh-CN" altLang="en-US" smtClean="0"/>
-              <a:t>2024/11/8</a:t>
+              <a:t>2024/11/19</a:t>
             </a:fld>
             <a:endParaRPr lang="zh-CN" altLang="en-US"/>
           </a:p>
@@ -1144,7 +1148,7 @@
           <a:p>
             <a:fld id="{EFC9EF4B-DC85-456E-A69C-7178B0A20B85}" type="datetimeFigureOut">
               <a:rPr lang="zh-CN" altLang="en-US" smtClean="0"/>
-              <a:t>2024/11/8</a:t>
+              <a:t>2024/11/19</a:t>
             </a:fld>
             <a:endParaRPr lang="zh-CN" altLang="en-US"/>
           </a:p>
@@ -1409,7 +1413,7 @@
           <a:p>
             <a:fld id="{EFC9EF4B-DC85-456E-A69C-7178B0A20B85}" type="datetimeFigureOut">
               <a:rPr lang="zh-CN" altLang="en-US" smtClean="0"/>
-              <a:t>2024/11/8</a:t>
+              <a:t>2024/11/19</a:t>
             </a:fld>
             <a:endParaRPr lang="zh-CN" altLang="en-US"/>
           </a:p>
@@ -1821,7 +1825,7 @@
           <a:p>
             <a:fld id="{EFC9EF4B-DC85-456E-A69C-7178B0A20B85}" type="datetimeFigureOut">
               <a:rPr lang="zh-CN" altLang="en-US" smtClean="0"/>
-              <a:t>2024/11/8</a:t>
+              <a:t>2024/11/19</a:t>
             </a:fld>
             <a:endParaRPr lang="zh-CN" altLang="en-US"/>
           </a:p>
@@ -1962,7 +1966,7 @@
           <a:p>
             <a:fld id="{EFC9EF4B-DC85-456E-A69C-7178B0A20B85}" type="datetimeFigureOut">
               <a:rPr lang="zh-CN" altLang="en-US" smtClean="0"/>
-              <a:t>2024/11/8</a:t>
+              <a:t>2024/11/19</a:t>
             </a:fld>
             <a:endParaRPr lang="zh-CN" altLang="en-US"/>
           </a:p>
@@ -2075,7 +2079,7 @@
           <a:p>
             <a:fld id="{EFC9EF4B-DC85-456E-A69C-7178B0A20B85}" type="datetimeFigureOut">
               <a:rPr lang="zh-CN" altLang="en-US" smtClean="0"/>
-              <a:t>2024/11/8</a:t>
+              <a:t>2024/11/19</a:t>
             </a:fld>
             <a:endParaRPr lang="zh-CN" altLang="en-US"/>
           </a:p>
@@ -2386,7 +2390,7 @@
           <a:p>
             <a:fld id="{EFC9EF4B-DC85-456E-A69C-7178B0A20B85}" type="datetimeFigureOut">
               <a:rPr lang="zh-CN" altLang="en-US" smtClean="0"/>
-              <a:t>2024/11/8</a:t>
+              <a:t>2024/11/19</a:t>
             </a:fld>
             <a:endParaRPr lang="zh-CN" altLang="en-US"/>
           </a:p>
@@ -2674,7 +2678,7 @@
           <a:p>
             <a:fld id="{EFC9EF4B-DC85-456E-A69C-7178B0A20B85}" type="datetimeFigureOut">
               <a:rPr lang="zh-CN" altLang="en-US" smtClean="0"/>
-              <a:t>2024/11/8</a:t>
+              <a:t>2024/11/19</a:t>
             </a:fld>
             <a:endParaRPr lang="zh-CN" altLang="en-US"/>
           </a:p>
@@ -2915,7 +2919,7 @@
           <a:p>
             <a:fld id="{EFC9EF4B-DC85-456E-A69C-7178B0A20B85}" type="datetimeFigureOut">
               <a:rPr lang="zh-CN" altLang="en-US" smtClean="0"/>
-              <a:t>2024/11/8</a:t>
+              <a:t>2024/11/19</a:t>
             </a:fld>
             <a:endParaRPr lang="zh-CN" altLang="en-US"/>
           </a:p>
@@ -3543,6 +3547,3845 @@
 </p:sld>
 </file>
 
+<file path=ppt/slides/slide10.xml><?xml version="1.0" encoding="utf-8"?>
+<p:sld xmlns:a="http://schemas.openxmlformats.org/drawingml/2006/main" xmlns:r="http://schemas.openxmlformats.org/officeDocument/2006/relationships" xmlns:p="http://schemas.openxmlformats.org/presentationml/2006/main">
+  <p:cSld>
+    <p:spTree>
+      <p:nvGrpSpPr>
+        <p:cNvPr id="1" name="">
+          <a:extLst>
+            <a:ext uri="{FF2B5EF4-FFF2-40B4-BE49-F238E27FC236}">
+              <a16:creationId xmlns:a16="http://schemas.microsoft.com/office/drawing/2014/main" id="{C2F26B98-A603-D276-F03B-8E9720F4A10D}"/>
+            </a:ext>
+          </a:extLst>
+        </p:cNvPr>
+        <p:cNvGrpSpPr/>
+        <p:nvPr/>
+      </p:nvGrpSpPr>
+      <p:grpSpPr>
+        <a:xfrm>
+          <a:off x="0" y="0"/>
+          <a:ext cx="0" cy="0"/>
+          <a:chOff x="0" y="0"/>
+          <a:chExt cx="0" cy="0"/>
+        </a:xfrm>
+      </p:grpSpPr>
+      <p:sp>
+        <p:nvSpPr>
+          <p:cNvPr id="4" name="矩形 3">
+            <a:extLst>
+              <a:ext uri="{FF2B5EF4-FFF2-40B4-BE49-F238E27FC236}">
+                <a16:creationId xmlns:a16="http://schemas.microsoft.com/office/drawing/2014/main" id="{A96EEBBB-C1DC-1BFA-A25C-DA012212A3F2}"/>
+              </a:ext>
+            </a:extLst>
+          </p:cNvPr>
+          <p:cNvSpPr/>
+          <p:nvPr/>
+        </p:nvSpPr>
+        <p:spPr>
+          <a:xfrm>
+            <a:off x="4572000" y="584462"/>
+            <a:ext cx="1725105" cy="1743959"/>
+          </a:xfrm>
+          <a:prstGeom prst="rect">
+            <a:avLst/>
+          </a:prstGeom>
+          <a:solidFill>
+            <a:schemeClr val="bg1">
+              <a:lumMod val="95000"/>
+            </a:schemeClr>
+          </a:solidFill>
+        </p:spPr>
+        <p:style>
+          <a:lnRef idx="2">
+            <a:schemeClr val="accent1">
+              <a:shade val="15000"/>
+            </a:schemeClr>
+          </a:lnRef>
+          <a:fillRef idx="1">
+            <a:schemeClr val="accent1"/>
+          </a:fillRef>
+          <a:effectRef idx="0">
+            <a:schemeClr val="accent1"/>
+          </a:effectRef>
+          <a:fontRef idx="minor">
+            <a:schemeClr val="lt1"/>
+          </a:fontRef>
+        </p:style>
+        <p:txBody>
+          <a:bodyPr rtlCol="0" anchor="ctr"/>
+          <a:lstStyle/>
+          <a:p>
+            <a:pPr algn="ctr"/>
+            <a:endParaRPr lang="zh-CN" altLang="en-US"/>
+          </a:p>
+        </p:txBody>
+      </p:sp>
+      <p:sp>
+        <p:nvSpPr>
+          <p:cNvPr id="5" name="矩形 4">
+            <a:extLst>
+              <a:ext uri="{FF2B5EF4-FFF2-40B4-BE49-F238E27FC236}">
+                <a16:creationId xmlns:a16="http://schemas.microsoft.com/office/drawing/2014/main" id="{D2C73290-C81F-51D0-96B8-3B6634A960A2}"/>
+              </a:ext>
+            </a:extLst>
+          </p:cNvPr>
+          <p:cNvSpPr/>
+          <p:nvPr/>
+        </p:nvSpPr>
+        <p:spPr>
+          <a:xfrm>
+            <a:off x="4571999" y="2328421"/>
+            <a:ext cx="1725105" cy="1743959"/>
+          </a:xfrm>
+          <a:prstGeom prst="rect">
+            <a:avLst/>
+          </a:prstGeom>
+          <a:solidFill>
+            <a:schemeClr val="bg1">
+              <a:lumMod val="75000"/>
+            </a:schemeClr>
+          </a:solidFill>
+        </p:spPr>
+        <p:style>
+          <a:lnRef idx="2">
+            <a:schemeClr val="accent1">
+              <a:shade val="15000"/>
+            </a:schemeClr>
+          </a:lnRef>
+          <a:fillRef idx="1">
+            <a:schemeClr val="accent1"/>
+          </a:fillRef>
+          <a:effectRef idx="0">
+            <a:schemeClr val="accent1"/>
+          </a:effectRef>
+          <a:fontRef idx="minor">
+            <a:schemeClr val="lt1"/>
+          </a:fontRef>
+        </p:style>
+        <p:txBody>
+          <a:bodyPr rtlCol="0" anchor="ctr"/>
+          <a:lstStyle/>
+          <a:p>
+            <a:pPr algn="ctr"/>
+            <a:endParaRPr lang="zh-CN" altLang="en-US"/>
+          </a:p>
+        </p:txBody>
+      </p:sp>
+      <p:sp>
+        <p:nvSpPr>
+          <p:cNvPr id="6" name="矩形 5">
+            <a:extLst>
+              <a:ext uri="{FF2B5EF4-FFF2-40B4-BE49-F238E27FC236}">
+                <a16:creationId xmlns:a16="http://schemas.microsoft.com/office/drawing/2014/main" id="{60B8B10B-C1C9-F795-6572-50A92D3AEA16}"/>
+              </a:ext>
+            </a:extLst>
+          </p:cNvPr>
+          <p:cNvSpPr/>
+          <p:nvPr/>
+        </p:nvSpPr>
+        <p:spPr>
+          <a:xfrm>
+            <a:off x="2846893" y="2328420"/>
+            <a:ext cx="1725105" cy="1743959"/>
+          </a:xfrm>
+          <a:prstGeom prst="rect">
+            <a:avLst/>
+          </a:prstGeom>
+          <a:solidFill>
+            <a:schemeClr val="bg1">
+              <a:lumMod val="85000"/>
+            </a:schemeClr>
+          </a:solidFill>
+        </p:spPr>
+        <p:style>
+          <a:lnRef idx="2">
+            <a:schemeClr val="accent1">
+              <a:shade val="15000"/>
+            </a:schemeClr>
+          </a:lnRef>
+          <a:fillRef idx="1">
+            <a:schemeClr val="accent1"/>
+          </a:fillRef>
+          <a:effectRef idx="0">
+            <a:schemeClr val="accent1"/>
+          </a:effectRef>
+          <a:fontRef idx="minor">
+            <a:schemeClr val="lt1"/>
+          </a:fontRef>
+        </p:style>
+        <p:txBody>
+          <a:bodyPr rtlCol="0" anchor="ctr"/>
+          <a:lstStyle/>
+          <a:p>
+            <a:pPr algn="ctr"/>
+            <a:endParaRPr lang="zh-CN" altLang="en-US"/>
+          </a:p>
+        </p:txBody>
+      </p:sp>
+      <p:sp>
+        <p:nvSpPr>
+          <p:cNvPr id="7" name="矩形 6">
+            <a:extLst>
+              <a:ext uri="{FF2B5EF4-FFF2-40B4-BE49-F238E27FC236}">
+                <a16:creationId xmlns:a16="http://schemas.microsoft.com/office/drawing/2014/main" id="{C5F40D78-14C9-5B09-A727-9CD65EE9F643}"/>
+              </a:ext>
+            </a:extLst>
+          </p:cNvPr>
+          <p:cNvSpPr/>
+          <p:nvPr/>
+        </p:nvSpPr>
+        <p:spPr>
+          <a:xfrm>
+            <a:off x="6297104" y="2328420"/>
+            <a:ext cx="1725105" cy="1743959"/>
+          </a:xfrm>
+          <a:prstGeom prst="rect">
+            <a:avLst/>
+          </a:prstGeom>
+          <a:solidFill>
+            <a:schemeClr val="bg1">
+              <a:lumMod val="65000"/>
+            </a:schemeClr>
+          </a:solidFill>
+        </p:spPr>
+        <p:style>
+          <a:lnRef idx="2">
+            <a:schemeClr val="accent1">
+              <a:shade val="15000"/>
+            </a:schemeClr>
+          </a:lnRef>
+          <a:fillRef idx="1">
+            <a:schemeClr val="accent1"/>
+          </a:fillRef>
+          <a:effectRef idx="0">
+            <a:schemeClr val="accent1"/>
+          </a:effectRef>
+          <a:fontRef idx="minor">
+            <a:schemeClr val="lt1"/>
+          </a:fontRef>
+        </p:style>
+        <p:txBody>
+          <a:bodyPr rtlCol="0" anchor="ctr"/>
+          <a:lstStyle/>
+          <a:p>
+            <a:pPr algn="ctr"/>
+            <a:endParaRPr lang="zh-CN" altLang="en-US"/>
+          </a:p>
+        </p:txBody>
+      </p:sp>
+      <p:sp>
+        <p:nvSpPr>
+          <p:cNvPr id="8" name="矩形 7">
+            <a:extLst>
+              <a:ext uri="{FF2B5EF4-FFF2-40B4-BE49-F238E27FC236}">
+                <a16:creationId xmlns:a16="http://schemas.microsoft.com/office/drawing/2014/main" id="{0D839555-A8D6-7194-806D-1863B8638DEA}"/>
+              </a:ext>
+            </a:extLst>
+          </p:cNvPr>
+          <p:cNvSpPr/>
+          <p:nvPr/>
+        </p:nvSpPr>
+        <p:spPr>
+          <a:xfrm>
+            <a:off x="8022209" y="2328420"/>
+            <a:ext cx="1725105" cy="1743959"/>
+          </a:xfrm>
+          <a:prstGeom prst="rect">
+            <a:avLst/>
+          </a:prstGeom>
+          <a:solidFill>
+            <a:schemeClr val="bg1">
+              <a:lumMod val="50000"/>
+            </a:schemeClr>
+          </a:solidFill>
+        </p:spPr>
+        <p:style>
+          <a:lnRef idx="2">
+            <a:schemeClr val="accent1">
+              <a:shade val="15000"/>
+            </a:schemeClr>
+          </a:lnRef>
+          <a:fillRef idx="1">
+            <a:schemeClr val="accent1"/>
+          </a:fillRef>
+          <a:effectRef idx="0">
+            <a:schemeClr val="accent1"/>
+          </a:effectRef>
+          <a:fontRef idx="minor">
+            <a:schemeClr val="lt1"/>
+          </a:fontRef>
+        </p:style>
+        <p:txBody>
+          <a:bodyPr rtlCol="0" anchor="ctr"/>
+          <a:lstStyle/>
+          <a:p>
+            <a:pPr algn="ctr"/>
+            <a:endParaRPr lang="zh-CN" altLang="en-US"/>
+          </a:p>
+        </p:txBody>
+      </p:sp>
+      <p:sp>
+        <p:nvSpPr>
+          <p:cNvPr id="9" name="矩形 8">
+            <a:extLst>
+              <a:ext uri="{FF2B5EF4-FFF2-40B4-BE49-F238E27FC236}">
+                <a16:creationId xmlns:a16="http://schemas.microsoft.com/office/drawing/2014/main" id="{DA73A280-0423-63CF-4254-91E69F857E91}"/>
+              </a:ext>
+            </a:extLst>
+          </p:cNvPr>
+          <p:cNvSpPr/>
+          <p:nvPr/>
+        </p:nvSpPr>
+        <p:spPr>
+          <a:xfrm>
+            <a:off x="4571997" y="4072379"/>
+            <a:ext cx="1725105" cy="1743959"/>
+          </a:xfrm>
+          <a:prstGeom prst="rect">
+            <a:avLst/>
+          </a:prstGeom>
+          <a:noFill/>
+        </p:spPr>
+        <p:style>
+          <a:lnRef idx="2">
+            <a:schemeClr val="accent1">
+              <a:shade val="15000"/>
+            </a:schemeClr>
+          </a:lnRef>
+          <a:fillRef idx="1">
+            <a:schemeClr val="accent1"/>
+          </a:fillRef>
+          <a:effectRef idx="0">
+            <a:schemeClr val="accent1"/>
+          </a:effectRef>
+          <a:fontRef idx="minor">
+            <a:schemeClr val="lt1"/>
+          </a:fontRef>
+        </p:style>
+        <p:txBody>
+          <a:bodyPr rtlCol="0" anchor="ctr"/>
+          <a:lstStyle/>
+          <a:p>
+            <a:pPr algn="ctr"/>
+            <a:endParaRPr lang="zh-CN" altLang="en-US"/>
+          </a:p>
+        </p:txBody>
+      </p:sp>
+      <p:sp>
+        <p:nvSpPr>
+          <p:cNvPr id="11" name="文本框 10">
+            <a:extLst>
+              <a:ext uri="{FF2B5EF4-FFF2-40B4-BE49-F238E27FC236}">
+                <a16:creationId xmlns:a16="http://schemas.microsoft.com/office/drawing/2014/main" id="{B2AC1BB9-C2B8-0DE9-8F69-656D2043903C}"/>
+              </a:ext>
+            </a:extLst>
+          </p:cNvPr>
+          <p:cNvSpPr txBox="1"/>
+          <p:nvPr/>
+        </p:nvSpPr>
+        <p:spPr>
+          <a:xfrm>
+            <a:off x="4564912" y="584461"/>
+            <a:ext cx="527901" cy="369332"/>
+          </a:xfrm>
+          <a:prstGeom prst="rect">
+            <a:avLst/>
+          </a:prstGeom>
+          <a:noFill/>
+        </p:spPr>
+        <p:txBody>
+          <a:bodyPr wrap="square" rtlCol="0">
+            <a:spAutoFit/>
+          </a:bodyPr>
+          <a:lstStyle/>
+          <a:p>
+            <a:r>
+              <a:rPr lang="en-US" altLang="zh-CN"/>
+              <a:t>+Y</a:t>
+            </a:r>
+            <a:endParaRPr lang="zh-CN" altLang="en-US"/>
+          </a:p>
+        </p:txBody>
+      </p:sp>
+      <p:sp>
+        <p:nvSpPr>
+          <p:cNvPr id="12" name="文本框 11">
+            <a:extLst>
+              <a:ext uri="{FF2B5EF4-FFF2-40B4-BE49-F238E27FC236}">
+                <a16:creationId xmlns:a16="http://schemas.microsoft.com/office/drawing/2014/main" id="{5EF772CE-01E6-DD92-E786-30028249372E}"/>
+              </a:ext>
+            </a:extLst>
+          </p:cNvPr>
+          <p:cNvSpPr txBox="1"/>
+          <p:nvPr/>
+        </p:nvSpPr>
+        <p:spPr>
+          <a:xfrm>
+            <a:off x="4609697" y="4175347"/>
+            <a:ext cx="527901" cy="369332"/>
+          </a:xfrm>
+          <a:prstGeom prst="rect">
+            <a:avLst/>
+          </a:prstGeom>
+          <a:noFill/>
+        </p:spPr>
+        <p:txBody>
+          <a:bodyPr wrap="square" rtlCol="0">
+            <a:spAutoFit/>
+          </a:bodyPr>
+          <a:lstStyle/>
+          <a:p>
+            <a:r>
+              <a:rPr lang="en-US" altLang="zh-CN"/>
+              <a:t>-Y</a:t>
+            </a:r>
+            <a:endParaRPr lang="zh-CN" altLang="en-US"/>
+          </a:p>
+        </p:txBody>
+      </p:sp>
+      <p:sp>
+        <p:nvSpPr>
+          <p:cNvPr id="13" name="文本框 12">
+            <a:extLst>
+              <a:ext uri="{FF2B5EF4-FFF2-40B4-BE49-F238E27FC236}">
+                <a16:creationId xmlns:a16="http://schemas.microsoft.com/office/drawing/2014/main" id="{CDBB1F9B-A441-909E-4190-E0D41BEF711A}"/>
+              </a:ext>
+            </a:extLst>
+          </p:cNvPr>
+          <p:cNvSpPr txBox="1"/>
+          <p:nvPr/>
+        </p:nvSpPr>
+        <p:spPr>
+          <a:xfrm>
+            <a:off x="4609697" y="2363829"/>
+            <a:ext cx="527901" cy="369332"/>
+          </a:xfrm>
+          <a:prstGeom prst="rect">
+            <a:avLst/>
+          </a:prstGeom>
+          <a:noFill/>
+        </p:spPr>
+        <p:txBody>
+          <a:bodyPr wrap="square" rtlCol="0">
+            <a:spAutoFit/>
+          </a:bodyPr>
+          <a:lstStyle/>
+          <a:p>
+            <a:r>
+              <a:rPr lang="en-US" altLang="zh-CN"/>
+              <a:t>-Z</a:t>
+            </a:r>
+            <a:endParaRPr lang="zh-CN" altLang="en-US"/>
+          </a:p>
+        </p:txBody>
+      </p:sp>
+      <p:sp>
+        <p:nvSpPr>
+          <p:cNvPr id="14" name="文本框 13">
+            <a:extLst>
+              <a:ext uri="{FF2B5EF4-FFF2-40B4-BE49-F238E27FC236}">
+                <a16:creationId xmlns:a16="http://schemas.microsoft.com/office/drawing/2014/main" id="{05EC6E0E-C5D3-8425-E5FD-9FC366C458EF}"/>
+              </a:ext>
+            </a:extLst>
+          </p:cNvPr>
+          <p:cNvSpPr txBox="1"/>
+          <p:nvPr/>
+        </p:nvSpPr>
+        <p:spPr>
+          <a:xfrm>
+            <a:off x="6367805" y="2363829"/>
+            <a:ext cx="527901" cy="369332"/>
+          </a:xfrm>
+          <a:prstGeom prst="rect">
+            <a:avLst/>
+          </a:prstGeom>
+          <a:noFill/>
+        </p:spPr>
+        <p:txBody>
+          <a:bodyPr wrap="square" rtlCol="0">
+            <a:spAutoFit/>
+          </a:bodyPr>
+          <a:lstStyle/>
+          <a:p>
+            <a:r>
+              <a:rPr lang="en-US" altLang="zh-CN"/>
+              <a:t>+X</a:t>
+            </a:r>
+            <a:endParaRPr lang="zh-CN" altLang="en-US"/>
+          </a:p>
+        </p:txBody>
+      </p:sp>
+      <p:sp>
+        <p:nvSpPr>
+          <p:cNvPr id="15" name="文本框 14">
+            <a:extLst>
+              <a:ext uri="{FF2B5EF4-FFF2-40B4-BE49-F238E27FC236}">
+                <a16:creationId xmlns:a16="http://schemas.microsoft.com/office/drawing/2014/main" id="{4DCE1B16-1527-A42A-ACF2-4F1B245B037B}"/>
+              </a:ext>
+            </a:extLst>
+          </p:cNvPr>
+          <p:cNvSpPr txBox="1"/>
+          <p:nvPr/>
+        </p:nvSpPr>
+        <p:spPr>
+          <a:xfrm>
+            <a:off x="2856306" y="2363829"/>
+            <a:ext cx="527901" cy="369332"/>
+          </a:xfrm>
+          <a:prstGeom prst="rect">
+            <a:avLst/>
+          </a:prstGeom>
+          <a:noFill/>
+        </p:spPr>
+        <p:txBody>
+          <a:bodyPr wrap="square" rtlCol="0">
+            <a:spAutoFit/>
+          </a:bodyPr>
+          <a:lstStyle/>
+          <a:p>
+            <a:r>
+              <a:rPr lang="en-US" altLang="zh-CN"/>
+              <a:t>-X</a:t>
+            </a:r>
+            <a:endParaRPr lang="zh-CN" altLang="en-US"/>
+          </a:p>
+        </p:txBody>
+      </p:sp>
+      <p:sp>
+        <p:nvSpPr>
+          <p:cNvPr id="16" name="文本框 15">
+            <a:extLst>
+              <a:ext uri="{FF2B5EF4-FFF2-40B4-BE49-F238E27FC236}">
+                <a16:creationId xmlns:a16="http://schemas.microsoft.com/office/drawing/2014/main" id="{412CCD4A-BCF0-A477-D585-272F4E335FDD}"/>
+              </a:ext>
+            </a:extLst>
+          </p:cNvPr>
+          <p:cNvSpPr txBox="1"/>
+          <p:nvPr/>
+        </p:nvSpPr>
+        <p:spPr>
+          <a:xfrm>
+            <a:off x="8092909" y="2363829"/>
+            <a:ext cx="527901" cy="369332"/>
+          </a:xfrm>
+          <a:prstGeom prst="rect">
+            <a:avLst/>
+          </a:prstGeom>
+          <a:noFill/>
+        </p:spPr>
+        <p:txBody>
+          <a:bodyPr wrap="square" rtlCol="0">
+            <a:spAutoFit/>
+          </a:bodyPr>
+          <a:lstStyle/>
+          <a:p>
+            <a:r>
+              <a:rPr lang="en-US" altLang="zh-CN">
+                <a:solidFill>
+                  <a:schemeClr val="bg1"/>
+                </a:solidFill>
+              </a:rPr>
+              <a:t>+Z</a:t>
+            </a:r>
+            <a:endParaRPr lang="zh-CN" altLang="en-US">
+              <a:solidFill>
+                <a:schemeClr val="bg1"/>
+              </a:solidFill>
+            </a:endParaRPr>
+          </a:p>
+        </p:txBody>
+      </p:sp>
+      <p:cxnSp>
+        <p:nvCxnSpPr>
+          <p:cNvPr id="2" name="直接箭头连接符 1">
+            <a:extLst>
+              <a:ext uri="{FF2B5EF4-FFF2-40B4-BE49-F238E27FC236}">
+                <a16:creationId xmlns:a16="http://schemas.microsoft.com/office/drawing/2014/main" id="{E0521EA4-08CE-BF67-0D4C-CC750DEAF7CB}"/>
+              </a:ext>
+            </a:extLst>
+          </p:cNvPr>
+          <p:cNvCxnSpPr/>
+          <p:nvPr/>
+        </p:nvCxnSpPr>
+        <p:spPr>
+          <a:xfrm>
+            <a:off x="556181" y="2045616"/>
+            <a:ext cx="1074656" cy="0"/>
+          </a:xfrm>
+          <a:prstGeom prst="straightConnector1">
+            <a:avLst/>
+          </a:prstGeom>
+          <a:ln>
+            <a:tailEnd type="triangle"/>
+          </a:ln>
+        </p:spPr>
+        <p:style>
+          <a:lnRef idx="1">
+            <a:schemeClr val="accent1"/>
+          </a:lnRef>
+          <a:fillRef idx="0">
+            <a:schemeClr val="accent1"/>
+          </a:fillRef>
+          <a:effectRef idx="0">
+            <a:schemeClr val="accent1"/>
+          </a:effectRef>
+          <a:fontRef idx="minor">
+            <a:schemeClr val="tx1"/>
+          </a:fontRef>
+        </p:style>
+      </p:cxnSp>
+      <p:cxnSp>
+        <p:nvCxnSpPr>
+          <p:cNvPr id="3" name="直接箭头连接符 2">
+            <a:extLst>
+              <a:ext uri="{FF2B5EF4-FFF2-40B4-BE49-F238E27FC236}">
+                <a16:creationId xmlns:a16="http://schemas.microsoft.com/office/drawing/2014/main" id="{4702E000-0AC1-75EB-388F-FCD0BA684A2B}"/>
+              </a:ext>
+            </a:extLst>
+          </p:cNvPr>
+          <p:cNvCxnSpPr>
+            <a:cxnSpLocks/>
+          </p:cNvCxnSpPr>
+          <p:nvPr/>
+        </p:nvCxnSpPr>
+        <p:spPr>
+          <a:xfrm flipV="1">
+            <a:off x="556181" y="989203"/>
+            <a:ext cx="0" cy="1056413"/>
+          </a:xfrm>
+          <a:prstGeom prst="straightConnector1">
+            <a:avLst/>
+          </a:prstGeom>
+          <a:ln>
+            <a:tailEnd type="triangle"/>
+          </a:ln>
+        </p:spPr>
+        <p:style>
+          <a:lnRef idx="1">
+            <a:schemeClr val="accent1"/>
+          </a:lnRef>
+          <a:fillRef idx="0">
+            <a:schemeClr val="accent1"/>
+          </a:fillRef>
+          <a:effectRef idx="0">
+            <a:schemeClr val="accent1"/>
+          </a:effectRef>
+          <a:fontRef idx="minor">
+            <a:schemeClr val="tx1"/>
+          </a:fontRef>
+        </p:style>
+      </p:cxnSp>
+      <p:sp>
+        <p:nvSpPr>
+          <p:cNvPr id="10" name="文本框 9">
+            <a:extLst>
+              <a:ext uri="{FF2B5EF4-FFF2-40B4-BE49-F238E27FC236}">
+                <a16:creationId xmlns:a16="http://schemas.microsoft.com/office/drawing/2014/main" id="{326C38C0-6459-4675-08EE-7E3C136B4F05}"/>
+              </a:ext>
+            </a:extLst>
+          </p:cNvPr>
+          <p:cNvSpPr txBox="1"/>
+          <p:nvPr/>
+        </p:nvSpPr>
+        <p:spPr>
+          <a:xfrm>
+            <a:off x="584446" y="2056615"/>
+            <a:ext cx="1074656" cy="369332"/>
+          </a:xfrm>
+          <a:prstGeom prst="rect">
+            <a:avLst/>
+          </a:prstGeom>
+          <a:noFill/>
+        </p:spPr>
+        <p:txBody>
+          <a:bodyPr wrap="square" rtlCol="0">
+            <a:spAutoFit/>
+          </a:bodyPr>
+          <a:lstStyle/>
+          <a:p>
+            <a:r>
+              <a:rPr lang="en-US" altLang="zh-CN"/>
+              <a:t>U=</a:t>
+            </a:r>
+            <a:endParaRPr lang="zh-CN" altLang="en-US"/>
+          </a:p>
+        </p:txBody>
+      </p:sp>
+      <p:sp>
+        <p:nvSpPr>
+          <p:cNvPr id="17" name="文本框 16">
+            <a:extLst>
+              <a:ext uri="{FF2B5EF4-FFF2-40B4-BE49-F238E27FC236}">
+                <a16:creationId xmlns:a16="http://schemas.microsoft.com/office/drawing/2014/main" id="{C942AD32-45E0-215F-58C1-6727AD93CB57}"/>
+              </a:ext>
+            </a:extLst>
+          </p:cNvPr>
+          <p:cNvSpPr txBox="1"/>
+          <p:nvPr/>
+        </p:nvSpPr>
+        <p:spPr>
+          <a:xfrm>
+            <a:off x="329913" y="1110369"/>
+            <a:ext cx="1074656" cy="369332"/>
+          </a:xfrm>
+          <a:prstGeom prst="rect">
+            <a:avLst/>
+          </a:prstGeom>
+          <a:noFill/>
+        </p:spPr>
+        <p:txBody>
+          <a:bodyPr wrap="square" rtlCol="0">
+            <a:spAutoFit/>
+          </a:bodyPr>
+          <a:lstStyle/>
+          <a:p>
+            <a:r>
+              <a:rPr lang="en-US" altLang="zh-CN"/>
+              <a:t>V=</a:t>
+            </a:r>
+            <a:endParaRPr lang="zh-CN" altLang="en-US"/>
+          </a:p>
+        </p:txBody>
+      </p:sp>
+      <p:cxnSp>
+        <p:nvCxnSpPr>
+          <p:cNvPr id="42" name="直接箭头连接符 41">
+            <a:extLst>
+              <a:ext uri="{FF2B5EF4-FFF2-40B4-BE49-F238E27FC236}">
+                <a16:creationId xmlns:a16="http://schemas.microsoft.com/office/drawing/2014/main" id="{CF27F120-63B0-768F-7F59-9A22CCD1FB9F}"/>
+              </a:ext>
+            </a:extLst>
+          </p:cNvPr>
+          <p:cNvCxnSpPr/>
+          <p:nvPr/>
+        </p:nvCxnSpPr>
+        <p:spPr>
+          <a:xfrm>
+            <a:off x="4887799" y="3718029"/>
+            <a:ext cx="1074656" cy="0"/>
+          </a:xfrm>
+          <a:prstGeom prst="straightConnector1">
+            <a:avLst/>
+          </a:prstGeom>
+          <a:ln>
+            <a:tailEnd type="triangle"/>
+          </a:ln>
+        </p:spPr>
+        <p:style>
+          <a:lnRef idx="1">
+            <a:schemeClr val="accent1"/>
+          </a:lnRef>
+          <a:fillRef idx="0">
+            <a:schemeClr val="accent1"/>
+          </a:fillRef>
+          <a:effectRef idx="0">
+            <a:schemeClr val="accent1"/>
+          </a:effectRef>
+          <a:fontRef idx="minor">
+            <a:schemeClr val="tx1"/>
+          </a:fontRef>
+        </p:style>
+      </p:cxnSp>
+      <p:cxnSp>
+        <p:nvCxnSpPr>
+          <p:cNvPr id="43" name="直接箭头连接符 42">
+            <a:extLst>
+              <a:ext uri="{FF2B5EF4-FFF2-40B4-BE49-F238E27FC236}">
+                <a16:creationId xmlns:a16="http://schemas.microsoft.com/office/drawing/2014/main" id="{C941459C-97A4-C0EB-218D-8CCF1D7F5744}"/>
+              </a:ext>
+            </a:extLst>
+          </p:cNvPr>
+          <p:cNvCxnSpPr>
+            <a:cxnSpLocks/>
+          </p:cNvCxnSpPr>
+          <p:nvPr/>
+        </p:nvCxnSpPr>
+        <p:spPr>
+          <a:xfrm flipV="1">
+            <a:off x="4887799" y="2661616"/>
+            <a:ext cx="0" cy="1056413"/>
+          </a:xfrm>
+          <a:prstGeom prst="straightConnector1">
+            <a:avLst/>
+          </a:prstGeom>
+          <a:ln>
+            <a:tailEnd type="triangle"/>
+          </a:ln>
+        </p:spPr>
+        <p:style>
+          <a:lnRef idx="1">
+            <a:schemeClr val="accent1"/>
+          </a:lnRef>
+          <a:fillRef idx="0">
+            <a:schemeClr val="accent1"/>
+          </a:fillRef>
+          <a:effectRef idx="0">
+            <a:schemeClr val="accent1"/>
+          </a:effectRef>
+          <a:fontRef idx="minor">
+            <a:schemeClr val="tx1"/>
+          </a:fontRef>
+        </p:style>
+      </p:cxnSp>
+      <p:sp>
+        <p:nvSpPr>
+          <p:cNvPr id="44" name="文本框 43">
+            <a:extLst>
+              <a:ext uri="{FF2B5EF4-FFF2-40B4-BE49-F238E27FC236}">
+                <a16:creationId xmlns:a16="http://schemas.microsoft.com/office/drawing/2014/main" id="{9BD7D0EB-0B36-3BFB-295B-A117596D2AC5}"/>
+              </a:ext>
+            </a:extLst>
+          </p:cNvPr>
+          <p:cNvSpPr txBox="1"/>
+          <p:nvPr/>
+        </p:nvSpPr>
+        <p:spPr>
+          <a:xfrm>
+            <a:off x="4916064" y="3729028"/>
+            <a:ext cx="1074656" cy="369332"/>
+          </a:xfrm>
+          <a:prstGeom prst="rect">
+            <a:avLst/>
+          </a:prstGeom>
+          <a:noFill/>
+        </p:spPr>
+        <p:txBody>
+          <a:bodyPr wrap="square" rtlCol="0">
+            <a:spAutoFit/>
+          </a:bodyPr>
+          <a:lstStyle/>
+          <a:p>
+            <a:r>
+              <a:rPr lang="en-US" altLang="zh-CN">
+                <a:solidFill>
+                  <a:srgbClr val="FF0000"/>
+                </a:solidFill>
+              </a:rPr>
+              <a:t>U= +X</a:t>
+            </a:r>
+            <a:endParaRPr lang="zh-CN" altLang="en-US">
+              <a:solidFill>
+                <a:srgbClr val="FF0000"/>
+              </a:solidFill>
+            </a:endParaRPr>
+          </a:p>
+        </p:txBody>
+      </p:sp>
+      <p:sp>
+        <p:nvSpPr>
+          <p:cNvPr id="45" name="文本框 44">
+            <a:extLst>
+              <a:ext uri="{FF2B5EF4-FFF2-40B4-BE49-F238E27FC236}">
+                <a16:creationId xmlns:a16="http://schemas.microsoft.com/office/drawing/2014/main" id="{66686F57-7D67-3D74-A31E-78FC5158396B}"/>
+              </a:ext>
+            </a:extLst>
+          </p:cNvPr>
+          <p:cNvSpPr txBox="1"/>
+          <p:nvPr/>
+        </p:nvSpPr>
+        <p:spPr>
+          <a:xfrm>
+            <a:off x="4661531" y="2782782"/>
+            <a:ext cx="1074656" cy="369332"/>
+          </a:xfrm>
+          <a:prstGeom prst="rect">
+            <a:avLst/>
+          </a:prstGeom>
+          <a:noFill/>
+        </p:spPr>
+        <p:txBody>
+          <a:bodyPr wrap="square" rtlCol="0">
+            <a:spAutoFit/>
+          </a:bodyPr>
+          <a:lstStyle/>
+          <a:p>
+            <a:r>
+              <a:rPr lang="en-US" altLang="zh-CN">
+                <a:solidFill>
+                  <a:srgbClr val="FF0000"/>
+                </a:solidFill>
+              </a:rPr>
+              <a:t>V= +Y</a:t>
+            </a:r>
+            <a:endParaRPr lang="zh-CN" altLang="en-US">
+              <a:solidFill>
+                <a:srgbClr val="FF0000"/>
+              </a:solidFill>
+            </a:endParaRPr>
+          </a:p>
+        </p:txBody>
+      </p:sp>
+      <p:cxnSp>
+        <p:nvCxnSpPr>
+          <p:cNvPr id="46" name="直接箭头连接符 45">
+            <a:extLst>
+              <a:ext uri="{FF2B5EF4-FFF2-40B4-BE49-F238E27FC236}">
+                <a16:creationId xmlns:a16="http://schemas.microsoft.com/office/drawing/2014/main" id="{B3B6F57A-E336-979D-B082-69D5BD08CA5C}"/>
+              </a:ext>
+            </a:extLst>
+          </p:cNvPr>
+          <p:cNvCxnSpPr/>
+          <p:nvPr/>
+        </p:nvCxnSpPr>
+        <p:spPr>
+          <a:xfrm>
+            <a:off x="6605851" y="3678142"/>
+            <a:ext cx="1074656" cy="0"/>
+          </a:xfrm>
+          <a:prstGeom prst="straightConnector1">
+            <a:avLst/>
+          </a:prstGeom>
+          <a:ln>
+            <a:tailEnd type="triangle"/>
+          </a:ln>
+        </p:spPr>
+        <p:style>
+          <a:lnRef idx="1">
+            <a:schemeClr val="accent1"/>
+          </a:lnRef>
+          <a:fillRef idx="0">
+            <a:schemeClr val="accent1"/>
+          </a:fillRef>
+          <a:effectRef idx="0">
+            <a:schemeClr val="accent1"/>
+          </a:effectRef>
+          <a:fontRef idx="minor">
+            <a:schemeClr val="tx1"/>
+          </a:fontRef>
+        </p:style>
+      </p:cxnSp>
+      <p:cxnSp>
+        <p:nvCxnSpPr>
+          <p:cNvPr id="47" name="直接箭头连接符 46">
+            <a:extLst>
+              <a:ext uri="{FF2B5EF4-FFF2-40B4-BE49-F238E27FC236}">
+                <a16:creationId xmlns:a16="http://schemas.microsoft.com/office/drawing/2014/main" id="{3A82F1CD-ED58-922B-49E6-77CBB41D3EFD}"/>
+              </a:ext>
+            </a:extLst>
+          </p:cNvPr>
+          <p:cNvCxnSpPr>
+            <a:cxnSpLocks/>
+          </p:cNvCxnSpPr>
+          <p:nvPr/>
+        </p:nvCxnSpPr>
+        <p:spPr>
+          <a:xfrm flipV="1">
+            <a:off x="6605851" y="2621729"/>
+            <a:ext cx="0" cy="1056413"/>
+          </a:xfrm>
+          <a:prstGeom prst="straightConnector1">
+            <a:avLst/>
+          </a:prstGeom>
+          <a:ln>
+            <a:tailEnd type="triangle"/>
+          </a:ln>
+        </p:spPr>
+        <p:style>
+          <a:lnRef idx="1">
+            <a:schemeClr val="accent1"/>
+          </a:lnRef>
+          <a:fillRef idx="0">
+            <a:schemeClr val="accent1"/>
+          </a:fillRef>
+          <a:effectRef idx="0">
+            <a:schemeClr val="accent1"/>
+          </a:effectRef>
+          <a:fontRef idx="minor">
+            <a:schemeClr val="tx1"/>
+          </a:fontRef>
+        </p:style>
+      </p:cxnSp>
+      <p:sp>
+        <p:nvSpPr>
+          <p:cNvPr id="48" name="文本框 47">
+            <a:extLst>
+              <a:ext uri="{FF2B5EF4-FFF2-40B4-BE49-F238E27FC236}">
+                <a16:creationId xmlns:a16="http://schemas.microsoft.com/office/drawing/2014/main" id="{82FE8B21-6BD3-B31B-D686-C32795284566}"/>
+              </a:ext>
+            </a:extLst>
+          </p:cNvPr>
+          <p:cNvSpPr txBox="1"/>
+          <p:nvPr/>
+        </p:nvSpPr>
+        <p:spPr>
+          <a:xfrm>
+            <a:off x="6634116" y="3689141"/>
+            <a:ext cx="1074656" cy="369332"/>
+          </a:xfrm>
+          <a:prstGeom prst="rect">
+            <a:avLst/>
+          </a:prstGeom>
+          <a:noFill/>
+        </p:spPr>
+        <p:txBody>
+          <a:bodyPr wrap="square" rtlCol="0">
+            <a:spAutoFit/>
+          </a:bodyPr>
+          <a:lstStyle/>
+          <a:p>
+            <a:r>
+              <a:rPr lang="en-US" altLang="zh-CN">
+                <a:solidFill>
+                  <a:srgbClr val="FF0000"/>
+                </a:solidFill>
+              </a:rPr>
+              <a:t>U= +Z</a:t>
+            </a:r>
+            <a:endParaRPr lang="zh-CN" altLang="en-US">
+              <a:solidFill>
+                <a:srgbClr val="FF0000"/>
+              </a:solidFill>
+            </a:endParaRPr>
+          </a:p>
+        </p:txBody>
+      </p:sp>
+      <p:sp>
+        <p:nvSpPr>
+          <p:cNvPr id="49" name="文本框 48">
+            <a:extLst>
+              <a:ext uri="{FF2B5EF4-FFF2-40B4-BE49-F238E27FC236}">
+                <a16:creationId xmlns:a16="http://schemas.microsoft.com/office/drawing/2014/main" id="{1EBC2885-24BC-7046-05A1-A499242B3537}"/>
+              </a:ext>
+            </a:extLst>
+          </p:cNvPr>
+          <p:cNvSpPr txBox="1"/>
+          <p:nvPr/>
+        </p:nvSpPr>
+        <p:spPr>
+          <a:xfrm>
+            <a:off x="6379583" y="2742895"/>
+            <a:ext cx="1074656" cy="369332"/>
+          </a:xfrm>
+          <a:prstGeom prst="rect">
+            <a:avLst/>
+          </a:prstGeom>
+          <a:noFill/>
+        </p:spPr>
+        <p:txBody>
+          <a:bodyPr wrap="square" rtlCol="0">
+            <a:spAutoFit/>
+          </a:bodyPr>
+          <a:lstStyle/>
+          <a:p>
+            <a:r>
+              <a:rPr lang="en-US" altLang="zh-CN">
+                <a:solidFill>
+                  <a:srgbClr val="FF0000"/>
+                </a:solidFill>
+              </a:rPr>
+              <a:t>V= +Y</a:t>
+            </a:r>
+            <a:endParaRPr lang="zh-CN" altLang="en-US">
+              <a:solidFill>
+                <a:srgbClr val="FF0000"/>
+              </a:solidFill>
+            </a:endParaRPr>
+          </a:p>
+        </p:txBody>
+      </p:sp>
+      <p:cxnSp>
+        <p:nvCxnSpPr>
+          <p:cNvPr id="50" name="直接箭头连接符 49">
+            <a:extLst>
+              <a:ext uri="{FF2B5EF4-FFF2-40B4-BE49-F238E27FC236}">
+                <a16:creationId xmlns:a16="http://schemas.microsoft.com/office/drawing/2014/main" id="{76DAD78D-A61F-9960-3586-43E14B191431}"/>
+              </a:ext>
+            </a:extLst>
+          </p:cNvPr>
+          <p:cNvCxnSpPr/>
+          <p:nvPr/>
+        </p:nvCxnSpPr>
+        <p:spPr>
+          <a:xfrm>
+            <a:off x="8380450" y="3668408"/>
+            <a:ext cx="1074656" cy="0"/>
+          </a:xfrm>
+          <a:prstGeom prst="straightConnector1">
+            <a:avLst/>
+          </a:prstGeom>
+          <a:ln>
+            <a:tailEnd type="triangle"/>
+          </a:ln>
+        </p:spPr>
+        <p:style>
+          <a:lnRef idx="1">
+            <a:schemeClr val="accent1"/>
+          </a:lnRef>
+          <a:fillRef idx="0">
+            <a:schemeClr val="accent1"/>
+          </a:fillRef>
+          <a:effectRef idx="0">
+            <a:schemeClr val="accent1"/>
+          </a:effectRef>
+          <a:fontRef idx="minor">
+            <a:schemeClr val="tx1"/>
+          </a:fontRef>
+        </p:style>
+      </p:cxnSp>
+      <p:cxnSp>
+        <p:nvCxnSpPr>
+          <p:cNvPr id="51" name="直接箭头连接符 50">
+            <a:extLst>
+              <a:ext uri="{FF2B5EF4-FFF2-40B4-BE49-F238E27FC236}">
+                <a16:creationId xmlns:a16="http://schemas.microsoft.com/office/drawing/2014/main" id="{102DD1F9-7AD8-47F9-F140-750A54EDAA3D}"/>
+              </a:ext>
+            </a:extLst>
+          </p:cNvPr>
+          <p:cNvCxnSpPr>
+            <a:cxnSpLocks/>
+          </p:cNvCxnSpPr>
+          <p:nvPr/>
+        </p:nvCxnSpPr>
+        <p:spPr>
+          <a:xfrm flipV="1">
+            <a:off x="8380450" y="2611995"/>
+            <a:ext cx="0" cy="1056413"/>
+          </a:xfrm>
+          <a:prstGeom prst="straightConnector1">
+            <a:avLst/>
+          </a:prstGeom>
+          <a:ln>
+            <a:tailEnd type="triangle"/>
+          </a:ln>
+        </p:spPr>
+        <p:style>
+          <a:lnRef idx="1">
+            <a:schemeClr val="accent1"/>
+          </a:lnRef>
+          <a:fillRef idx="0">
+            <a:schemeClr val="accent1"/>
+          </a:fillRef>
+          <a:effectRef idx="0">
+            <a:schemeClr val="accent1"/>
+          </a:effectRef>
+          <a:fontRef idx="minor">
+            <a:schemeClr val="tx1"/>
+          </a:fontRef>
+        </p:style>
+      </p:cxnSp>
+      <p:sp>
+        <p:nvSpPr>
+          <p:cNvPr id="52" name="文本框 51">
+            <a:extLst>
+              <a:ext uri="{FF2B5EF4-FFF2-40B4-BE49-F238E27FC236}">
+                <a16:creationId xmlns:a16="http://schemas.microsoft.com/office/drawing/2014/main" id="{6A18874C-40DE-A44D-44A7-2E7DDD083B7E}"/>
+              </a:ext>
+            </a:extLst>
+          </p:cNvPr>
+          <p:cNvSpPr txBox="1"/>
+          <p:nvPr/>
+        </p:nvSpPr>
+        <p:spPr>
+          <a:xfrm>
+            <a:off x="8408715" y="3679407"/>
+            <a:ext cx="1074656" cy="369332"/>
+          </a:xfrm>
+          <a:prstGeom prst="rect">
+            <a:avLst/>
+          </a:prstGeom>
+          <a:noFill/>
+        </p:spPr>
+        <p:txBody>
+          <a:bodyPr wrap="square" rtlCol="0">
+            <a:spAutoFit/>
+          </a:bodyPr>
+          <a:lstStyle/>
+          <a:p>
+            <a:r>
+              <a:rPr lang="en-US" altLang="zh-CN">
+                <a:solidFill>
+                  <a:srgbClr val="FF0000"/>
+                </a:solidFill>
+              </a:rPr>
+              <a:t>U= -X</a:t>
+            </a:r>
+            <a:endParaRPr lang="zh-CN" altLang="en-US">
+              <a:solidFill>
+                <a:srgbClr val="FF0000"/>
+              </a:solidFill>
+            </a:endParaRPr>
+          </a:p>
+        </p:txBody>
+      </p:sp>
+      <p:sp>
+        <p:nvSpPr>
+          <p:cNvPr id="53" name="文本框 52">
+            <a:extLst>
+              <a:ext uri="{FF2B5EF4-FFF2-40B4-BE49-F238E27FC236}">
+                <a16:creationId xmlns:a16="http://schemas.microsoft.com/office/drawing/2014/main" id="{D68AB70E-BCA2-BD2D-1F69-2A28759CCFC6}"/>
+              </a:ext>
+            </a:extLst>
+          </p:cNvPr>
+          <p:cNvSpPr txBox="1"/>
+          <p:nvPr/>
+        </p:nvSpPr>
+        <p:spPr>
+          <a:xfrm>
+            <a:off x="8154182" y="2733161"/>
+            <a:ext cx="1074656" cy="369332"/>
+          </a:xfrm>
+          <a:prstGeom prst="rect">
+            <a:avLst/>
+          </a:prstGeom>
+          <a:noFill/>
+        </p:spPr>
+        <p:txBody>
+          <a:bodyPr wrap="square" rtlCol="0">
+            <a:spAutoFit/>
+          </a:bodyPr>
+          <a:lstStyle/>
+          <a:p>
+            <a:r>
+              <a:rPr lang="en-US" altLang="zh-CN">
+                <a:solidFill>
+                  <a:srgbClr val="FF0000"/>
+                </a:solidFill>
+              </a:rPr>
+              <a:t>V= +Y</a:t>
+            </a:r>
+            <a:endParaRPr lang="zh-CN" altLang="en-US">
+              <a:solidFill>
+                <a:srgbClr val="FF0000"/>
+              </a:solidFill>
+            </a:endParaRPr>
+          </a:p>
+        </p:txBody>
+      </p:sp>
+      <p:cxnSp>
+        <p:nvCxnSpPr>
+          <p:cNvPr id="54" name="直接箭头连接符 53">
+            <a:extLst>
+              <a:ext uri="{FF2B5EF4-FFF2-40B4-BE49-F238E27FC236}">
+                <a16:creationId xmlns:a16="http://schemas.microsoft.com/office/drawing/2014/main" id="{046DB667-DC33-D00B-F957-BC4EEE09111E}"/>
+              </a:ext>
+            </a:extLst>
+          </p:cNvPr>
+          <p:cNvCxnSpPr/>
+          <p:nvPr/>
+        </p:nvCxnSpPr>
+        <p:spPr>
+          <a:xfrm>
+            <a:off x="3209829" y="3703817"/>
+            <a:ext cx="1074656" cy="0"/>
+          </a:xfrm>
+          <a:prstGeom prst="straightConnector1">
+            <a:avLst/>
+          </a:prstGeom>
+          <a:ln>
+            <a:tailEnd type="triangle"/>
+          </a:ln>
+        </p:spPr>
+        <p:style>
+          <a:lnRef idx="1">
+            <a:schemeClr val="accent1"/>
+          </a:lnRef>
+          <a:fillRef idx="0">
+            <a:schemeClr val="accent1"/>
+          </a:fillRef>
+          <a:effectRef idx="0">
+            <a:schemeClr val="accent1"/>
+          </a:effectRef>
+          <a:fontRef idx="minor">
+            <a:schemeClr val="tx1"/>
+          </a:fontRef>
+        </p:style>
+      </p:cxnSp>
+      <p:cxnSp>
+        <p:nvCxnSpPr>
+          <p:cNvPr id="55" name="直接箭头连接符 54">
+            <a:extLst>
+              <a:ext uri="{FF2B5EF4-FFF2-40B4-BE49-F238E27FC236}">
+                <a16:creationId xmlns:a16="http://schemas.microsoft.com/office/drawing/2014/main" id="{CABFA89C-8641-07E4-90C3-D6F13B1AD0AE}"/>
+              </a:ext>
+            </a:extLst>
+          </p:cNvPr>
+          <p:cNvCxnSpPr>
+            <a:cxnSpLocks/>
+          </p:cNvCxnSpPr>
+          <p:nvPr/>
+        </p:nvCxnSpPr>
+        <p:spPr>
+          <a:xfrm flipV="1">
+            <a:off x="3209829" y="2647404"/>
+            <a:ext cx="0" cy="1056413"/>
+          </a:xfrm>
+          <a:prstGeom prst="straightConnector1">
+            <a:avLst/>
+          </a:prstGeom>
+          <a:ln>
+            <a:tailEnd type="triangle"/>
+          </a:ln>
+        </p:spPr>
+        <p:style>
+          <a:lnRef idx="1">
+            <a:schemeClr val="accent1"/>
+          </a:lnRef>
+          <a:fillRef idx="0">
+            <a:schemeClr val="accent1"/>
+          </a:fillRef>
+          <a:effectRef idx="0">
+            <a:schemeClr val="accent1"/>
+          </a:effectRef>
+          <a:fontRef idx="minor">
+            <a:schemeClr val="tx1"/>
+          </a:fontRef>
+        </p:style>
+      </p:cxnSp>
+      <p:sp>
+        <p:nvSpPr>
+          <p:cNvPr id="56" name="文本框 55">
+            <a:extLst>
+              <a:ext uri="{FF2B5EF4-FFF2-40B4-BE49-F238E27FC236}">
+                <a16:creationId xmlns:a16="http://schemas.microsoft.com/office/drawing/2014/main" id="{EA2D956C-BA6F-FD78-BACF-D45E1CB66201}"/>
+              </a:ext>
+            </a:extLst>
+          </p:cNvPr>
+          <p:cNvSpPr txBox="1"/>
+          <p:nvPr/>
+        </p:nvSpPr>
+        <p:spPr>
+          <a:xfrm>
+            <a:off x="3238094" y="3714816"/>
+            <a:ext cx="1074656" cy="369332"/>
+          </a:xfrm>
+          <a:prstGeom prst="rect">
+            <a:avLst/>
+          </a:prstGeom>
+          <a:noFill/>
+        </p:spPr>
+        <p:txBody>
+          <a:bodyPr wrap="square" rtlCol="0">
+            <a:spAutoFit/>
+          </a:bodyPr>
+          <a:lstStyle/>
+          <a:p>
+            <a:r>
+              <a:rPr lang="en-US" altLang="zh-CN">
+                <a:solidFill>
+                  <a:srgbClr val="FF0000"/>
+                </a:solidFill>
+              </a:rPr>
+              <a:t>U= -Z</a:t>
+            </a:r>
+            <a:endParaRPr lang="zh-CN" altLang="en-US">
+              <a:solidFill>
+                <a:srgbClr val="FF0000"/>
+              </a:solidFill>
+            </a:endParaRPr>
+          </a:p>
+        </p:txBody>
+      </p:sp>
+      <p:sp>
+        <p:nvSpPr>
+          <p:cNvPr id="57" name="文本框 56">
+            <a:extLst>
+              <a:ext uri="{FF2B5EF4-FFF2-40B4-BE49-F238E27FC236}">
+                <a16:creationId xmlns:a16="http://schemas.microsoft.com/office/drawing/2014/main" id="{4E4CBB67-7934-75D6-E97B-FFEA3340C9CE}"/>
+              </a:ext>
+            </a:extLst>
+          </p:cNvPr>
+          <p:cNvSpPr txBox="1"/>
+          <p:nvPr/>
+        </p:nvSpPr>
+        <p:spPr>
+          <a:xfrm>
+            <a:off x="2983561" y="2768570"/>
+            <a:ext cx="1074656" cy="369332"/>
+          </a:xfrm>
+          <a:prstGeom prst="rect">
+            <a:avLst/>
+          </a:prstGeom>
+          <a:noFill/>
+        </p:spPr>
+        <p:txBody>
+          <a:bodyPr wrap="square" rtlCol="0">
+            <a:spAutoFit/>
+          </a:bodyPr>
+          <a:lstStyle/>
+          <a:p>
+            <a:r>
+              <a:rPr lang="en-US" altLang="zh-CN">
+                <a:solidFill>
+                  <a:srgbClr val="FF0000"/>
+                </a:solidFill>
+              </a:rPr>
+              <a:t>V= +Y</a:t>
+            </a:r>
+            <a:endParaRPr lang="zh-CN" altLang="en-US">
+              <a:solidFill>
+                <a:srgbClr val="FF0000"/>
+              </a:solidFill>
+            </a:endParaRPr>
+          </a:p>
+        </p:txBody>
+      </p:sp>
+      <p:cxnSp>
+        <p:nvCxnSpPr>
+          <p:cNvPr id="58" name="直接箭头连接符 57">
+            <a:extLst>
+              <a:ext uri="{FF2B5EF4-FFF2-40B4-BE49-F238E27FC236}">
+                <a16:creationId xmlns:a16="http://schemas.microsoft.com/office/drawing/2014/main" id="{D6461F7F-4824-D2E8-8246-9D775D311ACC}"/>
+              </a:ext>
+            </a:extLst>
+          </p:cNvPr>
+          <p:cNvCxnSpPr/>
+          <p:nvPr/>
+        </p:nvCxnSpPr>
+        <p:spPr>
+          <a:xfrm>
+            <a:off x="4888974" y="1892180"/>
+            <a:ext cx="1074656" cy="0"/>
+          </a:xfrm>
+          <a:prstGeom prst="straightConnector1">
+            <a:avLst/>
+          </a:prstGeom>
+          <a:ln>
+            <a:tailEnd type="triangle"/>
+          </a:ln>
+        </p:spPr>
+        <p:style>
+          <a:lnRef idx="1">
+            <a:schemeClr val="accent1"/>
+          </a:lnRef>
+          <a:fillRef idx="0">
+            <a:schemeClr val="accent1"/>
+          </a:fillRef>
+          <a:effectRef idx="0">
+            <a:schemeClr val="accent1"/>
+          </a:effectRef>
+          <a:fontRef idx="minor">
+            <a:schemeClr val="tx1"/>
+          </a:fontRef>
+        </p:style>
+      </p:cxnSp>
+      <p:cxnSp>
+        <p:nvCxnSpPr>
+          <p:cNvPr id="59" name="直接箭头连接符 58">
+            <a:extLst>
+              <a:ext uri="{FF2B5EF4-FFF2-40B4-BE49-F238E27FC236}">
+                <a16:creationId xmlns:a16="http://schemas.microsoft.com/office/drawing/2014/main" id="{884D245F-11B7-2F37-B351-2D23EC1EB617}"/>
+              </a:ext>
+            </a:extLst>
+          </p:cNvPr>
+          <p:cNvCxnSpPr>
+            <a:cxnSpLocks/>
+          </p:cNvCxnSpPr>
+          <p:nvPr/>
+        </p:nvCxnSpPr>
+        <p:spPr>
+          <a:xfrm flipV="1">
+            <a:off x="4888974" y="835767"/>
+            <a:ext cx="0" cy="1056413"/>
+          </a:xfrm>
+          <a:prstGeom prst="straightConnector1">
+            <a:avLst/>
+          </a:prstGeom>
+          <a:ln>
+            <a:tailEnd type="triangle"/>
+          </a:ln>
+        </p:spPr>
+        <p:style>
+          <a:lnRef idx="1">
+            <a:schemeClr val="accent1"/>
+          </a:lnRef>
+          <a:fillRef idx="0">
+            <a:schemeClr val="accent1"/>
+          </a:fillRef>
+          <a:effectRef idx="0">
+            <a:schemeClr val="accent1"/>
+          </a:effectRef>
+          <a:fontRef idx="minor">
+            <a:schemeClr val="tx1"/>
+          </a:fontRef>
+        </p:style>
+      </p:cxnSp>
+      <p:sp>
+        <p:nvSpPr>
+          <p:cNvPr id="60" name="文本框 59">
+            <a:extLst>
+              <a:ext uri="{FF2B5EF4-FFF2-40B4-BE49-F238E27FC236}">
+                <a16:creationId xmlns:a16="http://schemas.microsoft.com/office/drawing/2014/main" id="{D5F2954A-5785-A878-F53B-742C0DED721C}"/>
+              </a:ext>
+            </a:extLst>
+          </p:cNvPr>
+          <p:cNvSpPr txBox="1"/>
+          <p:nvPr/>
+        </p:nvSpPr>
+        <p:spPr>
+          <a:xfrm>
+            <a:off x="4917239" y="1903179"/>
+            <a:ext cx="1074656" cy="369332"/>
+          </a:xfrm>
+          <a:prstGeom prst="rect">
+            <a:avLst/>
+          </a:prstGeom>
+          <a:noFill/>
+        </p:spPr>
+        <p:txBody>
+          <a:bodyPr wrap="square" rtlCol="0">
+            <a:spAutoFit/>
+          </a:bodyPr>
+          <a:lstStyle/>
+          <a:p>
+            <a:r>
+              <a:rPr lang="en-US" altLang="zh-CN">
+                <a:solidFill>
+                  <a:srgbClr val="FF0000"/>
+                </a:solidFill>
+              </a:rPr>
+              <a:t>U= +X</a:t>
+            </a:r>
+            <a:endParaRPr lang="zh-CN" altLang="en-US">
+              <a:solidFill>
+                <a:srgbClr val="FF0000"/>
+              </a:solidFill>
+            </a:endParaRPr>
+          </a:p>
+        </p:txBody>
+      </p:sp>
+      <p:sp>
+        <p:nvSpPr>
+          <p:cNvPr id="61" name="文本框 60">
+            <a:extLst>
+              <a:ext uri="{FF2B5EF4-FFF2-40B4-BE49-F238E27FC236}">
+                <a16:creationId xmlns:a16="http://schemas.microsoft.com/office/drawing/2014/main" id="{E35FD498-960E-632D-BDE9-3F39551EE137}"/>
+              </a:ext>
+            </a:extLst>
+          </p:cNvPr>
+          <p:cNvSpPr txBox="1"/>
+          <p:nvPr/>
+        </p:nvSpPr>
+        <p:spPr>
+          <a:xfrm>
+            <a:off x="4662706" y="956933"/>
+            <a:ext cx="1074656" cy="369332"/>
+          </a:xfrm>
+          <a:prstGeom prst="rect">
+            <a:avLst/>
+          </a:prstGeom>
+          <a:noFill/>
+        </p:spPr>
+        <p:txBody>
+          <a:bodyPr wrap="square" rtlCol="0">
+            <a:spAutoFit/>
+          </a:bodyPr>
+          <a:lstStyle/>
+          <a:p>
+            <a:r>
+              <a:rPr lang="en-US" altLang="zh-CN">
+                <a:solidFill>
+                  <a:srgbClr val="FF0000"/>
+                </a:solidFill>
+              </a:rPr>
+              <a:t>V= +Z</a:t>
+            </a:r>
+            <a:endParaRPr lang="zh-CN" altLang="en-US">
+              <a:solidFill>
+                <a:srgbClr val="FF0000"/>
+              </a:solidFill>
+            </a:endParaRPr>
+          </a:p>
+        </p:txBody>
+      </p:sp>
+      <p:cxnSp>
+        <p:nvCxnSpPr>
+          <p:cNvPr id="62" name="直接箭头连接符 61">
+            <a:extLst>
+              <a:ext uri="{FF2B5EF4-FFF2-40B4-BE49-F238E27FC236}">
+                <a16:creationId xmlns:a16="http://schemas.microsoft.com/office/drawing/2014/main" id="{62D16930-F48C-A8FE-3003-36C3619184B7}"/>
+              </a:ext>
+            </a:extLst>
+          </p:cNvPr>
+          <p:cNvCxnSpPr/>
+          <p:nvPr/>
+        </p:nvCxnSpPr>
+        <p:spPr>
+          <a:xfrm>
+            <a:off x="4995412" y="5398227"/>
+            <a:ext cx="1074656" cy="0"/>
+          </a:xfrm>
+          <a:prstGeom prst="straightConnector1">
+            <a:avLst/>
+          </a:prstGeom>
+          <a:ln>
+            <a:tailEnd type="triangle"/>
+          </a:ln>
+        </p:spPr>
+        <p:style>
+          <a:lnRef idx="1">
+            <a:schemeClr val="accent1"/>
+          </a:lnRef>
+          <a:fillRef idx="0">
+            <a:schemeClr val="accent1"/>
+          </a:fillRef>
+          <a:effectRef idx="0">
+            <a:schemeClr val="accent1"/>
+          </a:effectRef>
+          <a:fontRef idx="minor">
+            <a:schemeClr val="tx1"/>
+          </a:fontRef>
+        </p:style>
+      </p:cxnSp>
+      <p:cxnSp>
+        <p:nvCxnSpPr>
+          <p:cNvPr id="63" name="直接箭头连接符 62">
+            <a:extLst>
+              <a:ext uri="{FF2B5EF4-FFF2-40B4-BE49-F238E27FC236}">
+                <a16:creationId xmlns:a16="http://schemas.microsoft.com/office/drawing/2014/main" id="{3B003ABB-4E09-3A26-2C07-A95B6B67F891}"/>
+              </a:ext>
+            </a:extLst>
+          </p:cNvPr>
+          <p:cNvCxnSpPr>
+            <a:cxnSpLocks/>
+          </p:cNvCxnSpPr>
+          <p:nvPr/>
+        </p:nvCxnSpPr>
+        <p:spPr>
+          <a:xfrm flipV="1">
+            <a:off x="4995412" y="4341814"/>
+            <a:ext cx="0" cy="1056413"/>
+          </a:xfrm>
+          <a:prstGeom prst="straightConnector1">
+            <a:avLst/>
+          </a:prstGeom>
+          <a:ln>
+            <a:tailEnd type="triangle"/>
+          </a:ln>
+        </p:spPr>
+        <p:style>
+          <a:lnRef idx="1">
+            <a:schemeClr val="accent1"/>
+          </a:lnRef>
+          <a:fillRef idx="0">
+            <a:schemeClr val="accent1"/>
+          </a:fillRef>
+          <a:effectRef idx="0">
+            <a:schemeClr val="accent1"/>
+          </a:effectRef>
+          <a:fontRef idx="minor">
+            <a:schemeClr val="tx1"/>
+          </a:fontRef>
+        </p:style>
+      </p:cxnSp>
+      <p:sp>
+        <p:nvSpPr>
+          <p:cNvPr id="64" name="文本框 63">
+            <a:extLst>
+              <a:ext uri="{FF2B5EF4-FFF2-40B4-BE49-F238E27FC236}">
+                <a16:creationId xmlns:a16="http://schemas.microsoft.com/office/drawing/2014/main" id="{AD6EAB8B-3B64-6539-D3A2-1CDA12DF096E}"/>
+              </a:ext>
+            </a:extLst>
+          </p:cNvPr>
+          <p:cNvSpPr txBox="1"/>
+          <p:nvPr/>
+        </p:nvSpPr>
+        <p:spPr>
+          <a:xfrm>
+            <a:off x="5023677" y="5409226"/>
+            <a:ext cx="1074656" cy="369332"/>
+          </a:xfrm>
+          <a:prstGeom prst="rect">
+            <a:avLst/>
+          </a:prstGeom>
+          <a:noFill/>
+        </p:spPr>
+        <p:txBody>
+          <a:bodyPr wrap="square" rtlCol="0">
+            <a:spAutoFit/>
+          </a:bodyPr>
+          <a:lstStyle/>
+          <a:p>
+            <a:r>
+              <a:rPr lang="en-US" altLang="zh-CN">
+                <a:solidFill>
+                  <a:srgbClr val="FF0000"/>
+                </a:solidFill>
+              </a:rPr>
+              <a:t>U= +X</a:t>
+            </a:r>
+            <a:endParaRPr lang="zh-CN" altLang="en-US">
+              <a:solidFill>
+                <a:srgbClr val="FF0000"/>
+              </a:solidFill>
+            </a:endParaRPr>
+          </a:p>
+        </p:txBody>
+      </p:sp>
+      <p:sp>
+        <p:nvSpPr>
+          <p:cNvPr id="65" name="文本框 64">
+            <a:extLst>
+              <a:ext uri="{FF2B5EF4-FFF2-40B4-BE49-F238E27FC236}">
+                <a16:creationId xmlns:a16="http://schemas.microsoft.com/office/drawing/2014/main" id="{33186C96-B735-5992-446F-00676C515B00}"/>
+              </a:ext>
+            </a:extLst>
+          </p:cNvPr>
+          <p:cNvSpPr txBox="1"/>
+          <p:nvPr/>
+        </p:nvSpPr>
+        <p:spPr>
+          <a:xfrm>
+            <a:off x="4769144" y="4462980"/>
+            <a:ext cx="1074656" cy="369332"/>
+          </a:xfrm>
+          <a:prstGeom prst="rect">
+            <a:avLst/>
+          </a:prstGeom>
+          <a:noFill/>
+        </p:spPr>
+        <p:txBody>
+          <a:bodyPr wrap="square" rtlCol="0">
+            <a:spAutoFit/>
+          </a:bodyPr>
+          <a:lstStyle/>
+          <a:p>
+            <a:r>
+              <a:rPr lang="en-US" altLang="zh-CN">
+                <a:solidFill>
+                  <a:srgbClr val="FF0000"/>
+                </a:solidFill>
+              </a:rPr>
+              <a:t>V= -Z</a:t>
+            </a:r>
+            <a:endParaRPr lang="zh-CN" altLang="en-US">
+              <a:solidFill>
+                <a:srgbClr val="FF0000"/>
+              </a:solidFill>
+            </a:endParaRPr>
+          </a:p>
+        </p:txBody>
+      </p:sp>
+      <p:pic>
+        <p:nvPicPr>
+          <p:cNvPr id="19" name="图片 18">
+            <a:extLst>
+              <a:ext uri="{FF2B5EF4-FFF2-40B4-BE49-F238E27FC236}">
+                <a16:creationId xmlns:a16="http://schemas.microsoft.com/office/drawing/2014/main" id="{262C41D2-E4BF-9027-A8CA-110E1E6A85CB}"/>
+              </a:ext>
+            </a:extLst>
+          </p:cNvPr>
+          <p:cNvPicPr>
+            <a:picLocks noChangeAspect="1"/>
+          </p:cNvPicPr>
+          <p:nvPr/>
+        </p:nvPicPr>
+        <p:blipFill>
+          <a:blip r:embed="rId2"/>
+          <a:stretch>
+            <a:fillRect/>
+          </a:stretch>
+        </p:blipFill>
+        <p:spPr>
+          <a:xfrm>
+            <a:off x="4571995" y="4083377"/>
+            <a:ext cx="1725104" cy="1721728"/>
+          </a:xfrm>
+          <a:prstGeom prst="rect">
+            <a:avLst/>
+          </a:prstGeom>
+        </p:spPr>
+      </p:pic>
+      <p:pic>
+        <p:nvPicPr>
+          <p:cNvPr id="21" name="图片 20">
+            <a:extLst>
+              <a:ext uri="{FF2B5EF4-FFF2-40B4-BE49-F238E27FC236}">
+                <a16:creationId xmlns:a16="http://schemas.microsoft.com/office/drawing/2014/main" id="{9D572AD0-D316-B5D8-94C8-BABE30943BA7}"/>
+              </a:ext>
+            </a:extLst>
+          </p:cNvPr>
+          <p:cNvPicPr>
+            <a:picLocks noChangeAspect="1"/>
+          </p:cNvPicPr>
+          <p:nvPr/>
+        </p:nvPicPr>
+        <p:blipFill>
+          <a:blip r:embed="rId3"/>
+          <a:stretch>
+            <a:fillRect/>
+          </a:stretch>
+        </p:blipFill>
+        <p:spPr>
+          <a:xfrm>
+            <a:off x="2851981" y="2351580"/>
+            <a:ext cx="1710717" cy="1720800"/>
+          </a:xfrm>
+          <a:prstGeom prst="rect">
+            <a:avLst/>
+          </a:prstGeom>
+        </p:spPr>
+      </p:pic>
+      <p:pic>
+        <p:nvPicPr>
+          <p:cNvPr id="23" name="图片 22">
+            <a:extLst>
+              <a:ext uri="{FF2B5EF4-FFF2-40B4-BE49-F238E27FC236}">
+                <a16:creationId xmlns:a16="http://schemas.microsoft.com/office/drawing/2014/main" id="{B02668F9-A4FB-3283-749E-CA0FB5496A52}"/>
+              </a:ext>
+            </a:extLst>
+          </p:cNvPr>
+          <p:cNvPicPr>
+            <a:picLocks noChangeAspect="1"/>
+          </p:cNvPicPr>
+          <p:nvPr/>
+        </p:nvPicPr>
+        <p:blipFill>
+          <a:blip r:embed="rId4"/>
+          <a:stretch>
+            <a:fillRect/>
+          </a:stretch>
+        </p:blipFill>
+        <p:spPr>
+          <a:xfrm>
+            <a:off x="4587676" y="2345338"/>
+            <a:ext cx="1728000" cy="1728000"/>
+          </a:xfrm>
+          <a:prstGeom prst="rect">
+            <a:avLst/>
+          </a:prstGeom>
+        </p:spPr>
+      </p:pic>
+      <p:pic>
+        <p:nvPicPr>
+          <p:cNvPr id="25" name="图片 24">
+            <a:extLst>
+              <a:ext uri="{FF2B5EF4-FFF2-40B4-BE49-F238E27FC236}">
+                <a16:creationId xmlns:a16="http://schemas.microsoft.com/office/drawing/2014/main" id="{1166F560-0A3A-3207-3122-800D3B061DA4}"/>
+              </a:ext>
+            </a:extLst>
+          </p:cNvPr>
+          <p:cNvPicPr>
+            <a:picLocks noChangeAspect="1"/>
+          </p:cNvPicPr>
+          <p:nvPr/>
+        </p:nvPicPr>
+        <p:blipFill>
+          <a:blip r:embed="rId5"/>
+          <a:stretch>
+            <a:fillRect/>
+          </a:stretch>
+        </p:blipFill>
+        <p:spPr>
+          <a:xfrm>
+            <a:off x="6300813" y="2329608"/>
+            <a:ext cx="1724638" cy="1728000"/>
+          </a:xfrm>
+          <a:prstGeom prst="rect">
+            <a:avLst/>
+          </a:prstGeom>
+        </p:spPr>
+      </p:pic>
+      <p:pic>
+        <p:nvPicPr>
+          <p:cNvPr id="27" name="图片 26">
+            <a:extLst>
+              <a:ext uri="{FF2B5EF4-FFF2-40B4-BE49-F238E27FC236}">
+                <a16:creationId xmlns:a16="http://schemas.microsoft.com/office/drawing/2014/main" id="{0DB21D61-FA0F-F718-7898-80A1BB4F92A1}"/>
+              </a:ext>
+            </a:extLst>
+          </p:cNvPr>
+          <p:cNvPicPr>
+            <a:picLocks noChangeAspect="1"/>
+          </p:cNvPicPr>
+          <p:nvPr/>
+        </p:nvPicPr>
+        <p:blipFill>
+          <a:blip r:embed="rId6"/>
+          <a:stretch>
+            <a:fillRect/>
+          </a:stretch>
+        </p:blipFill>
+        <p:spPr>
+          <a:xfrm>
+            <a:off x="8030075" y="2336726"/>
+            <a:ext cx="1724658" cy="1728000"/>
+          </a:xfrm>
+          <a:prstGeom prst="rect">
+            <a:avLst/>
+          </a:prstGeom>
+        </p:spPr>
+      </p:pic>
+      <p:pic>
+        <p:nvPicPr>
+          <p:cNvPr id="29" name="图片 28">
+            <a:extLst>
+              <a:ext uri="{FF2B5EF4-FFF2-40B4-BE49-F238E27FC236}">
+                <a16:creationId xmlns:a16="http://schemas.microsoft.com/office/drawing/2014/main" id="{DAB366E6-3B61-4200-52C7-74060D651596}"/>
+              </a:ext>
+            </a:extLst>
+          </p:cNvPr>
+          <p:cNvPicPr>
+            <a:picLocks noChangeAspect="1"/>
+          </p:cNvPicPr>
+          <p:nvPr/>
+        </p:nvPicPr>
+        <p:blipFill>
+          <a:blip r:embed="rId7"/>
+          <a:stretch>
+            <a:fillRect/>
+          </a:stretch>
+        </p:blipFill>
+        <p:spPr>
+          <a:xfrm>
+            <a:off x="4575868" y="575702"/>
+            <a:ext cx="1764149" cy="1760697"/>
+          </a:xfrm>
+          <a:prstGeom prst="rect">
+            <a:avLst/>
+          </a:prstGeom>
+        </p:spPr>
+      </p:pic>
+      <p:sp>
+        <p:nvSpPr>
+          <p:cNvPr id="30" name="文本框 29">
+            <a:extLst>
+              <a:ext uri="{FF2B5EF4-FFF2-40B4-BE49-F238E27FC236}">
+                <a16:creationId xmlns:a16="http://schemas.microsoft.com/office/drawing/2014/main" id="{4A8B969C-906E-717A-404A-90540CC9810F}"/>
+              </a:ext>
+            </a:extLst>
+          </p:cNvPr>
+          <p:cNvSpPr txBox="1"/>
+          <p:nvPr/>
+        </p:nvSpPr>
+        <p:spPr>
+          <a:xfrm>
+            <a:off x="1404569" y="320511"/>
+            <a:ext cx="1913139" cy="369332"/>
+          </a:xfrm>
+          <a:prstGeom prst="rect">
+            <a:avLst/>
+          </a:prstGeom>
+          <a:noFill/>
+        </p:spPr>
+        <p:txBody>
+          <a:bodyPr wrap="square" rtlCol="0">
+            <a:spAutoFit/>
+          </a:bodyPr>
+          <a:lstStyle/>
+          <a:p>
+            <a:r>
+              <a:rPr lang="zh-CN" altLang="en-US"/>
+              <a:t>初始</a:t>
+            </a:r>
+          </a:p>
+        </p:txBody>
+      </p:sp>
+    </p:spTree>
+    <p:extLst>
+      <p:ext uri="{BB962C8B-B14F-4D97-AF65-F5344CB8AC3E}">
+        <p14:creationId xmlns:p14="http://schemas.microsoft.com/office/powerpoint/2010/main" val="3088621786"/>
+      </p:ext>
+    </p:extLst>
+  </p:cSld>
+  <p:clrMapOvr>
+    <a:masterClrMapping/>
+  </p:clrMapOvr>
+</p:sld>
+</file>
+
+<file path=ppt/slides/slide11.xml><?xml version="1.0" encoding="utf-8"?>
+<p:sld xmlns:a="http://schemas.openxmlformats.org/drawingml/2006/main" xmlns:r="http://schemas.openxmlformats.org/officeDocument/2006/relationships" xmlns:p="http://schemas.openxmlformats.org/presentationml/2006/main">
+  <p:cSld>
+    <p:spTree>
+      <p:nvGrpSpPr>
+        <p:cNvPr id="1" name="">
+          <a:extLst>
+            <a:ext uri="{FF2B5EF4-FFF2-40B4-BE49-F238E27FC236}">
+              <a16:creationId xmlns:a16="http://schemas.microsoft.com/office/drawing/2014/main" id="{91DE205B-3A5A-78E4-5401-0735932D8CC9}"/>
+            </a:ext>
+          </a:extLst>
+        </p:cNvPr>
+        <p:cNvGrpSpPr/>
+        <p:nvPr/>
+      </p:nvGrpSpPr>
+      <p:grpSpPr>
+        <a:xfrm>
+          <a:off x="0" y="0"/>
+          <a:ext cx="0" cy="0"/>
+          <a:chOff x="0" y="0"/>
+          <a:chExt cx="0" cy="0"/>
+        </a:xfrm>
+      </p:grpSpPr>
+      <p:sp>
+        <p:nvSpPr>
+          <p:cNvPr id="4" name="矩形 3">
+            <a:extLst>
+              <a:ext uri="{FF2B5EF4-FFF2-40B4-BE49-F238E27FC236}">
+                <a16:creationId xmlns:a16="http://schemas.microsoft.com/office/drawing/2014/main" id="{BB9CBC96-1142-6E19-DEC3-6DDB9F1A9B03}"/>
+              </a:ext>
+            </a:extLst>
+          </p:cNvPr>
+          <p:cNvSpPr/>
+          <p:nvPr/>
+        </p:nvSpPr>
+        <p:spPr>
+          <a:xfrm>
+            <a:off x="4572000" y="584462"/>
+            <a:ext cx="1725105" cy="1743959"/>
+          </a:xfrm>
+          <a:prstGeom prst="rect">
+            <a:avLst/>
+          </a:prstGeom>
+          <a:solidFill>
+            <a:schemeClr val="bg1">
+              <a:lumMod val="95000"/>
+            </a:schemeClr>
+          </a:solidFill>
+        </p:spPr>
+        <p:style>
+          <a:lnRef idx="2">
+            <a:schemeClr val="accent1">
+              <a:shade val="15000"/>
+            </a:schemeClr>
+          </a:lnRef>
+          <a:fillRef idx="1">
+            <a:schemeClr val="accent1"/>
+          </a:fillRef>
+          <a:effectRef idx="0">
+            <a:schemeClr val="accent1"/>
+          </a:effectRef>
+          <a:fontRef idx="minor">
+            <a:schemeClr val="lt1"/>
+          </a:fontRef>
+        </p:style>
+        <p:txBody>
+          <a:bodyPr rtlCol="0" anchor="ctr"/>
+          <a:lstStyle/>
+          <a:p>
+            <a:pPr algn="ctr"/>
+            <a:endParaRPr lang="zh-CN" altLang="en-US"/>
+          </a:p>
+        </p:txBody>
+      </p:sp>
+      <p:sp>
+        <p:nvSpPr>
+          <p:cNvPr id="5" name="矩形 4">
+            <a:extLst>
+              <a:ext uri="{FF2B5EF4-FFF2-40B4-BE49-F238E27FC236}">
+                <a16:creationId xmlns:a16="http://schemas.microsoft.com/office/drawing/2014/main" id="{1094F91E-744B-33A0-B4CC-D7BAAF27F53B}"/>
+              </a:ext>
+            </a:extLst>
+          </p:cNvPr>
+          <p:cNvSpPr/>
+          <p:nvPr/>
+        </p:nvSpPr>
+        <p:spPr>
+          <a:xfrm>
+            <a:off x="4571999" y="2328421"/>
+            <a:ext cx="1725105" cy="1743959"/>
+          </a:xfrm>
+          <a:prstGeom prst="rect">
+            <a:avLst/>
+          </a:prstGeom>
+          <a:solidFill>
+            <a:schemeClr val="bg1">
+              <a:lumMod val="75000"/>
+            </a:schemeClr>
+          </a:solidFill>
+        </p:spPr>
+        <p:style>
+          <a:lnRef idx="2">
+            <a:schemeClr val="accent1">
+              <a:shade val="15000"/>
+            </a:schemeClr>
+          </a:lnRef>
+          <a:fillRef idx="1">
+            <a:schemeClr val="accent1"/>
+          </a:fillRef>
+          <a:effectRef idx="0">
+            <a:schemeClr val="accent1"/>
+          </a:effectRef>
+          <a:fontRef idx="minor">
+            <a:schemeClr val="lt1"/>
+          </a:fontRef>
+        </p:style>
+        <p:txBody>
+          <a:bodyPr rtlCol="0" anchor="ctr"/>
+          <a:lstStyle/>
+          <a:p>
+            <a:pPr algn="ctr"/>
+            <a:endParaRPr lang="zh-CN" altLang="en-US"/>
+          </a:p>
+        </p:txBody>
+      </p:sp>
+      <p:sp>
+        <p:nvSpPr>
+          <p:cNvPr id="6" name="矩形 5">
+            <a:extLst>
+              <a:ext uri="{FF2B5EF4-FFF2-40B4-BE49-F238E27FC236}">
+                <a16:creationId xmlns:a16="http://schemas.microsoft.com/office/drawing/2014/main" id="{04E9D7EA-FDB7-F273-0557-C562A07D4336}"/>
+              </a:ext>
+            </a:extLst>
+          </p:cNvPr>
+          <p:cNvSpPr/>
+          <p:nvPr/>
+        </p:nvSpPr>
+        <p:spPr>
+          <a:xfrm>
+            <a:off x="2846893" y="2328420"/>
+            <a:ext cx="1725105" cy="1743959"/>
+          </a:xfrm>
+          <a:prstGeom prst="rect">
+            <a:avLst/>
+          </a:prstGeom>
+          <a:solidFill>
+            <a:schemeClr val="bg1">
+              <a:lumMod val="85000"/>
+            </a:schemeClr>
+          </a:solidFill>
+        </p:spPr>
+        <p:style>
+          <a:lnRef idx="2">
+            <a:schemeClr val="accent1">
+              <a:shade val="15000"/>
+            </a:schemeClr>
+          </a:lnRef>
+          <a:fillRef idx="1">
+            <a:schemeClr val="accent1"/>
+          </a:fillRef>
+          <a:effectRef idx="0">
+            <a:schemeClr val="accent1"/>
+          </a:effectRef>
+          <a:fontRef idx="minor">
+            <a:schemeClr val="lt1"/>
+          </a:fontRef>
+        </p:style>
+        <p:txBody>
+          <a:bodyPr rtlCol="0" anchor="ctr"/>
+          <a:lstStyle/>
+          <a:p>
+            <a:pPr algn="ctr"/>
+            <a:endParaRPr lang="zh-CN" altLang="en-US"/>
+          </a:p>
+        </p:txBody>
+      </p:sp>
+      <p:sp>
+        <p:nvSpPr>
+          <p:cNvPr id="7" name="矩形 6">
+            <a:extLst>
+              <a:ext uri="{FF2B5EF4-FFF2-40B4-BE49-F238E27FC236}">
+                <a16:creationId xmlns:a16="http://schemas.microsoft.com/office/drawing/2014/main" id="{F140E0B5-475D-1CFC-D33E-EF1F929D0D4C}"/>
+              </a:ext>
+            </a:extLst>
+          </p:cNvPr>
+          <p:cNvSpPr/>
+          <p:nvPr/>
+        </p:nvSpPr>
+        <p:spPr>
+          <a:xfrm>
+            <a:off x="6297104" y="2328420"/>
+            <a:ext cx="1725105" cy="1743959"/>
+          </a:xfrm>
+          <a:prstGeom prst="rect">
+            <a:avLst/>
+          </a:prstGeom>
+          <a:solidFill>
+            <a:schemeClr val="bg1">
+              <a:lumMod val="65000"/>
+            </a:schemeClr>
+          </a:solidFill>
+        </p:spPr>
+        <p:style>
+          <a:lnRef idx="2">
+            <a:schemeClr val="accent1">
+              <a:shade val="15000"/>
+            </a:schemeClr>
+          </a:lnRef>
+          <a:fillRef idx="1">
+            <a:schemeClr val="accent1"/>
+          </a:fillRef>
+          <a:effectRef idx="0">
+            <a:schemeClr val="accent1"/>
+          </a:effectRef>
+          <a:fontRef idx="minor">
+            <a:schemeClr val="lt1"/>
+          </a:fontRef>
+        </p:style>
+        <p:txBody>
+          <a:bodyPr rtlCol="0" anchor="ctr"/>
+          <a:lstStyle/>
+          <a:p>
+            <a:pPr algn="ctr"/>
+            <a:endParaRPr lang="zh-CN" altLang="en-US"/>
+          </a:p>
+        </p:txBody>
+      </p:sp>
+      <p:sp>
+        <p:nvSpPr>
+          <p:cNvPr id="8" name="矩形 7">
+            <a:extLst>
+              <a:ext uri="{FF2B5EF4-FFF2-40B4-BE49-F238E27FC236}">
+                <a16:creationId xmlns:a16="http://schemas.microsoft.com/office/drawing/2014/main" id="{0B32A0E8-AB56-0C6A-5767-568F2308C65F}"/>
+              </a:ext>
+            </a:extLst>
+          </p:cNvPr>
+          <p:cNvSpPr/>
+          <p:nvPr/>
+        </p:nvSpPr>
+        <p:spPr>
+          <a:xfrm>
+            <a:off x="8022209" y="2328420"/>
+            <a:ext cx="1725105" cy="1743959"/>
+          </a:xfrm>
+          <a:prstGeom prst="rect">
+            <a:avLst/>
+          </a:prstGeom>
+          <a:solidFill>
+            <a:schemeClr val="bg1">
+              <a:lumMod val="50000"/>
+            </a:schemeClr>
+          </a:solidFill>
+        </p:spPr>
+        <p:style>
+          <a:lnRef idx="2">
+            <a:schemeClr val="accent1">
+              <a:shade val="15000"/>
+            </a:schemeClr>
+          </a:lnRef>
+          <a:fillRef idx="1">
+            <a:schemeClr val="accent1"/>
+          </a:fillRef>
+          <a:effectRef idx="0">
+            <a:schemeClr val="accent1"/>
+          </a:effectRef>
+          <a:fontRef idx="minor">
+            <a:schemeClr val="lt1"/>
+          </a:fontRef>
+        </p:style>
+        <p:txBody>
+          <a:bodyPr rtlCol="0" anchor="ctr"/>
+          <a:lstStyle/>
+          <a:p>
+            <a:pPr algn="ctr"/>
+            <a:endParaRPr lang="zh-CN" altLang="en-US"/>
+          </a:p>
+        </p:txBody>
+      </p:sp>
+      <p:sp>
+        <p:nvSpPr>
+          <p:cNvPr id="9" name="矩形 8">
+            <a:extLst>
+              <a:ext uri="{FF2B5EF4-FFF2-40B4-BE49-F238E27FC236}">
+                <a16:creationId xmlns:a16="http://schemas.microsoft.com/office/drawing/2014/main" id="{0188C0E3-740C-AC36-E4EB-237BD36D117A}"/>
+              </a:ext>
+            </a:extLst>
+          </p:cNvPr>
+          <p:cNvSpPr/>
+          <p:nvPr/>
+        </p:nvSpPr>
+        <p:spPr>
+          <a:xfrm>
+            <a:off x="4571997" y="4072379"/>
+            <a:ext cx="1725105" cy="1743959"/>
+          </a:xfrm>
+          <a:prstGeom prst="rect">
+            <a:avLst/>
+          </a:prstGeom>
+          <a:noFill/>
+        </p:spPr>
+        <p:style>
+          <a:lnRef idx="2">
+            <a:schemeClr val="accent1">
+              <a:shade val="15000"/>
+            </a:schemeClr>
+          </a:lnRef>
+          <a:fillRef idx="1">
+            <a:schemeClr val="accent1"/>
+          </a:fillRef>
+          <a:effectRef idx="0">
+            <a:schemeClr val="accent1"/>
+          </a:effectRef>
+          <a:fontRef idx="minor">
+            <a:schemeClr val="lt1"/>
+          </a:fontRef>
+        </p:style>
+        <p:txBody>
+          <a:bodyPr rtlCol="0" anchor="ctr"/>
+          <a:lstStyle/>
+          <a:p>
+            <a:pPr algn="ctr"/>
+            <a:endParaRPr lang="zh-CN" altLang="en-US"/>
+          </a:p>
+        </p:txBody>
+      </p:sp>
+      <p:sp>
+        <p:nvSpPr>
+          <p:cNvPr id="11" name="文本框 10">
+            <a:extLst>
+              <a:ext uri="{FF2B5EF4-FFF2-40B4-BE49-F238E27FC236}">
+                <a16:creationId xmlns:a16="http://schemas.microsoft.com/office/drawing/2014/main" id="{5D6AF109-DC52-FC28-537E-1BD7DEA999BA}"/>
+              </a:ext>
+            </a:extLst>
+          </p:cNvPr>
+          <p:cNvSpPr txBox="1"/>
+          <p:nvPr/>
+        </p:nvSpPr>
+        <p:spPr>
+          <a:xfrm>
+            <a:off x="4564912" y="584461"/>
+            <a:ext cx="527901" cy="369332"/>
+          </a:xfrm>
+          <a:prstGeom prst="rect">
+            <a:avLst/>
+          </a:prstGeom>
+          <a:noFill/>
+        </p:spPr>
+        <p:txBody>
+          <a:bodyPr wrap="square" rtlCol="0">
+            <a:spAutoFit/>
+          </a:bodyPr>
+          <a:lstStyle/>
+          <a:p>
+            <a:r>
+              <a:rPr lang="en-US" altLang="zh-CN"/>
+              <a:t>+Y</a:t>
+            </a:r>
+            <a:endParaRPr lang="zh-CN" altLang="en-US"/>
+          </a:p>
+        </p:txBody>
+      </p:sp>
+      <p:sp>
+        <p:nvSpPr>
+          <p:cNvPr id="12" name="文本框 11">
+            <a:extLst>
+              <a:ext uri="{FF2B5EF4-FFF2-40B4-BE49-F238E27FC236}">
+                <a16:creationId xmlns:a16="http://schemas.microsoft.com/office/drawing/2014/main" id="{224F2920-D83E-39F6-8D18-CAF876256159}"/>
+              </a:ext>
+            </a:extLst>
+          </p:cNvPr>
+          <p:cNvSpPr txBox="1"/>
+          <p:nvPr/>
+        </p:nvSpPr>
+        <p:spPr>
+          <a:xfrm>
+            <a:off x="4609697" y="4175347"/>
+            <a:ext cx="527901" cy="369332"/>
+          </a:xfrm>
+          <a:prstGeom prst="rect">
+            <a:avLst/>
+          </a:prstGeom>
+          <a:noFill/>
+        </p:spPr>
+        <p:txBody>
+          <a:bodyPr wrap="square" rtlCol="0">
+            <a:spAutoFit/>
+          </a:bodyPr>
+          <a:lstStyle/>
+          <a:p>
+            <a:r>
+              <a:rPr lang="en-US" altLang="zh-CN"/>
+              <a:t>-Y</a:t>
+            </a:r>
+            <a:endParaRPr lang="zh-CN" altLang="en-US"/>
+          </a:p>
+        </p:txBody>
+      </p:sp>
+      <p:sp>
+        <p:nvSpPr>
+          <p:cNvPr id="13" name="文本框 12">
+            <a:extLst>
+              <a:ext uri="{FF2B5EF4-FFF2-40B4-BE49-F238E27FC236}">
+                <a16:creationId xmlns:a16="http://schemas.microsoft.com/office/drawing/2014/main" id="{18C5F8E6-2942-919C-5AA5-A343E417B550}"/>
+              </a:ext>
+            </a:extLst>
+          </p:cNvPr>
+          <p:cNvSpPr txBox="1"/>
+          <p:nvPr/>
+        </p:nvSpPr>
+        <p:spPr>
+          <a:xfrm>
+            <a:off x="4609697" y="2363829"/>
+            <a:ext cx="527901" cy="369332"/>
+          </a:xfrm>
+          <a:prstGeom prst="rect">
+            <a:avLst/>
+          </a:prstGeom>
+          <a:noFill/>
+        </p:spPr>
+        <p:txBody>
+          <a:bodyPr wrap="square" rtlCol="0">
+            <a:spAutoFit/>
+          </a:bodyPr>
+          <a:lstStyle/>
+          <a:p>
+            <a:r>
+              <a:rPr lang="en-US" altLang="zh-CN"/>
+              <a:t>+Z</a:t>
+            </a:r>
+            <a:endParaRPr lang="zh-CN" altLang="en-US"/>
+          </a:p>
+        </p:txBody>
+      </p:sp>
+      <p:sp>
+        <p:nvSpPr>
+          <p:cNvPr id="14" name="文本框 13">
+            <a:extLst>
+              <a:ext uri="{FF2B5EF4-FFF2-40B4-BE49-F238E27FC236}">
+                <a16:creationId xmlns:a16="http://schemas.microsoft.com/office/drawing/2014/main" id="{3236C2B3-C9C4-FFE3-AB33-D3B50A689F7C}"/>
+              </a:ext>
+            </a:extLst>
+          </p:cNvPr>
+          <p:cNvSpPr txBox="1"/>
+          <p:nvPr/>
+        </p:nvSpPr>
+        <p:spPr>
+          <a:xfrm>
+            <a:off x="6367805" y="2363829"/>
+            <a:ext cx="527901" cy="369332"/>
+          </a:xfrm>
+          <a:prstGeom prst="rect">
+            <a:avLst/>
+          </a:prstGeom>
+          <a:noFill/>
+        </p:spPr>
+        <p:txBody>
+          <a:bodyPr wrap="square" rtlCol="0">
+            <a:spAutoFit/>
+          </a:bodyPr>
+          <a:lstStyle/>
+          <a:p>
+            <a:r>
+              <a:rPr lang="en-US" altLang="zh-CN"/>
+              <a:t>+X</a:t>
+            </a:r>
+            <a:endParaRPr lang="zh-CN" altLang="en-US"/>
+          </a:p>
+        </p:txBody>
+      </p:sp>
+      <p:sp>
+        <p:nvSpPr>
+          <p:cNvPr id="15" name="文本框 14">
+            <a:extLst>
+              <a:ext uri="{FF2B5EF4-FFF2-40B4-BE49-F238E27FC236}">
+                <a16:creationId xmlns:a16="http://schemas.microsoft.com/office/drawing/2014/main" id="{5CFEC2C5-FEF0-374F-8D30-65F97E4D962D}"/>
+              </a:ext>
+            </a:extLst>
+          </p:cNvPr>
+          <p:cNvSpPr txBox="1"/>
+          <p:nvPr/>
+        </p:nvSpPr>
+        <p:spPr>
+          <a:xfrm>
+            <a:off x="2856306" y="2363829"/>
+            <a:ext cx="527901" cy="369332"/>
+          </a:xfrm>
+          <a:prstGeom prst="rect">
+            <a:avLst/>
+          </a:prstGeom>
+          <a:noFill/>
+        </p:spPr>
+        <p:txBody>
+          <a:bodyPr wrap="square" rtlCol="0">
+            <a:spAutoFit/>
+          </a:bodyPr>
+          <a:lstStyle/>
+          <a:p>
+            <a:r>
+              <a:rPr lang="en-US" altLang="zh-CN"/>
+              <a:t>-X</a:t>
+            </a:r>
+            <a:endParaRPr lang="zh-CN" altLang="en-US"/>
+          </a:p>
+        </p:txBody>
+      </p:sp>
+      <p:sp>
+        <p:nvSpPr>
+          <p:cNvPr id="16" name="文本框 15">
+            <a:extLst>
+              <a:ext uri="{FF2B5EF4-FFF2-40B4-BE49-F238E27FC236}">
+                <a16:creationId xmlns:a16="http://schemas.microsoft.com/office/drawing/2014/main" id="{120C2272-5721-907C-E29F-055B6B73FA02}"/>
+              </a:ext>
+            </a:extLst>
+          </p:cNvPr>
+          <p:cNvSpPr txBox="1"/>
+          <p:nvPr/>
+        </p:nvSpPr>
+        <p:spPr>
+          <a:xfrm>
+            <a:off x="8092909" y="2363829"/>
+            <a:ext cx="527901" cy="369332"/>
+          </a:xfrm>
+          <a:prstGeom prst="rect">
+            <a:avLst/>
+          </a:prstGeom>
+          <a:noFill/>
+        </p:spPr>
+        <p:txBody>
+          <a:bodyPr wrap="square" rtlCol="0">
+            <a:spAutoFit/>
+          </a:bodyPr>
+          <a:lstStyle/>
+          <a:p>
+            <a:r>
+              <a:rPr lang="en-US" altLang="zh-CN">
+                <a:solidFill>
+                  <a:schemeClr val="bg1"/>
+                </a:solidFill>
+              </a:rPr>
+              <a:t>-Z</a:t>
+            </a:r>
+            <a:endParaRPr lang="zh-CN" altLang="en-US">
+              <a:solidFill>
+                <a:schemeClr val="bg1"/>
+              </a:solidFill>
+            </a:endParaRPr>
+          </a:p>
+        </p:txBody>
+      </p:sp>
+      <p:cxnSp>
+        <p:nvCxnSpPr>
+          <p:cNvPr id="2" name="直接箭头连接符 1">
+            <a:extLst>
+              <a:ext uri="{FF2B5EF4-FFF2-40B4-BE49-F238E27FC236}">
+                <a16:creationId xmlns:a16="http://schemas.microsoft.com/office/drawing/2014/main" id="{1F348A41-D77C-DF74-6056-CBE82B039DE9}"/>
+              </a:ext>
+            </a:extLst>
+          </p:cNvPr>
+          <p:cNvCxnSpPr/>
+          <p:nvPr/>
+        </p:nvCxnSpPr>
+        <p:spPr>
+          <a:xfrm>
+            <a:off x="556181" y="2045616"/>
+            <a:ext cx="1074656" cy="0"/>
+          </a:xfrm>
+          <a:prstGeom prst="straightConnector1">
+            <a:avLst/>
+          </a:prstGeom>
+          <a:ln>
+            <a:tailEnd type="triangle"/>
+          </a:ln>
+        </p:spPr>
+        <p:style>
+          <a:lnRef idx="1">
+            <a:schemeClr val="accent1"/>
+          </a:lnRef>
+          <a:fillRef idx="0">
+            <a:schemeClr val="accent1"/>
+          </a:fillRef>
+          <a:effectRef idx="0">
+            <a:schemeClr val="accent1"/>
+          </a:effectRef>
+          <a:fontRef idx="minor">
+            <a:schemeClr val="tx1"/>
+          </a:fontRef>
+        </p:style>
+      </p:cxnSp>
+      <p:cxnSp>
+        <p:nvCxnSpPr>
+          <p:cNvPr id="3" name="直接箭头连接符 2">
+            <a:extLst>
+              <a:ext uri="{FF2B5EF4-FFF2-40B4-BE49-F238E27FC236}">
+                <a16:creationId xmlns:a16="http://schemas.microsoft.com/office/drawing/2014/main" id="{48EFFBDD-087A-3965-0B0F-511D4F0D92F4}"/>
+              </a:ext>
+            </a:extLst>
+          </p:cNvPr>
+          <p:cNvCxnSpPr>
+            <a:cxnSpLocks/>
+          </p:cNvCxnSpPr>
+          <p:nvPr/>
+        </p:nvCxnSpPr>
+        <p:spPr>
+          <a:xfrm flipV="1">
+            <a:off x="556181" y="989203"/>
+            <a:ext cx="0" cy="1056413"/>
+          </a:xfrm>
+          <a:prstGeom prst="straightConnector1">
+            <a:avLst/>
+          </a:prstGeom>
+          <a:ln>
+            <a:tailEnd type="triangle"/>
+          </a:ln>
+        </p:spPr>
+        <p:style>
+          <a:lnRef idx="1">
+            <a:schemeClr val="accent1"/>
+          </a:lnRef>
+          <a:fillRef idx="0">
+            <a:schemeClr val="accent1"/>
+          </a:fillRef>
+          <a:effectRef idx="0">
+            <a:schemeClr val="accent1"/>
+          </a:effectRef>
+          <a:fontRef idx="minor">
+            <a:schemeClr val="tx1"/>
+          </a:fontRef>
+        </p:style>
+      </p:cxnSp>
+      <p:sp>
+        <p:nvSpPr>
+          <p:cNvPr id="10" name="文本框 9">
+            <a:extLst>
+              <a:ext uri="{FF2B5EF4-FFF2-40B4-BE49-F238E27FC236}">
+                <a16:creationId xmlns:a16="http://schemas.microsoft.com/office/drawing/2014/main" id="{85BF8E71-35DC-CEB1-430B-82D1E874C123}"/>
+              </a:ext>
+            </a:extLst>
+          </p:cNvPr>
+          <p:cNvSpPr txBox="1"/>
+          <p:nvPr/>
+        </p:nvSpPr>
+        <p:spPr>
+          <a:xfrm>
+            <a:off x="584446" y="2056615"/>
+            <a:ext cx="1074656" cy="369332"/>
+          </a:xfrm>
+          <a:prstGeom prst="rect">
+            <a:avLst/>
+          </a:prstGeom>
+          <a:noFill/>
+        </p:spPr>
+        <p:txBody>
+          <a:bodyPr wrap="square" rtlCol="0">
+            <a:spAutoFit/>
+          </a:bodyPr>
+          <a:lstStyle/>
+          <a:p>
+            <a:r>
+              <a:rPr lang="en-US" altLang="zh-CN"/>
+              <a:t>U=</a:t>
+            </a:r>
+            <a:endParaRPr lang="zh-CN" altLang="en-US"/>
+          </a:p>
+        </p:txBody>
+      </p:sp>
+      <p:sp>
+        <p:nvSpPr>
+          <p:cNvPr id="17" name="文本框 16">
+            <a:extLst>
+              <a:ext uri="{FF2B5EF4-FFF2-40B4-BE49-F238E27FC236}">
+                <a16:creationId xmlns:a16="http://schemas.microsoft.com/office/drawing/2014/main" id="{066651DF-9658-DF41-435E-4C7361E39280}"/>
+              </a:ext>
+            </a:extLst>
+          </p:cNvPr>
+          <p:cNvSpPr txBox="1"/>
+          <p:nvPr/>
+        </p:nvSpPr>
+        <p:spPr>
+          <a:xfrm>
+            <a:off x="329913" y="1110369"/>
+            <a:ext cx="1074656" cy="369332"/>
+          </a:xfrm>
+          <a:prstGeom prst="rect">
+            <a:avLst/>
+          </a:prstGeom>
+          <a:noFill/>
+        </p:spPr>
+        <p:txBody>
+          <a:bodyPr wrap="square" rtlCol="0">
+            <a:spAutoFit/>
+          </a:bodyPr>
+          <a:lstStyle/>
+          <a:p>
+            <a:r>
+              <a:rPr lang="en-US" altLang="zh-CN"/>
+              <a:t>V=</a:t>
+            </a:r>
+            <a:endParaRPr lang="zh-CN" altLang="en-US"/>
+          </a:p>
+        </p:txBody>
+      </p:sp>
+      <p:cxnSp>
+        <p:nvCxnSpPr>
+          <p:cNvPr id="42" name="直接箭头连接符 41">
+            <a:extLst>
+              <a:ext uri="{FF2B5EF4-FFF2-40B4-BE49-F238E27FC236}">
+                <a16:creationId xmlns:a16="http://schemas.microsoft.com/office/drawing/2014/main" id="{320B3D40-C81B-E566-F382-56F9E999EDBB}"/>
+              </a:ext>
+            </a:extLst>
+          </p:cNvPr>
+          <p:cNvCxnSpPr/>
+          <p:nvPr/>
+        </p:nvCxnSpPr>
+        <p:spPr>
+          <a:xfrm>
+            <a:off x="4887799" y="3718029"/>
+            <a:ext cx="1074656" cy="0"/>
+          </a:xfrm>
+          <a:prstGeom prst="straightConnector1">
+            <a:avLst/>
+          </a:prstGeom>
+          <a:ln>
+            <a:tailEnd type="triangle"/>
+          </a:ln>
+        </p:spPr>
+        <p:style>
+          <a:lnRef idx="1">
+            <a:schemeClr val="accent1"/>
+          </a:lnRef>
+          <a:fillRef idx="0">
+            <a:schemeClr val="accent1"/>
+          </a:fillRef>
+          <a:effectRef idx="0">
+            <a:schemeClr val="accent1"/>
+          </a:effectRef>
+          <a:fontRef idx="minor">
+            <a:schemeClr val="tx1"/>
+          </a:fontRef>
+        </p:style>
+      </p:cxnSp>
+      <p:cxnSp>
+        <p:nvCxnSpPr>
+          <p:cNvPr id="43" name="直接箭头连接符 42">
+            <a:extLst>
+              <a:ext uri="{FF2B5EF4-FFF2-40B4-BE49-F238E27FC236}">
+                <a16:creationId xmlns:a16="http://schemas.microsoft.com/office/drawing/2014/main" id="{B16925E1-F28F-DE38-2F47-1A81FB65C3B5}"/>
+              </a:ext>
+            </a:extLst>
+          </p:cNvPr>
+          <p:cNvCxnSpPr>
+            <a:cxnSpLocks/>
+          </p:cNvCxnSpPr>
+          <p:nvPr/>
+        </p:nvCxnSpPr>
+        <p:spPr>
+          <a:xfrm flipV="1">
+            <a:off x="4887799" y="2661616"/>
+            <a:ext cx="0" cy="1056413"/>
+          </a:xfrm>
+          <a:prstGeom prst="straightConnector1">
+            <a:avLst/>
+          </a:prstGeom>
+          <a:ln>
+            <a:tailEnd type="triangle"/>
+          </a:ln>
+        </p:spPr>
+        <p:style>
+          <a:lnRef idx="1">
+            <a:schemeClr val="accent1"/>
+          </a:lnRef>
+          <a:fillRef idx="0">
+            <a:schemeClr val="accent1"/>
+          </a:fillRef>
+          <a:effectRef idx="0">
+            <a:schemeClr val="accent1"/>
+          </a:effectRef>
+          <a:fontRef idx="minor">
+            <a:schemeClr val="tx1"/>
+          </a:fontRef>
+        </p:style>
+      </p:cxnSp>
+      <p:sp>
+        <p:nvSpPr>
+          <p:cNvPr id="44" name="文本框 43">
+            <a:extLst>
+              <a:ext uri="{FF2B5EF4-FFF2-40B4-BE49-F238E27FC236}">
+                <a16:creationId xmlns:a16="http://schemas.microsoft.com/office/drawing/2014/main" id="{95715279-3D3E-8889-601B-4F977DC92BB7}"/>
+              </a:ext>
+            </a:extLst>
+          </p:cNvPr>
+          <p:cNvSpPr txBox="1"/>
+          <p:nvPr/>
+        </p:nvSpPr>
+        <p:spPr>
+          <a:xfrm>
+            <a:off x="4916064" y="3729028"/>
+            <a:ext cx="1074656" cy="369332"/>
+          </a:xfrm>
+          <a:prstGeom prst="rect">
+            <a:avLst/>
+          </a:prstGeom>
+          <a:noFill/>
+        </p:spPr>
+        <p:txBody>
+          <a:bodyPr wrap="square" rtlCol="0">
+            <a:spAutoFit/>
+          </a:bodyPr>
+          <a:lstStyle/>
+          <a:p>
+            <a:r>
+              <a:rPr lang="en-US" altLang="zh-CN">
+                <a:solidFill>
+                  <a:srgbClr val="FF0000"/>
+                </a:solidFill>
+              </a:rPr>
+              <a:t>U= +X</a:t>
+            </a:r>
+            <a:endParaRPr lang="zh-CN" altLang="en-US">
+              <a:solidFill>
+                <a:srgbClr val="FF0000"/>
+              </a:solidFill>
+            </a:endParaRPr>
+          </a:p>
+        </p:txBody>
+      </p:sp>
+      <p:sp>
+        <p:nvSpPr>
+          <p:cNvPr id="45" name="文本框 44">
+            <a:extLst>
+              <a:ext uri="{FF2B5EF4-FFF2-40B4-BE49-F238E27FC236}">
+                <a16:creationId xmlns:a16="http://schemas.microsoft.com/office/drawing/2014/main" id="{073901ED-EFDF-0948-7B42-A83C6F04C4D7}"/>
+              </a:ext>
+            </a:extLst>
+          </p:cNvPr>
+          <p:cNvSpPr txBox="1"/>
+          <p:nvPr/>
+        </p:nvSpPr>
+        <p:spPr>
+          <a:xfrm>
+            <a:off x="4661531" y="2782782"/>
+            <a:ext cx="1074656" cy="369332"/>
+          </a:xfrm>
+          <a:prstGeom prst="rect">
+            <a:avLst/>
+          </a:prstGeom>
+          <a:noFill/>
+        </p:spPr>
+        <p:txBody>
+          <a:bodyPr wrap="square" rtlCol="0">
+            <a:spAutoFit/>
+          </a:bodyPr>
+          <a:lstStyle/>
+          <a:p>
+            <a:r>
+              <a:rPr lang="en-US" altLang="zh-CN">
+                <a:solidFill>
+                  <a:srgbClr val="FF0000"/>
+                </a:solidFill>
+              </a:rPr>
+              <a:t>V= +Y</a:t>
+            </a:r>
+            <a:endParaRPr lang="zh-CN" altLang="en-US">
+              <a:solidFill>
+                <a:srgbClr val="FF0000"/>
+              </a:solidFill>
+            </a:endParaRPr>
+          </a:p>
+        </p:txBody>
+      </p:sp>
+      <p:cxnSp>
+        <p:nvCxnSpPr>
+          <p:cNvPr id="46" name="直接箭头连接符 45">
+            <a:extLst>
+              <a:ext uri="{FF2B5EF4-FFF2-40B4-BE49-F238E27FC236}">
+                <a16:creationId xmlns:a16="http://schemas.microsoft.com/office/drawing/2014/main" id="{2195F0DD-4609-0DFE-D4BC-5E0DF548BD55}"/>
+              </a:ext>
+            </a:extLst>
+          </p:cNvPr>
+          <p:cNvCxnSpPr/>
+          <p:nvPr/>
+        </p:nvCxnSpPr>
+        <p:spPr>
+          <a:xfrm>
+            <a:off x="6605851" y="3678142"/>
+            <a:ext cx="1074656" cy="0"/>
+          </a:xfrm>
+          <a:prstGeom prst="straightConnector1">
+            <a:avLst/>
+          </a:prstGeom>
+          <a:ln>
+            <a:tailEnd type="triangle"/>
+          </a:ln>
+        </p:spPr>
+        <p:style>
+          <a:lnRef idx="1">
+            <a:schemeClr val="accent1"/>
+          </a:lnRef>
+          <a:fillRef idx="0">
+            <a:schemeClr val="accent1"/>
+          </a:fillRef>
+          <a:effectRef idx="0">
+            <a:schemeClr val="accent1"/>
+          </a:effectRef>
+          <a:fontRef idx="minor">
+            <a:schemeClr val="tx1"/>
+          </a:fontRef>
+        </p:style>
+      </p:cxnSp>
+      <p:cxnSp>
+        <p:nvCxnSpPr>
+          <p:cNvPr id="47" name="直接箭头连接符 46">
+            <a:extLst>
+              <a:ext uri="{FF2B5EF4-FFF2-40B4-BE49-F238E27FC236}">
+                <a16:creationId xmlns:a16="http://schemas.microsoft.com/office/drawing/2014/main" id="{93CA008C-C565-14F6-91FB-BE820C41679B}"/>
+              </a:ext>
+            </a:extLst>
+          </p:cNvPr>
+          <p:cNvCxnSpPr>
+            <a:cxnSpLocks/>
+          </p:cNvCxnSpPr>
+          <p:nvPr/>
+        </p:nvCxnSpPr>
+        <p:spPr>
+          <a:xfrm flipV="1">
+            <a:off x="6605851" y="2621729"/>
+            <a:ext cx="0" cy="1056413"/>
+          </a:xfrm>
+          <a:prstGeom prst="straightConnector1">
+            <a:avLst/>
+          </a:prstGeom>
+          <a:ln>
+            <a:tailEnd type="triangle"/>
+          </a:ln>
+        </p:spPr>
+        <p:style>
+          <a:lnRef idx="1">
+            <a:schemeClr val="accent1"/>
+          </a:lnRef>
+          <a:fillRef idx="0">
+            <a:schemeClr val="accent1"/>
+          </a:fillRef>
+          <a:effectRef idx="0">
+            <a:schemeClr val="accent1"/>
+          </a:effectRef>
+          <a:fontRef idx="minor">
+            <a:schemeClr val="tx1"/>
+          </a:fontRef>
+        </p:style>
+      </p:cxnSp>
+      <p:sp>
+        <p:nvSpPr>
+          <p:cNvPr id="48" name="文本框 47">
+            <a:extLst>
+              <a:ext uri="{FF2B5EF4-FFF2-40B4-BE49-F238E27FC236}">
+                <a16:creationId xmlns:a16="http://schemas.microsoft.com/office/drawing/2014/main" id="{65720359-EF27-4B24-FBB3-71FBFA4D2753}"/>
+              </a:ext>
+            </a:extLst>
+          </p:cNvPr>
+          <p:cNvSpPr txBox="1"/>
+          <p:nvPr/>
+        </p:nvSpPr>
+        <p:spPr>
+          <a:xfrm>
+            <a:off x="6634116" y="3689141"/>
+            <a:ext cx="1074656" cy="369332"/>
+          </a:xfrm>
+          <a:prstGeom prst="rect">
+            <a:avLst/>
+          </a:prstGeom>
+          <a:noFill/>
+        </p:spPr>
+        <p:txBody>
+          <a:bodyPr wrap="square" rtlCol="0">
+            <a:spAutoFit/>
+          </a:bodyPr>
+          <a:lstStyle/>
+          <a:p>
+            <a:r>
+              <a:rPr lang="en-US" altLang="zh-CN">
+                <a:solidFill>
+                  <a:srgbClr val="FF0000"/>
+                </a:solidFill>
+              </a:rPr>
+              <a:t>U= +Z</a:t>
+            </a:r>
+            <a:endParaRPr lang="zh-CN" altLang="en-US">
+              <a:solidFill>
+                <a:srgbClr val="FF0000"/>
+              </a:solidFill>
+            </a:endParaRPr>
+          </a:p>
+        </p:txBody>
+      </p:sp>
+      <p:sp>
+        <p:nvSpPr>
+          <p:cNvPr id="49" name="文本框 48">
+            <a:extLst>
+              <a:ext uri="{FF2B5EF4-FFF2-40B4-BE49-F238E27FC236}">
+                <a16:creationId xmlns:a16="http://schemas.microsoft.com/office/drawing/2014/main" id="{1988B288-DF72-AAB4-A6E4-93FE9F25345A}"/>
+              </a:ext>
+            </a:extLst>
+          </p:cNvPr>
+          <p:cNvSpPr txBox="1"/>
+          <p:nvPr/>
+        </p:nvSpPr>
+        <p:spPr>
+          <a:xfrm>
+            <a:off x="6379583" y="2742895"/>
+            <a:ext cx="1074656" cy="369332"/>
+          </a:xfrm>
+          <a:prstGeom prst="rect">
+            <a:avLst/>
+          </a:prstGeom>
+          <a:noFill/>
+        </p:spPr>
+        <p:txBody>
+          <a:bodyPr wrap="square" rtlCol="0">
+            <a:spAutoFit/>
+          </a:bodyPr>
+          <a:lstStyle/>
+          <a:p>
+            <a:r>
+              <a:rPr lang="en-US" altLang="zh-CN">
+                <a:solidFill>
+                  <a:srgbClr val="FF0000"/>
+                </a:solidFill>
+              </a:rPr>
+              <a:t>V= +Y</a:t>
+            </a:r>
+            <a:endParaRPr lang="zh-CN" altLang="en-US">
+              <a:solidFill>
+                <a:srgbClr val="FF0000"/>
+              </a:solidFill>
+            </a:endParaRPr>
+          </a:p>
+        </p:txBody>
+      </p:sp>
+      <p:cxnSp>
+        <p:nvCxnSpPr>
+          <p:cNvPr id="50" name="直接箭头连接符 49">
+            <a:extLst>
+              <a:ext uri="{FF2B5EF4-FFF2-40B4-BE49-F238E27FC236}">
+                <a16:creationId xmlns:a16="http://schemas.microsoft.com/office/drawing/2014/main" id="{56CAC644-554C-37C0-501C-D55265BAEE75}"/>
+              </a:ext>
+            </a:extLst>
+          </p:cNvPr>
+          <p:cNvCxnSpPr/>
+          <p:nvPr/>
+        </p:nvCxnSpPr>
+        <p:spPr>
+          <a:xfrm>
+            <a:off x="8380450" y="3668408"/>
+            <a:ext cx="1074656" cy="0"/>
+          </a:xfrm>
+          <a:prstGeom prst="straightConnector1">
+            <a:avLst/>
+          </a:prstGeom>
+          <a:ln>
+            <a:tailEnd type="triangle"/>
+          </a:ln>
+        </p:spPr>
+        <p:style>
+          <a:lnRef idx="1">
+            <a:schemeClr val="accent1"/>
+          </a:lnRef>
+          <a:fillRef idx="0">
+            <a:schemeClr val="accent1"/>
+          </a:fillRef>
+          <a:effectRef idx="0">
+            <a:schemeClr val="accent1"/>
+          </a:effectRef>
+          <a:fontRef idx="minor">
+            <a:schemeClr val="tx1"/>
+          </a:fontRef>
+        </p:style>
+      </p:cxnSp>
+      <p:cxnSp>
+        <p:nvCxnSpPr>
+          <p:cNvPr id="51" name="直接箭头连接符 50">
+            <a:extLst>
+              <a:ext uri="{FF2B5EF4-FFF2-40B4-BE49-F238E27FC236}">
+                <a16:creationId xmlns:a16="http://schemas.microsoft.com/office/drawing/2014/main" id="{ECBCFDC7-5594-4328-76D7-5AAEFEC96671}"/>
+              </a:ext>
+            </a:extLst>
+          </p:cNvPr>
+          <p:cNvCxnSpPr>
+            <a:cxnSpLocks/>
+          </p:cNvCxnSpPr>
+          <p:nvPr/>
+        </p:nvCxnSpPr>
+        <p:spPr>
+          <a:xfrm flipV="1">
+            <a:off x="8380450" y="2611995"/>
+            <a:ext cx="0" cy="1056413"/>
+          </a:xfrm>
+          <a:prstGeom prst="straightConnector1">
+            <a:avLst/>
+          </a:prstGeom>
+          <a:ln>
+            <a:tailEnd type="triangle"/>
+          </a:ln>
+        </p:spPr>
+        <p:style>
+          <a:lnRef idx="1">
+            <a:schemeClr val="accent1"/>
+          </a:lnRef>
+          <a:fillRef idx="0">
+            <a:schemeClr val="accent1"/>
+          </a:fillRef>
+          <a:effectRef idx="0">
+            <a:schemeClr val="accent1"/>
+          </a:effectRef>
+          <a:fontRef idx="minor">
+            <a:schemeClr val="tx1"/>
+          </a:fontRef>
+        </p:style>
+      </p:cxnSp>
+      <p:sp>
+        <p:nvSpPr>
+          <p:cNvPr id="52" name="文本框 51">
+            <a:extLst>
+              <a:ext uri="{FF2B5EF4-FFF2-40B4-BE49-F238E27FC236}">
+                <a16:creationId xmlns:a16="http://schemas.microsoft.com/office/drawing/2014/main" id="{1F19BAAE-D771-B0E4-3497-5955712AFC93}"/>
+              </a:ext>
+            </a:extLst>
+          </p:cNvPr>
+          <p:cNvSpPr txBox="1"/>
+          <p:nvPr/>
+        </p:nvSpPr>
+        <p:spPr>
+          <a:xfrm>
+            <a:off x="8408715" y="3679407"/>
+            <a:ext cx="1074656" cy="369332"/>
+          </a:xfrm>
+          <a:prstGeom prst="rect">
+            <a:avLst/>
+          </a:prstGeom>
+          <a:noFill/>
+        </p:spPr>
+        <p:txBody>
+          <a:bodyPr wrap="square" rtlCol="0">
+            <a:spAutoFit/>
+          </a:bodyPr>
+          <a:lstStyle/>
+          <a:p>
+            <a:r>
+              <a:rPr lang="en-US" altLang="zh-CN">
+                <a:solidFill>
+                  <a:srgbClr val="FF0000"/>
+                </a:solidFill>
+              </a:rPr>
+              <a:t>U= -X</a:t>
+            </a:r>
+            <a:endParaRPr lang="zh-CN" altLang="en-US">
+              <a:solidFill>
+                <a:srgbClr val="FF0000"/>
+              </a:solidFill>
+            </a:endParaRPr>
+          </a:p>
+        </p:txBody>
+      </p:sp>
+      <p:sp>
+        <p:nvSpPr>
+          <p:cNvPr id="53" name="文本框 52">
+            <a:extLst>
+              <a:ext uri="{FF2B5EF4-FFF2-40B4-BE49-F238E27FC236}">
+                <a16:creationId xmlns:a16="http://schemas.microsoft.com/office/drawing/2014/main" id="{D0F8BF20-BD61-18A3-DEFA-51552E5A09EA}"/>
+              </a:ext>
+            </a:extLst>
+          </p:cNvPr>
+          <p:cNvSpPr txBox="1"/>
+          <p:nvPr/>
+        </p:nvSpPr>
+        <p:spPr>
+          <a:xfrm>
+            <a:off x="8154182" y="2733161"/>
+            <a:ext cx="1074656" cy="369332"/>
+          </a:xfrm>
+          <a:prstGeom prst="rect">
+            <a:avLst/>
+          </a:prstGeom>
+          <a:noFill/>
+        </p:spPr>
+        <p:txBody>
+          <a:bodyPr wrap="square" rtlCol="0">
+            <a:spAutoFit/>
+          </a:bodyPr>
+          <a:lstStyle/>
+          <a:p>
+            <a:r>
+              <a:rPr lang="en-US" altLang="zh-CN">
+                <a:solidFill>
+                  <a:srgbClr val="FF0000"/>
+                </a:solidFill>
+              </a:rPr>
+              <a:t>V= +Y</a:t>
+            </a:r>
+            <a:endParaRPr lang="zh-CN" altLang="en-US">
+              <a:solidFill>
+                <a:srgbClr val="FF0000"/>
+              </a:solidFill>
+            </a:endParaRPr>
+          </a:p>
+        </p:txBody>
+      </p:sp>
+      <p:cxnSp>
+        <p:nvCxnSpPr>
+          <p:cNvPr id="54" name="直接箭头连接符 53">
+            <a:extLst>
+              <a:ext uri="{FF2B5EF4-FFF2-40B4-BE49-F238E27FC236}">
+                <a16:creationId xmlns:a16="http://schemas.microsoft.com/office/drawing/2014/main" id="{B168DA1E-52ED-ADD7-B184-B6CE93AAA800}"/>
+              </a:ext>
+            </a:extLst>
+          </p:cNvPr>
+          <p:cNvCxnSpPr/>
+          <p:nvPr/>
+        </p:nvCxnSpPr>
+        <p:spPr>
+          <a:xfrm>
+            <a:off x="3209829" y="3703817"/>
+            <a:ext cx="1074656" cy="0"/>
+          </a:xfrm>
+          <a:prstGeom prst="straightConnector1">
+            <a:avLst/>
+          </a:prstGeom>
+          <a:ln>
+            <a:tailEnd type="triangle"/>
+          </a:ln>
+        </p:spPr>
+        <p:style>
+          <a:lnRef idx="1">
+            <a:schemeClr val="accent1"/>
+          </a:lnRef>
+          <a:fillRef idx="0">
+            <a:schemeClr val="accent1"/>
+          </a:fillRef>
+          <a:effectRef idx="0">
+            <a:schemeClr val="accent1"/>
+          </a:effectRef>
+          <a:fontRef idx="minor">
+            <a:schemeClr val="tx1"/>
+          </a:fontRef>
+        </p:style>
+      </p:cxnSp>
+      <p:cxnSp>
+        <p:nvCxnSpPr>
+          <p:cNvPr id="55" name="直接箭头连接符 54">
+            <a:extLst>
+              <a:ext uri="{FF2B5EF4-FFF2-40B4-BE49-F238E27FC236}">
+                <a16:creationId xmlns:a16="http://schemas.microsoft.com/office/drawing/2014/main" id="{45BD48CB-E373-220D-7557-247C1C6608E4}"/>
+              </a:ext>
+            </a:extLst>
+          </p:cNvPr>
+          <p:cNvCxnSpPr>
+            <a:cxnSpLocks/>
+          </p:cNvCxnSpPr>
+          <p:nvPr/>
+        </p:nvCxnSpPr>
+        <p:spPr>
+          <a:xfrm flipV="1">
+            <a:off x="3209829" y="2647404"/>
+            <a:ext cx="0" cy="1056413"/>
+          </a:xfrm>
+          <a:prstGeom prst="straightConnector1">
+            <a:avLst/>
+          </a:prstGeom>
+          <a:ln>
+            <a:tailEnd type="triangle"/>
+          </a:ln>
+        </p:spPr>
+        <p:style>
+          <a:lnRef idx="1">
+            <a:schemeClr val="accent1"/>
+          </a:lnRef>
+          <a:fillRef idx="0">
+            <a:schemeClr val="accent1"/>
+          </a:fillRef>
+          <a:effectRef idx="0">
+            <a:schemeClr val="accent1"/>
+          </a:effectRef>
+          <a:fontRef idx="minor">
+            <a:schemeClr val="tx1"/>
+          </a:fontRef>
+        </p:style>
+      </p:cxnSp>
+      <p:sp>
+        <p:nvSpPr>
+          <p:cNvPr id="56" name="文本框 55">
+            <a:extLst>
+              <a:ext uri="{FF2B5EF4-FFF2-40B4-BE49-F238E27FC236}">
+                <a16:creationId xmlns:a16="http://schemas.microsoft.com/office/drawing/2014/main" id="{470F7922-C56A-DF42-C72B-03A8783BE359}"/>
+              </a:ext>
+            </a:extLst>
+          </p:cNvPr>
+          <p:cNvSpPr txBox="1"/>
+          <p:nvPr/>
+        </p:nvSpPr>
+        <p:spPr>
+          <a:xfrm>
+            <a:off x="3238094" y="3714816"/>
+            <a:ext cx="1074656" cy="369332"/>
+          </a:xfrm>
+          <a:prstGeom prst="rect">
+            <a:avLst/>
+          </a:prstGeom>
+          <a:noFill/>
+        </p:spPr>
+        <p:txBody>
+          <a:bodyPr wrap="square" rtlCol="0">
+            <a:spAutoFit/>
+          </a:bodyPr>
+          <a:lstStyle/>
+          <a:p>
+            <a:r>
+              <a:rPr lang="en-US" altLang="zh-CN">
+                <a:solidFill>
+                  <a:srgbClr val="FF0000"/>
+                </a:solidFill>
+              </a:rPr>
+              <a:t>U= -Z</a:t>
+            </a:r>
+            <a:endParaRPr lang="zh-CN" altLang="en-US">
+              <a:solidFill>
+                <a:srgbClr val="FF0000"/>
+              </a:solidFill>
+            </a:endParaRPr>
+          </a:p>
+        </p:txBody>
+      </p:sp>
+      <p:sp>
+        <p:nvSpPr>
+          <p:cNvPr id="57" name="文本框 56">
+            <a:extLst>
+              <a:ext uri="{FF2B5EF4-FFF2-40B4-BE49-F238E27FC236}">
+                <a16:creationId xmlns:a16="http://schemas.microsoft.com/office/drawing/2014/main" id="{E99AB777-6293-9A1D-6697-287D654BC84E}"/>
+              </a:ext>
+            </a:extLst>
+          </p:cNvPr>
+          <p:cNvSpPr txBox="1"/>
+          <p:nvPr/>
+        </p:nvSpPr>
+        <p:spPr>
+          <a:xfrm>
+            <a:off x="2983561" y="2768570"/>
+            <a:ext cx="1074656" cy="369332"/>
+          </a:xfrm>
+          <a:prstGeom prst="rect">
+            <a:avLst/>
+          </a:prstGeom>
+          <a:noFill/>
+        </p:spPr>
+        <p:txBody>
+          <a:bodyPr wrap="square" rtlCol="0">
+            <a:spAutoFit/>
+          </a:bodyPr>
+          <a:lstStyle/>
+          <a:p>
+            <a:r>
+              <a:rPr lang="en-US" altLang="zh-CN">
+                <a:solidFill>
+                  <a:srgbClr val="FF0000"/>
+                </a:solidFill>
+              </a:rPr>
+              <a:t>V= +Y</a:t>
+            </a:r>
+            <a:endParaRPr lang="zh-CN" altLang="en-US">
+              <a:solidFill>
+                <a:srgbClr val="FF0000"/>
+              </a:solidFill>
+            </a:endParaRPr>
+          </a:p>
+        </p:txBody>
+      </p:sp>
+      <p:cxnSp>
+        <p:nvCxnSpPr>
+          <p:cNvPr id="58" name="直接箭头连接符 57">
+            <a:extLst>
+              <a:ext uri="{FF2B5EF4-FFF2-40B4-BE49-F238E27FC236}">
+                <a16:creationId xmlns:a16="http://schemas.microsoft.com/office/drawing/2014/main" id="{4B716A3B-8C74-BAD8-CAE2-16642CFED4EC}"/>
+              </a:ext>
+            </a:extLst>
+          </p:cNvPr>
+          <p:cNvCxnSpPr/>
+          <p:nvPr/>
+        </p:nvCxnSpPr>
+        <p:spPr>
+          <a:xfrm>
+            <a:off x="4888974" y="1892180"/>
+            <a:ext cx="1074656" cy="0"/>
+          </a:xfrm>
+          <a:prstGeom prst="straightConnector1">
+            <a:avLst/>
+          </a:prstGeom>
+          <a:ln>
+            <a:tailEnd type="triangle"/>
+          </a:ln>
+        </p:spPr>
+        <p:style>
+          <a:lnRef idx="1">
+            <a:schemeClr val="accent1"/>
+          </a:lnRef>
+          <a:fillRef idx="0">
+            <a:schemeClr val="accent1"/>
+          </a:fillRef>
+          <a:effectRef idx="0">
+            <a:schemeClr val="accent1"/>
+          </a:effectRef>
+          <a:fontRef idx="minor">
+            <a:schemeClr val="tx1"/>
+          </a:fontRef>
+        </p:style>
+      </p:cxnSp>
+      <p:cxnSp>
+        <p:nvCxnSpPr>
+          <p:cNvPr id="59" name="直接箭头连接符 58">
+            <a:extLst>
+              <a:ext uri="{FF2B5EF4-FFF2-40B4-BE49-F238E27FC236}">
+                <a16:creationId xmlns:a16="http://schemas.microsoft.com/office/drawing/2014/main" id="{795D8CE8-73F3-5F17-3539-0C965A0227C0}"/>
+              </a:ext>
+            </a:extLst>
+          </p:cNvPr>
+          <p:cNvCxnSpPr>
+            <a:cxnSpLocks/>
+          </p:cNvCxnSpPr>
+          <p:nvPr/>
+        </p:nvCxnSpPr>
+        <p:spPr>
+          <a:xfrm flipV="1">
+            <a:off x="4888974" y="835767"/>
+            <a:ext cx="0" cy="1056413"/>
+          </a:xfrm>
+          <a:prstGeom prst="straightConnector1">
+            <a:avLst/>
+          </a:prstGeom>
+          <a:ln>
+            <a:tailEnd type="triangle"/>
+          </a:ln>
+        </p:spPr>
+        <p:style>
+          <a:lnRef idx="1">
+            <a:schemeClr val="accent1"/>
+          </a:lnRef>
+          <a:fillRef idx="0">
+            <a:schemeClr val="accent1"/>
+          </a:fillRef>
+          <a:effectRef idx="0">
+            <a:schemeClr val="accent1"/>
+          </a:effectRef>
+          <a:fontRef idx="minor">
+            <a:schemeClr val="tx1"/>
+          </a:fontRef>
+        </p:style>
+      </p:cxnSp>
+      <p:sp>
+        <p:nvSpPr>
+          <p:cNvPr id="60" name="文本框 59">
+            <a:extLst>
+              <a:ext uri="{FF2B5EF4-FFF2-40B4-BE49-F238E27FC236}">
+                <a16:creationId xmlns:a16="http://schemas.microsoft.com/office/drawing/2014/main" id="{3F3E7A44-7C17-5975-7F2F-70394775B275}"/>
+              </a:ext>
+            </a:extLst>
+          </p:cNvPr>
+          <p:cNvSpPr txBox="1"/>
+          <p:nvPr/>
+        </p:nvSpPr>
+        <p:spPr>
+          <a:xfrm>
+            <a:off x="4917239" y="1903179"/>
+            <a:ext cx="1074656" cy="369332"/>
+          </a:xfrm>
+          <a:prstGeom prst="rect">
+            <a:avLst/>
+          </a:prstGeom>
+          <a:noFill/>
+        </p:spPr>
+        <p:txBody>
+          <a:bodyPr wrap="square" rtlCol="0">
+            <a:spAutoFit/>
+          </a:bodyPr>
+          <a:lstStyle/>
+          <a:p>
+            <a:r>
+              <a:rPr lang="en-US" altLang="zh-CN">
+                <a:solidFill>
+                  <a:srgbClr val="FF0000"/>
+                </a:solidFill>
+              </a:rPr>
+              <a:t>U= +X</a:t>
+            </a:r>
+            <a:endParaRPr lang="zh-CN" altLang="en-US">
+              <a:solidFill>
+                <a:srgbClr val="FF0000"/>
+              </a:solidFill>
+            </a:endParaRPr>
+          </a:p>
+        </p:txBody>
+      </p:sp>
+      <p:sp>
+        <p:nvSpPr>
+          <p:cNvPr id="61" name="文本框 60">
+            <a:extLst>
+              <a:ext uri="{FF2B5EF4-FFF2-40B4-BE49-F238E27FC236}">
+                <a16:creationId xmlns:a16="http://schemas.microsoft.com/office/drawing/2014/main" id="{C985B7E1-3AB3-DB4B-30A1-D9B8090DBC0A}"/>
+              </a:ext>
+            </a:extLst>
+          </p:cNvPr>
+          <p:cNvSpPr txBox="1"/>
+          <p:nvPr/>
+        </p:nvSpPr>
+        <p:spPr>
+          <a:xfrm>
+            <a:off x="4662706" y="956933"/>
+            <a:ext cx="1074656" cy="369332"/>
+          </a:xfrm>
+          <a:prstGeom prst="rect">
+            <a:avLst/>
+          </a:prstGeom>
+          <a:noFill/>
+        </p:spPr>
+        <p:txBody>
+          <a:bodyPr wrap="square" rtlCol="0">
+            <a:spAutoFit/>
+          </a:bodyPr>
+          <a:lstStyle/>
+          <a:p>
+            <a:r>
+              <a:rPr lang="en-US" altLang="zh-CN">
+                <a:solidFill>
+                  <a:srgbClr val="FF0000"/>
+                </a:solidFill>
+              </a:rPr>
+              <a:t>V= +Z</a:t>
+            </a:r>
+            <a:endParaRPr lang="zh-CN" altLang="en-US">
+              <a:solidFill>
+                <a:srgbClr val="FF0000"/>
+              </a:solidFill>
+            </a:endParaRPr>
+          </a:p>
+        </p:txBody>
+      </p:sp>
+      <p:cxnSp>
+        <p:nvCxnSpPr>
+          <p:cNvPr id="62" name="直接箭头连接符 61">
+            <a:extLst>
+              <a:ext uri="{FF2B5EF4-FFF2-40B4-BE49-F238E27FC236}">
+                <a16:creationId xmlns:a16="http://schemas.microsoft.com/office/drawing/2014/main" id="{5B9691FB-F870-CF9C-F132-55860F5014FE}"/>
+              </a:ext>
+            </a:extLst>
+          </p:cNvPr>
+          <p:cNvCxnSpPr/>
+          <p:nvPr/>
+        </p:nvCxnSpPr>
+        <p:spPr>
+          <a:xfrm>
+            <a:off x="4995412" y="5398227"/>
+            <a:ext cx="1074656" cy="0"/>
+          </a:xfrm>
+          <a:prstGeom prst="straightConnector1">
+            <a:avLst/>
+          </a:prstGeom>
+          <a:ln>
+            <a:tailEnd type="triangle"/>
+          </a:ln>
+        </p:spPr>
+        <p:style>
+          <a:lnRef idx="1">
+            <a:schemeClr val="accent1"/>
+          </a:lnRef>
+          <a:fillRef idx="0">
+            <a:schemeClr val="accent1"/>
+          </a:fillRef>
+          <a:effectRef idx="0">
+            <a:schemeClr val="accent1"/>
+          </a:effectRef>
+          <a:fontRef idx="minor">
+            <a:schemeClr val="tx1"/>
+          </a:fontRef>
+        </p:style>
+      </p:cxnSp>
+      <p:cxnSp>
+        <p:nvCxnSpPr>
+          <p:cNvPr id="63" name="直接箭头连接符 62">
+            <a:extLst>
+              <a:ext uri="{FF2B5EF4-FFF2-40B4-BE49-F238E27FC236}">
+                <a16:creationId xmlns:a16="http://schemas.microsoft.com/office/drawing/2014/main" id="{9C02B65C-14CD-6AA1-3478-9DC0854AB7FB}"/>
+              </a:ext>
+            </a:extLst>
+          </p:cNvPr>
+          <p:cNvCxnSpPr>
+            <a:cxnSpLocks/>
+          </p:cNvCxnSpPr>
+          <p:nvPr/>
+        </p:nvCxnSpPr>
+        <p:spPr>
+          <a:xfrm flipV="1">
+            <a:off x="4995412" y="4341814"/>
+            <a:ext cx="0" cy="1056413"/>
+          </a:xfrm>
+          <a:prstGeom prst="straightConnector1">
+            <a:avLst/>
+          </a:prstGeom>
+          <a:ln>
+            <a:tailEnd type="triangle"/>
+          </a:ln>
+        </p:spPr>
+        <p:style>
+          <a:lnRef idx="1">
+            <a:schemeClr val="accent1"/>
+          </a:lnRef>
+          <a:fillRef idx="0">
+            <a:schemeClr val="accent1"/>
+          </a:fillRef>
+          <a:effectRef idx="0">
+            <a:schemeClr val="accent1"/>
+          </a:effectRef>
+          <a:fontRef idx="minor">
+            <a:schemeClr val="tx1"/>
+          </a:fontRef>
+        </p:style>
+      </p:cxnSp>
+      <p:sp>
+        <p:nvSpPr>
+          <p:cNvPr id="64" name="文本框 63">
+            <a:extLst>
+              <a:ext uri="{FF2B5EF4-FFF2-40B4-BE49-F238E27FC236}">
+                <a16:creationId xmlns:a16="http://schemas.microsoft.com/office/drawing/2014/main" id="{AF678D3F-39A8-DAAF-1F43-FBBDDACF7F6B}"/>
+              </a:ext>
+            </a:extLst>
+          </p:cNvPr>
+          <p:cNvSpPr txBox="1"/>
+          <p:nvPr/>
+        </p:nvSpPr>
+        <p:spPr>
+          <a:xfrm>
+            <a:off x="5023677" y="5409226"/>
+            <a:ext cx="1074656" cy="369332"/>
+          </a:xfrm>
+          <a:prstGeom prst="rect">
+            <a:avLst/>
+          </a:prstGeom>
+          <a:noFill/>
+        </p:spPr>
+        <p:txBody>
+          <a:bodyPr wrap="square" rtlCol="0">
+            <a:spAutoFit/>
+          </a:bodyPr>
+          <a:lstStyle/>
+          <a:p>
+            <a:r>
+              <a:rPr lang="en-US" altLang="zh-CN">
+                <a:solidFill>
+                  <a:srgbClr val="FF0000"/>
+                </a:solidFill>
+              </a:rPr>
+              <a:t>U= +X</a:t>
+            </a:r>
+            <a:endParaRPr lang="zh-CN" altLang="en-US">
+              <a:solidFill>
+                <a:srgbClr val="FF0000"/>
+              </a:solidFill>
+            </a:endParaRPr>
+          </a:p>
+        </p:txBody>
+      </p:sp>
+      <p:sp>
+        <p:nvSpPr>
+          <p:cNvPr id="65" name="文本框 64">
+            <a:extLst>
+              <a:ext uri="{FF2B5EF4-FFF2-40B4-BE49-F238E27FC236}">
+                <a16:creationId xmlns:a16="http://schemas.microsoft.com/office/drawing/2014/main" id="{570A99D5-FFDC-37F3-013F-A5441244E663}"/>
+              </a:ext>
+            </a:extLst>
+          </p:cNvPr>
+          <p:cNvSpPr txBox="1"/>
+          <p:nvPr/>
+        </p:nvSpPr>
+        <p:spPr>
+          <a:xfrm>
+            <a:off x="4769144" y="4462980"/>
+            <a:ext cx="1074656" cy="369332"/>
+          </a:xfrm>
+          <a:prstGeom prst="rect">
+            <a:avLst/>
+          </a:prstGeom>
+          <a:noFill/>
+        </p:spPr>
+        <p:txBody>
+          <a:bodyPr wrap="square" rtlCol="0">
+            <a:spAutoFit/>
+          </a:bodyPr>
+          <a:lstStyle/>
+          <a:p>
+            <a:r>
+              <a:rPr lang="en-US" altLang="zh-CN">
+                <a:solidFill>
+                  <a:srgbClr val="FF0000"/>
+                </a:solidFill>
+              </a:rPr>
+              <a:t>V= -Z</a:t>
+            </a:r>
+            <a:endParaRPr lang="zh-CN" altLang="en-US">
+              <a:solidFill>
+                <a:srgbClr val="FF0000"/>
+              </a:solidFill>
+            </a:endParaRPr>
+          </a:p>
+        </p:txBody>
+      </p:sp>
+      <p:pic>
+        <p:nvPicPr>
+          <p:cNvPr id="19" name="图片 18">
+            <a:extLst>
+              <a:ext uri="{FF2B5EF4-FFF2-40B4-BE49-F238E27FC236}">
+                <a16:creationId xmlns:a16="http://schemas.microsoft.com/office/drawing/2014/main" id="{65F3F971-41A6-E015-68EF-1E76DF7076A7}"/>
+              </a:ext>
+            </a:extLst>
+          </p:cNvPr>
+          <p:cNvPicPr>
+            <a:picLocks noChangeAspect="1"/>
+          </p:cNvPicPr>
+          <p:nvPr/>
+        </p:nvPicPr>
+        <p:blipFill>
+          <a:blip r:embed="rId2"/>
+          <a:stretch>
+            <a:fillRect/>
+          </a:stretch>
+        </p:blipFill>
+        <p:spPr>
+          <a:xfrm>
+            <a:off x="4571995" y="4083377"/>
+            <a:ext cx="1725104" cy="1721728"/>
+          </a:xfrm>
+          <a:prstGeom prst="rect">
+            <a:avLst/>
+          </a:prstGeom>
+        </p:spPr>
+      </p:pic>
+      <p:pic>
+        <p:nvPicPr>
+          <p:cNvPr id="21" name="图片 20">
+            <a:extLst>
+              <a:ext uri="{FF2B5EF4-FFF2-40B4-BE49-F238E27FC236}">
+                <a16:creationId xmlns:a16="http://schemas.microsoft.com/office/drawing/2014/main" id="{E436B096-24A8-1688-E100-65BAC3E73463}"/>
+              </a:ext>
+            </a:extLst>
+          </p:cNvPr>
+          <p:cNvPicPr>
+            <a:picLocks noChangeAspect="1"/>
+          </p:cNvPicPr>
+          <p:nvPr/>
+        </p:nvPicPr>
+        <p:blipFill>
+          <a:blip r:embed="rId3"/>
+          <a:stretch>
+            <a:fillRect/>
+          </a:stretch>
+        </p:blipFill>
+        <p:spPr>
+          <a:xfrm>
+            <a:off x="2870938" y="2343601"/>
+            <a:ext cx="1710717" cy="1720800"/>
+          </a:xfrm>
+          <a:prstGeom prst="rect">
+            <a:avLst/>
+          </a:prstGeom>
+        </p:spPr>
+      </p:pic>
+      <p:pic>
+        <p:nvPicPr>
+          <p:cNvPr id="23" name="图片 22">
+            <a:extLst>
+              <a:ext uri="{FF2B5EF4-FFF2-40B4-BE49-F238E27FC236}">
+                <a16:creationId xmlns:a16="http://schemas.microsoft.com/office/drawing/2014/main" id="{6BD13C82-E7C1-823B-FAA7-6E5BB6D410ED}"/>
+              </a:ext>
+            </a:extLst>
+          </p:cNvPr>
+          <p:cNvPicPr>
+            <a:picLocks noChangeAspect="1"/>
+          </p:cNvPicPr>
+          <p:nvPr/>
+        </p:nvPicPr>
+        <p:blipFill>
+          <a:blip r:embed="rId4"/>
+          <a:stretch>
+            <a:fillRect/>
+          </a:stretch>
+        </p:blipFill>
+        <p:spPr>
+          <a:xfrm>
+            <a:off x="8009536" y="2320739"/>
+            <a:ext cx="1728000" cy="1728000"/>
+          </a:xfrm>
+          <a:prstGeom prst="rect">
+            <a:avLst/>
+          </a:prstGeom>
+        </p:spPr>
+      </p:pic>
+      <p:pic>
+        <p:nvPicPr>
+          <p:cNvPr id="25" name="图片 24">
+            <a:extLst>
+              <a:ext uri="{FF2B5EF4-FFF2-40B4-BE49-F238E27FC236}">
+                <a16:creationId xmlns:a16="http://schemas.microsoft.com/office/drawing/2014/main" id="{19485A65-DBED-36CD-D36D-057571D60333}"/>
+              </a:ext>
+            </a:extLst>
+          </p:cNvPr>
+          <p:cNvPicPr>
+            <a:picLocks noChangeAspect="1"/>
+          </p:cNvPicPr>
+          <p:nvPr/>
+        </p:nvPicPr>
+        <p:blipFill>
+          <a:blip r:embed="rId5"/>
+          <a:stretch>
+            <a:fillRect/>
+          </a:stretch>
+        </p:blipFill>
+        <p:spPr>
+          <a:xfrm>
+            <a:off x="6300813" y="2329608"/>
+            <a:ext cx="1724638" cy="1728000"/>
+          </a:xfrm>
+          <a:prstGeom prst="rect">
+            <a:avLst/>
+          </a:prstGeom>
+        </p:spPr>
+      </p:pic>
+      <p:pic>
+        <p:nvPicPr>
+          <p:cNvPr id="27" name="图片 26">
+            <a:extLst>
+              <a:ext uri="{FF2B5EF4-FFF2-40B4-BE49-F238E27FC236}">
+                <a16:creationId xmlns:a16="http://schemas.microsoft.com/office/drawing/2014/main" id="{F3C8C0A3-8E00-7FB4-EFB6-B54DC72F0826}"/>
+              </a:ext>
+            </a:extLst>
+          </p:cNvPr>
+          <p:cNvPicPr>
+            <a:picLocks noChangeAspect="1"/>
+          </p:cNvPicPr>
+          <p:nvPr/>
+        </p:nvPicPr>
+        <p:blipFill>
+          <a:blip r:embed="rId6"/>
+          <a:stretch>
+            <a:fillRect/>
+          </a:stretch>
+        </p:blipFill>
+        <p:spPr>
+          <a:xfrm>
+            <a:off x="4593910" y="2339128"/>
+            <a:ext cx="1724658" cy="1728000"/>
+          </a:xfrm>
+          <a:prstGeom prst="rect">
+            <a:avLst/>
+          </a:prstGeom>
+        </p:spPr>
+      </p:pic>
+      <p:pic>
+        <p:nvPicPr>
+          <p:cNvPr id="29" name="图片 28">
+            <a:extLst>
+              <a:ext uri="{FF2B5EF4-FFF2-40B4-BE49-F238E27FC236}">
+                <a16:creationId xmlns:a16="http://schemas.microsoft.com/office/drawing/2014/main" id="{7B044641-201C-A99E-3784-2B5B1EDFBF55}"/>
+              </a:ext>
+            </a:extLst>
+          </p:cNvPr>
+          <p:cNvPicPr>
+            <a:picLocks noChangeAspect="1"/>
+          </p:cNvPicPr>
+          <p:nvPr/>
+        </p:nvPicPr>
+        <p:blipFill>
+          <a:blip r:embed="rId7"/>
+          <a:stretch>
+            <a:fillRect/>
+          </a:stretch>
+        </p:blipFill>
+        <p:spPr>
+          <a:xfrm>
+            <a:off x="4575868" y="575702"/>
+            <a:ext cx="1764149" cy="1760697"/>
+          </a:xfrm>
+          <a:prstGeom prst="rect">
+            <a:avLst/>
+          </a:prstGeom>
+        </p:spPr>
+      </p:pic>
+    </p:spTree>
+    <p:extLst>
+      <p:ext uri="{BB962C8B-B14F-4D97-AF65-F5344CB8AC3E}">
+        <p14:creationId xmlns:p14="http://schemas.microsoft.com/office/powerpoint/2010/main" val="2981344426"/>
+      </p:ext>
+    </p:extLst>
+  </p:cSld>
+  <p:clrMapOvr>
+    <a:masterClrMapping/>
+  </p:clrMapOvr>
+</p:sld>
+</file>
+
 <file path=ppt/slides/slide2.xml><?xml version="1.0" encoding="utf-8"?>
 <p:sld xmlns:a="http://schemas.openxmlformats.org/drawingml/2006/main" xmlns:r="http://schemas.openxmlformats.org/officeDocument/2006/relationships" xmlns:p="http://schemas.openxmlformats.org/presentationml/2006/main">
   <p:cSld>
@@ -5131,6 +8974,2912 @@
     <p:extLst>
       <p:ext uri="{BB962C8B-B14F-4D97-AF65-F5344CB8AC3E}">
         <p14:creationId xmlns:p14="http://schemas.microsoft.com/office/powerpoint/2010/main" val="2581386905"/>
+      </p:ext>
+    </p:extLst>
+  </p:cSld>
+  <p:clrMapOvr>
+    <a:masterClrMapping/>
+  </p:clrMapOvr>
+</p:sld>
+</file>
+
+<file path=ppt/slides/slide8.xml><?xml version="1.0" encoding="utf-8"?>
+<p:sld xmlns:a="http://schemas.openxmlformats.org/drawingml/2006/main" xmlns:r="http://schemas.openxmlformats.org/officeDocument/2006/relationships" xmlns:p="http://schemas.openxmlformats.org/presentationml/2006/main">
+  <p:cSld>
+    <p:spTree>
+      <p:nvGrpSpPr>
+        <p:cNvPr id="1" name=""/>
+        <p:cNvGrpSpPr/>
+        <p:nvPr/>
+      </p:nvGrpSpPr>
+      <p:grpSpPr>
+        <a:xfrm>
+          <a:off x="0" y="0"/>
+          <a:ext cx="0" cy="0"/>
+          <a:chOff x="0" y="0"/>
+          <a:chExt cx="0" cy="0"/>
+        </a:xfrm>
+      </p:grpSpPr>
+      <p:sp>
+        <p:nvSpPr>
+          <p:cNvPr id="4" name="矩形 3">
+            <a:extLst>
+              <a:ext uri="{FF2B5EF4-FFF2-40B4-BE49-F238E27FC236}">
+                <a16:creationId xmlns:a16="http://schemas.microsoft.com/office/drawing/2014/main" id="{D64FF4BE-848D-6B0E-C483-A53209FE3B26}"/>
+              </a:ext>
+            </a:extLst>
+          </p:cNvPr>
+          <p:cNvSpPr/>
+          <p:nvPr/>
+        </p:nvSpPr>
+        <p:spPr>
+          <a:xfrm>
+            <a:off x="4572000" y="584462"/>
+            <a:ext cx="1725105" cy="1743959"/>
+          </a:xfrm>
+          <a:prstGeom prst="rect">
+            <a:avLst/>
+          </a:prstGeom>
+          <a:noFill/>
+        </p:spPr>
+        <p:style>
+          <a:lnRef idx="2">
+            <a:schemeClr val="accent1">
+              <a:shade val="15000"/>
+            </a:schemeClr>
+          </a:lnRef>
+          <a:fillRef idx="1">
+            <a:schemeClr val="accent1"/>
+          </a:fillRef>
+          <a:effectRef idx="0">
+            <a:schemeClr val="accent1"/>
+          </a:effectRef>
+          <a:fontRef idx="minor">
+            <a:schemeClr val="lt1"/>
+          </a:fontRef>
+        </p:style>
+        <p:txBody>
+          <a:bodyPr rtlCol="0" anchor="ctr"/>
+          <a:lstStyle/>
+          <a:p>
+            <a:pPr algn="ctr"/>
+            <a:endParaRPr lang="zh-CN" altLang="en-US"/>
+          </a:p>
+        </p:txBody>
+      </p:sp>
+      <p:sp>
+        <p:nvSpPr>
+          <p:cNvPr id="5" name="矩形 4">
+            <a:extLst>
+              <a:ext uri="{FF2B5EF4-FFF2-40B4-BE49-F238E27FC236}">
+                <a16:creationId xmlns:a16="http://schemas.microsoft.com/office/drawing/2014/main" id="{5BA1FAB7-ABE3-DB9D-0703-0A802DF24C1D}"/>
+              </a:ext>
+            </a:extLst>
+          </p:cNvPr>
+          <p:cNvSpPr/>
+          <p:nvPr/>
+        </p:nvSpPr>
+        <p:spPr>
+          <a:xfrm>
+            <a:off x="4571999" y="2328421"/>
+            <a:ext cx="1725105" cy="1743959"/>
+          </a:xfrm>
+          <a:prstGeom prst="rect">
+            <a:avLst/>
+          </a:prstGeom>
+          <a:noFill/>
+        </p:spPr>
+        <p:style>
+          <a:lnRef idx="2">
+            <a:schemeClr val="accent1">
+              <a:shade val="15000"/>
+            </a:schemeClr>
+          </a:lnRef>
+          <a:fillRef idx="1">
+            <a:schemeClr val="accent1"/>
+          </a:fillRef>
+          <a:effectRef idx="0">
+            <a:schemeClr val="accent1"/>
+          </a:effectRef>
+          <a:fontRef idx="minor">
+            <a:schemeClr val="lt1"/>
+          </a:fontRef>
+        </p:style>
+        <p:txBody>
+          <a:bodyPr rtlCol="0" anchor="ctr"/>
+          <a:lstStyle/>
+          <a:p>
+            <a:pPr algn="ctr"/>
+            <a:endParaRPr lang="zh-CN" altLang="en-US"/>
+          </a:p>
+        </p:txBody>
+      </p:sp>
+      <p:sp>
+        <p:nvSpPr>
+          <p:cNvPr id="6" name="矩形 5">
+            <a:extLst>
+              <a:ext uri="{FF2B5EF4-FFF2-40B4-BE49-F238E27FC236}">
+                <a16:creationId xmlns:a16="http://schemas.microsoft.com/office/drawing/2014/main" id="{398055C4-3D57-777A-8E7A-213A0AFE296E}"/>
+              </a:ext>
+            </a:extLst>
+          </p:cNvPr>
+          <p:cNvSpPr/>
+          <p:nvPr/>
+        </p:nvSpPr>
+        <p:spPr>
+          <a:xfrm>
+            <a:off x="2846893" y="2328420"/>
+            <a:ext cx="1725105" cy="1743959"/>
+          </a:xfrm>
+          <a:prstGeom prst="rect">
+            <a:avLst/>
+          </a:prstGeom>
+          <a:noFill/>
+        </p:spPr>
+        <p:style>
+          <a:lnRef idx="2">
+            <a:schemeClr val="accent1">
+              <a:shade val="15000"/>
+            </a:schemeClr>
+          </a:lnRef>
+          <a:fillRef idx="1">
+            <a:schemeClr val="accent1"/>
+          </a:fillRef>
+          <a:effectRef idx="0">
+            <a:schemeClr val="accent1"/>
+          </a:effectRef>
+          <a:fontRef idx="minor">
+            <a:schemeClr val="lt1"/>
+          </a:fontRef>
+        </p:style>
+        <p:txBody>
+          <a:bodyPr rtlCol="0" anchor="ctr"/>
+          <a:lstStyle/>
+          <a:p>
+            <a:pPr algn="ctr"/>
+            <a:endParaRPr lang="zh-CN" altLang="en-US"/>
+          </a:p>
+        </p:txBody>
+      </p:sp>
+      <p:sp>
+        <p:nvSpPr>
+          <p:cNvPr id="7" name="矩形 6">
+            <a:extLst>
+              <a:ext uri="{FF2B5EF4-FFF2-40B4-BE49-F238E27FC236}">
+                <a16:creationId xmlns:a16="http://schemas.microsoft.com/office/drawing/2014/main" id="{001FD0EF-1153-6099-DBAE-BCEC57B0B024}"/>
+              </a:ext>
+            </a:extLst>
+          </p:cNvPr>
+          <p:cNvSpPr/>
+          <p:nvPr/>
+        </p:nvSpPr>
+        <p:spPr>
+          <a:xfrm>
+            <a:off x="6297104" y="2328420"/>
+            <a:ext cx="1725105" cy="1743959"/>
+          </a:xfrm>
+          <a:prstGeom prst="rect">
+            <a:avLst/>
+          </a:prstGeom>
+          <a:noFill/>
+        </p:spPr>
+        <p:style>
+          <a:lnRef idx="2">
+            <a:schemeClr val="accent1">
+              <a:shade val="15000"/>
+            </a:schemeClr>
+          </a:lnRef>
+          <a:fillRef idx="1">
+            <a:schemeClr val="accent1"/>
+          </a:fillRef>
+          <a:effectRef idx="0">
+            <a:schemeClr val="accent1"/>
+          </a:effectRef>
+          <a:fontRef idx="minor">
+            <a:schemeClr val="lt1"/>
+          </a:fontRef>
+        </p:style>
+        <p:txBody>
+          <a:bodyPr rtlCol="0" anchor="ctr"/>
+          <a:lstStyle/>
+          <a:p>
+            <a:pPr algn="ctr"/>
+            <a:endParaRPr lang="zh-CN" altLang="en-US"/>
+          </a:p>
+        </p:txBody>
+      </p:sp>
+      <p:sp>
+        <p:nvSpPr>
+          <p:cNvPr id="8" name="矩形 7">
+            <a:extLst>
+              <a:ext uri="{FF2B5EF4-FFF2-40B4-BE49-F238E27FC236}">
+                <a16:creationId xmlns:a16="http://schemas.microsoft.com/office/drawing/2014/main" id="{770AB63F-5718-1F79-D23C-A023335DF7C6}"/>
+              </a:ext>
+            </a:extLst>
+          </p:cNvPr>
+          <p:cNvSpPr/>
+          <p:nvPr/>
+        </p:nvSpPr>
+        <p:spPr>
+          <a:xfrm>
+            <a:off x="8022209" y="2328420"/>
+            <a:ext cx="1725105" cy="1743959"/>
+          </a:xfrm>
+          <a:prstGeom prst="rect">
+            <a:avLst/>
+          </a:prstGeom>
+          <a:noFill/>
+        </p:spPr>
+        <p:style>
+          <a:lnRef idx="2">
+            <a:schemeClr val="accent1">
+              <a:shade val="15000"/>
+            </a:schemeClr>
+          </a:lnRef>
+          <a:fillRef idx="1">
+            <a:schemeClr val="accent1"/>
+          </a:fillRef>
+          <a:effectRef idx="0">
+            <a:schemeClr val="accent1"/>
+          </a:effectRef>
+          <a:fontRef idx="minor">
+            <a:schemeClr val="lt1"/>
+          </a:fontRef>
+        </p:style>
+        <p:txBody>
+          <a:bodyPr rtlCol="0" anchor="ctr"/>
+          <a:lstStyle/>
+          <a:p>
+            <a:pPr algn="ctr"/>
+            <a:endParaRPr lang="zh-CN" altLang="en-US"/>
+          </a:p>
+        </p:txBody>
+      </p:sp>
+      <p:sp>
+        <p:nvSpPr>
+          <p:cNvPr id="9" name="矩形 8">
+            <a:extLst>
+              <a:ext uri="{FF2B5EF4-FFF2-40B4-BE49-F238E27FC236}">
+                <a16:creationId xmlns:a16="http://schemas.microsoft.com/office/drawing/2014/main" id="{906F9162-F9C4-890B-75DA-C2A615904F50}"/>
+              </a:ext>
+            </a:extLst>
+          </p:cNvPr>
+          <p:cNvSpPr/>
+          <p:nvPr/>
+        </p:nvSpPr>
+        <p:spPr>
+          <a:xfrm>
+            <a:off x="4571997" y="4072379"/>
+            <a:ext cx="1725105" cy="1743959"/>
+          </a:xfrm>
+          <a:prstGeom prst="rect">
+            <a:avLst/>
+          </a:prstGeom>
+          <a:noFill/>
+        </p:spPr>
+        <p:style>
+          <a:lnRef idx="2">
+            <a:schemeClr val="accent1">
+              <a:shade val="15000"/>
+            </a:schemeClr>
+          </a:lnRef>
+          <a:fillRef idx="1">
+            <a:schemeClr val="accent1"/>
+          </a:fillRef>
+          <a:effectRef idx="0">
+            <a:schemeClr val="accent1"/>
+          </a:effectRef>
+          <a:fontRef idx="minor">
+            <a:schemeClr val="lt1"/>
+          </a:fontRef>
+        </p:style>
+        <p:txBody>
+          <a:bodyPr rtlCol="0" anchor="ctr"/>
+          <a:lstStyle/>
+          <a:p>
+            <a:pPr algn="ctr"/>
+            <a:endParaRPr lang="zh-CN" altLang="en-US"/>
+          </a:p>
+        </p:txBody>
+      </p:sp>
+      <p:sp>
+        <p:nvSpPr>
+          <p:cNvPr id="11" name="文本框 10">
+            <a:extLst>
+              <a:ext uri="{FF2B5EF4-FFF2-40B4-BE49-F238E27FC236}">
+                <a16:creationId xmlns:a16="http://schemas.microsoft.com/office/drawing/2014/main" id="{55072D92-CDFC-BDA9-FD01-052A16ACEA15}"/>
+              </a:ext>
+            </a:extLst>
+          </p:cNvPr>
+          <p:cNvSpPr txBox="1"/>
+          <p:nvPr/>
+        </p:nvSpPr>
+        <p:spPr>
+          <a:xfrm>
+            <a:off x="4564912" y="584461"/>
+            <a:ext cx="527901" cy="369332"/>
+          </a:xfrm>
+          <a:prstGeom prst="rect">
+            <a:avLst/>
+          </a:prstGeom>
+          <a:noFill/>
+        </p:spPr>
+        <p:txBody>
+          <a:bodyPr wrap="square" rtlCol="0">
+            <a:spAutoFit/>
+          </a:bodyPr>
+          <a:lstStyle/>
+          <a:p>
+            <a:r>
+              <a:rPr lang="en-US" altLang="zh-CN"/>
+              <a:t>+Y</a:t>
+            </a:r>
+            <a:endParaRPr lang="zh-CN" altLang="en-US"/>
+          </a:p>
+        </p:txBody>
+      </p:sp>
+      <p:sp>
+        <p:nvSpPr>
+          <p:cNvPr id="12" name="文本框 11">
+            <a:extLst>
+              <a:ext uri="{FF2B5EF4-FFF2-40B4-BE49-F238E27FC236}">
+                <a16:creationId xmlns:a16="http://schemas.microsoft.com/office/drawing/2014/main" id="{9E6CD02F-706E-AF89-A4D7-3510B97CE86C}"/>
+              </a:ext>
+            </a:extLst>
+          </p:cNvPr>
+          <p:cNvSpPr txBox="1"/>
+          <p:nvPr/>
+        </p:nvSpPr>
+        <p:spPr>
+          <a:xfrm>
+            <a:off x="4609697" y="4175347"/>
+            <a:ext cx="527901" cy="369332"/>
+          </a:xfrm>
+          <a:prstGeom prst="rect">
+            <a:avLst/>
+          </a:prstGeom>
+          <a:noFill/>
+        </p:spPr>
+        <p:txBody>
+          <a:bodyPr wrap="square" rtlCol="0">
+            <a:spAutoFit/>
+          </a:bodyPr>
+          <a:lstStyle/>
+          <a:p>
+            <a:r>
+              <a:rPr lang="en-US" altLang="zh-CN"/>
+              <a:t>-Y</a:t>
+            </a:r>
+            <a:endParaRPr lang="zh-CN" altLang="en-US"/>
+          </a:p>
+        </p:txBody>
+      </p:sp>
+      <p:sp>
+        <p:nvSpPr>
+          <p:cNvPr id="13" name="文本框 12">
+            <a:extLst>
+              <a:ext uri="{FF2B5EF4-FFF2-40B4-BE49-F238E27FC236}">
+                <a16:creationId xmlns:a16="http://schemas.microsoft.com/office/drawing/2014/main" id="{42C1B500-B3A6-FE5F-B742-439EE111D455}"/>
+              </a:ext>
+            </a:extLst>
+          </p:cNvPr>
+          <p:cNvSpPr txBox="1"/>
+          <p:nvPr/>
+        </p:nvSpPr>
+        <p:spPr>
+          <a:xfrm>
+            <a:off x="4609697" y="2363829"/>
+            <a:ext cx="527901" cy="369332"/>
+          </a:xfrm>
+          <a:prstGeom prst="rect">
+            <a:avLst/>
+          </a:prstGeom>
+          <a:noFill/>
+        </p:spPr>
+        <p:txBody>
+          <a:bodyPr wrap="square" rtlCol="0">
+            <a:spAutoFit/>
+          </a:bodyPr>
+          <a:lstStyle/>
+          <a:p>
+            <a:r>
+              <a:rPr lang="en-US" altLang="zh-CN"/>
+              <a:t>-Z</a:t>
+            </a:r>
+            <a:endParaRPr lang="zh-CN" altLang="en-US"/>
+          </a:p>
+        </p:txBody>
+      </p:sp>
+      <p:sp>
+        <p:nvSpPr>
+          <p:cNvPr id="14" name="文本框 13">
+            <a:extLst>
+              <a:ext uri="{FF2B5EF4-FFF2-40B4-BE49-F238E27FC236}">
+                <a16:creationId xmlns:a16="http://schemas.microsoft.com/office/drawing/2014/main" id="{C9C6BE86-25E4-80FE-F6F8-E66FBCC7D17D}"/>
+              </a:ext>
+            </a:extLst>
+          </p:cNvPr>
+          <p:cNvSpPr txBox="1"/>
+          <p:nvPr/>
+        </p:nvSpPr>
+        <p:spPr>
+          <a:xfrm>
+            <a:off x="6367805" y="2363829"/>
+            <a:ext cx="527901" cy="369332"/>
+          </a:xfrm>
+          <a:prstGeom prst="rect">
+            <a:avLst/>
+          </a:prstGeom>
+          <a:noFill/>
+        </p:spPr>
+        <p:txBody>
+          <a:bodyPr wrap="square" rtlCol="0">
+            <a:spAutoFit/>
+          </a:bodyPr>
+          <a:lstStyle/>
+          <a:p>
+            <a:r>
+              <a:rPr lang="en-US" altLang="zh-CN"/>
+              <a:t>+X</a:t>
+            </a:r>
+            <a:endParaRPr lang="zh-CN" altLang="en-US"/>
+          </a:p>
+        </p:txBody>
+      </p:sp>
+      <p:sp>
+        <p:nvSpPr>
+          <p:cNvPr id="15" name="文本框 14">
+            <a:extLst>
+              <a:ext uri="{FF2B5EF4-FFF2-40B4-BE49-F238E27FC236}">
+                <a16:creationId xmlns:a16="http://schemas.microsoft.com/office/drawing/2014/main" id="{C6521252-F4B8-0F07-DCD2-438758AAC80F}"/>
+              </a:ext>
+            </a:extLst>
+          </p:cNvPr>
+          <p:cNvSpPr txBox="1"/>
+          <p:nvPr/>
+        </p:nvSpPr>
+        <p:spPr>
+          <a:xfrm>
+            <a:off x="2856306" y="2363829"/>
+            <a:ext cx="527901" cy="369332"/>
+          </a:xfrm>
+          <a:prstGeom prst="rect">
+            <a:avLst/>
+          </a:prstGeom>
+          <a:noFill/>
+        </p:spPr>
+        <p:txBody>
+          <a:bodyPr wrap="square" rtlCol="0">
+            <a:spAutoFit/>
+          </a:bodyPr>
+          <a:lstStyle/>
+          <a:p>
+            <a:r>
+              <a:rPr lang="en-US" altLang="zh-CN"/>
+              <a:t>-X</a:t>
+            </a:r>
+            <a:endParaRPr lang="zh-CN" altLang="en-US"/>
+          </a:p>
+        </p:txBody>
+      </p:sp>
+      <p:sp>
+        <p:nvSpPr>
+          <p:cNvPr id="16" name="文本框 15">
+            <a:extLst>
+              <a:ext uri="{FF2B5EF4-FFF2-40B4-BE49-F238E27FC236}">
+                <a16:creationId xmlns:a16="http://schemas.microsoft.com/office/drawing/2014/main" id="{F077D73D-60CA-BFFB-2D57-56CDBCD59E18}"/>
+              </a:ext>
+            </a:extLst>
+          </p:cNvPr>
+          <p:cNvSpPr txBox="1"/>
+          <p:nvPr/>
+        </p:nvSpPr>
+        <p:spPr>
+          <a:xfrm>
+            <a:off x="8092909" y="2363829"/>
+            <a:ext cx="527901" cy="369332"/>
+          </a:xfrm>
+          <a:prstGeom prst="rect">
+            <a:avLst/>
+          </a:prstGeom>
+          <a:noFill/>
+        </p:spPr>
+        <p:txBody>
+          <a:bodyPr wrap="square" rtlCol="0">
+            <a:spAutoFit/>
+          </a:bodyPr>
+          <a:lstStyle/>
+          <a:p>
+            <a:r>
+              <a:rPr lang="en-US" altLang="zh-CN"/>
+              <a:t>+Z</a:t>
+            </a:r>
+            <a:endParaRPr lang="zh-CN" altLang="en-US"/>
+          </a:p>
+        </p:txBody>
+      </p:sp>
+      <p:cxnSp>
+        <p:nvCxnSpPr>
+          <p:cNvPr id="18" name="直接箭头连接符 17">
+            <a:extLst>
+              <a:ext uri="{FF2B5EF4-FFF2-40B4-BE49-F238E27FC236}">
+                <a16:creationId xmlns:a16="http://schemas.microsoft.com/office/drawing/2014/main" id="{DCA4C6DC-E035-20AF-C4C9-6F15BC3F24D7}"/>
+              </a:ext>
+            </a:extLst>
+          </p:cNvPr>
+          <p:cNvCxnSpPr/>
+          <p:nvPr/>
+        </p:nvCxnSpPr>
+        <p:spPr>
+          <a:xfrm>
+            <a:off x="556181" y="2045616"/>
+            <a:ext cx="1074656" cy="0"/>
+          </a:xfrm>
+          <a:prstGeom prst="straightConnector1">
+            <a:avLst/>
+          </a:prstGeom>
+          <a:ln>
+            <a:tailEnd type="triangle"/>
+          </a:ln>
+        </p:spPr>
+        <p:style>
+          <a:lnRef idx="1">
+            <a:schemeClr val="accent1"/>
+          </a:lnRef>
+          <a:fillRef idx="0">
+            <a:schemeClr val="accent1"/>
+          </a:fillRef>
+          <a:effectRef idx="0">
+            <a:schemeClr val="accent1"/>
+          </a:effectRef>
+          <a:fontRef idx="minor">
+            <a:schemeClr val="tx1"/>
+          </a:fontRef>
+        </p:style>
+      </p:cxnSp>
+      <p:cxnSp>
+        <p:nvCxnSpPr>
+          <p:cNvPr id="19" name="直接箭头连接符 18">
+            <a:extLst>
+              <a:ext uri="{FF2B5EF4-FFF2-40B4-BE49-F238E27FC236}">
+                <a16:creationId xmlns:a16="http://schemas.microsoft.com/office/drawing/2014/main" id="{44F9F216-E69A-A6FD-DC58-AC927BBB732D}"/>
+              </a:ext>
+            </a:extLst>
+          </p:cNvPr>
+          <p:cNvCxnSpPr>
+            <a:cxnSpLocks/>
+          </p:cNvCxnSpPr>
+          <p:nvPr/>
+        </p:nvCxnSpPr>
+        <p:spPr>
+          <a:xfrm flipV="1">
+            <a:off x="556181" y="989203"/>
+            <a:ext cx="0" cy="1056413"/>
+          </a:xfrm>
+          <a:prstGeom prst="straightConnector1">
+            <a:avLst/>
+          </a:prstGeom>
+          <a:ln>
+            <a:tailEnd type="triangle"/>
+          </a:ln>
+        </p:spPr>
+        <p:style>
+          <a:lnRef idx="1">
+            <a:schemeClr val="accent1"/>
+          </a:lnRef>
+          <a:fillRef idx="0">
+            <a:schemeClr val="accent1"/>
+          </a:fillRef>
+          <a:effectRef idx="0">
+            <a:schemeClr val="accent1"/>
+          </a:effectRef>
+          <a:fontRef idx="minor">
+            <a:schemeClr val="tx1"/>
+          </a:fontRef>
+        </p:style>
+      </p:cxnSp>
+      <p:sp>
+        <p:nvSpPr>
+          <p:cNvPr id="22" name="文本框 21">
+            <a:extLst>
+              <a:ext uri="{FF2B5EF4-FFF2-40B4-BE49-F238E27FC236}">
+                <a16:creationId xmlns:a16="http://schemas.microsoft.com/office/drawing/2014/main" id="{47BDA3DB-E8A9-971C-ECDA-96F6B90CF2F9}"/>
+              </a:ext>
+            </a:extLst>
+          </p:cNvPr>
+          <p:cNvSpPr txBox="1"/>
+          <p:nvPr/>
+        </p:nvSpPr>
+        <p:spPr>
+          <a:xfrm>
+            <a:off x="622144" y="2179163"/>
+            <a:ext cx="1074656" cy="369332"/>
+          </a:xfrm>
+          <a:prstGeom prst="rect">
+            <a:avLst/>
+          </a:prstGeom>
+          <a:noFill/>
+        </p:spPr>
+        <p:txBody>
+          <a:bodyPr wrap="square" rtlCol="0">
+            <a:spAutoFit/>
+          </a:bodyPr>
+          <a:lstStyle/>
+          <a:p>
+            <a:r>
+              <a:rPr lang="en-US" altLang="zh-CN"/>
+              <a:t>U=</a:t>
+            </a:r>
+            <a:endParaRPr lang="zh-CN" altLang="en-US"/>
+          </a:p>
+        </p:txBody>
+      </p:sp>
+      <p:sp>
+        <p:nvSpPr>
+          <p:cNvPr id="23" name="文本框 22">
+            <a:extLst>
+              <a:ext uri="{FF2B5EF4-FFF2-40B4-BE49-F238E27FC236}">
+                <a16:creationId xmlns:a16="http://schemas.microsoft.com/office/drawing/2014/main" id="{04C86E30-4291-0170-281E-0C81E932FBFD}"/>
+              </a:ext>
+            </a:extLst>
+          </p:cNvPr>
+          <p:cNvSpPr txBox="1"/>
+          <p:nvPr/>
+        </p:nvSpPr>
+        <p:spPr>
+          <a:xfrm>
+            <a:off x="84816" y="619871"/>
+            <a:ext cx="1074656" cy="369332"/>
+          </a:xfrm>
+          <a:prstGeom prst="rect">
+            <a:avLst/>
+          </a:prstGeom>
+          <a:noFill/>
+        </p:spPr>
+        <p:txBody>
+          <a:bodyPr wrap="square" rtlCol="0">
+            <a:spAutoFit/>
+          </a:bodyPr>
+          <a:lstStyle/>
+          <a:p>
+            <a:r>
+              <a:rPr lang="en-US" altLang="zh-CN"/>
+              <a:t>V=</a:t>
+            </a:r>
+            <a:endParaRPr lang="zh-CN" altLang="en-US"/>
+          </a:p>
+        </p:txBody>
+      </p:sp>
+      <p:sp>
+        <p:nvSpPr>
+          <p:cNvPr id="24" name="文本框 23">
+            <a:extLst>
+              <a:ext uri="{FF2B5EF4-FFF2-40B4-BE49-F238E27FC236}">
+                <a16:creationId xmlns:a16="http://schemas.microsoft.com/office/drawing/2014/main" id="{FA786E5F-4CFA-79C0-0F73-81AA4B0299E4}"/>
+              </a:ext>
+            </a:extLst>
+          </p:cNvPr>
+          <p:cNvSpPr txBox="1"/>
+          <p:nvPr/>
+        </p:nvSpPr>
+        <p:spPr>
+          <a:xfrm>
+            <a:off x="6292385" y="1934793"/>
+            <a:ext cx="815421" cy="369332"/>
+          </a:xfrm>
+          <a:prstGeom prst="rect">
+            <a:avLst/>
+          </a:prstGeom>
+          <a:noFill/>
+        </p:spPr>
+        <p:txBody>
+          <a:bodyPr wrap="square" rtlCol="0">
+            <a:spAutoFit/>
+          </a:bodyPr>
+          <a:lstStyle/>
+          <a:p>
+            <a:r>
+              <a:rPr lang="en-US" altLang="zh-CN"/>
+              <a:t>1,1,-1</a:t>
+            </a:r>
+            <a:endParaRPr lang="zh-CN" altLang="en-US"/>
+          </a:p>
+        </p:txBody>
+      </p:sp>
+      <p:sp>
+        <p:nvSpPr>
+          <p:cNvPr id="25" name="文本框 24">
+            <a:extLst>
+              <a:ext uri="{FF2B5EF4-FFF2-40B4-BE49-F238E27FC236}">
+                <a16:creationId xmlns:a16="http://schemas.microsoft.com/office/drawing/2014/main" id="{3305DC0C-940F-2FD8-0530-C9D8B192E8FD}"/>
+              </a:ext>
+            </a:extLst>
+          </p:cNvPr>
+          <p:cNvSpPr txBox="1"/>
+          <p:nvPr/>
+        </p:nvSpPr>
+        <p:spPr>
+          <a:xfrm>
+            <a:off x="3709445" y="1934793"/>
+            <a:ext cx="1140616" cy="369332"/>
+          </a:xfrm>
+          <a:prstGeom prst="rect">
+            <a:avLst/>
+          </a:prstGeom>
+          <a:noFill/>
+        </p:spPr>
+        <p:txBody>
+          <a:bodyPr wrap="square" rtlCol="0">
+            <a:spAutoFit/>
+          </a:bodyPr>
+          <a:lstStyle/>
+          <a:p>
+            <a:r>
+              <a:rPr lang="en-US" altLang="zh-CN"/>
+              <a:t>-1,1,-1</a:t>
+            </a:r>
+            <a:endParaRPr lang="zh-CN" altLang="en-US"/>
+          </a:p>
+        </p:txBody>
+      </p:sp>
+      <p:sp>
+        <p:nvSpPr>
+          <p:cNvPr id="26" name="文本框 25">
+            <a:extLst>
+              <a:ext uri="{FF2B5EF4-FFF2-40B4-BE49-F238E27FC236}">
+                <a16:creationId xmlns:a16="http://schemas.microsoft.com/office/drawing/2014/main" id="{FA6A8A32-8A69-0E7D-FDBC-FEAEB06727CB}"/>
+              </a:ext>
+            </a:extLst>
+          </p:cNvPr>
+          <p:cNvSpPr txBox="1"/>
+          <p:nvPr/>
+        </p:nvSpPr>
+        <p:spPr>
+          <a:xfrm>
+            <a:off x="3563333" y="4132083"/>
+            <a:ext cx="1046368" cy="369332"/>
+          </a:xfrm>
+          <a:prstGeom prst="rect">
+            <a:avLst/>
+          </a:prstGeom>
+          <a:noFill/>
+        </p:spPr>
+        <p:txBody>
+          <a:bodyPr wrap="square" rtlCol="0">
+            <a:spAutoFit/>
+          </a:bodyPr>
+          <a:lstStyle/>
+          <a:p>
+            <a:r>
+              <a:rPr lang="en-US" altLang="zh-CN"/>
+              <a:t>-1,-1,-1</a:t>
+            </a:r>
+            <a:endParaRPr lang="zh-CN" altLang="en-US"/>
+          </a:p>
+        </p:txBody>
+      </p:sp>
+      <p:sp>
+        <p:nvSpPr>
+          <p:cNvPr id="27" name="文本框 26">
+            <a:extLst>
+              <a:ext uri="{FF2B5EF4-FFF2-40B4-BE49-F238E27FC236}">
+                <a16:creationId xmlns:a16="http://schemas.microsoft.com/office/drawing/2014/main" id="{01B8E9C7-6BC6-FA49-8963-B64D0227145D}"/>
+              </a:ext>
+            </a:extLst>
+          </p:cNvPr>
+          <p:cNvSpPr txBox="1"/>
+          <p:nvPr/>
+        </p:nvSpPr>
+        <p:spPr>
+          <a:xfrm>
+            <a:off x="6268821" y="4132083"/>
+            <a:ext cx="1046368" cy="369332"/>
+          </a:xfrm>
+          <a:prstGeom prst="rect">
+            <a:avLst/>
+          </a:prstGeom>
+          <a:noFill/>
+        </p:spPr>
+        <p:txBody>
+          <a:bodyPr wrap="square" rtlCol="0">
+            <a:spAutoFit/>
+          </a:bodyPr>
+          <a:lstStyle/>
+          <a:p>
+            <a:r>
+              <a:rPr lang="en-US" altLang="zh-CN"/>
+              <a:t>1,-1,-1</a:t>
+            </a:r>
+            <a:endParaRPr lang="zh-CN" altLang="en-US"/>
+          </a:p>
+        </p:txBody>
+      </p:sp>
+      <p:sp>
+        <p:nvSpPr>
+          <p:cNvPr id="28" name="文本框 27">
+            <a:extLst>
+              <a:ext uri="{FF2B5EF4-FFF2-40B4-BE49-F238E27FC236}">
+                <a16:creationId xmlns:a16="http://schemas.microsoft.com/office/drawing/2014/main" id="{EAD1BBB3-3AD4-1920-C250-489544CDB2A5}"/>
+              </a:ext>
+            </a:extLst>
+          </p:cNvPr>
+          <p:cNvSpPr txBox="1"/>
+          <p:nvPr/>
+        </p:nvSpPr>
+        <p:spPr>
+          <a:xfrm>
+            <a:off x="7614498" y="1934793"/>
+            <a:ext cx="815421" cy="369332"/>
+          </a:xfrm>
+          <a:prstGeom prst="rect">
+            <a:avLst/>
+          </a:prstGeom>
+          <a:noFill/>
+        </p:spPr>
+        <p:txBody>
+          <a:bodyPr wrap="square" rtlCol="0">
+            <a:spAutoFit/>
+          </a:bodyPr>
+          <a:lstStyle/>
+          <a:p>
+            <a:r>
+              <a:rPr lang="en-US" altLang="zh-CN"/>
+              <a:t>1,1,1</a:t>
+            </a:r>
+            <a:endParaRPr lang="zh-CN" altLang="en-US"/>
+          </a:p>
+        </p:txBody>
+      </p:sp>
+      <p:sp>
+        <p:nvSpPr>
+          <p:cNvPr id="29" name="文本框 28">
+            <a:extLst>
+              <a:ext uri="{FF2B5EF4-FFF2-40B4-BE49-F238E27FC236}">
+                <a16:creationId xmlns:a16="http://schemas.microsoft.com/office/drawing/2014/main" id="{E27FCD8E-B280-9E7B-F269-64355AF67236}"/>
+              </a:ext>
+            </a:extLst>
+          </p:cNvPr>
+          <p:cNvSpPr txBox="1"/>
+          <p:nvPr/>
+        </p:nvSpPr>
+        <p:spPr>
+          <a:xfrm>
+            <a:off x="7685198" y="4113229"/>
+            <a:ext cx="815421" cy="369332"/>
+          </a:xfrm>
+          <a:prstGeom prst="rect">
+            <a:avLst/>
+          </a:prstGeom>
+          <a:noFill/>
+        </p:spPr>
+        <p:txBody>
+          <a:bodyPr wrap="square" rtlCol="0">
+            <a:spAutoFit/>
+          </a:bodyPr>
+          <a:lstStyle/>
+          <a:p>
+            <a:r>
+              <a:rPr lang="en-US" altLang="zh-CN"/>
+              <a:t>1,-1,1</a:t>
+            </a:r>
+            <a:endParaRPr lang="zh-CN" altLang="en-US"/>
+          </a:p>
+        </p:txBody>
+      </p:sp>
+      <p:sp>
+        <p:nvSpPr>
+          <p:cNvPr id="30" name="文本框 29">
+            <a:extLst>
+              <a:ext uri="{FF2B5EF4-FFF2-40B4-BE49-F238E27FC236}">
+                <a16:creationId xmlns:a16="http://schemas.microsoft.com/office/drawing/2014/main" id="{A43CE7A5-4F16-0B82-0CAD-5010539119CC}"/>
+              </a:ext>
+            </a:extLst>
+          </p:cNvPr>
+          <p:cNvSpPr txBox="1"/>
+          <p:nvPr/>
+        </p:nvSpPr>
+        <p:spPr>
+          <a:xfrm>
+            <a:off x="6299447" y="435205"/>
+            <a:ext cx="815421" cy="369332"/>
+          </a:xfrm>
+          <a:prstGeom prst="rect">
+            <a:avLst/>
+          </a:prstGeom>
+          <a:noFill/>
+        </p:spPr>
+        <p:txBody>
+          <a:bodyPr wrap="square" rtlCol="0">
+            <a:spAutoFit/>
+          </a:bodyPr>
+          <a:lstStyle/>
+          <a:p>
+            <a:r>
+              <a:rPr lang="en-US" altLang="zh-CN"/>
+              <a:t>1,1,1</a:t>
+            </a:r>
+            <a:endParaRPr lang="zh-CN" altLang="en-US"/>
+          </a:p>
+        </p:txBody>
+      </p:sp>
+      <p:sp>
+        <p:nvSpPr>
+          <p:cNvPr id="31" name="文本框 30">
+            <a:extLst>
+              <a:ext uri="{FF2B5EF4-FFF2-40B4-BE49-F238E27FC236}">
+                <a16:creationId xmlns:a16="http://schemas.microsoft.com/office/drawing/2014/main" id="{D11B4656-7565-2E01-0C3E-405F860298D8}"/>
+              </a:ext>
+            </a:extLst>
+          </p:cNvPr>
+          <p:cNvSpPr txBox="1"/>
+          <p:nvPr/>
+        </p:nvSpPr>
+        <p:spPr>
+          <a:xfrm>
+            <a:off x="3872042" y="475634"/>
+            <a:ext cx="815421" cy="369332"/>
+          </a:xfrm>
+          <a:prstGeom prst="rect">
+            <a:avLst/>
+          </a:prstGeom>
+          <a:noFill/>
+        </p:spPr>
+        <p:txBody>
+          <a:bodyPr wrap="square" rtlCol="0">
+            <a:spAutoFit/>
+          </a:bodyPr>
+          <a:lstStyle/>
+          <a:p>
+            <a:r>
+              <a:rPr lang="en-US" altLang="zh-CN"/>
+              <a:t>1,1,1</a:t>
+            </a:r>
+            <a:endParaRPr lang="zh-CN" altLang="en-US"/>
+          </a:p>
+        </p:txBody>
+      </p:sp>
+      <p:sp>
+        <p:nvSpPr>
+          <p:cNvPr id="32" name="文本框 31">
+            <a:extLst>
+              <a:ext uri="{FF2B5EF4-FFF2-40B4-BE49-F238E27FC236}">
+                <a16:creationId xmlns:a16="http://schemas.microsoft.com/office/drawing/2014/main" id="{2EABECAB-2852-05D7-B486-C4D139CD003C}"/>
+              </a:ext>
+            </a:extLst>
+          </p:cNvPr>
+          <p:cNvSpPr txBox="1"/>
+          <p:nvPr/>
+        </p:nvSpPr>
+        <p:spPr>
+          <a:xfrm>
+            <a:off x="6080281" y="5862743"/>
+            <a:ext cx="815421" cy="369332"/>
+          </a:xfrm>
+          <a:prstGeom prst="rect">
+            <a:avLst/>
+          </a:prstGeom>
+          <a:noFill/>
+        </p:spPr>
+        <p:txBody>
+          <a:bodyPr wrap="square" rtlCol="0">
+            <a:spAutoFit/>
+          </a:bodyPr>
+          <a:lstStyle/>
+          <a:p>
+            <a:r>
+              <a:rPr lang="en-US" altLang="zh-CN"/>
+              <a:t>1,-1,1</a:t>
+            </a:r>
+            <a:endParaRPr lang="zh-CN" altLang="en-US"/>
+          </a:p>
+        </p:txBody>
+      </p:sp>
+      <p:sp>
+        <p:nvSpPr>
+          <p:cNvPr id="33" name="文本框 32">
+            <a:extLst>
+              <a:ext uri="{FF2B5EF4-FFF2-40B4-BE49-F238E27FC236}">
+                <a16:creationId xmlns:a16="http://schemas.microsoft.com/office/drawing/2014/main" id="{8CA43520-6E86-7FBE-A5C1-B4221176E70E}"/>
+              </a:ext>
+            </a:extLst>
+          </p:cNvPr>
+          <p:cNvSpPr txBox="1"/>
+          <p:nvPr/>
+        </p:nvSpPr>
+        <p:spPr>
+          <a:xfrm>
+            <a:off x="9357671" y="1934793"/>
+            <a:ext cx="1140616" cy="369332"/>
+          </a:xfrm>
+          <a:prstGeom prst="rect">
+            <a:avLst/>
+          </a:prstGeom>
+          <a:noFill/>
+        </p:spPr>
+        <p:txBody>
+          <a:bodyPr wrap="square" rtlCol="0">
+            <a:spAutoFit/>
+          </a:bodyPr>
+          <a:lstStyle/>
+          <a:p>
+            <a:r>
+              <a:rPr lang="en-US" altLang="zh-CN"/>
+              <a:t>-1,1,1</a:t>
+            </a:r>
+            <a:endParaRPr lang="zh-CN" altLang="en-US"/>
+          </a:p>
+        </p:txBody>
+      </p:sp>
+      <p:sp>
+        <p:nvSpPr>
+          <p:cNvPr id="34" name="文本框 33">
+            <a:extLst>
+              <a:ext uri="{FF2B5EF4-FFF2-40B4-BE49-F238E27FC236}">
+                <a16:creationId xmlns:a16="http://schemas.microsoft.com/office/drawing/2014/main" id="{14B8D430-4700-1E9E-83C2-07D14F89520A}"/>
+              </a:ext>
+            </a:extLst>
+          </p:cNvPr>
+          <p:cNvSpPr txBox="1"/>
+          <p:nvPr/>
+        </p:nvSpPr>
+        <p:spPr>
+          <a:xfrm>
+            <a:off x="9224130" y="4132083"/>
+            <a:ext cx="1046368" cy="369332"/>
+          </a:xfrm>
+          <a:prstGeom prst="rect">
+            <a:avLst/>
+          </a:prstGeom>
+          <a:noFill/>
+        </p:spPr>
+        <p:txBody>
+          <a:bodyPr wrap="square" rtlCol="0">
+            <a:spAutoFit/>
+          </a:bodyPr>
+          <a:lstStyle/>
+          <a:p>
+            <a:r>
+              <a:rPr lang="en-US" altLang="zh-CN"/>
+              <a:t>-1,-1, 1</a:t>
+            </a:r>
+            <a:endParaRPr lang="zh-CN" altLang="en-US"/>
+          </a:p>
+        </p:txBody>
+      </p:sp>
+      <p:sp>
+        <p:nvSpPr>
+          <p:cNvPr id="35" name="文本框 34">
+            <a:extLst>
+              <a:ext uri="{FF2B5EF4-FFF2-40B4-BE49-F238E27FC236}">
+                <a16:creationId xmlns:a16="http://schemas.microsoft.com/office/drawing/2014/main" id="{3CCD32A7-E930-D339-680A-D374C3A9FBBE}"/>
+              </a:ext>
+            </a:extLst>
+          </p:cNvPr>
+          <p:cNvSpPr txBox="1"/>
+          <p:nvPr/>
+        </p:nvSpPr>
+        <p:spPr>
+          <a:xfrm>
+            <a:off x="2036221" y="2084050"/>
+            <a:ext cx="1140616" cy="369332"/>
+          </a:xfrm>
+          <a:prstGeom prst="rect">
+            <a:avLst/>
+          </a:prstGeom>
+          <a:noFill/>
+        </p:spPr>
+        <p:txBody>
+          <a:bodyPr wrap="square" rtlCol="0">
+            <a:spAutoFit/>
+          </a:bodyPr>
+          <a:lstStyle/>
+          <a:p>
+            <a:r>
+              <a:rPr lang="en-US" altLang="zh-CN"/>
+              <a:t>-1,1,1</a:t>
+            </a:r>
+            <a:endParaRPr lang="zh-CN" altLang="en-US"/>
+          </a:p>
+        </p:txBody>
+      </p:sp>
+      <p:sp>
+        <p:nvSpPr>
+          <p:cNvPr id="36" name="文本框 35">
+            <a:extLst>
+              <a:ext uri="{FF2B5EF4-FFF2-40B4-BE49-F238E27FC236}">
+                <a16:creationId xmlns:a16="http://schemas.microsoft.com/office/drawing/2014/main" id="{D136D2D4-E112-F8CC-2D1C-885DD4E4E2DB}"/>
+              </a:ext>
+            </a:extLst>
+          </p:cNvPr>
+          <p:cNvSpPr txBox="1"/>
+          <p:nvPr/>
+        </p:nvSpPr>
+        <p:spPr>
+          <a:xfrm>
+            <a:off x="1989068" y="4027661"/>
+            <a:ext cx="1046368" cy="369332"/>
+          </a:xfrm>
+          <a:prstGeom prst="rect">
+            <a:avLst/>
+          </a:prstGeom>
+          <a:noFill/>
+        </p:spPr>
+        <p:txBody>
+          <a:bodyPr wrap="square" rtlCol="0">
+            <a:spAutoFit/>
+          </a:bodyPr>
+          <a:lstStyle/>
+          <a:p>
+            <a:r>
+              <a:rPr lang="en-US" altLang="zh-CN"/>
+              <a:t>-1,-1, 1</a:t>
+            </a:r>
+            <a:endParaRPr lang="zh-CN" altLang="en-US"/>
+          </a:p>
+        </p:txBody>
+      </p:sp>
+      <p:sp>
+        <p:nvSpPr>
+          <p:cNvPr id="37" name="文本框 36">
+            <a:extLst>
+              <a:ext uri="{FF2B5EF4-FFF2-40B4-BE49-F238E27FC236}">
+                <a16:creationId xmlns:a16="http://schemas.microsoft.com/office/drawing/2014/main" id="{D41D6A76-552E-7FBE-4183-CFA19B3DFB39}"/>
+              </a:ext>
+            </a:extLst>
+          </p:cNvPr>
+          <p:cNvSpPr txBox="1"/>
+          <p:nvPr/>
+        </p:nvSpPr>
+        <p:spPr>
+          <a:xfrm>
+            <a:off x="3641095" y="5865887"/>
+            <a:ext cx="1046368" cy="369332"/>
+          </a:xfrm>
+          <a:prstGeom prst="rect">
+            <a:avLst/>
+          </a:prstGeom>
+          <a:noFill/>
+        </p:spPr>
+        <p:txBody>
+          <a:bodyPr wrap="square" rtlCol="0">
+            <a:spAutoFit/>
+          </a:bodyPr>
+          <a:lstStyle/>
+          <a:p>
+            <a:r>
+              <a:rPr lang="en-US" altLang="zh-CN"/>
+              <a:t>-1,-1, 1</a:t>
+            </a:r>
+            <a:endParaRPr lang="zh-CN" altLang="en-US"/>
+          </a:p>
+        </p:txBody>
+      </p:sp>
+    </p:spTree>
+    <p:extLst>
+      <p:ext uri="{BB962C8B-B14F-4D97-AF65-F5344CB8AC3E}">
+        <p14:creationId xmlns:p14="http://schemas.microsoft.com/office/powerpoint/2010/main" val="1876769101"/>
+      </p:ext>
+    </p:extLst>
+  </p:cSld>
+  <p:clrMapOvr>
+    <a:masterClrMapping/>
+  </p:clrMapOvr>
+</p:sld>
+</file>
+
+<file path=ppt/slides/slide9.xml><?xml version="1.0" encoding="utf-8"?>
+<p:sld xmlns:a="http://schemas.openxmlformats.org/drawingml/2006/main" xmlns:r="http://schemas.openxmlformats.org/officeDocument/2006/relationships" xmlns:p="http://schemas.openxmlformats.org/presentationml/2006/main">
+  <p:cSld>
+    <p:spTree>
+      <p:nvGrpSpPr>
+        <p:cNvPr id="1" name="">
+          <a:extLst>
+            <a:ext uri="{FF2B5EF4-FFF2-40B4-BE49-F238E27FC236}">
+              <a16:creationId xmlns:a16="http://schemas.microsoft.com/office/drawing/2014/main" id="{7C2BCF51-820B-5EE1-386A-B39151381A72}"/>
+            </a:ext>
+          </a:extLst>
+        </p:cNvPr>
+        <p:cNvGrpSpPr/>
+        <p:nvPr/>
+      </p:nvGrpSpPr>
+      <p:grpSpPr>
+        <a:xfrm>
+          <a:off x="0" y="0"/>
+          <a:ext cx="0" cy="0"/>
+          <a:chOff x="0" y="0"/>
+          <a:chExt cx="0" cy="0"/>
+        </a:xfrm>
+      </p:grpSpPr>
+      <p:sp>
+        <p:nvSpPr>
+          <p:cNvPr id="4" name="矩形 3">
+            <a:extLst>
+              <a:ext uri="{FF2B5EF4-FFF2-40B4-BE49-F238E27FC236}">
+                <a16:creationId xmlns:a16="http://schemas.microsoft.com/office/drawing/2014/main" id="{7BF00175-F732-702D-46A4-DB8674E6D4F6}"/>
+              </a:ext>
+            </a:extLst>
+          </p:cNvPr>
+          <p:cNvSpPr/>
+          <p:nvPr/>
+        </p:nvSpPr>
+        <p:spPr>
+          <a:xfrm>
+            <a:off x="4572000" y="584462"/>
+            <a:ext cx="1725105" cy="1743959"/>
+          </a:xfrm>
+          <a:prstGeom prst="rect">
+            <a:avLst/>
+          </a:prstGeom>
+          <a:solidFill>
+            <a:schemeClr val="bg1">
+              <a:lumMod val="95000"/>
+            </a:schemeClr>
+          </a:solidFill>
+        </p:spPr>
+        <p:style>
+          <a:lnRef idx="2">
+            <a:schemeClr val="accent1">
+              <a:shade val="15000"/>
+            </a:schemeClr>
+          </a:lnRef>
+          <a:fillRef idx="1">
+            <a:schemeClr val="accent1"/>
+          </a:fillRef>
+          <a:effectRef idx="0">
+            <a:schemeClr val="accent1"/>
+          </a:effectRef>
+          <a:fontRef idx="minor">
+            <a:schemeClr val="lt1"/>
+          </a:fontRef>
+        </p:style>
+        <p:txBody>
+          <a:bodyPr rtlCol="0" anchor="ctr"/>
+          <a:lstStyle/>
+          <a:p>
+            <a:pPr algn="ctr"/>
+            <a:endParaRPr lang="zh-CN" altLang="en-US"/>
+          </a:p>
+        </p:txBody>
+      </p:sp>
+      <p:sp>
+        <p:nvSpPr>
+          <p:cNvPr id="5" name="矩形 4">
+            <a:extLst>
+              <a:ext uri="{FF2B5EF4-FFF2-40B4-BE49-F238E27FC236}">
+                <a16:creationId xmlns:a16="http://schemas.microsoft.com/office/drawing/2014/main" id="{2FBDA072-6EE4-C9B3-9AC9-7BD0B943EA57}"/>
+              </a:ext>
+            </a:extLst>
+          </p:cNvPr>
+          <p:cNvSpPr/>
+          <p:nvPr/>
+        </p:nvSpPr>
+        <p:spPr>
+          <a:xfrm>
+            <a:off x="4571999" y="2328421"/>
+            <a:ext cx="1725105" cy="1743959"/>
+          </a:xfrm>
+          <a:prstGeom prst="rect">
+            <a:avLst/>
+          </a:prstGeom>
+          <a:solidFill>
+            <a:schemeClr val="bg1">
+              <a:lumMod val="75000"/>
+            </a:schemeClr>
+          </a:solidFill>
+        </p:spPr>
+        <p:style>
+          <a:lnRef idx="2">
+            <a:schemeClr val="accent1">
+              <a:shade val="15000"/>
+            </a:schemeClr>
+          </a:lnRef>
+          <a:fillRef idx="1">
+            <a:schemeClr val="accent1"/>
+          </a:fillRef>
+          <a:effectRef idx="0">
+            <a:schemeClr val="accent1"/>
+          </a:effectRef>
+          <a:fontRef idx="minor">
+            <a:schemeClr val="lt1"/>
+          </a:fontRef>
+        </p:style>
+        <p:txBody>
+          <a:bodyPr rtlCol="0" anchor="ctr"/>
+          <a:lstStyle/>
+          <a:p>
+            <a:pPr algn="ctr"/>
+            <a:endParaRPr lang="zh-CN" altLang="en-US"/>
+          </a:p>
+        </p:txBody>
+      </p:sp>
+      <p:sp>
+        <p:nvSpPr>
+          <p:cNvPr id="6" name="矩形 5">
+            <a:extLst>
+              <a:ext uri="{FF2B5EF4-FFF2-40B4-BE49-F238E27FC236}">
+                <a16:creationId xmlns:a16="http://schemas.microsoft.com/office/drawing/2014/main" id="{9391408A-7714-601F-C0E9-D4F047779563}"/>
+              </a:ext>
+            </a:extLst>
+          </p:cNvPr>
+          <p:cNvSpPr/>
+          <p:nvPr/>
+        </p:nvSpPr>
+        <p:spPr>
+          <a:xfrm>
+            <a:off x="2846893" y="2328420"/>
+            <a:ext cx="1725105" cy="1743959"/>
+          </a:xfrm>
+          <a:prstGeom prst="rect">
+            <a:avLst/>
+          </a:prstGeom>
+          <a:solidFill>
+            <a:schemeClr val="bg1">
+              <a:lumMod val="85000"/>
+            </a:schemeClr>
+          </a:solidFill>
+        </p:spPr>
+        <p:style>
+          <a:lnRef idx="2">
+            <a:schemeClr val="accent1">
+              <a:shade val="15000"/>
+            </a:schemeClr>
+          </a:lnRef>
+          <a:fillRef idx="1">
+            <a:schemeClr val="accent1"/>
+          </a:fillRef>
+          <a:effectRef idx="0">
+            <a:schemeClr val="accent1"/>
+          </a:effectRef>
+          <a:fontRef idx="minor">
+            <a:schemeClr val="lt1"/>
+          </a:fontRef>
+        </p:style>
+        <p:txBody>
+          <a:bodyPr rtlCol="0" anchor="ctr"/>
+          <a:lstStyle/>
+          <a:p>
+            <a:pPr algn="ctr"/>
+            <a:endParaRPr lang="zh-CN" altLang="en-US"/>
+          </a:p>
+        </p:txBody>
+      </p:sp>
+      <p:sp>
+        <p:nvSpPr>
+          <p:cNvPr id="7" name="矩形 6">
+            <a:extLst>
+              <a:ext uri="{FF2B5EF4-FFF2-40B4-BE49-F238E27FC236}">
+                <a16:creationId xmlns:a16="http://schemas.microsoft.com/office/drawing/2014/main" id="{C234134A-FB30-34C3-4300-E829A0D2C1BA}"/>
+              </a:ext>
+            </a:extLst>
+          </p:cNvPr>
+          <p:cNvSpPr/>
+          <p:nvPr/>
+        </p:nvSpPr>
+        <p:spPr>
+          <a:xfrm>
+            <a:off x="6297104" y="2328420"/>
+            <a:ext cx="1725105" cy="1743959"/>
+          </a:xfrm>
+          <a:prstGeom prst="rect">
+            <a:avLst/>
+          </a:prstGeom>
+          <a:solidFill>
+            <a:schemeClr val="bg1">
+              <a:lumMod val="65000"/>
+            </a:schemeClr>
+          </a:solidFill>
+        </p:spPr>
+        <p:style>
+          <a:lnRef idx="2">
+            <a:schemeClr val="accent1">
+              <a:shade val="15000"/>
+            </a:schemeClr>
+          </a:lnRef>
+          <a:fillRef idx="1">
+            <a:schemeClr val="accent1"/>
+          </a:fillRef>
+          <a:effectRef idx="0">
+            <a:schemeClr val="accent1"/>
+          </a:effectRef>
+          <a:fontRef idx="minor">
+            <a:schemeClr val="lt1"/>
+          </a:fontRef>
+        </p:style>
+        <p:txBody>
+          <a:bodyPr rtlCol="0" anchor="ctr"/>
+          <a:lstStyle/>
+          <a:p>
+            <a:pPr algn="ctr"/>
+            <a:endParaRPr lang="zh-CN" altLang="en-US"/>
+          </a:p>
+        </p:txBody>
+      </p:sp>
+      <p:sp>
+        <p:nvSpPr>
+          <p:cNvPr id="8" name="矩形 7">
+            <a:extLst>
+              <a:ext uri="{FF2B5EF4-FFF2-40B4-BE49-F238E27FC236}">
+                <a16:creationId xmlns:a16="http://schemas.microsoft.com/office/drawing/2014/main" id="{2FBAC62D-5832-FE91-10EE-A7F271D933DF}"/>
+              </a:ext>
+            </a:extLst>
+          </p:cNvPr>
+          <p:cNvSpPr/>
+          <p:nvPr/>
+        </p:nvSpPr>
+        <p:spPr>
+          <a:xfrm>
+            <a:off x="8022209" y="2328420"/>
+            <a:ext cx="1725105" cy="1743959"/>
+          </a:xfrm>
+          <a:prstGeom prst="rect">
+            <a:avLst/>
+          </a:prstGeom>
+          <a:solidFill>
+            <a:schemeClr val="bg1">
+              <a:lumMod val="50000"/>
+            </a:schemeClr>
+          </a:solidFill>
+        </p:spPr>
+        <p:style>
+          <a:lnRef idx="2">
+            <a:schemeClr val="accent1">
+              <a:shade val="15000"/>
+            </a:schemeClr>
+          </a:lnRef>
+          <a:fillRef idx="1">
+            <a:schemeClr val="accent1"/>
+          </a:fillRef>
+          <a:effectRef idx="0">
+            <a:schemeClr val="accent1"/>
+          </a:effectRef>
+          <a:fontRef idx="minor">
+            <a:schemeClr val="lt1"/>
+          </a:fontRef>
+        </p:style>
+        <p:txBody>
+          <a:bodyPr rtlCol="0" anchor="ctr"/>
+          <a:lstStyle/>
+          <a:p>
+            <a:pPr algn="ctr"/>
+            <a:endParaRPr lang="zh-CN" altLang="en-US"/>
+          </a:p>
+        </p:txBody>
+      </p:sp>
+      <p:sp>
+        <p:nvSpPr>
+          <p:cNvPr id="9" name="矩形 8">
+            <a:extLst>
+              <a:ext uri="{FF2B5EF4-FFF2-40B4-BE49-F238E27FC236}">
+                <a16:creationId xmlns:a16="http://schemas.microsoft.com/office/drawing/2014/main" id="{7C89243C-74A4-6306-4859-3E2808D1F406}"/>
+              </a:ext>
+            </a:extLst>
+          </p:cNvPr>
+          <p:cNvSpPr/>
+          <p:nvPr/>
+        </p:nvSpPr>
+        <p:spPr>
+          <a:xfrm>
+            <a:off x="4571997" y="4072379"/>
+            <a:ext cx="1725105" cy="1743959"/>
+          </a:xfrm>
+          <a:prstGeom prst="rect">
+            <a:avLst/>
+          </a:prstGeom>
+          <a:noFill/>
+        </p:spPr>
+        <p:style>
+          <a:lnRef idx="2">
+            <a:schemeClr val="accent1">
+              <a:shade val="15000"/>
+            </a:schemeClr>
+          </a:lnRef>
+          <a:fillRef idx="1">
+            <a:schemeClr val="accent1"/>
+          </a:fillRef>
+          <a:effectRef idx="0">
+            <a:schemeClr val="accent1"/>
+          </a:effectRef>
+          <a:fontRef idx="minor">
+            <a:schemeClr val="lt1"/>
+          </a:fontRef>
+        </p:style>
+        <p:txBody>
+          <a:bodyPr rtlCol="0" anchor="ctr"/>
+          <a:lstStyle/>
+          <a:p>
+            <a:pPr algn="ctr"/>
+            <a:endParaRPr lang="zh-CN" altLang="en-US"/>
+          </a:p>
+        </p:txBody>
+      </p:sp>
+      <p:sp>
+        <p:nvSpPr>
+          <p:cNvPr id="11" name="文本框 10">
+            <a:extLst>
+              <a:ext uri="{FF2B5EF4-FFF2-40B4-BE49-F238E27FC236}">
+                <a16:creationId xmlns:a16="http://schemas.microsoft.com/office/drawing/2014/main" id="{40C75C95-8271-2CE6-2C34-A2F6DA84F025}"/>
+              </a:ext>
+            </a:extLst>
+          </p:cNvPr>
+          <p:cNvSpPr txBox="1"/>
+          <p:nvPr/>
+        </p:nvSpPr>
+        <p:spPr>
+          <a:xfrm>
+            <a:off x="4564912" y="584461"/>
+            <a:ext cx="527901" cy="369332"/>
+          </a:xfrm>
+          <a:prstGeom prst="rect">
+            <a:avLst/>
+          </a:prstGeom>
+          <a:noFill/>
+        </p:spPr>
+        <p:txBody>
+          <a:bodyPr wrap="square" rtlCol="0">
+            <a:spAutoFit/>
+          </a:bodyPr>
+          <a:lstStyle/>
+          <a:p>
+            <a:r>
+              <a:rPr lang="en-US" altLang="zh-CN"/>
+              <a:t>+Y</a:t>
+            </a:r>
+            <a:endParaRPr lang="zh-CN" altLang="en-US"/>
+          </a:p>
+        </p:txBody>
+      </p:sp>
+      <p:sp>
+        <p:nvSpPr>
+          <p:cNvPr id="12" name="文本框 11">
+            <a:extLst>
+              <a:ext uri="{FF2B5EF4-FFF2-40B4-BE49-F238E27FC236}">
+                <a16:creationId xmlns:a16="http://schemas.microsoft.com/office/drawing/2014/main" id="{683DB9F5-0D87-A4C2-A8CD-955FDC32C379}"/>
+              </a:ext>
+            </a:extLst>
+          </p:cNvPr>
+          <p:cNvSpPr txBox="1"/>
+          <p:nvPr/>
+        </p:nvSpPr>
+        <p:spPr>
+          <a:xfrm>
+            <a:off x="4609697" y="4175347"/>
+            <a:ext cx="527901" cy="369332"/>
+          </a:xfrm>
+          <a:prstGeom prst="rect">
+            <a:avLst/>
+          </a:prstGeom>
+          <a:noFill/>
+        </p:spPr>
+        <p:txBody>
+          <a:bodyPr wrap="square" rtlCol="0">
+            <a:spAutoFit/>
+          </a:bodyPr>
+          <a:lstStyle/>
+          <a:p>
+            <a:r>
+              <a:rPr lang="en-US" altLang="zh-CN"/>
+              <a:t>-Y</a:t>
+            </a:r>
+            <a:endParaRPr lang="zh-CN" altLang="en-US"/>
+          </a:p>
+        </p:txBody>
+      </p:sp>
+      <p:sp>
+        <p:nvSpPr>
+          <p:cNvPr id="13" name="文本框 12">
+            <a:extLst>
+              <a:ext uri="{FF2B5EF4-FFF2-40B4-BE49-F238E27FC236}">
+                <a16:creationId xmlns:a16="http://schemas.microsoft.com/office/drawing/2014/main" id="{D373D6A7-FF6E-2B1C-5BE9-9EF4F954BF69}"/>
+              </a:ext>
+            </a:extLst>
+          </p:cNvPr>
+          <p:cNvSpPr txBox="1"/>
+          <p:nvPr/>
+        </p:nvSpPr>
+        <p:spPr>
+          <a:xfrm>
+            <a:off x="4609697" y="2363829"/>
+            <a:ext cx="527901" cy="369332"/>
+          </a:xfrm>
+          <a:prstGeom prst="rect">
+            <a:avLst/>
+          </a:prstGeom>
+          <a:noFill/>
+        </p:spPr>
+        <p:txBody>
+          <a:bodyPr wrap="square" rtlCol="0">
+            <a:spAutoFit/>
+          </a:bodyPr>
+          <a:lstStyle/>
+          <a:p>
+            <a:r>
+              <a:rPr lang="en-US" altLang="zh-CN"/>
+              <a:t>-Z</a:t>
+            </a:r>
+            <a:endParaRPr lang="zh-CN" altLang="en-US"/>
+          </a:p>
+        </p:txBody>
+      </p:sp>
+      <p:sp>
+        <p:nvSpPr>
+          <p:cNvPr id="14" name="文本框 13">
+            <a:extLst>
+              <a:ext uri="{FF2B5EF4-FFF2-40B4-BE49-F238E27FC236}">
+                <a16:creationId xmlns:a16="http://schemas.microsoft.com/office/drawing/2014/main" id="{792F45BE-F12A-9B05-DCD5-1B8AADD49479}"/>
+              </a:ext>
+            </a:extLst>
+          </p:cNvPr>
+          <p:cNvSpPr txBox="1"/>
+          <p:nvPr/>
+        </p:nvSpPr>
+        <p:spPr>
+          <a:xfrm>
+            <a:off x="6367805" y="2363829"/>
+            <a:ext cx="527901" cy="369332"/>
+          </a:xfrm>
+          <a:prstGeom prst="rect">
+            <a:avLst/>
+          </a:prstGeom>
+          <a:noFill/>
+        </p:spPr>
+        <p:txBody>
+          <a:bodyPr wrap="square" rtlCol="0">
+            <a:spAutoFit/>
+          </a:bodyPr>
+          <a:lstStyle/>
+          <a:p>
+            <a:r>
+              <a:rPr lang="en-US" altLang="zh-CN"/>
+              <a:t>+X</a:t>
+            </a:r>
+            <a:endParaRPr lang="zh-CN" altLang="en-US"/>
+          </a:p>
+        </p:txBody>
+      </p:sp>
+      <p:sp>
+        <p:nvSpPr>
+          <p:cNvPr id="15" name="文本框 14">
+            <a:extLst>
+              <a:ext uri="{FF2B5EF4-FFF2-40B4-BE49-F238E27FC236}">
+                <a16:creationId xmlns:a16="http://schemas.microsoft.com/office/drawing/2014/main" id="{A0562DB0-2358-DD98-AC9E-2E1D314E906D}"/>
+              </a:ext>
+            </a:extLst>
+          </p:cNvPr>
+          <p:cNvSpPr txBox="1"/>
+          <p:nvPr/>
+        </p:nvSpPr>
+        <p:spPr>
+          <a:xfrm>
+            <a:off x="2856306" y="2363829"/>
+            <a:ext cx="527901" cy="369332"/>
+          </a:xfrm>
+          <a:prstGeom prst="rect">
+            <a:avLst/>
+          </a:prstGeom>
+          <a:noFill/>
+        </p:spPr>
+        <p:txBody>
+          <a:bodyPr wrap="square" rtlCol="0">
+            <a:spAutoFit/>
+          </a:bodyPr>
+          <a:lstStyle/>
+          <a:p>
+            <a:r>
+              <a:rPr lang="en-US" altLang="zh-CN"/>
+              <a:t>-X</a:t>
+            </a:r>
+            <a:endParaRPr lang="zh-CN" altLang="en-US"/>
+          </a:p>
+        </p:txBody>
+      </p:sp>
+      <p:sp>
+        <p:nvSpPr>
+          <p:cNvPr id="16" name="文本框 15">
+            <a:extLst>
+              <a:ext uri="{FF2B5EF4-FFF2-40B4-BE49-F238E27FC236}">
+                <a16:creationId xmlns:a16="http://schemas.microsoft.com/office/drawing/2014/main" id="{7CB63803-E634-CFB0-CB3E-C53E8EDB3BB7}"/>
+              </a:ext>
+            </a:extLst>
+          </p:cNvPr>
+          <p:cNvSpPr txBox="1"/>
+          <p:nvPr/>
+        </p:nvSpPr>
+        <p:spPr>
+          <a:xfrm>
+            <a:off x="8092909" y="2363829"/>
+            <a:ext cx="527901" cy="369332"/>
+          </a:xfrm>
+          <a:prstGeom prst="rect">
+            <a:avLst/>
+          </a:prstGeom>
+          <a:noFill/>
+        </p:spPr>
+        <p:txBody>
+          <a:bodyPr wrap="square" rtlCol="0">
+            <a:spAutoFit/>
+          </a:bodyPr>
+          <a:lstStyle/>
+          <a:p>
+            <a:r>
+              <a:rPr lang="en-US" altLang="zh-CN">
+                <a:solidFill>
+                  <a:schemeClr val="bg1"/>
+                </a:solidFill>
+              </a:rPr>
+              <a:t>+Z</a:t>
+            </a:r>
+            <a:endParaRPr lang="zh-CN" altLang="en-US">
+              <a:solidFill>
+                <a:schemeClr val="bg1"/>
+              </a:solidFill>
+            </a:endParaRPr>
+          </a:p>
+        </p:txBody>
+      </p:sp>
+      <p:cxnSp>
+        <p:nvCxnSpPr>
+          <p:cNvPr id="2" name="直接箭头连接符 1">
+            <a:extLst>
+              <a:ext uri="{FF2B5EF4-FFF2-40B4-BE49-F238E27FC236}">
+                <a16:creationId xmlns:a16="http://schemas.microsoft.com/office/drawing/2014/main" id="{361F53C1-21B5-552C-2983-0BCA6AD12829}"/>
+              </a:ext>
+            </a:extLst>
+          </p:cNvPr>
+          <p:cNvCxnSpPr/>
+          <p:nvPr/>
+        </p:nvCxnSpPr>
+        <p:spPr>
+          <a:xfrm>
+            <a:off x="556181" y="2045616"/>
+            <a:ext cx="1074656" cy="0"/>
+          </a:xfrm>
+          <a:prstGeom prst="straightConnector1">
+            <a:avLst/>
+          </a:prstGeom>
+          <a:ln>
+            <a:tailEnd type="triangle"/>
+          </a:ln>
+        </p:spPr>
+        <p:style>
+          <a:lnRef idx="1">
+            <a:schemeClr val="accent1"/>
+          </a:lnRef>
+          <a:fillRef idx="0">
+            <a:schemeClr val="accent1"/>
+          </a:fillRef>
+          <a:effectRef idx="0">
+            <a:schemeClr val="accent1"/>
+          </a:effectRef>
+          <a:fontRef idx="minor">
+            <a:schemeClr val="tx1"/>
+          </a:fontRef>
+        </p:style>
+      </p:cxnSp>
+      <p:cxnSp>
+        <p:nvCxnSpPr>
+          <p:cNvPr id="3" name="直接箭头连接符 2">
+            <a:extLst>
+              <a:ext uri="{FF2B5EF4-FFF2-40B4-BE49-F238E27FC236}">
+                <a16:creationId xmlns:a16="http://schemas.microsoft.com/office/drawing/2014/main" id="{E42CC170-20DB-E297-188F-9B5C7330F8CC}"/>
+              </a:ext>
+            </a:extLst>
+          </p:cNvPr>
+          <p:cNvCxnSpPr>
+            <a:cxnSpLocks/>
+          </p:cNvCxnSpPr>
+          <p:nvPr/>
+        </p:nvCxnSpPr>
+        <p:spPr>
+          <a:xfrm flipV="1">
+            <a:off x="556181" y="989203"/>
+            <a:ext cx="0" cy="1056413"/>
+          </a:xfrm>
+          <a:prstGeom prst="straightConnector1">
+            <a:avLst/>
+          </a:prstGeom>
+          <a:ln>
+            <a:tailEnd type="triangle"/>
+          </a:ln>
+        </p:spPr>
+        <p:style>
+          <a:lnRef idx="1">
+            <a:schemeClr val="accent1"/>
+          </a:lnRef>
+          <a:fillRef idx="0">
+            <a:schemeClr val="accent1"/>
+          </a:fillRef>
+          <a:effectRef idx="0">
+            <a:schemeClr val="accent1"/>
+          </a:effectRef>
+          <a:fontRef idx="minor">
+            <a:schemeClr val="tx1"/>
+          </a:fontRef>
+        </p:style>
+      </p:cxnSp>
+      <p:sp>
+        <p:nvSpPr>
+          <p:cNvPr id="10" name="文本框 9">
+            <a:extLst>
+              <a:ext uri="{FF2B5EF4-FFF2-40B4-BE49-F238E27FC236}">
+                <a16:creationId xmlns:a16="http://schemas.microsoft.com/office/drawing/2014/main" id="{FA910348-4E83-ADA4-6CCF-6FCE9678475E}"/>
+              </a:ext>
+            </a:extLst>
+          </p:cNvPr>
+          <p:cNvSpPr txBox="1"/>
+          <p:nvPr/>
+        </p:nvSpPr>
+        <p:spPr>
+          <a:xfrm>
+            <a:off x="584446" y="2056615"/>
+            <a:ext cx="1074656" cy="369332"/>
+          </a:xfrm>
+          <a:prstGeom prst="rect">
+            <a:avLst/>
+          </a:prstGeom>
+          <a:noFill/>
+        </p:spPr>
+        <p:txBody>
+          <a:bodyPr wrap="square" rtlCol="0">
+            <a:spAutoFit/>
+          </a:bodyPr>
+          <a:lstStyle/>
+          <a:p>
+            <a:r>
+              <a:rPr lang="en-US" altLang="zh-CN"/>
+              <a:t>U=</a:t>
+            </a:r>
+            <a:endParaRPr lang="zh-CN" altLang="en-US"/>
+          </a:p>
+        </p:txBody>
+      </p:sp>
+      <p:sp>
+        <p:nvSpPr>
+          <p:cNvPr id="17" name="文本框 16">
+            <a:extLst>
+              <a:ext uri="{FF2B5EF4-FFF2-40B4-BE49-F238E27FC236}">
+                <a16:creationId xmlns:a16="http://schemas.microsoft.com/office/drawing/2014/main" id="{843B0401-68BF-609C-023F-3F9CA7C3F42B}"/>
+              </a:ext>
+            </a:extLst>
+          </p:cNvPr>
+          <p:cNvSpPr txBox="1"/>
+          <p:nvPr/>
+        </p:nvSpPr>
+        <p:spPr>
+          <a:xfrm>
+            <a:off x="329913" y="1110369"/>
+            <a:ext cx="1074656" cy="369332"/>
+          </a:xfrm>
+          <a:prstGeom prst="rect">
+            <a:avLst/>
+          </a:prstGeom>
+          <a:noFill/>
+        </p:spPr>
+        <p:txBody>
+          <a:bodyPr wrap="square" rtlCol="0">
+            <a:spAutoFit/>
+          </a:bodyPr>
+          <a:lstStyle/>
+          <a:p>
+            <a:r>
+              <a:rPr lang="en-US" altLang="zh-CN"/>
+              <a:t>V=</a:t>
+            </a:r>
+            <a:endParaRPr lang="zh-CN" altLang="en-US"/>
+          </a:p>
+        </p:txBody>
+      </p:sp>
+      <p:cxnSp>
+        <p:nvCxnSpPr>
+          <p:cNvPr id="42" name="直接箭头连接符 41">
+            <a:extLst>
+              <a:ext uri="{FF2B5EF4-FFF2-40B4-BE49-F238E27FC236}">
+                <a16:creationId xmlns:a16="http://schemas.microsoft.com/office/drawing/2014/main" id="{D144F7F0-9148-4D90-BD8E-CD1C3BA0B941}"/>
+              </a:ext>
+            </a:extLst>
+          </p:cNvPr>
+          <p:cNvCxnSpPr/>
+          <p:nvPr/>
+        </p:nvCxnSpPr>
+        <p:spPr>
+          <a:xfrm>
+            <a:off x="4887799" y="3718029"/>
+            <a:ext cx="1074656" cy="0"/>
+          </a:xfrm>
+          <a:prstGeom prst="straightConnector1">
+            <a:avLst/>
+          </a:prstGeom>
+          <a:ln>
+            <a:tailEnd type="triangle"/>
+          </a:ln>
+        </p:spPr>
+        <p:style>
+          <a:lnRef idx="1">
+            <a:schemeClr val="accent1"/>
+          </a:lnRef>
+          <a:fillRef idx="0">
+            <a:schemeClr val="accent1"/>
+          </a:fillRef>
+          <a:effectRef idx="0">
+            <a:schemeClr val="accent1"/>
+          </a:effectRef>
+          <a:fontRef idx="minor">
+            <a:schemeClr val="tx1"/>
+          </a:fontRef>
+        </p:style>
+      </p:cxnSp>
+      <p:cxnSp>
+        <p:nvCxnSpPr>
+          <p:cNvPr id="43" name="直接箭头连接符 42">
+            <a:extLst>
+              <a:ext uri="{FF2B5EF4-FFF2-40B4-BE49-F238E27FC236}">
+                <a16:creationId xmlns:a16="http://schemas.microsoft.com/office/drawing/2014/main" id="{4920CFE0-E36D-A84E-F36D-D51083DEE583}"/>
+              </a:ext>
+            </a:extLst>
+          </p:cNvPr>
+          <p:cNvCxnSpPr>
+            <a:cxnSpLocks/>
+          </p:cNvCxnSpPr>
+          <p:nvPr/>
+        </p:nvCxnSpPr>
+        <p:spPr>
+          <a:xfrm flipV="1">
+            <a:off x="4887799" y="2661616"/>
+            <a:ext cx="0" cy="1056413"/>
+          </a:xfrm>
+          <a:prstGeom prst="straightConnector1">
+            <a:avLst/>
+          </a:prstGeom>
+          <a:ln>
+            <a:tailEnd type="triangle"/>
+          </a:ln>
+        </p:spPr>
+        <p:style>
+          <a:lnRef idx="1">
+            <a:schemeClr val="accent1"/>
+          </a:lnRef>
+          <a:fillRef idx="0">
+            <a:schemeClr val="accent1"/>
+          </a:fillRef>
+          <a:effectRef idx="0">
+            <a:schemeClr val="accent1"/>
+          </a:effectRef>
+          <a:fontRef idx="minor">
+            <a:schemeClr val="tx1"/>
+          </a:fontRef>
+        </p:style>
+      </p:cxnSp>
+      <p:sp>
+        <p:nvSpPr>
+          <p:cNvPr id="44" name="文本框 43">
+            <a:extLst>
+              <a:ext uri="{FF2B5EF4-FFF2-40B4-BE49-F238E27FC236}">
+                <a16:creationId xmlns:a16="http://schemas.microsoft.com/office/drawing/2014/main" id="{71D05BF8-F0FC-4C19-FAA2-C3C934177927}"/>
+              </a:ext>
+            </a:extLst>
+          </p:cNvPr>
+          <p:cNvSpPr txBox="1"/>
+          <p:nvPr/>
+        </p:nvSpPr>
+        <p:spPr>
+          <a:xfrm>
+            <a:off x="4916064" y="3729028"/>
+            <a:ext cx="1074656" cy="369332"/>
+          </a:xfrm>
+          <a:prstGeom prst="rect">
+            <a:avLst/>
+          </a:prstGeom>
+          <a:noFill/>
+        </p:spPr>
+        <p:txBody>
+          <a:bodyPr wrap="square" rtlCol="0">
+            <a:spAutoFit/>
+          </a:bodyPr>
+          <a:lstStyle/>
+          <a:p>
+            <a:r>
+              <a:rPr lang="en-US" altLang="zh-CN">
+                <a:solidFill>
+                  <a:srgbClr val="FF0000"/>
+                </a:solidFill>
+              </a:rPr>
+              <a:t>U= +X</a:t>
+            </a:r>
+            <a:endParaRPr lang="zh-CN" altLang="en-US">
+              <a:solidFill>
+                <a:srgbClr val="FF0000"/>
+              </a:solidFill>
+            </a:endParaRPr>
+          </a:p>
+        </p:txBody>
+      </p:sp>
+      <p:sp>
+        <p:nvSpPr>
+          <p:cNvPr id="45" name="文本框 44">
+            <a:extLst>
+              <a:ext uri="{FF2B5EF4-FFF2-40B4-BE49-F238E27FC236}">
+                <a16:creationId xmlns:a16="http://schemas.microsoft.com/office/drawing/2014/main" id="{BC17FCBD-501C-3F0D-2D7B-4D9B76E34C0E}"/>
+              </a:ext>
+            </a:extLst>
+          </p:cNvPr>
+          <p:cNvSpPr txBox="1"/>
+          <p:nvPr/>
+        </p:nvSpPr>
+        <p:spPr>
+          <a:xfrm>
+            <a:off x="4661531" y="2782782"/>
+            <a:ext cx="1074656" cy="369332"/>
+          </a:xfrm>
+          <a:prstGeom prst="rect">
+            <a:avLst/>
+          </a:prstGeom>
+          <a:noFill/>
+        </p:spPr>
+        <p:txBody>
+          <a:bodyPr wrap="square" rtlCol="0">
+            <a:spAutoFit/>
+          </a:bodyPr>
+          <a:lstStyle/>
+          <a:p>
+            <a:r>
+              <a:rPr lang="en-US" altLang="zh-CN">
+                <a:solidFill>
+                  <a:srgbClr val="FF0000"/>
+                </a:solidFill>
+              </a:rPr>
+              <a:t>V= +Y</a:t>
+            </a:r>
+            <a:endParaRPr lang="zh-CN" altLang="en-US">
+              <a:solidFill>
+                <a:srgbClr val="FF0000"/>
+              </a:solidFill>
+            </a:endParaRPr>
+          </a:p>
+        </p:txBody>
+      </p:sp>
+      <p:cxnSp>
+        <p:nvCxnSpPr>
+          <p:cNvPr id="46" name="直接箭头连接符 45">
+            <a:extLst>
+              <a:ext uri="{FF2B5EF4-FFF2-40B4-BE49-F238E27FC236}">
+                <a16:creationId xmlns:a16="http://schemas.microsoft.com/office/drawing/2014/main" id="{82CC7051-00AA-BA14-CB98-087661B2DEBF}"/>
+              </a:ext>
+            </a:extLst>
+          </p:cNvPr>
+          <p:cNvCxnSpPr/>
+          <p:nvPr/>
+        </p:nvCxnSpPr>
+        <p:spPr>
+          <a:xfrm>
+            <a:off x="6605851" y="3678142"/>
+            <a:ext cx="1074656" cy="0"/>
+          </a:xfrm>
+          <a:prstGeom prst="straightConnector1">
+            <a:avLst/>
+          </a:prstGeom>
+          <a:ln>
+            <a:tailEnd type="triangle"/>
+          </a:ln>
+        </p:spPr>
+        <p:style>
+          <a:lnRef idx="1">
+            <a:schemeClr val="accent1"/>
+          </a:lnRef>
+          <a:fillRef idx="0">
+            <a:schemeClr val="accent1"/>
+          </a:fillRef>
+          <a:effectRef idx="0">
+            <a:schemeClr val="accent1"/>
+          </a:effectRef>
+          <a:fontRef idx="minor">
+            <a:schemeClr val="tx1"/>
+          </a:fontRef>
+        </p:style>
+      </p:cxnSp>
+      <p:cxnSp>
+        <p:nvCxnSpPr>
+          <p:cNvPr id="47" name="直接箭头连接符 46">
+            <a:extLst>
+              <a:ext uri="{FF2B5EF4-FFF2-40B4-BE49-F238E27FC236}">
+                <a16:creationId xmlns:a16="http://schemas.microsoft.com/office/drawing/2014/main" id="{6A2D07DD-BFFB-88F4-577D-3D1BC73E4A70}"/>
+              </a:ext>
+            </a:extLst>
+          </p:cNvPr>
+          <p:cNvCxnSpPr>
+            <a:cxnSpLocks/>
+          </p:cNvCxnSpPr>
+          <p:nvPr/>
+        </p:nvCxnSpPr>
+        <p:spPr>
+          <a:xfrm flipV="1">
+            <a:off x="6605851" y="2621729"/>
+            <a:ext cx="0" cy="1056413"/>
+          </a:xfrm>
+          <a:prstGeom prst="straightConnector1">
+            <a:avLst/>
+          </a:prstGeom>
+          <a:ln>
+            <a:tailEnd type="triangle"/>
+          </a:ln>
+        </p:spPr>
+        <p:style>
+          <a:lnRef idx="1">
+            <a:schemeClr val="accent1"/>
+          </a:lnRef>
+          <a:fillRef idx="0">
+            <a:schemeClr val="accent1"/>
+          </a:fillRef>
+          <a:effectRef idx="0">
+            <a:schemeClr val="accent1"/>
+          </a:effectRef>
+          <a:fontRef idx="minor">
+            <a:schemeClr val="tx1"/>
+          </a:fontRef>
+        </p:style>
+      </p:cxnSp>
+      <p:sp>
+        <p:nvSpPr>
+          <p:cNvPr id="48" name="文本框 47">
+            <a:extLst>
+              <a:ext uri="{FF2B5EF4-FFF2-40B4-BE49-F238E27FC236}">
+                <a16:creationId xmlns:a16="http://schemas.microsoft.com/office/drawing/2014/main" id="{83DE4AA2-C783-0415-D0A5-0C697D4E3B7C}"/>
+              </a:ext>
+            </a:extLst>
+          </p:cNvPr>
+          <p:cNvSpPr txBox="1"/>
+          <p:nvPr/>
+        </p:nvSpPr>
+        <p:spPr>
+          <a:xfrm>
+            <a:off x="6634116" y="3689141"/>
+            <a:ext cx="1074656" cy="369332"/>
+          </a:xfrm>
+          <a:prstGeom prst="rect">
+            <a:avLst/>
+          </a:prstGeom>
+          <a:noFill/>
+        </p:spPr>
+        <p:txBody>
+          <a:bodyPr wrap="square" rtlCol="0">
+            <a:spAutoFit/>
+          </a:bodyPr>
+          <a:lstStyle/>
+          <a:p>
+            <a:r>
+              <a:rPr lang="en-US" altLang="zh-CN">
+                <a:solidFill>
+                  <a:srgbClr val="FF0000"/>
+                </a:solidFill>
+              </a:rPr>
+              <a:t>U= +Z</a:t>
+            </a:r>
+            <a:endParaRPr lang="zh-CN" altLang="en-US">
+              <a:solidFill>
+                <a:srgbClr val="FF0000"/>
+              </a:solidFill>
+            </a:endParaRPr>
+          </a:p>
+        </p:txBody>
+      </p:sp>
+      <p:sp>
+        <p:nvSpPr>
+          <p:cNvPr id="49" name="文本框 48">
+            <a:extLst>
+              <a:ext uri="{FF2B5EF4-FFF2-40B4-BE49-F238E27FC236}">
+                <a16:creationId xmlns:a16="http://schemas.microsoft.com/office/drawing/2014/main" id="{47C82988-7315-81B4-AC1D-B8D55CF7C9EF}"/>
+              </a:ext>
+            </a:extLst>
+          </p:cNvPr>
+          <p:cNvSpPr txBox="1"/>
+          <p:nvPr/>
+        </p:nvSpPr>
+        <p:spPr>
+          <a:xfrm>
+            <a:off x="6379583" y="2742895"/>
+            <a:ext cx="1074656" cy="369332"/>
+          </a:xfrm>
+          <a:prstGeom prst="rect">
+            <a:avLst/>
+          </a:prstGeom>
+          <a:noFill/>
+        </p:spPr>
+        <p:txBody>
+          <a:bodyPr wrap="square" rtlCol="0">
+            <a:spAutoFit/>
+          </a:bodyPr>
+          <a:lstStyle/>
+          <a:p>
+            <a:r>
+              <a:rPr lang="en-US" altLang="zh-CN">
+                <a:solidFill>
+                  <a:srgbClr val="FF0000"/>
+                </a:solidFill>
+              </a:rPr>
+              <a:t>V= +Y</a:t>
+            </a:r>
+            <a:endParaRPr lang="zh-CN" altLang="en-US">
+              <a:solidFill>
+                <a:srgbClr val="FF0000"/>
+              </a:solidFill>
+            </a:endParaRPr>
+          </a:p>
+        </p:txBody>
+      </p:sp>
+      <p:cxnSp>
+        <p:nvCxnSpPr>
+          <p:cNvPr id="50" name="直接箭头连接符 49">
+            <a:extLst>
+              <a:ext uri="{FF2B5EF4-FFF2-40B4-BE49-F238E27FC236}">
+                <a16:creationId xmlns:a16="http://schemas.microsoft.com/office/drawing/2014/main" id="{CF95D41F-C79E-37CF-6BEB-A2F81B3F5C50}"/>
+              </a:ext>
+            </a:extLst>
+          </p:cNvPr>
+          <p:cNvCxnSpPr/>
+          <p:nvPr/>
+        </p:nvCxnSpPr>
+        <p:spPr>
+          <a:xfrm>
+            <a:off x="8380450" y="3668408"/>
+            <a:ext cx="1074656" cy="0"/>
+          </a:xfrm>
+          <a:prstGeom prst="straightConnector1">
+            <a:avLst/>
+          </a:prstGeom>
+          <a:ln>
+            <a:tailEnd type="triangle"/>
+          </a:ln>
+        </p:spPr>
+        <p:style>
+          <a:lnRef idx="1">
+            <a:schemeClr val="accent1"/>
+          </a:lnRef>
+          <a:fillRef idx="0">
+            <a:schemeClr val="accent1"/>
+          </a:fillRef>
+          <a:effectRef idx="0">
+            <a:schemeClr val="accent1"/>
+          </a:effectRef>
+          <a:fontRef idx="minor">
+            <a:schemeClr val="tx1"/>
+          </a:fontRef>
+        </p:style>
+      </p:cxnSp>
+      <p:cxnSp>
+        <p:nvCxnSpPr>
+          <p:cNvPr id="51" name="直接箭头连接符 50">
+            <a:extLst>
+              <a:ext uri="{FF2B5EF4-FFF2-40B4-BE49-F238E27FC236}">
+                <a16:creationId xmlns:a16="http://schemas.microsoft.com/office/drawing/2014/main" id="{39CE3443-165A-CBDF-BD15-156D9630D7D5}"/>
+              </a:ext>
+            </a:extLst>
+          </p:cNvPr>
+          <p:cNvCxnSpPr>
+            <a:cxnSpLocks/>
+          </p:cNvCxnSpPr>
+          <p:nvPr/>
+        </p:nvCxnSpPr>
+        <p:spPr>
+          <a:xfrm flipV="1">
+            <a:off x="8380450" y="2611995"/>
+            <a:ext cx="0" cy="1056413"/>
+          </a:xfrm>
+          <a:prstGeom prst="straightConnector1">
+            <a:avLst/>
+          </a:prstGeom>
+          <a:ln>
+            <a:tailEnd type="triangle"/>
+          </a:ln>
+        </p:spPr>
+        <p:style>
+          <a:lnRef idx="1">
+            <a:schemeClr val="accent1"/>
+          </a:lnRef>
+          <a:fillRef idx="0">
+            <a:schemeClr val="accent1"/>
+          </a:fillRef>
+          <a:effectRef idx="0">
+            <a:schemeClr val="accent1"/>
+          </a:effectRef>
+          <a:fontRef idx="minor">
+            <a:schemeClr val="tx1"/>
+          </a:fontRef>
+        </p:style>
+      </p:cxnSp>
+      <p:sp>
+        <p:nvSpPr>
+          <p:cNvPr id="52" name="文本框 51">
+            <a:extLst>
+              <a:ext uri="{FF2B5EF4-FFF2-40B4-BE49-F238E27FC236}">
+                <a16:creationId xmlns:a16="http://schemas.microsoft.com/office/drawing/2014/main" id="{FD836B57-B84B-6AE6-C7DB-C8BDAC10DDD6}"/>
+              </a:ext>
+            </a:extLst>
+          </p:cNvPr>
+          <p:cNvSpPr txBox="1"/>
+          <p:nvPr/>
+        </p:nvSpPr>
+        <p:spPr>
+          <a:xfrm>
+            <a:off x="8380450" y="3654269"/>
+            <a:ext cx="1074656" cy="369332"/>
+          </a:xfrm>
+          <a:prstGeom prst="rect">
+            <a:avLst/>
+          </a:prstGeom>
+          <a:noFill/>
+        </p:spPr>
+        <p:txBody>
+          <a:bodyPr wrap="square" rtlCol="0">
+            <a:spAutoFit/>
+          </a:bodyPr>
+          <a:lstStyle/>
+          <a:p>
+            <a:r>
+              <a:rPr lang="en-US" altLang="zh-CN">
+                <a:solidFill>
+                  <a:srgbClr val="FF0000"/>
+                </a:solidFill>
+              </a:rPr>
+              <a:t>U= -X</a:t>
+            </a:r>
+            <a:endParaRPr lang="zh-CN" altLang="en-US">
+              <a:solidFill>
+                <a:srgbClr val="FF0000"/>
+              </a:solidFill>
+            </a:endParaRPr>
+          </a:p>
+        </p:txBody>
+      </p:sp>
+      <p:sp>
+        <p:nvSpPr>
+          <p:cNvPr id="53" name="文本框 52">
+            <a:extLst>
+              <a:ext uri="{FF2B5EF4-FFF2-40B4-BE49-F238E27FC236}">
+                <a16:creationId xmlns:a16="http://schemas.microsoft.com/office/drawing/2014/main" id="{6B287165-AEBB-0657-C648-94DDE723BB03}"/>
+              </a:ext>
+            </a:extLst>
+          </p:cNvPr>
+          <p:cNvSpPr txBox="1"/>
+          <p:nvPr/>
+        </p:nvSpPr>
+        <p:spPr>
+          <a:xfrm>
+            <a:off x="8154182" y="2733161"/>
+            <a:ext cx="1074656" cy="369332"/>
+          </a:xfrm>
+          <a:prstGeom prst="rect">
+            <a:avLst/>
+          </a:prstGeom>
+          <a:noFill/>
+        </p:spPr>
+        <p:txBody>
+          <a:bodyPr wrap="square" rtlCol="0">
+            <a:spAutoFit/>
+          </a:bodyPr>
+          <a:lstStyle/>
+          <a:p>
+            <a:r>
+              <a:rPr lang="en-US" altLang="zh-CN">
+                <a:solidFill>
+                  <a:srgbClr val="FF0000"/>
+                </a:solidFill>
+              </a:rPr>
+              <a:t>V= +Y</a:t>
+            </a:r>
+            <a:endParaRPr lang="zh-CN" altLang="en-US">
+              <a:solidFill>
+                <a:srgbClr val="FF0000"/>
+              </a:solidFill>
+            </a:endParaRPr>
+          </a:p>
+        </p:txBody>
+      </p:sp>
+      <p:cxnSp>
+        <p:nvCxnSpPr>
+          <p:cNvPr id="54" name="直接箭头连接符 53">
+            <a:extLst>
+              <a:ext uri="{FF2B5EF4-FFF2-40B4-BE49-F238E27FC236}">
+                <a16:creationId xmlns:a16="http://schemas.microsoft.com/office/drawing/2014/main" id="{3B2E0074-DB32-523A-90BA-CE99914BC30F}"/>
+              </a:ext>
+            </a:extLst>
+          </p:cNvPr>
+          <p:cNvCxnSpPr/>
+          <p:nvPr/>
+        </p:nvCxnSpPr>
+        <p:spPr>
+          <a:xfrm>
+            <a:off x="3209829" y="3703817"/>
+            <a:ext cx="1074656" cy="0"/>
+          </a:xfrm>
+          <a:prstGeom prst="straightConnector1">
+            <a:avLst/>
+          </a:prstGeom>
+          <a:ln>
+            <a:tailEnd type="triangle"/>
+          </a:ln>
+        </p:spPr>
+        <p:style>
+          <a:lnRef idx="1">
+            <a:schemeClr val="accent1"/>
+          </a:lnRef>
+          <a:fillRef idx="0">
+            <a:schemeClr val="accent1"/>
+          </a:fillRef>
+          <a:effectRef idx="0">
+            <a:schemeClr val="accent1"/>
+          </a:effectRef>
+          <a:fontRef idx="minor">
+            <a:schemeClr val="tx1"/>
+          </a:fontRef>
+        </p:style>
+      </p:cxnSp>
+      <p:cxnSp>
+        <p:nvCxnSpPr>
+          <p:cNvPr id="55" name="直接箭头连接符 54">
+            <a:extLst>
+              <a:ext uri="{FF2B5EF4-FFF2-40B4-BE49-F238E27FC236}">
+                <a16:creationId xmlns:a16="http://schemas.microsoft.com/office/drawing/2014/main" id="{D53C5BC8-C091-4839-02AE-D2CA16973AC7}"/>
+              </a:ext>
+            </a:extLst>
+          </p:cNvPr>
+          <p:cNvCxnSpPr>
+            <a:cxnSpLocks/>
+          </p:cNvCxnSpPr>
+          <p:nvPr/>
+        </p:nvCxnSpPr>
+        <p:spPr>
+          <a:xfrm flipV="1">
+            <a:off x="3209829" y="2647404"/>
+            <a:ext cx="0" cy="1056413"/>
+          </a:xfrm>
+          <a:prstGeom prst="straightConnector1">
+            <a:avLst/>
+          </a:prstGeom>
+          <a:ln>
+            <a:tailEnd type="triangle"/>
+          </a:ln>
+        </p:spPr>
+        <p:style>
+          <a:lnRef idx="1">
+            <a:schemeClr val="accent1"/>
+          </a:lnRef>
+          <a:fillRef idx="0">
+            <a:schemeClr val="accent1"/>
+          </a:fillRef>
+          <a:effectRef idx="0">
+            <a:schemeClr val="accent1"/>
+          </a:effectRef>
+          <a:fontRef idx="minor">
+            <a:schemeClr val="tx1"/>
+          </a:fontRef>
+        </p:style>
+      </p:cxnSp>
+      <p:sp>
+        <p:nvSpPr>
+          <p:cNvPr id="56" name="文本框 55">
+            <a:extLst>
+              <a:ext uri="{FF2B5EF4-FFF2-40B4-BE49-F238E27FC236}">
+                <a16:creationId xmlns:a16="http://schemas.microsoft.com/office/drawing/2014/main" id="{35BF742D-91D4-3B52-A2D5-60EA7EA0F885}"/>
+              </a:ext>
+            </a:extLst>
+          </p:cNvPr>
+          <p:cNvSpPr txBox="1"/>
+          <p:nvPr/>
+        </p:nvSpPr>
+        <p:spPr>
+          <a:xfrm>
+            <a:off x="3238094" y="3714816"/>
+            <a:ext cx="1074656" cy="369332"/>
+          </a:xfrm>
+          <a:prstGeom prst="rect">
+            <a:avLst/>
+          </a:prstGeom>
+          <a:noFill/>
+        </p:spPr>
+        <p:txBody>
+          <a:bodyPr wrap="square" rtlCol="0">
+            <a:spAutoFit/>
+          </a:bodyPr>
+          <a:lstStyle/>
+          <a:p>
+            <a:r>
+              <a:rPr lang="en-US" altLang="zh-CN">
+                <a:solidFill>
+                  <a:srgbClr val="FF0000"/>
+                </a:solidFill>
+              </a:rPr>
+              <a:t>U= -Z</a:t>
+            </a:r>
+            <a:endParaRPr lang="zh-CN" altLang="en-US">
+              <a:solidFill>
+                <a:srgbClr val="FF0000"/>
+              </a:solidFill>
+            </a:endParaRPr>
+          </a:p>
+        </p:txBody>
+      </p:sp>
+      <p:sp>
+        <p:nvSpPr>
+          <p:cNvPr id="57" name="文本框 56">
+            <a:extLst>
+              <a:ext uri="{FF2B5EF4-FFF2-40B4-BE49-F238E27FC236}">
+                <a16:creationId xmlns:a16="http://schemas.microsoft.com/office/drawing/2014/main" id="{6EA77257-5B3B-323D-0061-731DFAA53D92}"/>
+              </a:ext>
+            </a:extLst>
+          </p:cNvPr>
+          <p:cNvSpPr txBox="1"/>
+          <p:nvPr/>
+        </p:nvSpPr>
+        <p:spPr>
+          <a:xfrm>
+            <a:off x="2983561" y="2768570"/>
+            <a:ext cx="1074656" cy="369332"/>
+          </a:xfrm>
+          <a:prstGeom prst="rect">
+            <a:avLst/>
+          </a:prstGeom>
+          <a:noFill/>
+        </p:spPr>
+        <p:txBody>
+          <a:bodyPr wrap="square" rtlCol="0">
+            <a:spAutoFit/>
+          </a:bodyPr>
+          <a:lstStyle/>
+          <a:p>
+            <a:r>
+              <a:rPr lang="en-US" altLang="zh-CN">
+                <a:solidFill>
+                  <a:srgbClr val="FF0000"/>
+                </a:solidFill>
+              </a:rPr>
+              <a:t>V= +Y</a:t>
+            </a:r>
+            <a:endParaRPr lang="zh-CN" altLang="en-US">
+              <a:solidFill>
+                <a:srgbClr val="FF0000"/>
+              </a:solidFill>
+            </a:endParaRPr>
+          </a:p>
+        </p:txBody>
+      </p:sp>
+      <p:cxnSp>
+        <p:nvCxnSpPr>
+          <p:cNvPr id="58" name="直接箭头连接符 57">
+            <a:extLst>
+              <a:ext uri="{FF2B5EF4-FFF2-40B4-BE49-F238E27FC236}">
+                <a16:creationId xmlns:a16="http://schemas.microsoft.com/office/drawing/2014/main" id="{F9B6187F-E5D7-1023-FF74-DF2FD561E769}"/>
+              </a:ext>
+            </a:extLst>
+          </p:cNvPr>
+          <p:cNvCxnSpPr/>
+          <p:nvPr/>
+        </p:nvCxnSpPr>
+        <p:spPr>
+          <a:xfrm>
+            <a:off x="4888974" y="1892180"/>
+            <a:ext cx="1074656" cy="0"/>
+          </a:xfrm>
+          <a:prstGeom prst="straightConnector1">
+            <a:avLst/>
+          </a:prstGeom>
+          <a:ln>
+            <a:tailEnd type="triangle"/>
+          </a:ln>
+        </p:spPr>
+        <p:style>
+          <a:lnRef idx="1">
+            <a:schemeClr val="accent1"/>
+          </a:lnRef>
+          <a:fillRef idx="0">
+            <a:schemeClr val="accent1"/>
+          </a:fillRef>
+          <a:effectRef idx="0">
+            <a:schemeClr val="accent1"/>
+          </a:effectRef>
+          <a:fontRef idx="minor">
+            <a:schemeClr val="tx1"/>
+          </a:fontRef>
+        </p:style>
+      </p:cxnSp>
+      <p:cxnSp>
+        <p:nvCxnSpPr>
+          <p:cNvPr id="59" name="直接箭头连接符 58">
+            <a:extLst>
+              <a:ext uri="{FF2B5EF4-FFF2-40B4-BE49-F238E27FC236}">
+                <a16:creationId xmlns:a16="http://schemas.microsoft.com/office/drawing/2014/main" id="{903FAEA2-8C0F-4E5F-3565-8DEA1C92702F}"/>
+              </a:ext>
+            </a:extLst>
+          </p:cNvPr>
+          <p:cNvCxnSpPr>
+            <a:cxnSpLocks/>
+          </p:cNvCxnSpPr>
+          <p:nvPr/>
+        </p:nvCxnSpPr>
+        <p:spPr>
+          <a:xfrm flipV="1">
+            <a:off x="4888974" y="835767"/>
+            <a:ext cx="0" cy="1056413"/>
+          </a:xfrm>
+          <a:prstGeom prst="straightConnector1">
+            <a:avLst/>
+          </a:prstGeom>
+          <a:ln>
+            <a:tailEnd type="triangle"/>
+          </a:ln>
+        </p:spPr>
+        <p:style>
+          <a:lnRef idx="1">
+            <a:schemeClr val="accent1"/>
+          </a:lnRef>
+          <a:fillRef idx="0">
+            <a:schemeClr val="accent1"/>
+          </a:fillRef>
+          <a:effectRef idx="0">
+            <a:schemeClr val="accent1"/>
+          </a:effectRef>
+          <a:fontRef idx="minor">
+            <a:schemeClr val="tx1"/>
+          </a:fontRef>
+        </p:style>
+      </p:cxnSp>
+      <p:sp>
+        <p:nvSpPr>
+          <p:cNvPr id="60" name="文本框 59">
+            <a:extLst>
+              <a:ext uri="{FF2B5EF4-FFF2-40B4-BE49-F238E27FC236}">
+                <a16:creationId xmlns:a16="http://schemas.microsoft.com/office/drawing/2014/main" id="{0AAB8E6E-6612-90AB-B82C-45D0D9DFFE7B}"/>
+              </a:ext>
+            </a:extLst>
+          </p:cNvPr>
+          <p:cNvSpPr txBox="1"/>
+          <p:nvPr/>
+        </p:nvSpPr>
+        <p:spPr>
+          <a:xfrm>
+            <a:off x="4917239" y="1903179"/>
+            <a:ext cx="1074656" cy="369332"/>
+          </a:xfrm>
+          <a:prstGeom prst="rect">
+            <a:avLst/>
+          </a:prstGeom>
+          <a:noFill/>
+        </p:spPr>
+        <p:txBody>
+          <a:bodyPr wrap="square" rtlCol="0">
+            <a:spAutoFit/>
+          </a:bodyPr>
+          <a:lstStyle/>
+          <a:p>
+            <a:r>
+              <a:rPr lang="en-US" altLang="zh-CN">
+                <a:solidFill>
+                  <a:srgbClr val="FF0000"/>
+                </a:solidFill>
+              </a:rPr>
+              <a:t>U= +X</a:t>
+            </a:r>
+            <a:endParaRPr lang="zh-CN" altLang="en-US">
+              <a:solidFill>
+                <a:srgbClr val="FF0000"/>
+              </a:solidFill>
+            </a:endParaRPr>
+          </a:p>
+        </p:txBody>
+      </p:sp>
+      <p:sp>
+        <p:nvSpPr>
+          <p:cNvPr id="61" name="文本框 60">
+            <a:extLst>
+              <a:ext uri="{FF2B5EF4-FFF2-40B4-BE49-F238E27FC236}">
+                <a16:creationId xmlns:a16="http://schemas.microsoft.com/office/drawing/2014/main" id="{0C14840E-6296-984B-53DC-7100DB5E2163}"/>
+              </a:ext>
+            </a:extLst>
+          </p:cNvPr>
+          <p:cNvSpPr txBox="1"/>
+          <p:nvPr/>
+        </p:nvSpPr>
+        <p:spPr>
+          <a:xfrm>
+            <a:off x="4662706" y="956933"/>
+            <a:ext cx="1074656" cy="369332"/>
+          </a:xfrm>
+          <a:prstGeom prst="rect">
+            <a:avLst/>
+          </a:prstGeom>
+          <a:noFill/>
+        </p:spPr>
+        <p:txBody>
+          <a:bodyPr wrap="square" rtlCol="0">
+            <a:spAutoFit/>
+          </a:bodyPr>
+          <a:lstStyle/>
+          <a:p>
+            <a:r>
+              <a:rPr lang="en-US" altLang="zh-CN">
+                <a:solidFill>
+                  <a:srgbClr val="FF0000"/>
+                </a:solidFill>
+              </a:rPr>
+              <a:t>V= +Z</a:t>
+            </a:r>
+            <a:endParaRPr lang="zh-CN" altLang="en-US">
+              <a:solidFill>
+                <a:srgbClr val="FF0000"/>
+              </a:solidFill>
+            </a:endParaRPr>
+          </a:p>
+        </p:txBody>
+      </p:sp>
+      <p:cxnSp>
+        <p:nvCxnSpPr>
+          <p:cNvPr id="62" name="直接箭头连接符 61">
+            <a:extLst>
+              <a:ext uri="{FF2B5EF4-FFF2-40B4-BE49-F238E27FC236}">
+                <a16:creationId xmlns:a16="http://schemas.microsoft.com/office/drawing/2014/main" id="{3E02CD45-0B1C-A0DF-D004-25FD1F2B98A9}"/>
+              </a:ext>
+            </a:extLst>
+          </p:cNvPr>
+          <p:cNvCxnSpPr/>
+          <p:nvPr/>
+        </p:nvCxnSpPr>
+        <p:spPr>
+          <a:xfrm>
+            <a:off x="4995412" y="5398227"/>
+            <a:ext cx="1074656" cy="0"/>
+          </a:xfrm>
+          <a:prstGeom prst="straightConnector1">
+            <a:avLst/>
+          </a:prstGeom>
+          <a:ln>
+            <a:tailEnd type="triangle"/>
+          </a:ln>
+        </p:spPr>
+        <p:style>
+          <a:lnRef idx="1">
+            <a:schemeClr val="accent1"/>
+          </a:lnRef>
+          <a:fillRef idx="0">
+            <a:schemeClr val="accent1"/>
+          </a:fillRef>
+          <a:effectRef idx="0">
+            <a:schemeClr val="accent1"/>
+          </a:effectRef>
+          <a:fontRef idx="minor">
+            <a:schemeClr val="tx1"/>
+          </a:fontRef>
+        </p:style>
+      </p:cxnSp>
+      <p:cxnSp>
+        <p:nvCxnSpPr>
+          <p:cNvPr id="63" name="直接箭头连接符 62">
+            <a:extLst>
+              <a:ext uri="{FF2B5EF4-FFF2-40B4-BE49-F238E27FC236}">
+                <a16:creationId xmlns:a16="http://schemas.microsoft.com/office/drawing/2014/main" id="{9720DBF1-0961-2BD2-6280-6C3BBB18A01E}"/>
+              </a:ext>
+            </a:extLst>
+          </p:cNvPr>
+          <p:cNvCxnSpPr>
+            <a:cxnSpLocks/>
+          </p:cNvCxnSpPr>
+          <p:nvPr/>
+        </p:nvCxnSpPr>
+        <p:spPr>
+          <a:xfrm flipV="1">
+            <a:off x="4995412" y="4341814"/>
+            <a:ext cx="0" cy="1056413"/>
+          </a:xfrm>
+          <a:prstGeom prst="straightConnector1">
+            <a:avLst/>
+          </a:prstGeom>
+          <a:ln>
+            <a:tailEnd type="triangle"/>
+          </a:ln>
+        </p:spPr>
+        <p:style>
+          <a:lnRef idx="1">
+            <a:schemeClr val="accent1"/>
+          </a:lnRef>
+          <a:fillRef idx="0">
+            <a:schemeClr val="accent1"/>
+          </a:fillRef>
+          <a:effectRef idx="0">
+            <a:schemeClr val="accent1"/>
+          </a:effectRef>
+          <a:fontRef idx="minor">
+            <a:schemeClr val="tx1"/>
+          </a:fontRef>
+        </p:style>
+      </p:cxnSp>
+      <p:sp>
+        <p:nvSpPr>
+          <p:cNvPr id="64" name="文本框 63">
+            <a:extLst>
+              <a:ext uri="{FF2B5EF4-FFF2-40B4-BE49-F238E27FC236}">
+                <a16:creationId xmlns:a16="http://schemas.microsoft.com/office/drawing/2014/main" id="{4DEF572D-A089-5377-E068-8CB3007F00C5}"/>
+              </a:ext>
+            </a:extLst>
+          </p:cNvPr>
+          <p:cNvSpPr txBox="1"/>
+          <p:nvPr/>
+        </p:nvSpPr>
+        <p:spPr>
+          <a:xfrm>
+            <a:off x="5023677" y="5409226"/>
+            <a:ext cx="1074656" cy="369332"/>
+          </a:xfrm>
+          <a:prstGeom prst="rect">
+            <a:avLst/>
+          </a:prstGeom>
+          <a:noFill/>
+        </p:spPr>
+        <p:txBody>
+          <a:bodyPr wrap="square" rtlCol="0">
+            <a:spAutoFit/>
+          </a:bodyPr>
+          <a:lstStyle/>
+          <a:p>
+            <a:r>
+              <a:rPr lang="en-US" altLang="zh-CN">
+                <a:solidFill>
+                  <a:srgbClr val="FF0000"/>
+                </a:solidFill>
+              </a:rPr>
+              <a:t>U= +X</a:t>
+            </a:r>
+            <a:endParaRPr lang="zh-CN" altLang="en-US">
+              <a:solidFill>
+                <a:srgbClr val="FF0000"/>
+              </a:solidFill>
+            </a:endParaRPr>
+          </a:p>
+        </p:txBody>
+      </p:sp>
+      <p:sp>
+        <p:nvSpPr>
+          <p:cNvPr id="65" name="文本框 64">
+            <a:extLst>
+              <a:ext uri="{FF2B5EF4-FFF2-40B4-BE49-F238E27FC236}">
+                <a16:creationId xmlns:a16="http://schemas.microsoft.com/office/drawing/2014/main" id="{5849E0C7-17BC-3F41-03FA-C250C40E82D1}"/>
+              </a:ext>
+            </a:extLst>
+          </p:cNvPr>
+          <p:cNvSpPr txBox="1"/>
+          <p:nvPr/>
+        </p:nvSpPr>
+        <p:spPr>
+          <a:xfrm>
+            <a:off x="4769144" y="4462980"/>
+            <a:ext cx="1074656" cy="369332"/>
+          </a:xfrm>
+          <a:prstGeom prst="rect">
+            <a:avLst/>
+          </a:prstGeom>
+          <a:noFill/>
+        </p:spPr>
+        <p:txBody>
+          <a:bodyPr wrap="square" rtlCol="0">
+            <a:spAutoFit/>
+          </a:bodyPr>
+          <a:lstStyle/>
+          <a:p>
+            <a:r>
+              <a:rPr lang="en-US" altLang="zh-CN">
+                <a:solidFill>
+                  <a:srgbClr val="FF0000"/>
+                </a:solidFill>
+              </a:rPr>
+              <a:t>V= -Z</a:t>
+            </a:r>
+            <a:endParaRPr lang="zh-CN" altLang="en-US">
+              <a:solidFill>
+                <a:srgbClr val="FF0000"/>
+              </a:solidFill>
+            </a:endParaRPr>
+          </a:p>
+        </p:txBody>
+      </p:sp>
+    </p:spTree>
+    <p:extLst>
+      <p:ext uri="{BB962C8B-B14F-4D97-AF65-F5344CB8AC3E}">
+        <p14:creationId xmlns:p14="http://schemas.microsoft.com/office/powerpoint/2010/main" val="935944568"/>
       </p:ext>
     </p:extLst>
   </p:cSld>

--- a/计算机图形学/图形学教程/Leson_9.pptx
+++ b/计算机图形学/图形学教程/Leson_9.pptx
@@ -7335,7 +7335,7 @@
         </p:blipFill>
         <p:spPr>
           <a:xfrm>
-            <a:off x="4593910" y="2339128"/>
+            <a:off x="4593898" y="2349826"/>
             <a:ext cx="1724658" cy="1728000"/>
           </a:xfrm>
           <a:prstGeom prst="rect">

--- a/计算机图形学/图形学教程/Leson_9.pptx
+++ b/计算机图形学/图形学教程/Leson_9.pptx
@@ -16,6 +16,8 @@
     <p:sldId id="264" r:id="rId10"/>
     <p:sldId id="265" r:id="rId11"/>
     <p:sldId id="266" r:id="rId12"/>
+    <p:sldId id="267" r:id="rId13"/>
+    <p:sldId id="268" r:id="rId14"/>
   </p:sldIdLst>
   <p:sldSz cx="12192000" cy="6858000"/>
   <p:notesSz cx="6797675" cy="9928225"/>
@@ -269,7 +271,7 @@
           <a:p>
             <a:fld id="{EFC9EF4B-DC85-456E-A69C-7178B0A20B85}" type="datetimeFigureOut">
               <a:rPr lang="zh-CN" altLang="en-US" smtClean="0"/>
-              <a:t>2024/11/19</a:t>
+              <a:t>2024/11/20</a:t>
             </a:fld>
             <a:endParaRPr lang="zh-CN" altLang="en-US"/>
           </a:p>
@@ -467,7 +469,7 @@
           <a:p>
             <a:fld id="{EFC9EF4B-DC85-456E-A69C-7178B0A20B85}" type="datetimeFigureOut">
               <a:rPr lang="zh-CN" altLang="en-US" smtClean="0"/>
-              <a:t>2024/11/19</a:t>
+              <a:t>2024/11/20</a:t>
             </a:fld>
             <a:endParaRPr lang="zh-CN" altLang="en-US"/>
           </a:p>
@@ -675,7 +677,7 @@
           <a:p>
             <a:fld id="{EFC9EF4B-DC85-456E-A69C-7178B0A20B85}" type="datetimeFigureOut">
               <a:rPr lang="zh-CN" altLang="en-US" smtClean="0"/>
-              <a:t>2024/11/19</a:t>
+              <a:t>2024/11/20</a:t>
             </a:fld>
             <a:endParaRPr lang="zh-CN" altLang="en-US"/>
           </a:p>
@@ -873,7 +875,7 @@
           <a:p>
             <a:fld id="{EFC9EF4B-DC85-456E-A69C-7178B0A20B85}" type="datetimeFigureOut">
               <a:rPr lang="zh-CN" altLang="en-US" smtClean="0"/>
-              <a:t>2024/11/19</a:t>
+              <a:t>2024/11/20</a:t>
             </a:fld>
             <a:endParaRPr lang="zh-CN" altLang="en-US"/>
           </a:p>
@@ -1148,7 +1150,7 @@
           <a:p>
             <a:fld id="{EFC9EF4B-DC85-456E-A69C-7178B0A20B85}" type="datetimeFigureOut">
               <a:rPr lang="zh-CN" altLang="en-US" smtClean="0"/>
-              <a:t>2024/11/19</a:t>
+              <a:t>2024/11/20</a:t>
             </a:fld>
             <a:endParaRPr lang="zh-CN" altLang="en-US"/>
           </a:p>
@@ -1413,7 +1415,7 @@
           <a:p>
             <a:fld id="{EFC9EF4B-DC85-456E-A69C-7178B0A20B85}" type="datetimeFigureOut">
               <a:rPr lang="zh-CN" altLang="en-US" smtClean="0"/>
-              <a:t>2024/11/19</a:t>
+              <a:t>2024/11/20</a:t>
             </a:fld>
             <a:endParaRPr lang="zh-CN" altLang="en-US"/>
           </a:p>
@@ -1825,7 +1827,7 @@
           <a:p>
             <a:fld id="{EFC9EF4B-DC85-456E-A69C-7178B0A20B85}" type="datetimeFigureOut">
               <a:rPr lang="zh-CN" altLang="en-US" smtClean="0"/>
-              <a:t>2024/11/19</a:t>
+              <a:t>2024/11/20</a:t>
             </a:fld>
             <a:endParaRPr lang="zh-CN" altLang="en-US"/>
           </a:p>
@@ -1966,7 +1968,7 @@
           <a:p>
             <a:fld id="{EFC9EF4B-DC85-456E-A69C-7178B0A20B85}" type="datetimeFigureOut">
               <a:rPr lang="zh-CN" altLang="en-US" smtClean="0"/>
-              <a:t>2024/11/19</a:t>
+              <a:t>2024/11/20</a:t>
             </a:fld>
             <a:endParaRPr lang="zh-CN" altLang="en-US"/>
           </a:p>
@@ -2079,7 +2081,7 @@
           <a:p>
             <a:fld id="{EFC9EF4B-DC85-456E-A69C-7178B0A20B85}" type="datetimeFigureOut">
               <a:rPr lang="zh-CN" altLang="en-US" smtClean="0"/>
-              <a:t>2024/11/19</a:t>
+              <a:t>2024/11/20</a:t>
             </a:fld>
             <a:endParaRPr lang="zh-CN" altLang="en-US"/>
           </a:p>
@@ -2390,7 +2392,7 @@
           <a:p>
             <a:fld id="{EFC9EF4B-DC85-456E-A69C-7178B0A20B85}" type="datetimeFigureOut">
               <a:rPr lang="zh-CN" altLang="en-US" smtClean="0"/>
-              <a:t>2024/11/19</a:t>
+              <a:t>2024/11/20</a:t>
             </a:fld>
             <a:endParaRPr lang="zh-CN" altLang="en-US"/>
           </a:p>
@@ -2678,7 +2680,7 @@
           <a:p>
             <a:fld id="{EFC9EF4B-DC85-456E-A69C-7178B0A20B85}" type="datetimeFigureOut">
               <a:rPr lang="zh-CN" altLang="en-US" smtClean="0"/>
-              <a:t>2024/11/19</a:t>
+              <a:t>2024/11/20</a:t>
             </a:fld>
             <a:endParaRPr lang="zh-CN" altLang="en-US"/>
           </a:p>
@@ -2919,7 +2921,7 @@
           <a:p>
             <a:fld id="{EFC9EF4B-DC85-456E-A69C-7178B0A20B85}" type="datetimeFigureOut">
               <a:rPr lang="zh-CN" altLang="en-US" smtClean="0"/>
-              <a:t>2024/11/19</a:t>
+              <a:t>2024/11/20</a:t>
             </a:fld>
             <a:endParaRPr lang="zh-CN" altLang="en-US"/>
           </a:p>
@@ -7386,6 +7388,2184 @@
 </p:sld>
 </file>
 
+<file path=ppt/slides/slide12.xml><?xml version="1.0" encoding="utf-8"?>
+<p:sld xmlns:a="http://schemas.openxmlformats.org/drawingml/2006/main" xmlns:r="http://schemas.openxmlformats.org/officeDocument/2006/relationships" xmlns:p="http://schemas.openxmlformats.org/presentationml/2006/main">
+  <p:cSld>
+    <p:spTree>
+      <p:nvGrpSpPr>
+        <p:cNvPr id="1" name=""/>
+        <p:cNvGrpSpPr/>
+        <p:nvPr/>
+      </p:nvGrpSpPr>
+      <p:grpSpPr>
+        <a:xfrm>
+          <a:off x="0" y="0"/>
+          <a:ext cx="0" cy="0"/>
+          <a:chOff x="0" y="0"/>
+          <a:chExt cx="0" cy="0"/>
+        </a:xfrm>
+      </p:grpSpPr>
+      <p:sp>
+        <p:nvSpPr>
+          <p:cNvPr id="4" name="矩形 3">
+            <a:extLst>
+              <a:ext uri="{FF2B5EF4-FFF2-40B4-BE49-F238E27FC236}">
+                <a16:creationId xmlns:a16="http://schemas.microsoft.com/office/drawing/2014/main" id="{A3D26BA1-8462-63B2-866C-2E22E60808BD}"/>
+              </a:ext>
+            </a:extLst>
+          </p:cNvPr>
+          <p:cNvSpPr/>
+          <p:nvPr/>
+        </p:nvSpPr>
+        <p:spPr>
+          <a:xfrm>
+            <a:off x="2215299" y="1036948"/>
+            <a:ext cx="7682845" cy="4958499"/>
+          </a:xfrm>
+          <a:prstGeom prst="rect">
+            <a:avLst/>
+          </a:prstGeom>
+          <a:solidFill>
+            <a:schemeClr val="bg1"/>
+          </a:solidFill>
+          <a:ln>
+            <a:solidFill>
+              <a:srgbClr val="FF0000"/>
+            </a:solidFill>
+            <a:prstDash val="lgDash"/>
+          </a:ln>
+        </p:spPr>
+        <p:style>
+          <a:lnRef idx="2">
+            <a:schemeClr val="accent1">
+              <a:shade val="15000"/>
+            </a:schemeClr>
+          </a:lnRef>
+          <a:fillRef idx="1">
+            <a:schemeClr val="accent1"/>
+          </a:fillRef>
+          <a:effectRef idx="0">
+            <a:schemeClr val="accent1"/>
+          </a:effectRef>
+          <a:fontRef idx="minor">
+            <a:schemeClr val="lt1"/>
+          </a:fontRef>
+        </p:style>
+        <p:txBody>
+          <a:bodyPr rtlCol="0" anchor="ctr"/>
+          <a:lstStyle/>
+          <a:p>
+            <a:pPr algn="ctr"/>
+            <a:endParaRPr lang="zh-CN" altLang="en-US">
+              <a:solidFill>
+                <a:srgbClr val="FF0000"/>
+              </a:solidFill>
+            </a:endParaRPr>
+          </a:p>
+        </p:txBody>
+      </p:sp>
+      <p:sp>
+        <p:nvSpPr>
+          <p:cNvPr id="9" name="五边形 8">
+            <a:extLst>
+              <a:ext uri="{FF2B5EF4-FFF2-40B4-BE49-F238E27FC236}">
+                <a16:creationId xmlns:a16="http://schemas.microsoft.com/office/drawing/2014/main" id="{7065F6A6-EE8E-9092-8180-B677A205040B}"/>
+              </a:ext>
+            </a:extLst>
+          </p:cNvPr>
+          <p:cNvSpPr/>
+          <p:nvPr/>
+        </p:nvSpPr>
+        <p:spPr>
+          <a:xfrm>
+            <a:off x="1244339" y="450130"/>
+            <a:ext cx="8116478" cy="5957740"/>
+          </a:xfrm>
+          <a:prstGeom prst="pentagon">
+            <a:avLst/>
+          </a:prstGeom>
+          <a:solidFill>
+            <a:schemeClr val="accent1">
+              <a:alpha val="30000"/>
+            </a:schemeClr>
+          </a:solidFill>
+        </p:spPr>
+        <p:style>
+          <a:lnRef idx="2">
+            <a:schemeClr val="accent1">
+              <a:shade val="15000"/>
+            </a:schemeClr>
+          </a:lnRef>
+          <a:fillRef idx="1">
+            <a:schemeClr val="accent1"/>
+          </a:fillRef>
+          <a:effectRef idx="0">
+            <a:schemeClr val="accent1"/>
+          </a:effectRef>
+          <a:fontRef idx="minor">
+            <a:schemeClr val="lt1"/>
+          </a:fontRef>
+        </p:style>
+        <p:txBody>
+          <a:bodyPr rtlCol="0" anchor="ctr"/>
+          <a:lstStyle/>
+          <a:p>
+            <a:pPr algn="ctr"/>
+            <a:endParaRPr lang="zh-CN" altLang="en-US"/>
+          </a:p>
+        </p:txBody>
+      </p:sp>
+      <p:sp>
+        <p:nvSpPr>
+          <p:cNvPr id="10" name="文本框 9">
+            <a:extLst>
+              <a:ext uri="{FF2B5EF4-FFF2-40B4-BE49-F238E27FC236}">
+                <a16:creationId xmlns:a16="http://schemas.microsoft.com/office/drawing/2014/main" id="{63C62FE0-96FF-23BB-F64E-77635DF61661}"/>
+              </a:ext>
+            </a:extLst>
+          </p:cNvPr>
+          <p:cNvSpPr txBox="1"/>
+          <p:nvPr/>
+        </p:nvSpPr>
+        <p:spPr>
+          <a:xfrm>
+            <a:off x="5514680" y="80798"/>
+            <a:ext cx="332142" cy="369332"/>
+          </a:xfrm>
+          <a:prstGeom prst="rect">
+            <a:avLst/>
+          </a:prstGeom>
+          <a:noFill/>
+        </p:spPr>
+        <p:txBody>
+          <a:bodyPr wrap="none" rtlCol="0">
+            <a:spAutoFit/>
+          </a:bodyPr>
+          <a:lstStyle/>
+          <a:p>
+            <a:r>
+              <a:rPr lang="en-US" altLang="zh-CN"/>
+              <a:t>A</a:t>
+            </a:r>
+            <a:endParaRPr lang="zh-CN" altLang="en-US"/>
+          </a:p>
+        </p:txBody>
+      </p:sp>
+      <p:sp>
+        <p:nvSpPr>
+          <p:cNvPr id="11" name="文本框 10">
+            <a:extLst>
+              <a:ext uri="{FF2B5EF4-FFF2-40B4-BE49-F238E27FC236}">
+                <a16:creationId xmlns:a16="http://schemas.microsoft.com/office/drawing/2014/main" id="{17FEBD73-1789-2F22-A419-D1F9C3583A21}"/>
+              </a:ext>
+            </a:extLst>
+          </p:cNvPr>
+          <p:cNvSpPr txBox="1"/>
+          <p:nvPr/>
+        </p:nvSpPr>
+        <p:spPr>
+          <a:xfrm>
+            <a:off x="793422" y="2486204"/>
+            <a:ext cx="312906" cy="369332"/>
+          </a:xfrm>
+          <a:prstGeom prst="rect">
+            <a:avLst/>
+          </a:prstGeom>
+          <a:noFill/>
+        </p:spPr>
+        <p:txBody>
+          <a:bodyPr wrap="none" rtlCol="0">
+            <a:spAutoFit/>
+          </a:bodyPr>
+          <a:lstStyle/>
+          <a:p>
+            <a:r>
+              <a:rPr lang="en-US" altLang="zh-CN"/>
+              <a:t>B</a:t>
+            </a:r>
+            <a:endParaRPr lang="zh-CN" altLang="en-US"/>
+          </a:p>
+        </p:txBody>
+      </p:sp>
+      <p:sp>
+        <p:nvSpPr>
+          <p:cNvPr id="12" name="文本框 11">
+            <a:extLst>
+              <a:ext uri="{FF2B5EF4-FFF2-40B4-BE49-F238E27FC236}">
+                <a16:creationId xmlns:a16="http://schemas.microsoft.com/office/drawing/2014/main" id="{057F183D-33C3-8E64-E89F-D30175534AE1}"/>
+              </a:ext>
+            </a:extLst>
+          </p:cNvPr>
+          <p:cNvSpPr txBox="1"/>
+          <p:nvPr/>
+        </p:nvSpPr>
+        <p:spPr>
+          <a:xfrm>
+            <a:off x="2395979" y="6244749"/>
+            <a:ext cx="327334" cy="369332"/>
+          </a:xfrm>
+          <a:prstGeom prst="rect">
+            <a:avLst/>
+          </a:prstGeom>
+          <a:noFill/>
+        </p:spPr>
+        <p:txBody>
+          <a:bodyPr wrap="none" rtlCol="0">
+            <a:spAutoFit/>
+          </a:bodyPr>
+          <a:lstStyle/>
+          <a:p>
+            <a:r>
+              <a:rPr lang="en-US" altLang="zh-CN"/>
+              <a:t>C</a:t>
+            </a:r>
+            <a:endParaRPr lang="zh-CN" altLang="en-US"/>
+          </a:p>
+        </p:txBody>
+      </p:sp>
+      <p:sp>
+        <p:nvSpPr>
+          <p:cNvPr id="13" name="文本框 12">
+            <a:extLst>
+              <a:ext uri="{FF2B5EF4-FFF2-40B4-BE49-F238E27FC236}">
+                <a16:creationId xmlns:a16="http://schemas.microsoft.com/office/drawing/2014/main" id="{DDF0471D-2C92-70BA-BC4C-8188FA6FF686}"/>
+              </a:ext>
+            </a:extLst>
+          </p:cNvPr>
+          <p:cNvSpPr txBox="1"/>
+          <p:nvPr/>
+        </p:nvSpPr>
+        <p:spPr>
+          <a:xfrm>
+            <a:off x="7920086" y="6319575"/>
+            <a:ext cx="343364" cy="369332"/>
+          </a:xfrm>
+          <a:prstGeom prst="rect">
+            <a:avLst/>
+          </a:prstGeom>
+          <a:noFill/>
+        </p:spPr>
+        <p:txBody>
+          <a:bodyPr wrap="none" rtlCol="0">
+            <a:spAutoFit/>
+          </a:bodyPr>
+          <a:lstStyle/>
+          <a:p>
+            <a:r>
+              <a:rPr lang="en-US" altLang="zh-CN"/>
+              <a:t>D</a:t>
+            </a:r>
+            <a:endParaRPr lang="zh-CN" altLang="en-US"/>
+          </a:p>
+        </p:txBody>
+      </p:sp>
+      <p:sp>
+        <p:nvSpPr>
+          <p:cNvPr id="14" name="文本框 13">
+            <a:extLst>
+              <a:ext uri="{FF2B5EF4-FFF2-40B4-BE49-F238E27FC236}">
+                <a16:creationId xmlns:a16="http://schemas.microsoft.com/office/drawing/2014/main" id="{A7045053-2C40-4314-5729-6716D0017046}"/>
+              </a:ext>
+            </a:extLst>
+          </p:cNvPr>
+          <p:cNvSpPr txBox="1"/>
+          <p:nvPr/>
+        </p:nvSpPr>
+        <p:spPr>
+          <a:xfrm>
+            <a:off x="9360817" y="2486204"/>
+            <a:ext cx="300082" cy="369332"/>
+          </a:xfrm>
+          <a:prstGeom prst="rect">
+            <a:avLst/>
+          </a:prstGeom>
+          <a:noFill/>
+        </p:spPr>
+        <p:txBody>
+          <a:bodyPr wrap="none" rtlCol="0">
+            <a:spAutoFit/>
+          </a:bodyPr>
+          <a:lstStyle/>
+          <a:p>
+            <a:r>
+              <a:rPr lang="en-US" altLang="zh-CN"/>
+              <a:t>E</a:t>
+            </a:r>
+            <a:endParaRPr lang="zh-CN" altLang="en-US"/>
+          </a:p>
+        </p:txBody>
+      </p:sp>
+    </p:spTree>
+    <p:extLst>
+      <p:ext uri="{BB962C8B-B14F-4D97-AF65-F5344CB8AC3E}">
+        <p14:creationId xmlns:p14="http://schemas.microsoft.com/office/powerpoint/2010/main" val="3662030327"/>
+      </p:ext>
+    </p:extLst>
+  </p:cSld>
+  <p:clrMapOvr>
+    <a:masterClrMapping/>
+  </p:clrMapOvr>
+</p:sld>
+</file>
+
+<file path=ppt/slides/slide13.xml><?xml version="1.0" encoding="utf-8"?>
+<p:sld xmlns:a="http://schemas.openxmlformats.org/drawingml/2006/main" xmlns:r="http://schemas.openxmlformats.org/officeDocument/2006/relationships" xmlns:p="http://schemas.openxmlformats.org/presentationml/2006/main">
+  <p:cSld>
+    <p:spTree>
+      <p:nvGrpSpPr>
+        <p:cNvPr id="1" name=""/>
+        <p:cNvGrpSpPr/>
+        <p:nvPr/>
+      </p:nvGrpSpPr>
+      <p:grpSpPr>
+        <a:xfrm>
+          <a:off x="0" y="0"/>
+          <a:ext cx="0" cy="0"/>
+          <a:chOff x="0" y="0"/>
+          <a:chExt cx="0" cy="0"/>
+        </a:xfrm>
+      </p:grpSpPr>
+      <p:grpSp>
+        <p:nvGrpSpPr>
+          <p:cNvPr id="14" name="组合 13">
+            <a:extLst>
+              <a:ext uri="{FF2B5EF4-FFF2-40B4-BE49-F238E27FC236}">
+                <a16:creationId xmlns:a16="http://schemas.microsoft.com/office/drawing/2014/main" id="{D1E7D0C5-785A-820A-17AF-26141AC9E3FD}"/>
+              </a:ext>
+            </a:extLst>
+          </p:cNvPr>
+          <p:cNvGrpSpPr/>
+          <p:nvPr/>
+        </p:nvGrpSpPr>
+        <p:grpSpPr>
+          <a:xfrm>
+            <a:off x="1205345" y="451010"/>
+            <a:ext cx="3278909" cy="2643848"/>
+            <a:chOff x="2609234" y="785152"/>
+            <a:chExt cx="6429049" cy="4969103"/>
+          </a:xfrm>
+        </p:grpSpPr>
+        <p:cxnSp>
+          <p:nvCxnSpPr>
+            <p:cNvPr id="6" name="直接连接符 5">
+              <a:extLst>
+                <a:ext uri="{FF2B5EF4-FFF2-40B4-BE49-F238E27FC236}">
+                  <a16:creationId xmlns:a16="http://schemas.microsoft.com/office/drawing/2014/main" id="{3DFC7E49-C1E2-0802-1E41-01C3CD5D47F4}"/>
+                </a:ext>
+              </a:extLst>
+            </p:cNvPr>
+            <p:cNvCxnSpPr/>
+            <p:nvPr/>
+          </p:nvCxnSpPr>
+          <p:spPr>
+            <a:xfrm>
+              <a:off x="5126182" y="794327"/>
+              <a:ext cx="0" cy="4959928"/>
+            </a:xfrm>
+            <a:prstGeom prst="line">
+              <a:avLst/>
+            </a:prstGeom>
+            <a:ln w="25400">
+              <a:prstDash val="lgDash"/>
+            </a:ln>
+          </p:spPr>
+          <p:style>
+            <a:lnRef idx="1">
+              <a:schemeClr val="accent1"/>
+            </a:lnRef>
+            <a:fillRef idx="0">
+              <a:schemeClr val="accent1"/>
+            </a:fillRef>
+            <a:effectRef idx="0">
+              <a:schemeClr val="accent1"/>
+            </a:effectRef>
+            <a:fontRef idx="minor">
+              <a:schemeClr val="tx1"/>
+            </a:fontRef>
+          </p:style>
+        </p:cxnSp>
+        <p:cxnSp>
+          <p:nvCxnSpPr>
+            <p:cNvPr id="8" name="直接箭头连接符 7">
+              <a:extLst>
+                <a:ext uri="{FF2B5EF4-FFF2-40B4-BE49-F238E27FC236}">
+                  <a16:creationId xmlns:a16="http://schemas.microsoft.com/office/drawing/2014/main" id="{87139B86-AF23-2519-9B95-CF038BF542F0}"/>
+                </a:ext>
+              </a:extLst>
+            </p:cNvPr>
+            <p:cNvCxnSpPr>
+              <a:cxnSpLocks/>
+            </p:cNvCxnSpPr>
+            <p:nvPr/>
+          </p:nvCxnSpPr>
+          <p:spPr>
+            <a:xfrm flipH="1">
+              <a:off x="5950530" y="1644072"/>
+              <a:ext cx="1272305" cy="3365620"/>
+            </a:xfrm>
+            <a:prstGeom prst="straightConnector1">
+              <a:avLst/>
+            </a:prstGeom>
+            <a:ln>
+              <a:solidFill>
+                <a:srgbClr val="FF0000"/>
+              </a:solidFill>
+              <a:tailEnd type="triangle"/>
+            </a:ln>
+          </p:spPr>
+          <p:style>
+            <a:lnRef idx="1">
+              <a:schemeClr val="accent1"/>
+            </a:lnRef>
+            <a:fillRef idx="0">
+              <a:schemeClr val="accent1"/>
+            </a:fillRef>
+            <a:effectRef idx="0">
+              <a:schemeClr val="accent1"/>
+            </a:effectRef>
+            <a:fontRef idx="minor">
+              <a:schemeClr val="tx1"/>
+            </a:fontRef>
+          </p:style>
+        </p:cxnSp>
+        <mc:AlternateContent xmlns:mc="http://schemas.openxmlformats.org/markup-compatibility/2006">
+          <mc:Choice xmlns:a14="http://schemas.microsoft.com/office/drawing/2010/main" Requires="a14">
+            <p:sp>
+              <p:nvSpPr>
+                <p:cNvPr id="10" name="文本框 9">
+                  <a:extLst>
+                    <a:ext uri="{FF2B5EF4-FFF2-40B4-BE49-F238E27FC236}">
+                      <a16:creationId xmlns:a16="http://schemas.microsoft.com/office/drawing/2014/main" id="{85ADDD3D-6483-D7A5-FEB6-64C4AF6EC0FF}"/>
+                    </a:ext>
+                  </a:extLst>
+                </p:cNvPr>
+                <p:cNvSpPr txBox="1"/>
+                <p:nvPr/>
+              </p:nvSpPr>
+              <p:spPr>
+                <a:xfrm>
+                  <a:off x="6834909" y="1717964"/>
+                  <a:ext cx="1098665" cy="646331"/>
+                </a:xfrm>
+                <a:prstGeom prst="rect">
+                  <a:avLst/>
+                </a:prstGeom>
+                <a:noFill/>
+              </p:spPr>
+              <p:txBody>
+                <a:bodyPr wrap="square" rtlCol="0">
+                  <a:spAutoFit/>
+                </a:bodyPr>
+                <a:lstStyle/>
+                <a:p>
+                  <a14:m>
+                    <m:oMathPara xmlns:m="http://schemas.openxmlformats.org/officeDocument/2006/math">
+                      <m:oMathParaPr>
+                        <m:jc m:val="centerGroup"/>
+                      </m:oMathParaPr>
+                      <m:oMath xmlns:m="http://schemas.openxmlformats.org/officeDocument/2006/math">
+                        <m:sSub>
+                          <m:sSubPr>
+                            <m:ctrlPr>
+                              <a:rPr lang="en-US" altLang="zh-CN" b="0" i="1" smtClean="0">
+                                <a:latin typeface="Cambria Math" panose="02040503050406030204" pitchFamily="18" charset="0"/>
+                              </a:rPr>
+                            </m:ctrlPr>
+                          </m:sSubPr>
+                          <m:e>
+                            <m:r>
+                              <a:rPr lang="en-US" altLang="zh-CN" b="0" i="1" smtClean="0">
+                                <a:latin typeface="Cambria Math" panose="02040503050406030204" pitchFamily="18" charset="0"/>
+                              </a:rPr>
+                              <m:t>𝑝</m:t>
+                            </m:r>
+                          </m:e>
+                          <m:sub>
+                            <m:r>
+                              <a:rPr lang="en-US" altLang="zh-CN" b="0" i="1" smtClean="0">
+                                <a:latin typeface="Cambria Math" panose="02040503050406030204" pitchFamily="18" charset="0"/>
+                              </a:rPr>
+                              <m:t>𝑛</m:t>
+                            </m:r>
+                          </m:sub>
+                        </m:sSub>
+                      </m:oMath>
+                    </m:oMathPara>
+                  </a14:m>
+                  <a:endParaRPr lang="en-US" altLang="zh-CN" b="0"/>
+                </a:p>
+                <a:p>
+                  <a:endParaRPr lang="zh-CN" altLang="en-US"/>
+                </a:p>
+              </p:txBody>
+            </p:sp>
+          </mc:Choice>
+          <mc:Fallback>
+            <p:sp>
+              <p:nvSpPr>
+                <p:cNvPr id="10" name="文本框 9">
+                  <a:extLst>
+                    <a:ext uri="{FF2B5EF4-FFF2-40B4-BE49-F238E27FC236}">
+                      <a16:creationId xmlns:a16="http://schemas.microsoft.com/office/drawing/2014/main" id="{85ADDD3D-6483-D7A5-FEB6-64C4AF6EC0FF}"/>
+                    </a:ext>
+                  </a:extLst>
+                </p:cNvPr>
+                <p:cNvSpPr txBox="1">
+                  <a:spLocks noRot="1" noChangeAspect="1" noMove="1" noResize="1" noEditPoints="1" noAdjustHandles="1" noChangeArrowheads="1" noChangeShapeType="1" noTextEdit="1"/>
+                </p:cNvSpPr>
+                <p:nvPr/>
+              </p:nvSpPr>
+              <p:spPr>
+                <a:xfrm>
+                  <a:off x="6834909" y="1717964"/>
+                  <a:ext cx="1098665" cy="646331"/>
+                </a:xfrm>
+                <a:prstGeom prst="rect">
+                  <a:avLst/>
+                </a:prstGeom>
+                <a:blipFill>
+                  <a:blip r:embed="rId2"/>
+                  <a:stretch>
+                    <a:fillRect b="-14035"/>
+                  </a:stretch>
+                </a:blipFill>
+              </p:spPr>
+              <p:txBody>
+                <a:bodyPr/>
+                <a:lstStyle/>
+                <a:p>
+                  <a:r>
+                    <a:rPr lang="zh-CN" altLang="en-US">
+                      <a:noFill/>
+                    </a:rPr>
+                    <a:t> </a:t>
+                  </a:r>
+                </a:p>
+              </p:txBody>
+            </p:sp>
+          </mc:Fallback>
+        </mc:AlternateContent>
+        <mc:AlternateContent xmlns:mc="http://schemas.openxmlformats.org/markup-compatibility/2006">
+          <mc:Choice xmlns:a14="http://schemas.microsoft.com/office/drawing/2010/main" Requires="a14">
+            <p:sp>
+              <p:nvSpPr>
+                <p:cNvPr id="11" name="文本框 10">
+                  <a:extLst>
+                    <a:ext uri="{FF2B5EF4-FFF2-40B4-BE49-F238E27FC236}">
+                      <a16:creationId xmlns:a16="http://schemas.microsoft.com/office/drawing/2014/main" id="{8BD37D6A-B810-6EAE-31DA-322545892949}"/>
+                    </a:ext>
+                  </a:extLst>
+                </p:cNvPr>
+                <p:cNvSpPr txBox="1"/>
+                <p:nvPr/>
+              </p:nvSpPr>
+              <p:spPr>
+                <a:xfrm>
+                  <a:off x="5804825" y="4998876"/>
+                  <a:ext cx="1098665" cy="646331"/>
+                </a:xfrm>
+                <a:prstGeom prst="rect">
+                  <a:avLst/>
+                </a:prstGeom>
+                <a:noFill/>
+              </p:spPr>
+              <p:txBody>
+                <a:bodyPr wrap="square" rtlCol="0">
+                  <a:spAutoFit/>
+                </a:bodyPr>
+                <a:lstStyle/>
+                <a:p>
+                  <a14:m>
+                    <m:oMathPara xmlns:m="http://schemas.openxmlformats.org/officeDocument/2006/math">
+                      <m:oMathParaPr>
+                        <m:jc m:val="centerGroup"/>
+                      </m:oMathParaPr>
+                      <m:oMath xmlns:m="http://schemas.openxmlformats.org/officeDocument/2006/math">
+                        <m:sSub>
+                          <m:sSubPr>
+                            <m:ctrlPr>
+                              <a:rPr lang="en-US" altLang="zh-CN" b="0" i="1" smtClean="0">
+                                <a:latin typeface="Cambria Math" panose="02040503050406030204" pitchFamily="18" charset="0"/>
+                              </a:rPr>
+                            </m:ctrlPr>
+                          </m:sSubPr>
+                          <m:e>
+                            <m:r>
+                              <a:rPr lang="en-US" altLang="zh-CN" b="0" i="1" smtClean="0">
+                                <a:latin typeface="Cambria Math" panose="02040503050406030204" pitchFamily="18" charset="0"/>
+                              </a:rPr>
+                              <m:t>𝑝</m:t>
+                            </m:r>
+                          </m:e>
+                          <m:sub>
+                            <m:r>
+                              <a:rPr lang="en-US" altLang="zh-CN" b="0" i="1" smtClean="0">
+                                <a:latin typeface="Cambria Math" panose="02040503050406030204" pitchFamily="18" charset="0"/>
+                              </a:rPr>
+                              <m:t>𝑛</m:t>
+                            </m:r>
+                            <m:r>
+                              <a:rPr lang="en-US" altLang="zh-CN" b="0" i="1" smtClean="0">
+                                <a:latin typeface="Cambria Math" panose="02040503050406030204" pitchFamily="18" charset="0"/>
+                              </a:rPr>
+                              <m:t>+1</m:t>
+                            </m:r>
+                          </m:sub>
+                        </m:sSub>
+                      </m:oMath>
+                    </m:oMathPara>
+                  </a14:m>
+                  <a:endParaRPr lang="en-US" altLang="zh-CN" b="0"/>
+                </a:p>
+                <a:p>
+                  <a:endParaRPr lang="zh-CN" altLang="en-US"/>
+                </a:p>
+              </p:txBody>
+            </p:sp>
+          </mc:Choice>
+          <mc:Fallback>
+            <p:sp>
+              <p:nvSpPr>
+                <p:cNvPr id="11" name="文本框 10">
+                  <a:extLst>
+                    <a:ext uri="{FF2B5EF4-FFF2-40B4-BE49-F238E27FC236}">
+                      <a16:creationId xmlns:a16="http://schemas.microsoft.com/office/drawing/2014/main" id="{8BD37D6A-B810-6EAE-31DA-322545892949}"/>
+                    </a:ext>
+                  </a:extLst>
+                </p:cNvPr>
+                <p:cNvSpPr txBox="1">
+                  <a:spLocks noRot="1" noChangeAspect="1" noMove="1" noResize="1" noEditPoints="1" noAdjustHandles="1" noChangeArrowheads="1" noChangeShapeType="1" noTextEdit="1"/>
+                </p:cNvSpPr>
+                <p:nvPr/>
+              </p:nvSpPr>
+              <p:spPr>
+                <a:xfrm>
+                  <a:off x="5804825" y="4998876"/>
+                  <a:ext cx="1098665" cy="646331"/>
+                </a:xfrm>
+                <a:prstGeom prst="rect">
+                  <a:avLst/>
+                </a:prstGeom>
+                <a:blipFill>
+                  <a:blip r:embed="rId3"/>
+                  <a:stretch>
+                    <a:fillRect r="-7609" b="-14286"/>
+                  </a:stretch>
+                </a:blipFill>
+              </p:spPr>
+              <p:txBody>
+                <a:bodyPr/>
+                <a:lstStyle/>
+                <a:p>
+                  <a:r>
+                    <a:rPr lang="zh-CN" altLang="en-US">
+                      <a:noFill/>
+                    </a:rPr>
+                    <a:t> </a:t>
+                  </a:r>
+                </a:p>
+              </p:txBody>
+            </p:sp>
+          </mc:Fallback>
+        </mc:AlternateContent>
+        <p:sp>
+          <p:nvSpPr>
+            <p:cNvPr id="12" name="文本框 11">
+              <a:extLst>
+                <a:ext uri="{FF2B5EF4-FFF2-40B4-BE49-F238E27FC236}">
+                  <a16:creationId xmlns:a16="http://schemas.microsoft.com/office/drawing/2014/main" id="{480BEC60-137A-9BC7-0102-F7D547DE69F8}"/>
+                </a:ext>
+              </a:extLst>
+            </p:cNvPr>
+            <p:cNvSpPr txBox="1"/>
+            <p:nvPr/>
+          </p:nvSpPr>
+          <p:spPr>
+            <a:xfrm>
+              <a:off x="2609234" y="794328"/>
+              <a:ext cx="2378401" cy="694158"/>
+            </a:xfrm>
+            <a:prstGeom prst="rect">
+              <a:avLst/>
+            </a:prstGeom>
+            <a:noFill/>
+          </p:spPr>
+          <p:txBody>
+            <a:bodyPr wrap="square" rtlCol="0">
+              <a:spAutoFit/>
+            </a:bodyPr>
+            <a:lstStyle/>
+            <a:p>
+              <a:r>
+                <a:rPr lang="zh-CN" altLang="en-US"/>
+                <a:t>可见一侧</a:t>
+              </a:r>
+            </a:p>
+          </p:txBody>
+        </p:sp>
+        <p:sp>
+          <p:nvSpPr>
+            <p:cNvPr id="13" name="文本框 12">
+              <a:extLst>
+                <a:ext uri="{FF2B5EF4-FFF2-40B4-BE49-F238E27FC236}">
+                  <a16:creationId xmlns:a16="http://schemas.microsoft.com/office/drawing/2014/main" id="{A8AEB1C6-6D3E-04B8-1A39-5F4E8A7349BB}"/>
+                </a:ext>
+              </a:extLst>
+            </p:cNvPr>
+            <p:cNvSpPr txBox="1"/>
+            <p:nvPr/>
+          </p:nvSpPr>
+          <p:spPr>
+            <a:xfrm>
+              <a:off x="5804825" y="785152"/>
+              <a:ext cx="3233458" cy="694158"/>
+            </a:xfrm>
+            <a:prstGeom prst="rect">
+              <a:avLst/>
+            </a:prstGeom>
+            <a:noFill/>
+          </p:spPr>
+          <p:txBody>
+            <a:bodyPr wrap="square" rtlCol="0">
+              <a:spAutoFit/>
+            </a:bodyPr>
+            <a:lstStyle/>
+            <a:p>
+              <a:r>
+                <a:rPr lang="zh-CN" altLang="en-US"/>
+                <a:t>不可见一侧</a:t>
+              </a:r>
+            </a:p>
+          </p:txBody>
+        </p:sp>
+      </p:grpSp>
+      <p:grpSp>
+        <p:nvGrpSpPr>
+          <p:cNvPr id="15" name="组合 14">
+            <a:extLst>
+              <a:ext uri="{FF2B5EF4-FFF2-40B4-BE49-F238E27FC236}">
+                <a16:creationId xmlns:a16="http://schemas.microsoft.com/office/drawing/2014/main" id="{053B092E-2A62-DC22-5763-5C6A3113B249}"/>
+              </a:ext>
+            </a:extLst>
+          </p:cNvPr>
+          <p:cNvGrpSpPr/>
+          <p:nvPr/>
+        </p:nvGrpSpPr>
+        <p:grpSpPr>
+          <a:xfrm>
+            <a:off x="1057151" y="3899923"/>
+            <a:ext cx="3379815" cy="2643848"/>
+            <a:chOff x="2411385" y="785152"/>
+            <a:chExt cx="6626898" cy="4969103"/>
+          </a:xfrm>
+        </p:grpSpPr>
+        <p:cxnSp>
+          <p:nvCxnSpPr>
+            <p:cNvPr id="16" name="直接连接符 15">
+              <a:extLst>
+                <a:ext uri="{FF2B5EF4-FFF2-40B4-BE49-F238E27FC236}">
+                  <a16:creationId xmlns:a16="http://schemas.microsoft.com/office/drawing/2014/main" id="{323DBBA8-ACF2-6636-5340-ECB41C4A1CDF}"/>
+                </a:ext>
+              </a:extLst>
+            </p:cNvPr>
+            <p:cNvCxnSpPr/>
+            <p:nvPr/>
+          </p:nvCxnSpPr>
+          <p:spPr>
+            <a:xfrm>
+              <a:off x="5126182" y="794327"/>
+              <a:ext cx="0" cy="4959928"/>
+            </a:xfrm>
+            <a:prstGeom prst="line">
+              <a:avLst/>
+            </a:prstGeom>
+            <a:ln w="25400">
+              <a:prstDash val="lgDash"/>
+            </a:ln>
+          </p:spPr>
+          <p:style>
+            <a:lnRef idx="1">
+              <a:schemeClr val="accent1"/>
+            </a:lnRef>
+            <a:fillRef idx="0">
+              <a:schemeClr val="accent1"/>
+            </a:fillRef>
+            <a:effectRef idx="0">
+              <a:schemeClr val="accent1"/>
+            </a:effectRef>
+            <a:fontRef idx="minor">
+              <a:schemeClr val="tx1"/>
+            </a:fontRef>
+          </p:style>
+        </p:cxnSp>
+        <p:cxnSp>
+          <p:nvCxnSpPr>
+            <p:cNvPr id="17" name="直接箭头连接符 16">
+              <a:extLst>
+                <a:ext uri="{FF2B5EF4-FFF2-40B4-BE49-F238E27FC236}">
+                  <a16:creationId xmlns:a16="http://schemas.microsoft.com/office/drawing/2014/main" id="{CA1D3D2E-C276-7254-DC2A-598A433E46C4}"/>
+                </a:ext>
+              </a:extLst>
+            </p:cNvPr>
+            <p:cNvCxnSpPr>
+              <a:cxnSpLocks/>
+            </p:cNvCxnSpPr>
+            <p:nvPr/>
+          </p:nvCxnSpPr>
+          <p:spPr>
+            <a:xfrm flipH="1">
+              <a:off x="2992582" y="2517790"/>
+              <a:ext cx="517467" cy="1536973"/>
+            </a:xfrm>
+            <a:prstGeom prst="straightConnector1">
+              <a:avLst/>
+            </a:prstGeom>
+            <a:ln>
+              <a:solidFill>
+                <a:srgbClr val="FF0000"/>
+              </a:solidFill>
+              <a:tailEnd type="triangle"/>
+            </a:ln>
+          </p:spPr>
+          <p:style>
+            <a:lnRef idx="1">
+              <a:schemeClr val="accent1"/>
+            </a:lnRef>
+            <a:fillRef idx="0">
+              <a:schemeClr val="accent1"/>
+            </a:fillRef>
+            <a:effectRef idx="0">
+              <a:schemeClr val="accent1"/>
+            </a:effectRef>
+            <a:fontRef idx="minor">
+              <a:schemeClr val="tx1"/>
+            </a:fontRef>
+          </p:style>
+        </p:cxnSp>
+        <mc:AlternateContent xmlns:mc="http://schemas.openxmlformats.org/markup-compatibility/2006">
+          <mc:Choice xmlns:a14="http://schemas.microsoft.com/office/drawing/2010/main" Requires="a14">
+            <p:sp>
+              <p:nvSpPr>
+                <p:cNvPr id="18" name="文本框 17">
+                  <a:extLst>
+                    <a:ext uri="{FF2B5EF4-FFF2-40B4-BE49-F238E27FC236}">
+                      <a16:creationId xmlns:a16="http://schemas.microsoft.com/office/drawing/2014/main" id="{0140F6C8-0AE3-6FAE-64CA-8F27E30D66FC}"/>
+                    </a:ext>
+                  </a:extLst>
+                </p:cNvPr>
+                <p:cNvSpPr txBox="1"/>
+                <p:nvPr/>
+              </p:nvSpPr>
+              <p:spPr>
+                <a:xfrm>
+                  <a:off x="2611001" y="1648142"/>
+                  <a:ext cx="1098665" cy="646331"/>
+                </a:xfrm>
+                <a:prstGeom prst="rect">
+                  <a:avLst/>
+                </a:prstGeom>
+                <a:noFill/>
+              </p:spPr>
+              <p:txBody>
+                <a:bodyPr wrap="square" rtlCol="0">
+                  <a:spAutoFit/>
+                </a:bodyPr>
+                <a:lstStyle/>
+                <a:p>
+                  <a14:m>
+                    <m:oMathPara xmlns:m="http://schemas.openxmlformats.org/officeDocument/2006/math">
+                      <m:oMathParaPr>
+                        <m:jc m:val="centerGroup"/>
+                      </m:oMathParaPr>
+                      <m:oMath xmlns:m="http://schemas.openxmlformats.org/officeDocument/2006/math">
+                        <m:sSub>
+                          <m:sSubPr>
+                            <m:ctrlPr>
+                              <a:rPr lang="en-US" altLang="zh-CN" b="0" i="1" smtClean="0">
+                                <a:latin typeface="Cambria Math" panose="02040503050406030204" pitchFamily="18" charset="0"/>
+                              </a:rPr>
+                            </m:ctrlPr>
+                          </m:sSubPr>
+                          <m:e>
+                            <m:r>
+                              <a:rPr lang="en-US" altLang="zh-CN" b="0" i="1" smtClean="0">
+                                <a:latin typeface="Cambria Math" panose="02040503050406030204" pitchFamily="18" charset="0"/>
+                              </a:rPr>
+                              <m:t>𝑝</m:t>
+                            </m:r>
+                          </m:e>
+                          <m:sub>
+                            <m:r>
+                              <a:rPr lang="en-US" altLang="zh-CN" b="0" i="1" smtClean="0">
+                                <a:latin typeface="Cambria Math" panose="02040503050406030204" pitchFamily="18" charset="0"/>
+                              </a:rPr>
+                              <m:t>𝑛</m:t>
+                            </m:r>
+                          </m:sub>
+                        </m:sSub>
+                      </m:oMath>
+                    </m:oMathPara>
+                  </a14:m>
+                  <a:endParaRPr lang="en-US" altLang="zh-CN" b="0"/>
+                </a:p>
+                <a:p>
+                  <a:endParaRPr lang="zh-CN" altLang="en-US"/>
+                </a:p>
+              </p:txBody>
+            </p:sp>
+          </mc:Choice>
+          <mc:Fallback>
+            <p:sp>
+              <p:nvSpPr>
+                <p:cNvPr id="18" name="文本框 17">
+                  <a:extLst>
+                    <a:ext uri="{FF2B5EF4-FFF2-40B4-BE49-F238E27FC236}">
+                      <a16:creationId xmlns:a16="http://schemas.microsoft.com/office/drawing/2014/main" id="{0140F6C8-0AE3-6FAE-64CA-8F27E30D66FC}"/>
+                    </a:ext>
+                  </a:extLst>
+                </p:cNvPr>
+                <p:cNvSpPr txBox="1">
+                  <a:spLocks noRot="1" noChangeAspect="1" noMove="1" noResize="1" noEditPoints="1" noAdjustHandles="1" noChangeArrowheads="1" noChangeShapeType="1" noTextEdit="1"/>
+                </p:cNvSpPr>
+                <p:nvPr/>
+              </p:nvSpPr>
+              <p:spPr>
+                <a:xfrm>
+                  <a:off x="2611001" y="1648142"/>
+                  <a:ext cx="1098665" cy="646331"/>
+                </a:xfrm>
+                <a:prstGeom prst="rect">
+                  <a:avLst/>
+                </a:prstGeom>
+                <a:blipFill>
+                  <a:blip r:embed="rId4"/>
+                  <a:stretch>
+                    <a:fillRect b="-16071"/>
+                  </a:stretch>
+                </a:blipFill>
+              </p:spPr>
+              <p:txBody>
+                <a:bodyPr/>
+                <a:lstStyle/>
+                <a:p>
+                  <a:r>
+                    <a:rPr lang="zh-CN" altLang="en-US">
+                      <a:noFill/>
+                    </a:rPr>
+                    <a:t> </a:t>
+                  </a:r>
+                </a:p>
+              </p:txBody>
+            </p:sp>
+          </mc:Fallback>
+        </mc:AlternateContent>
+        <mc:AlternateContent xmlns:mc="http://schemas.openxmlformats.org/markup-compatibility/2006">
+          <mc:Choice xmlns:a14="http://schemas.microsoft.com/office/drawing/2010/main" Requires="a14">
+            <p:sp>
+              <p:nvSpPr>
+                <p:cNvPr id="19" name="文本框 18">
+                  <a:extLst>
+                    <a:ext uri="{FF2B5EF4-FFF2-40B4-BE49-F238E27FC236}">
+                      <a16:creationId xmlns:a16="http://schemas.microsoft.com/office/drawing/2014/main" id="{77D19DFE-6208-1341-4AD9-D6B6385D6360}"/>
+                    </a:ext>
+                  </a:extLst>
+                </p:cNvPr>
+                <p:cNvSpPr txBox="1"/>
+                <p:nvPr/>
+              </p:nvSpPr>
+              <p:spPr>
+                <a:xfrm>
+                  <a:off x="2411385" y="4054764"/>
+                  <a:ext cx="1098665" cy="646331"/>
+                </a:xfrm>
+                <a:prstGeom prst="rect">
+                  <a:avLst/>
+                </a:prstGeom>
+                <a:noFill/>
+              </p:spPr>
+              <p:txBody>
+                <a:bodyPr wrap="square" rtlCol="0">
+                  <a:spAutoFit/>
+                </a:bodyPr>
+                <a:lstStyle/>
+                <a:p>
+                  <a14:m>
+                    <m:oMathPara xmlns:m="http://schemas.openxmlformats.org/officeDocument/2006/math">
+                      <m:oMathParaPr>
+                        <m:jc m:val="centerGroup"/>
+                      </m:oMathParaPr>
+                      <m:oMath xmlns:m="http://schemas.openxmlformats.org/officeDocument/2006/math">
+                        <m:sSub>
+                          <m:sSubPr>
+                            <m:ctrlPr>
+                              <a:rPr lang="en-US" altLang="zh-CN" b="0" i="1" smtClean="0">
+                                <a:latin typeface="Cambria Math" panose="02040503050406030204" pitchFamily="18" charset="0"/>
+                              </a:rPr>
+                            </m:ctrlPr>
+                          </m:sSubPr>
+                          <m:e>
+                            <m:r>
+                              <a:rPr lang="en-US" altLang="zh-CN" b="0" i="1" smtClean="0">
+                                <a:latin typeface="Cambria Math" panose="02040503050406030204" pitchFamily="18" charset="0"/>
+                              </a:rPr>
+                              <m:t>𝑝</m:t>
+                            </m:r>
+                          </m:e>
+                          <m:sub>
+                            <m:r>
+                              <a:rPr lang="en-US" altLang="zh-CN" b="0" i="1" smtClean="0">
+                                <a:latin typeface="Cambria Math" panose="02040503050406030204" pitchFamily="18" charset="0"/>
+                              </a:rPr>
+                              <m:t>𝑛</m:t>
+                            </m:r>
+                            <m:r>
+                              <a:rPr lang="en-US" altLang="zh-CN" b="0" i="1" smtClean="0">
+                                <a:latin typeface="Cambria Math" panose="02040503050406030204" pitchFamily="18" charset="0"/>
+                              </a:rPr>
+                              <m:t>+1</m:t>
+                            </m:r>
+                          </m:sub>
+                        </m:sSub>
+                      </m:oMath>
+                    </m:oMathPara>
+                  </a14:m>
+                  <a:endParaRPr lang="en-US" altLang="zh-CN" b="0"/>
+                </a:p>
+                <a:p>
+                  <a:endParaRPr lang="zh-CN" altLang="en-US"/>
+                </a:p>
+              </p:txBody>
+            </p:sp>
+          </mc:Choice>
+          <mc:Fallback>
+            <p:sp>
+              <p:nvSpPr>
+                <p:cNvPr id="19" name="文本框 18">
+                  <a:extLst>
+                    <a:ext uri="{FF2B5EF4-FFF2-40B4-BE49-F238E27FC236}">
+                      <a16:creationId xmlns:a16="http://schemas.microsoft.com/office/drawing/2014/main" id="{77D19DFE-6208-1341-4AD9-D6B6385D6360}"/>
+                    </a:ext>
+                  </a:extLst>
+                </p:cNvPr>
+                <p:cNvSpPr txBox="1">
+                  <a:spLocks noRot="1" noChangeAspect="1" noMove="1" noResize="1" noEditPoints="1" noAdjustHandles="1" noChangeArrowheads="1" noChangeShapeType="1" noTextEdit="1"/>
+                </p:cNvSpPr>
+                <p:nvPr/>
+              </p:nvSpPr>
+              <p:spPr>
+                <a:xfrm>
+                  <a:off x="2411385" y="4054764"/>
+                  <a:ext cx="1098665" cy="646331"/>
+                </a:xfrm>
+                <a:prstGeom prst="rect">
+                  <a:avLst/>
+                </a:prstGeom>
+                <a:blipFill>
+                  <a:blip r:embed="rId5"/>
+                  <a:stretch>
+                    <a:fillRect r="-7609" b="-14035"/>
+                  </a:stretch>
+                </a:blipFill>
+              </p:spPr>
+              <p:txBody>
+                <a:bodyPr/>
+                <a:lstStyle/>
+                <a:p>
+                  <a:r>
+                    <a:rPr lang="zh-CN" altLang="en-US">
+                      <a:noFill/>
+                    </a:rPr>
+                    <a:t> </a:t>
+                  </a:r>
+                </a:p>
+              </p:txBody>
+            </p:sp>
+          </mc:Fallback>
+        </mc:AlternateContent>
+        <p:sp>
+          <p:nvSpPr>
+            <p:cNvPr id="20" name="文本框 19">
+              <a:extLst>
+                <a:ext uri="{FF2B5EF4-FFF2-40B4-BE49-F238E27FC236}">
+                  <a16:creationId xmlns:a16="http://schemas.microsoft.com/office/drawing/2014/main" id="{F0C88CD6-0B6B-47F2-F797-43E1FD4A5EEE}"/>
+                </a:ext>
+              </a:extLst>
+            </p:cNvPr>
+            <p:cNvSpPr txBox="1"/>
+            <p:nvPr/>
+          </p:nvSpPr>
+          <p:spPr>
+            <a:xfrm>
+              <a:off x="2609234" y="794328"/>
+              <a:ext cx="2378401" cy="694158"/>
+            </a:xfrm>
+            <a:prstGeom prst="rect">
+              <a:avLst/>
+            </a:prstGeom>
+            <a:noFill/>
+          </p:spPr>
+          <p:txBody>
+            <a:bodyPr wrap="square" rtlCol="0">
+              <a:spAutoFit/>
+            </a:bodyPr>
+            <a:lstStyle/>
+            <a:p>
+              <a:r>
+                <a:rPr lang="zh-CN" altLang="en-US"/>
+                <a:t>可见一侧</a:t>
+              </a:r>
+            </a:p>
+          </p:txBody>
+        </p:sp>
+        <p:sp>
+          <p:nvSpPr>
+            <p:cNvPr id="21" name="文本框 20">
+              <a:extLst>
+                <a:ext uri="{FF2B5EF4-FFF2-40B4-BE49-F238E27FC236}">
+                  <a16:creationId xmlns:a16="http://schemas.microsoft.com/office/drawing/2014/main" id="{EA5803C1-6B3A-BF6B-FFF1-BF2184C3BF39}"/>
+                </a:ext>
+              </a:extLst>
+            </p:cNvPr>
+            <p:cNvSpPr txBox="1"/>
+            <p:nvPr/>
+          </p:nvSpPr>
+          <p:spPr>
+            <a:xfrm>
+              <a:off x="5804825" y="785152"/>
+              <a:ext cx="3233458" cy="694158"/>
+            </a:xfrm>
+            <a:prstGeom prst="rect">
+              <a:avLst/>
+            </a:prstGeom>
+            <a:noFill/>
+          </p:spPr>
+          <p:txBody>
+            <a:bodyPr wrap="square" rtlCol="0">
+              <a:spAutoFit/>
+            </a:bodyPr>
+            <a:lstStyle/>
+            <a:p>
+              <a:r>
+                <a:rPr lang="zh-CN" altLang="en-US"/>
+                <a:t>不可见一侧</a:t>
+              </a:r>
+            </a:p>
+          </p:txBody>
+        </p:sp>
+      </p:grpSp>
+      <p:grpSp>
+        <p:nvGrpSpPr>
+          <p:cNvPr id="22" name="组合 21">
+            <a:extLst>
+              <a:ext uri="{FF2B5EF4-FFF2-40B4-BE49-F238E27FC236}">
+                <a16:creationId xmlns:a16="http://schemas.microsoft.com/office/drawing/2014/main" id="{41169E67-CDC8-89B8-5C24-45772F454963}"/>
+              </a:ext>
+            </a:extLst>
+          </p:cNvPr>
+          <p:cNvGrpSpPr/>
+          <p:nvPr/>
+        </p:nvGrpSpPr>
+        <p:grpSpPr>
+          <a:xfrm>
+            <a:off x="5865785" y="453451"/>
+            <a:ext cx="3379815" cy="2643848"/>
+            <a:chOff x="2411385" y="785152"/>
+            <a:chExt cx="6626898" cy="4969103"/>
+          </a:xfrm>
+        </p:grpSpPr>
+        <p:cxnSp>
+          <p:nvCxnSpPr>
+            <p:cNvPr id="23" name="直接连接符 22">
+              <a:extLst>
+                <a:ext uri="{FF2B5EF4-FFF2-40B4-BE49-F238E27FC236}">
+                  <a16:creationId xmlns:a16="http://schemas.microsoft.com/office/drawing/2014/main" id="{C1F4054E-8B46-664A-06F8-7F1793D2EE45}"/>
+                </a:ext>
+              </a:extLst>
+            </p:cNvPr>
+            <p:cNvCxnSpPr/>
+            <p:nvPr/>
+          </p:nvCxnSpPr>
+          <p:spPr>
+            <a:xfrm>
+              <a:off x="5126182" y="794327"/>
+              <a:ext cx="0" cy="4959928"/>
+            </a:xfrm>
+            <a:prstGeom prst="line">
+              <a:avLst/>
+            </a:prstGeom>
+            <a:ln w="25400">
+              <a:prstDash val="lgDash"/>
+            </a:ln>
+          </p:spPr>
+          <p:style>
+            <a:lnRef idx="1">
+              <a:schemeClr val="accent1"/>
+            </a:lnRef>
+            <a:fillRef idx="0">
+              <a:schemeClr val="accent1"/>
+            </a:fillRef>
+            <a:effectRef idx="0">
+              <a:schemeClr val="accent1"/>
+            </a:effectRef>
+            <a:fontRef idx="minor">
+              <a:schemeClr val="tx1"/>
+            </a:fontRef>
+          </p:style>
+        </p:cxnSp>
+        <p:cxnSp>
+          <p:nvCxnSpPr>
+            <p:cNvPr id="24" name="直接箭头连接符 23">
+              <a:extLst>
+                <a:ext uri="{FF2B5EF4-FFF2-40B4-BE49-F238E27FC236}">
+                  <a16:creationId xmlns:a16="http://schemas.microsoft.com/office/drawing/2014/main" id="{D3B093AB-38D3-9EFE-0404-57B04F1B23CB}"/>
+                </a:ext>
+              </a:extLst>
+            </p:cNvPr>
+            <p:cNvCxnSpPr>
+              <a:cxnSpLocks/>
+            </p:cNvCxnSpPr>
+            <p:nvPr/>
+          </p:nvCxnSpPr>
+          <p:spPr>
+            <a:xfrm flipH="1">
+              <a:off x="2992582" y="1644073"/>
+              <a:ext cx="4230254" cy="2410691"/>
+            </a:xfrm>
+            <a:prstGeom prst="straightConnector1">
+              <a:avLst/>
+            </a:prstGeom>
+            <a:ln>
+              <a:solidFill>
+                <a:srgbClr val="FF0000"/>
+              </a:solidFill>
+              <a:tailEnd type="triangle"/>
+            </a:ln>
+          </p:spPr>
+          <p:style>
+            <a:lnRef idx="1">
+              <a:schemeClr val="accent1"/>
+            </a:lnRef>
+            <a:fillRef idx="0">
+              <a:schemeClr val="accent1"/>
+            </a:fillRef>
+            <a:effectRef idx="0">
+              <a:schemeClr val="accent1"/>
+            </a:effectRef>
+            <a:fontRef idx="minor">
+              <a:schemeClr val="tx1"/>
+            </a:fontRef>
+          </p:style>
+        </p:cxnSp>
+        <mc:AlternateContent xmlns:mc="http://schemas.openxmlformats.org/markup-compatibility/2006">
+          <mc:Choice xmlns:a14="http://schemas.microsoft.com/office/drawing/2010/main" Requires="a14">
+            <p:sp>
+              <p:nvSpPr>
+                <p:cNvPr id="25" name="文本框 24">
+                  <a:extLst>
+                    <a:ext uri="{FF2B5EF4-FFF2-40B4-BE49-F238E27FC236}">
+                      <a16:creationId xmlns:a16="http://schemas.microsoft.com/office/drawing/2014/main" id="{5B6AF12C-F4C1-14A1-F854-DBBC6039F1B3}"/>
+                    </a:ext>
+                  </a:extLst>
+                </p:cNvPr>
+                <p:cNvSpPr txBox="1"/>
+                <p:nvPr/>
+              </p:nvSpPr>
+              <p:spPr>
+                <a:xfrm>
+                  <a:off x="6834909" y="1717964"/>
+                  <a:ext cx="1098665" cy="646331"/>
+                </a:xfrm>
+                <a:prstGeom prst="rect">
+                  <a:avLst/>
+                </a:prstGeom>
+                <a:noFill/>
+              </p:spPr>
+              <p:txBody>
+                <a:bodyPr wrap="square" rtlCol="0">
+                  <a:spAutoFit/>
+                </a:bodyPr>
+                <a:lstStyle/>
+                <a:p>
+                  <a14:m>
+                    <m:oMathPara xmlns:m="http://schemas.openxmlformats.org/officeDocument/2006/math">
+                      <m:oMathParaPr>
+                        <m:jc m:val="centerGroup"/>
+                      </m:oMathParaPr>
+                      <m:oMath xmlns:m="http://schemas.openxmlformats.org/officeDocument/2006/math">
+                        <m:sSub>
+                          <m:sSubPr>
+                            <m:ctrlPr>
+                              <a:rPr lang="en-US" altLang="zh-CN" b="0" i="1" smtClean="0">
+                                <a:latin typeface="Cambria Math" panose="02040503050406030204" pitchFamily="18" charset="0"/>
+                              </a:rPr>
+                            </m:ctrlPr>
+                          </m:sSubPr>
+                          <m:e>
+                            <m:r>
+                              <a:rPr lang="en-US" altLang="zh-CN" b="0" i="1" smtClean="0">
+                                <a:latin typeface="Cambria Math" panose="02040503050406030204" pitchFamily="18" charset="0"/>
+                              </a:rPr>
+                              <m:t>𝑝</m:t>
+                            </m:r>
+                          </m:e>
+                          <m:sub>
+                            <m:r>
+                              <a:rPr lang="en-US" altLang="zh-CN" b="0" i="1" smtClean="0">
+                                <a:latin typeface="Cambria Math" panose="02040503050406030204" pitchFamily="18" charset="0"/>
+                              </a:rPr>
+                              <m:t>𝑛</m:t>
+                            </m:r>
+                          </m:sub>
+                        </m:sSub>
+                      </m:oMath>
+                    </m:oMathPara>
+                  </a14:m>
+                  <a:endParaRPr lang="en-US" altLang="zh-CN" b="0"/>
+                </a:p>
+                <a:p>
+                  <a:endParaRPr lang="zh-CN" altLang="en-US"/>
+                </a:p>
+              </p:txBody>
+            </p:sp>
+          </mc:Choice>
+          <mc:Fallback>
+            <p:sp>
+              <p:nvSpPr>
+                <p:cNvPr id="25" name="文本框 24">
+                  <a:extLst>
+                    <a:ext uri="{FF2B5EF4-FFF2-40B4-BE49-F238E27FC236}">
+                      <a16:creationId xmlns:a16="http://schemas.microsoft.com/office/drawing/2014/main" id="{5B6AF12C-F4C1-14A1-F854-DBBC6039F1B3}"/>
+                    </a:ext>
+                  </a:extLst>
+                </p:cNvPr>
+                <p:cNvSpPr txBox="1">
+                  <a:spLocks noRot="1" noChangeAspect="1" noMove="1" noResize="1" noEditPoints="1" noAdjustHandles="1" noChangeArrowheads="1" noChangeShapeType="1" noTextEdit="1"/>
+                </p:cNvSpPr>
+                <p:nvPr/>
+              </p:nvSpPr>
+              <p:spPr>
+                <a:xfrm>
+                  <a:off x="6834909" y="1717964"/>
+                  <a:ext cx="1098665" cy="646331"/>
+                </a:xfrm>
+                <a:prstGeom prst="rect">
+                  <a:avLst/>
+                </a:prstGeom>
+                <a:blipFill>
+                  <a:blip r:embed="rId6"/>
+                  <a:stretch>
+                    <a:fillRect b="-14286"/>
+                  </a:stretch>
+                </a:blipFill>
+              </p:spPr>
+              <p:txBody>
+                <a:bodyPr/>
+                <a:lstStyle/>
+                <a:p>
+                  <a:r>
+                    <a:rPr lang="zh-CN" altLang="en-US">
+                      <a:noFill/>
+                    </a:rPr>
+                    <a:t> </a:t>
+                  </a:r>
+                </a:p>
+              </p:txBody>
+            </p:sp>
+          </mc:Fallback>
+        </mc:AlternateContent>
+        <mc:AlternateContent xmlns:mc="http://schemas.openxmlformats.org/markup-compatibility/2006">
+          <mc:Choice xmlns:a14="http://schemas.microsoft.com/office/drawing/2010/main" Requires="a14">
+            <p:sp>
+              <p:nvSpPr>
+                <p:cNvPr id="26" name="文本框 25">
+                  <a:extLst>
+                    <a:ext uri="{FF2B5EF4-FFF2-40B4-BE49-F238E27FC236}">
+                      <a16:creationId xmlns:a16="http://schemas.microsoft.com/office/drawing/2014/main" id="{E61EF136-181C-4102-4E9A-493C08B68006}"/>
+                    </a:ext>
+                  </a:extLst>
+                </p:cNvPr>
+                <p:cNvSpPr txBox="1"/>
+                <p:nvPr/>
+              </p:nvSpPr>
+              <p:spPr>
+                <a:xfrm>
+                  <a:off x="2411385" y="4054764"/>
+                  <a:ext cx="1098665" cy="646331"/>
+                </a:xfrm>
+                <a:prstGeom prst="rect">
+                  <a:avLst/>
+                </a:prstGeom>
+                <a:noFill/>
+              </p:spPr>
+              <p:txBody>
+                <a:bodyPr wrap="square" rtlCol="0">
+                  <a:spAutoFit/>
+                </a:bodyPr>
+                <a:lstStyle/>
+                <a:p>
+                  <a14:m>
+                    <m:oMathPara xmlns:m="http://schemas.openxmlformats.org/officeDocument/2006/math">
+                      <m:oMathParaPr>
+                        <m:jc m:val="centerGroup"/>
+                      </m:oMathParaPr>
+                      <m:oMath xmlns:m="http://schemas.openxmlformats.org/officeDocument/2006/math">
+                        <m:sSub>
+                          <m:sSubPr>
+                            <m:ctrlPr>
+                              <a:rPr lang="en-US" altLang="zh-CN" b="0" i="1" smtClean="0">
+                                <a:latin typeface="Cambria Math" panose="02040503050406030204" pitchFamily="18" charset="0"/>
+                              </a:rPr>
+                            </m:ctrlPr>
+                          </m:sSubPr>
+                          <m:e>
+                            <m:r>
+                              <a:rPr lang="en-US" altLang="zh-CN" b="0" i="1" smtClean="0">
+                                <a:latin typeface="Cambria Math" panose="02040503050406030204" pitchFamily="18" charset="0"/>
+                              </a:rPr>
+                              <m:t>𝑝</m:t>
+                            </m:r>
+                          </m:e>
+                          <m:sub>
+                            <m:r>
+                              <a:rPr lang="en-US" altLang="zh-CN" b="0" i="1" smtClean="0">
+                                <a:latin typeface="Cambria Math" panose="02040503050406030204" pitchFamily="18" charset="0"/>
+                              </a:rPr>
+                              <m:t>𝑛</m:t>
+                            </m:r>
+                            <m:r>
+                              <a:rPr lang="en-US" altLang="zh-CN" b="0" i="1" smtClean="0">
+                                <a:latin typeface="Cambria Math" panose="02040503050406030204" pitchFamily="18" charset="0"/>
+                              </a:rPr>
+                              <m:t>+1</m:t>
+                            </m:r>
+                          </m:sub>
+                        </m:sSub>
+                      </m:oMath>
+                    </m:oMathPara>
+                  </a14:m>
+                  <a:endParaRPr lang="en-US" altLang="zh-CN" b="0"/>
+                </a:p>
+                <a:p>
+                  <a:endParaRPr lang="zh-CN" altLang="en-US"/>
+                </a:p>
+              </p:txBody>
+            </p:sp>
+          </mc:Choice>
+          <mc:Fallback>
+            <p:sp>
+              <p:nvSpPr>
+                <p:cNvPr id="26" name="文本框 25">
+                  <a:extLst>
+                    <a:ext uri="{FF2B5EF4-FFF2-40B4-BE49-F238E27FC236}">
+                      <a16:creationId xmlns:a16="http://schemas.microsoft.com/office/drawing/2014/main" id="{E61EF136-181C-4102-4E9A-493C08B68006}"/>
+                    </a:ext>
+                  </a:extLst>
+                </p:cNvPr>
+                <p:cNvSpPr txBox="1">
+                  <a:spLocks noRot="1" noChangeAspect="1" noMove="1" noResize="1" noEditPoints="1" noAdjustHandles="1" noChangeArrowheads="1" noChangeShapeType="1" noTextEdit="1"/>
+                </p:cNvSpPr>
+                <p:nvPr/>
+              </p:nvSpPr>
+              <p:spPr>
+                <a:xfrm>
+                  <a:off x="2411385" y="4054764"/>
+                  <a:ext cx="1098665" cy="646331"/>
+                </a:xfrm>
+                <a:prstGeom prst="rect">
+                  <a:avLst/>
+                </a:prstGeom>
+                <a:blipFill>
+                  <a:blip r:embed="rId7"/>
+                  <a:stretch>
+                    <a:fillRect r="-7609" b="-14286"/>
+                  </a:stretch>
+                </a:blipFill>
+              </p:spPr>
+              <p:txBody>
+                <a:bodyPr/>
+                <a:lstStyle/>
+                <a:p>
+                  <a:r>
+                    <a:rPr lang="zh-CN" altLang="en-US">
+                      <a:noFill/>
+                    </a:rPr>
+                    <a:t> </a:t>
+                  </a:r>
+                </a:p>
+              </p:txBody>
+            </p:sp>
+          </mc:Fallback>
+        </mc:AlternateContent>
+        <p:sp>
+          <p:nvSpPr>
+            <p:cNvPr id="27" name="文本框 26">
+              <a:extLst>
+                <a:ext uri="{FF2B5EF4-FFF2-40B4-BE49-F238E27FC236}">
+                  <a16:creationId xmlns:a16="http://schemas.microsoft.com/office/drawing/2014/main" id="{D8FFDFB3-033C-136C-1282-2AA5D7EC3CA8}"/>
+                </a:ext>
+              </a:extLst>
+            </p:cNvPr>
+            <p:cNvSpPr txBox="1"/>
+            <p:nvPr/>
+          </p:nvSpPr>
+          <p:spPr>
+            <a:xfrm>
+              <a:off x="2609234" y="794328"/>
+              <a:ext cx="2378401" cy="694158"/>
+            </a:xfrm>
+            <a:prstGeom prst="rect">
+              <a:avLst/>
+            </a:prstGeom>
+            <a:noFill/>
+          </p:spPr>
+          <p:txBody>
+            <a:bodyPr wrap="square" rtlCol="0">
+              <a:spAutoFit/>
+            </a:bodyPr>
+            <a:lstStyle/>
+            <a:p>
+              <a:r>
+                <a:rPr lang="zh-CN" altLang="en-US"/>
+                <a:t>可见一侧</a:t>
+              </a:r>
+            </a:p>
+          </p:txBody>
+        </p:sp>
+        <p:sp>
+          <p:nvSpPr>
+            <p:cNvPr id="28" name="文本框 27">
+              <a:extLst>
+                <a:ext uri="{FF2B5EF4-FFF2-40B4-BE49-F238E27FC236}">
+                  <a16:creationId xmlns:a16="http://schemas.microsoft.com/office/drawing/2014/main" id="{78808C5B-2635-C6F7-6157-5DB8F4AEB439}"/>
+                </a:ext>
+              </a:extLst>
+            </p:cNvPr>
+            <p:cNvSpPr txBox="1"/>
+            <p:nvPr/>
+          </p:nvSpPr>
+          <p:spPr>
+            <a:xfrm>
+              <a:off x="5804825" y="785152"/>
+              <a:ext cx="3233458" cy="694158"/>
+            </a:xfrm>
+            <a:prstGeom prst="rect">
+              <a:avLst/>
+            </a:prstGeom>
+            <a:noFill/>
+          </p:spPr>
+          <p:txBody>
+            <a:bodyPr wrap="square" rtlCol="0">
+              <a:spAutoFit/>
+            </a:bodyPr>
+            <a:lstStyle/>
+            <a:p>
+              <a:r>
+                <a:rPr lang="zh-CN" altLang="en-US"/>
+                <a:t>不可见一侧</a:t>
+              </a:r>
+            </a:p>
+          </p:txBody>
+        </p:sp>
+      </p:grpSp>
+      <p:grpSp>
+        <p:nvGrpSpPr>
+          <p:cNvPr id="29" name="组合 28">
+            <a:extLst>
+              <a:ext uri="{FF2B5EF4-FFF2-40B4-BE49-F238E27FC236}">
+                <a16:creationId xmlns:a16="http://schemas.microsoft.com/office/drawing/2014/main" id="{516A3361-B669-F4F8-E72F-AD175A2FCA79}"/>
+              </a:ext>
+            </a:extLst>
+          </p:cNvPr>
+          <p:cNvGrpSpPr/>
+          <p:nvPr/>
+        </p:nvGrpSpPr>
+        <p:grpSpPr>
+          <a:xfrm>
+            <a:off x="5960538" y="3902364"/>
+            <a:ext cx="3278909" cy="2643848"/>
+            <a:chOff x="2609234" y="785152"/>
+            <a:chExt cx="6429049" cy="4969103"/>
+          </a:xfrm>
+        </p:grpSpPr>
+        <p:cxnSp>
+          <p:nvCxnSpPr>
+            <p:cNvPr id="30" name="直接连接符 29">
+              <a:extLst>
+                <a:ext uri="{FF2B5EF4-FFF2-40B4-BE49-F238E27FC236}">
+                  <a16:creationId xmlns:a16="http://schemas.microsoft.com/office/drawing/2014/main" id="{14A3BF07-006A-91E5-7117-590F59422CC4}"/>
+                </a:ext>
+              </a:extLst>
+            </p:cNvPr>
+            <p:cNvCxnSpPr/>
+            <p:nvPr/>
+          </p:nvCxnSpPr>
+          <p:spPr>
+            <a:xfrm>
+              <a:off x="5126182" y="794327"/>
+              <a:ext cx="0" cy="4959928"/>
+            </a:xfrm>
+            <a:prstGeom prst="line">
+              <a:avLst/>
+            </a:prstGeom>
+            <a:ln w="25400">
+              <a:prstDash val="lgDash"/>
+            </a:ln>
+          </p:spPr>
+          <p:style>
+            <a:lnRef idx="1">
+              <a:schemeClr val="accent1"/>
+            </a:lnRef>
+            <a:fillRef idx="0">
+              <a:schemeClr val="accent1"/>
+            </a:fillRef>
+            <a:effectRef idx="0">
+              <a:schemeClr val="accent1"/>
+            </a:effectRef>
+            <a:fontRef idx="minor">
+              <a:schemeClr val="tx1"/>
+            </a:fontRef>
+          </p:style>
+        </p:cxnSp>
+        <p:cxnSp>
+          <p:nvCxnSpPr>
+            <p:cNvPr id="31" name="直接箭头连接符 30">
+              <a:extLst>
+                <a:ext uri="{FF2B5EF4-FFF2-40B4-BE49-F238E27FC236}">
+                  <a16:creationId xmlns:a16="http://schemas.microsoft.com/office/drawing/2014/main" id="{E9C22540-C8C3-F8A5-095A-58D18E7B25D8}"/>
+                </a:ext>
+              </a:extLst>
+            </p:cNvPr>
+            <p:cNvCxnSpPr>
+              <a:cxnSpLocks/>
+            </p:cNvCxnSpPr>
+            <p:nvPr/>
+          </p:nvCxnSpPr>
+          <p:spPr>
+            <a:xfrm>
+              <a:off x="3865420" y="2041129"/>
+              <a:ext cx="3699908" cy="2332211"/>
+            </a:xfrm>
+            <a:prstGeom prst="straightConnector1">
+              <a:avLst/>
+            </a:prstGeom>
+            <a:ln>
+              <a:solidFill>
+                <a:srgbClr val="FF0000"/>
+              </a:solidFill>
+              <a:tailEnd type="triangle"/>
+            </a:ln>
+          </p:spPr>
+          <p:style>
+            <a:lnRef idx="1">
+              <a:schemeClr val="accent1"/>
+            </a:lnRef>
+            <a:fillRef idx="0">
+              <a:schemeClr val="accent1"/>
+            </a:fillRef>
+            <a:effectRef idx="0">
+              <a:schemeClr val="accent1"/>
+            </a:effectRef>
+            <a:fontRef idx="minor">
+              <a:schemeClr val="tx1"/>
+            </a:fontRef>
+          </p:style>
+        </p:cxnSp>
+        <mc:AlternateContent xmlns:mc="http://schemas.openxmlformats.org/markup-compatibility/2006">
+          <mc:Choice xmlns:a14="http://schemas.microsoft.com/office/drawing/2010/main" Requires="a14">
+            <p:sp>
+              <p:nvSpPr>
+                <p:cNvPr id="32" name="文本框 31">
+                  <a:extLst>
+                    <a:ext uri="{FF2B5EF4-FFF2-40B4-BE49-F238E27FC236}">
+                      <a16:creationId xmlns:a16="http://schemas.microsoft.com/office/drawing/2014/main" id="{9DCCB6BC-98F9-FEEB-9F15-A083C6FF9393}"/>
+                    </a:ext>
+                  </a:extLst>
+                </p:cNvPr>
+                <p:cNvSpPr txBox="1"/>
+                <p:nvPr/>
+              </p:nvSpPr>
+              <p:spPr>
+                <a:xfrm>
+                  <a:off x="2906386" y="1966718"/>
+                  <a:ext cx="1098665" cy="646331"/>
+                </a:xfrm>
+                <a:prstGeom prst="rect">
+                  <a:avLst/>
+                </a:prstGeom>
+                <a:noFill/>
+              </p:spPr>
+              <p:txBody>
+                <a:bodyPr wrap="square" rtlCol="0">
+                  <a:spAutoFit/>
+                </a:bodyPr>
+                <a:lstStyle/>
+                <a:p>
+                  <a14:m>
+                    <m:oMathPara xmlns:m="http://schemas.openxmlformats.org/officeDocument/2006/math">
+                      <m:oMathParaPr>
+                        <m:jc m:val="centerGroup"/>
+                      </m:oMathParaPr>
+                      <m:oMath xmlns:m="http://schemas.openxmlformats.org/officeDocument/2006/math">
+                        <m:sSub>
+                          <m:sSubPr>
+                            <m:ctrlPr>
+                              <a:rPr lang="en-US" altLang="zh-CN" b="0" i="1" smtClean="0">
+                                <a:latin typeface="Cambria Math" panose="02040503050406030204" pitchFamily="18" charset="0"/>
+                              </a:rPr>
+                            </m:ctrlPr>
+                          </m:sSubPr>
+                          <m:e>
+                            <m:r>
+                              <a:rPr lang="en-US" altLang="zh-CN" b="0" i="1" smtClean="0">
+                                <a:latin typeface="Cambria Math" panose="02040503050406030204" pitchFamily="18" charset="0"/>
+                              </a:rPr>
+                              <m:t>𝑝</m:t>
+                            </m:r>
+                          </m:e>
+                          <m:sub>
+                            <m:r>
+                              <a:rPr lang="en-US" altLang="zh-CN" b="0" i="1" smtClean="0">
+                                <a:latin typeface="Cambria Math" panose="02040503050406030204" pitchFamily="18" charset="0"/>
+                              </a:rPr>
+                              <m:t>𝑛</m:t>
+                            </m:r>
+                          </m:sub>
+                        </m:sSub>
+                      </m:oMath>
+                    </m:oMathPara>
+                  </a14:m>
+                  <a:endParaRPr lang="en-US" altLang="zh-CN" b="0"/>
+                </a:p>
+                <a:p>
+                  <a:endParaRPr lang="zh-CN" altLang="en-US"/>
+                </a:p>
+              </p:txBody>
+            </p:sp>
+          </mc:Choice>
+          <mc:Fallback>
+            <p:sp>
+              <p:nvSpPr>
+                <p:cNvPr id="32" name="文本框 31">
+                  <a:extLst>
+                    <a:ext uri="{FF2B5EF4-FFF2-40B4-BE49-F238E27FC236}">
+                      <a16:creationId xmlns:a16="http://schemas.microsoft.com/office/drawing/2014/main" id="{9DCCB6BC-98F9-FEEB-9F15-A083C6FF9393}"/>
+                    </a:ext>
+                  </a:extLst>
+                </p:cNvPr>
+                <p:cNvSpPr txBox="1">
+                  <a:spLocks noRot="1" noChangeAspect="1" noMove="1" noResize="1" noEditPoints="1" noAdjustHandles="1" noChangeArrowheads="1" noChangeShapeType="1" noTextEdit="1"/>
+                </p:cNvSpPr>
+                <p:nvPr/>
+              </p:nvSpPr>
+              <p:spPr>
+                <a:xfrm>
+                  <a:off x="2906386" y="1966718"/>
+                  <a:ext cx="1098665" cy="646331"/>
+                </a:xfrm>
+                <a:prstGeom prst="rect">
+                  <a:avLst/>
+                </a:prstGeom>
+                <a:blipFill>
+                  <a:blip r:embed="rId8"/>
+                  <a:stretch>
+                    <a:fillRect b="-14035"/>
+                  </a:stretch>
+                </a:blipFill>
+              </p:spPr>
+              <p:txBody>
+                <a:bodyPr/>
+                <a:lstStyle/>
+                <a:p>
+                  <a:r>
+                    <a:rPr lang="zh-CN" altLang="en-US">
+                      <a:noFill/>
+                    </a:rPr>
+                    <a:t> </a:t>
+                  </a:r>
+                </a:p>
+              </p:txBody>
+            </p:sp>
+          </mc:Fallback>
+        </mc:AlternateContent>
+        <mc:AlternateContent xmlns:mc="http://schemas.openxmlformats.org/markup-compatibility/2006">
+          <mc:Choice xmlns:a14="http://schemas.microsoft.com/office/drawing/2010/main" Requires="a14">
+            <p:sp>
+              <p:nvSpPr>
+                <p:cNvPr id="33" name="文本框 32">
+                  <a:extLst>
+                    <a:ext uri="{FF2B5EF4-FFF2-40B4-BE49-F238E27FC236}">
+                      <a16:creationId xmlns:a16="http://schemas.microsoft.com/office/drawing/2014/main" id="{1FFBF463-83C2-8CDB-7E3A-4B36FE4AEFBF}"/>
+                    </a:ext>
+                  </a:extLst>
+                </p:cNvPr>
+                <p:cNvSpPr txBox="1"/>
+                <p:nvPr/>
+              </p:nvSpPr>
+              <p:spPr>
+                <a:xfrm>
+                  <a:off x="7703874" y="4373340"/>
+                  <a:ext cx="1098665" cy="646331"/>
+                </a:xfrm>
+                <a:prstGeom prst="rect">
+                  <a:avLst/>
+                </a:prstGeom>
+                <a:noFill/>
+              </p:spPr>
+              <p:txBody>
+                <a:bodyPr wrap="square" rtlCol="0">
+                  <a:spAutoFit/>
+                </a:bodyPr>
+                <a:lstStyle/>
+                <a:p>
+                  <a14:m>
+                    <m:oMathPara xmlns:m="http://schemas.openxmlformats.org/officeDocument/2006/math">
+                      <m:oMathParaPr>
+                        <m:jc m:val="centerGroup"/>
+                      </m:oMathParaPr>
+                      <m:oMath xmlns:m="http://schemas.openxmlformats.org/officeDocument/2006/math">
+                        <m:sSub>
+                          <m:sSubPr>
+                            <m:ctrlPr>
+                              <a:rPr lang="en-US" altLang="zh-CN" b="0" i="1" smtClean="0">
+                                <a:latin typeface="Cambria Math" panose="02040503050406030204" pitchFamily="18" charset="0"/>
+                              </a:rPr>
+                            </m:ctrlPr>
+                          </m:sSubPr>
+                          <m:e>
+                            <m:r>
+                              <a:rPr lang="en-US" altLang="zh-CN" b="0" i="1" smtClean="0">
+                                <a:latin typeface="Cambria Math" panose="02040503050406030204" pitchFamily="18" charset="0"/>
+                              </a:rPr>
+                              <m:t>𝑝</m:t>
+                            </m:r>
+                          </m:e>
+                          <m:sub>
+                            <m:r>
+                              <a:rPr lang="en-US" altLang="zh-CN" b="0" i="1" smtClean="0">
+                                <a:latin typeface="Cambria Math" panose="02040503050406030204" pitchFamily="18" charset="0"/>
+                              </a:rPr>
+                              <m:t>𝑛</m:t>
+                            </m:r>
+                            <m:r>
+                              <a:rPr lang="en-US" altLang="zh-CN" b="0" i="1" smtClean="0">
+                                <a:latin typeface="Cambria Math" panose="02040503050406030204" pitchFamily="18" charset="0"/>
+                              </a:rPr>
+                              <m:t>+1</m:t>
+                            </m:r>
+                          </m:sub>
+                        </m:sSub>
+                      </m:oMath>
+                    </m:oMathPara>
+                  </a14:m>
+                  <a:endParaRPr lang="en-US" altLang="zh-CN" b="0"/>
+                </a:p>
+                <a:p>
+                  <a:endParaRPr lang="zh-CN" altLang="en-US"/>
+                </a:p>
+              </p:txBody>
+            </p:sp>
+          </mc:Choice>
+          <mc:Fallback>
+            <p:sp>
+              <p:nvSpPr>
+                <p:cNvPr id="33" name="文本框 32">
+                  <a:extLst>
+                    <a:ext uri="{FF2B5EF4-FFF2-40B4-BE49-F238E27FC236}">
+                      <a16:creationId xmlns:a16="http://schemas.microsoft.com/office/drawing/2014/main" id="{1FFBF463-83C2-8CDB-7E3A-4B36FE4AEFBF}"/>
+                    </a:ext>
+                  </a:extLst>
+                </p:cNvPr>
+                <p:cNvSpPr txBox="1">
+                  <a:spLocks noRot="1" noChangeAspect="1" noMove="1" noResize="1" noEditPoints="1" noAdjustHandles="1" noChangeArrowheads="1" noChangeShapeType="1" noTextEdit="1"/>
+                </p:cNvSpPr>
+                <p:nvPr/>
+              </p:nvSpPr>
+              <p:spPr>
+                <a:xfrm>
+                  <a:off x="7703874" y="4373340"/>
+                  <a:ext cx="1098665" cy="646331"/>
+                </a:xfrm>
+                <a:prstGeom prst="rect">
+                  <a:avLst/>
+                </a:prstGeom>
+                <a:blipFill>
+                  <a:blip r:embed="rId9"/>
+                  <a:stretch>
+                    <a:fillRect r="-7609" b="-14035"/>
+                  </a:stretch>
+                </a:blipFill>
+              </p:spPr>
+              <p:txBody>
+                <a:bodyPr/>
+                <a:lstStyle/>
+                <a:p>
+                  <a:r>
+                    <a:rPr lang="zh-CN" altLang="en-US">
+                      <a:noFill/>
+                    </a:rPr>
+                    <a:t> </a:t>
+                  </a:r>
+                </a:p>
+              </p:txBody>
+            </p:sp>
+          </mc:Fallback>
+        </mc:AlternateContent>
+        <p:sp>
+          <p:nvSpPr>
+            <p:cNvPr id="34" name="文本框 33">
+              <a:extLst>
+                <a:ext uri="{FF2B5EF4-FFF2-40B4-BE49-F238E27FC236}">
+                  <a16:creationId xmlns:a16="http://schemas.microsoft.com/office/drawing/2014/main" id="{19178B21-EA02-77D3-DEE9-7B36348BBCC5}"/>
+                </a:ext>
+              </a:extLst>
+            </p:cNvPr>
+            <p:cNvSpPr txBox="1"/>
+            <p:nvPr/>
+          </p:nvSpPr>
+          <p:spPr>
+            <a:xfrm>
+              <a:off x="2609234" y="794328"/>
+              <a:ext cx="2378401" cy="694158"/>
+            </a:xfrm>
+            <a:prstGeom prst="rect">
+              <a:avLst/>
+            </a:prstGeom>
+            <a:noFill/>
+          </p:spPr>
+          <p:txBody>
+            <a:bodyPr wrap="square" rtlCol="0">
+              <a:spAutoFit/>
+            </a:bodyPr>
+            <a:lstStyle/>
+            <a:p>
+              <a:r>
+                <a:rPr lang="zh-CN" altLang="en-US"/>
+                <a:t>可见一侧</a:t>
+              </a:r>
+            </a:p>
+          </p:txBody>
+        </p:sp>
+        <p:sp>
+          <p:nvSpPr>
+            <p:cNvPr id="35" name="文本框 34">
+              <a:extLst>
+                <a:ext uri="{FF2B5EF4-FFF2-40B4-BE49-F238E27FC236}">
+                  <a16:creationId xmlns:a16="http://schemas.microsoft.com/office/drawing/2014/main" id="{3E478C45-D16C-BC3B-2920-81779CCDCC72}"/>
+                </a:ext>
+              </a:extLst>
+            </p:cNvPr>
+            <p:cNvSpPr txBox="1"/>
+            <p:nvPr/>
+          </p:nvSpPr>
+          <p:spPr>
+            <a:xfrm>
+              <a:off x="5804825" y="785152"/>
+              <a:ext cx="3233458" cy="694158"/>
+            </a:xfrm>
+            <a:prstGeom prst="rect">
+              <a:avLst/>
+            </a:prstGeom>
+            <a:noFill/>
+          </p:spPr>
+          <p:txBody>
+            <a:bodyPr wrap="square" rtlCol="0">
+              <a:spAutoFit/>
+            </a:bodyPr>
+            <a:lstStyle/>
+            <a:p>
+              <a:r>
+                <a:rPr lang="zh-CN" altLang="en-US"/>
+                <a:t>不可见一侧</a:t>
+              </a:r>
+            </a:p>
+          </p:txBody>
+        </p:sp>
+      </p:grpSp>
+      <p:sp>
+        <p:nvSpPr>
+          <p:cNvPr id="36" name="文本框 35">
+            <a:extLst>
+              <a:ext uri="{FF2B5EF4-FFF2-40B4-BE49-F238E27FC236}">
+                <a16:creationId xmlns:a16="http://schemas.microsoft.com/office/drawing/2014/main" id="{34A87059-4301-BA73-A8EC-F7A55DD591F9}"/>
+              </a:ext>
+            </a:extLst>
+          </p:cNvPr>
+          <p:cNvSpPr txBox="1"/>
+          <p:nvPr/>
+        </p:nvSpPr>
+        <p:spPr>
+          <a:xfrm>
+            <a:off x="6957618" y="3222622"/>
+            <a:ext cx="1625062" cy="369332"/>
+          </a:xfrm>
+          <a:prstGeom prst="rect">
+            <a:avLst/>
+          </a:prstGeom>
+          <a:noFill/>
+        </p:spPr>
+        <p:txBody>
+          <a:bodyPr wrap="square" rtlCol="0">
+            <a:spAutoFit/>
+          </a:bodyPr>
+          <a:lstStyle/>
+          <a:p>
+            <a:r>
+              <a:rPr lang="zh-CN" altLang="en-US"/>
+              <a:t>（</a:t>
+            </a:r>
+            <a:r>
+              <a:rPr lang="en-US" altLang="zh-CN"/>
+              <a:t>2</a:t>
+            </a:r>
+            <a:r>
+              <a:rPr lang="zh-CN" altLang="en-US"/>
+              <a:t>）</a:t>
+            </a:r>
+          </a:p>
+        </p:txBody>
+      </p:sp>
+      <p:sp>
+        <p:nvSpPr>
+          <p:cNvPr id="37" name="文本框 36">
+            <a:extLst>
+              <a:ext uri="{FF2B5EF4-FFF2-40B4-BE49-F238E27FC236}">
+                <a16:creationId xmlns:a16="http://schemas.microsoft.com/office/drawing/2014/main" id="{B05F34B7-1FFE-9F22-91F9-2B8C867F935B}"/>
+              </a:ext>
+            </a:extLst>
+          </p:cNvPr>
+          <p:cNvSpPr txBox="1"/>
+          <p:nvPr/>
+        </p:nvSpPr>
+        <p:spPr>
+          <a:xfrm>
+            <a:off x="2187036" y="3272269"/>
+            <a:ext cx="1625062" cy="369332"/>
+          </a:xfrm>
+          <a:prstGeom prst="rect">
+            <a:avLst/>
+          </a:prstGeom>
+          <a:noFill/>
+        </p:spPr>
+        <p:txBody>
+          <a:bodyPr wrap="square" rtlCol="0">
+            <a:spAutoFit/>
+          </a:bodyPr>
+          <a:lstStyle/>
+          <a:p>
+            <a:r>
+              <a:rPr lang="zh-CN" altLang="en-US"/>
+              <a:t>（</a:t>
+            </a:r>
+            <a:r>
+              <a:rPr lang="en-US" altLang="zh-CN"/>
+              <a:t>1</a:t>
+            </a:r>
+            <a:r>
+              <a:rPr lang="zh-CN" altLang="en-US"/>
+              <a:t>）</a:t>
+            </a:r>
+          </a:p>
+        </p:txBody>
+      </p:sp>
+      <p:sp>
+        <p:nvSpPr>
+          <p:cNvPr id="38" name="文本框 37">
+            <a:extLst>
+              <a:ext uri="{FF2B5EF4-FFF2-40B4-BE49-F238E27FC236}">
+                <a16:creationId xmlns:a16="http://schemas.microsoft.com/office/drawing/2014/main" id="{7C6B8E42-5B16-8B5D-5647-FAA1C31B0F5C}"/>
+              </a:ext>
+            </a:extLst>
+          </p:cNvPr>
+          <p:cNvSpPr txBox="1"/>
+          <p:nvPr/>
+        </p:nvSpPr>
+        <p:spPr>
+          <a:xfrm>
+            <a:off x="2405385" y="6437643"/>
+            <a:ext cx="1625062" cy="369332"/>
+          </a:xfrm>
+          <a:prstGeom prst="rect">
+            <a:avLst/>
+          </a:prstGeom>
+          <a:noFill/>
+        </p:spPr>
+        <p:txBody>
+          <a:bodyPr wrap="square" rtlCol="0">
+            <a:spAutoFit/>
+          </a:bodyPr>
+          <a:lstStyle/>
+          <a:p>
+            <a:r>
+              <a:rPr lang="zh-CN" altLang="en-US"/>
+              <a:t>（</a:t>
+            </a:r>
+            <a:r>
+              <a:rPr lang="en-US" altLang="zh-CN"/>
+              <a:t>3</a:t>
+            </a:r>
+            <a:r>
+              <a:rPr lang="zh-CN" altLang="en-US"/>
+              <a:t>）</a:t>
+            </a:r>
+          </a:p>
+        </p:txBody>
+      </p:sp>
+      <p:sp>
+        <p:nvSpPr>
+          <p:cNvPr id="39" name="文本框 38">
+            <a:extLst>
+              <a:ext uri="{FF2B5EF4-FFF2-40B4-BE49-F238E27FC236}">
+                <a16:creationId xmlns:a16="http://schemas.microsoft.com/office/drawing/2014/main" id="{D1784C1C-4843-4F4C-E2B6-ACC54647864F}"/>
+              </a:ext>
+            </a:extLst>
+          </p:cNvPr>
+          <p:cNvSpPr txBox="1"/>
+          <p:nvPr/>
+        </p:nvSpPr>
+        <p:spPr>
+          <a:xfrm>
+            <a:off x="7763604" y="6359105"/>
+            <a:ext cx="1625062" cy="369332"/>
+          </a:xfrm>
+          <a:prstGeom prst="rect">
+            <a:avLst/>
+          </a:prstGeom>
+          <a:noFill/>
+        </p:spPr>
+        <p:txBody>
+          <a:bodyPr wrap="square" rtlCol="0">
+            <a:spAutoFit/>
+          </a:bodyPr>
+          <a:lstStyle/>
+          <a:p>
+            <a:r>
+              <a:rPr lang="zh-CN" altLang="en-US"/>
+              <a:t>（</a:t>
+            </a:r>
+            <a:r>
+              <a:rPr lang="en-US" altLang="zh-CN"/>
+              <a:t>4</a:t>
+            </a:r>
+            <a:r>
+              <a:rPr lang="zh-CN" altLang="en-US"/>
+              <a:t>）</a:t>
+            </a:r>
+          </a:p>
+        </p:txBody>
+      </p:sp>
+    </p:spTree>
+    <p:extLst>
+      <p:ext uri="{BB962C8B-B14F-4D97-AF65-F5344CB8AC3E}">
+        <p14:creationId xmlns:p14="http://schemas.microsoft.com/office/powerpoint/2010/main" val="3739002192"/>
+      </p:ext>
+    </p:extLst>
+  </p:cSld>
+  <p:clrMapOvr>
+    <a:masterClrMapping/>
+  </p:clrMapOvr>
+</p:sld>
+</file>
+
 <file path=ppt/slides/slide2.xml><?xml version="1.0" encoding="utf-8"?>
 <p:sld xmlns:a="http://schemas.openxmlformats.org/drawingml/2006/main" xmlns:r="http://schemas.openxmlformats.org/officeDocument/2006/relationships" xmlns:p="http://schemas.openxmlformats.org/presentationml/2006/main">
   <p:cSld>

--- a/计算机图形学/图形学教程/Leson_9.pptx
+++ b/计算机图形学/图形学教程/Leson_9.pptx
@@ -18,6 +18,8 @@
     <p:sldId id="266" r:id="rId12"/>
     <p:sldId id="267" r:id="rId13"/>
     <p:sldId id="268" r:id="rId14"/>
+    <p:sldId id="269" r:id="rId15"/>
+    <p:sldId id="270" r:id="rId16"/>
   </p:sldIdLst>
   <p:sldSz cx="12192000" cy="6858000"/>
   <p:notesSz cx="6797675" cy="9928225"/>
@@ -271,7 +273,7 @@
           <a:p>
             <a:fld id="{EFC9EF4B-DC85-456E-A69C-7178B0A20B85}" type="datetimeFigureOut">
               <a:rPr lang="zh-CN" altLang="en-US" smtClean="0"/>
-              <a:t>2024/11/20</a:t>
+              <a:t>2024/11/26</a:t>
             </a:fld>
             <a:endParaRPr lang="zh-CN" altLang="en-US"/>
           </a:p>
@@ -469,7 +471,7 @@
           <a:p>
             <a:fld id="{EFC9EF4B-DC85-456E-A69C-7178B0A20B85}" type="datetimeFigureOut">
               <a:rPr lang="zh-CN" altLang="en-US" smtClean="0"/>
-              <a:t>2024/11/20</a:t>
+              <a:t>2024/11/26</a:t>
             </a:fld>
             <a:endParaRPr lang="zh-CN" altLang="en-US"/>
           </a:p>
@@ -677,7 +679,7 @@
           <a:p>
             <a:fld id="{EFC9EF4B-DC85-456E-A69C-7178B0A20B85}" type="datetimeFigureOut">
               <a:rPr lang="zh-CN" altLang="en-US" smtClean="0"/>
-              <a:t>2024/11/20</a:t>
+              <a:t>2024/11/26</a:t>
             </a:fld>
             <a:endParaRPr lang="zh-CN" altLang="en-US"/>
           </a:p>
@@ -875,7 +877,7 @@
           <a:p>
             <a:fld id="{EFC9EF4B-DC85-456E-A69C-7178B0A20B85}" type="datetimeFigureOut">
               <a:rPr lang="zh-CN" altLang="en-US" smtClean="0"/>
-              <a:t>2024/11/20</a:t>
+              <a:t>2024/11/26</a:t>
             </a:fld>
             <a:endParaRPr lang="zh-CN" altLang="en-US"/>
           </a:p>
@@ -1150,7 +1152,7 @@
           <a:p>
             <a:fld id="{EFC9EF4B-DC85-456E-A69C-7178B0A20B85}" type="datetimeFigureOut">
               <a:rPr lang="zh-CN" altLang="en-US" smtClean="0"/>
-              <a:t>2024/11/20</a:t>
+              <a:t>2024/11/26</a:t>
             </a:fld>
             <a:endParaRPr lang="zh-CN" altLang="en-US"/>
           </a:p>
@@ -1415,7 +1417,7 @@
           <a:p>
             <a:fld id="{EFC9EF4B-DC85-456E-A69C-7178B0A20B85}" type="datetimeFigureOut">
               <a:rPr lang="zh-CN" altLang="en-US" smtClean="0"/>
-              <a:t>2024/11/20</a:t>
+              <a:t>2024/11/26</a:t>
             </a:fld>
             <a:endParaRPr lang="zh-CN" altLang="en-US"/>
           </a:p>
@@ -1827,7 +1829,7 @@
           <a:p>
             <a:fld id="{EFC9EF4B-DC85-456E-A69C-7178B0A20B85}" type="datetimeFigureOut">
               <a:rPr lang="zh-CN" altLang="en-US" smtClean="0"/>
-              <a:t>2024/11/20</a:t>
+              <a:t>2024/11/26</a:t>
             </a:fld>
             <a:endParaRPr lang="zh-CN" altLang="en-US"/>
           </a:p>
@@ -1968,7 +1970,7 @@
           <a:p>
             <a:fld id="{EFC9EF4B-DC85-456E-A69C-7178B0A20B85}" type="datetimeFigureOut">
               <a:rPr lang="zh-CN" altLang="en-US" smtClean="0"/>
-              <a:t>2024/11/20</a:t>
+              <a:t>2024/11/26</a:t>
             </a:fld>
             <a:endParaRPr lang="zh-CN" altLang="en-US"/>
           </a:p>
@@ -2081,7 +2083,7 @@
           <a:p>
             <a:fld id="{EFC9EF4B-DC85-456E-A69C-7178B0A20B85}" type="datetimeFigureOut">
               <a:rPr lang="zh-CN" altLang="en-US" smtClean="0"/>
-              <a:t>2024/11/20</a:t>
+              <a:t>2024/11/26</a:t>
             </a:fld>
             <a:endParaRPr lang="zh-CN" altLang="en-US"/>
           </a:p>
@@ -2392,7 +2394,7 @@
           <a:p>
             <a:fld id="{EFC9EF4B-DC85-456E-A69C-7178B0A20B85}" type="datetimeFigureOut">
               <a:rPr lang="zh-CN" altLang="en-US" smtClean="0"/>
-              <a:t>2024/11/20</a:t>
+              <a:t>2024/11/26</a:t>
             </a:fld>
             <a:endParaRPr lang="zh-CN" altLang="en-US"/>
           </a:p>
@@ -2680,7 +2682,7 @@
           <a:p>
             <a:fld id="{EFC9EF4B-DC85-456E-A69C-7178B0A20B85}" type="datetimeFigureOut">
               <a:rPr lang="zh-CN" altLang="en-US" smtClean="0"/>
-              <a:t>2024/11/20</a:t>
+              <a:t>2024/11/26</a:t>
             </a:fld>
             <a:endParaRPr lang="zh-CN" altLang="en-US"/>
           </a:p>
@@ -2921,7 +2923,7 @@
           <a:p>
             <a:fld id="{EFC9EF4B-DC85-456E-A69C-7178B0A20B85}" type="datetimeFigureOut">
               <a:rPr lang="zh-CN" altLang="en-US" smtClean="0"/>
-              <a:t>2024/11/20</a:t>
+              <a:t>2024/11/26</a:t>
             </a:fld>
             <a:endParaRPr lang="zh-CN" altLang="en-US"/>
           </a:p>
@@ -7828,8 +7830,8 @@
             </a:fontRef>
           </p:style>
         </p:cxnSp>
-        <mc:AlternateContent xmlns:mc="http://schemas.openxmlformats.org/markup-compatibility/2006">
-          <mc:Choice xmlns:a14="http://schemas.microsoft.com/office/drawing/2010/main" Requires="a14">
+        <mc:AlternateContent xmlns:mc="http://schemas.openxmlformats.org/markup-compatibility/2006" xmlns:a14="http://schemas.microsoft.com/office/drawing/2010/main">
+          <mc:Choice Requires="a14">
             <p:sp>
               <p:nvSpPr>
                 <p:cNvPr id="10" name="文本框 9">
@@ -7858,6 +7860,7 @@
                 </a:bodyPr>
                 <a:lstStyle/>
                 <a:p>
+                  <a:pPr/>
                   <a14:m>
                     <m:oMathPara xmlns:m="http://schemas.openxmlformats.org/officeDocument/2006/math">
                       <m:oMathParaPr>
@@ -7900,7 +7903,7 @@
               </p:txBody>
             </p:sp>
           </mc:Choice>
-          <mc:Fallback>
+          <mc:Fallback xmlns="">
             <p:sp>
               <p:nvSpPr>
                 <p:cNvPr id="10" name="文本框 9">
@@ -7945,8 +7948,8 @@
             </p:sp>
           </mc:Fallback>
         </mc:AlternateContent>
-        <mc:AlternateContent xmlns:mc="http://schemas.openxmlformats.org/markup-compatibility/2006">
-          <mc:Choice xmlns:a14="http://schemas.microsoft.com/office/drawing/2010/main" Requires="a14">
+        <mc:AlternateContent xmlns:mc="http://schemas.openxmlformats.org/markup-compatibility/2006" xmlns:a14="http://schemas.microsoft.com/office/drawing/2010/main">
+          <mc:Choice Requires="a14">
             <p:sp>
               <p:nvSpPr>
                 <p:cNvPr id="11" name="文本框 10">
@@ -7975,6 +7978,7 @@
                 </a:bodyPr>
                 <a:lstStyle/>
                 <a:p>
+                  <a:pPr/>
                   <a14:m>
                     <m:oMathPara xmlns:m="http://schemas.openxmlformats.org/officeDocument/2006/math">
                       <m:oMathParaPr>
@@ -8023,7 +8027,7 @@
               </p:txBody>
             </p:sp>
           </mc:Choice>
-          <mc:Fallback>
+          <mc:Fallback xmlns="">
             <p:sp>
               <p:nvSpPr>
                 <p:cNvPr id="11" name="文本框 10">
@@ -8242,8 +8246,8 @@
             </a:fontRef>
           </p:style>
         </p:cxnSp>
-        <mc:AlternateContent xmlns:mc="http://schemas.openxmlformats.org/markup-compatibility/2006">
-          <mc:Choice xmlns:a14="http://schemas.microsoft.com/office/drawing/2010/main" Requires="a14">
+        <mc:AlternateContent xmlns:mc="http://schemas.openxmlformats.org/markup-compatibility/2006" xmlns:a14="http://schemas.microsoft.com/office/drawing/2010/main">
+          <mc:Choice Requires="a14">
             <p:sp>
               <p:nvSpPr>
                 <p:cNvPr id="18" name="文本框 17">
@@ -8272,6 +8276,7 @@
                 </a:bodyPr>
                 <a:lstStyle/>
                 <a:p>
+                  <a:pPr/>
                   <a14:m>
                     <m:oMathPara xmlns:m="http://schemas.openxmlformats.org/officeDocument/2006/math">
                       <m:oMathParaPr>
@@ -8314,7 +8319,7 @@
               </p:txBody>
             </p:sp>
           </mc:Choice>
-          <mc:Fallback>
+          <mc:Fallback xmlns="">
             <p:sp>
               <p:nvSpPr>
                 <p:cNvPr id="18" name="文本框 17">
@@ -8359,8 +8364,8 @@
             </p:sp>
           </mc:Fallback>
         </mc:AlternateContent>
-        <mc:AlternateContent xmlns:mc="http://schemas.openxmlformats.org/markup-compatibility/2006">
-          <mc:Choice xmlns:a14="http://schemas.microsoft.com/office/drawing/2010/main" Requires="a14">
+        <mc:AlternateContent xmlns:mc="http://schemas.openxmlformats.org/markup-compatibility/2006" xmlns:a14="http://schemas.microsoft.com/office/drawing/2010/main">
+          <mc:Choice Requires="a14">
             <p:sp>
               <p:nvSpPr>
                 <p:cNvPr id="19" name="文本框 18">
@@ -8389,6 +8394,7 @@
                 </a:bodyPr>
                 <a:lstStyle/>
                 <a:p>
+                  <a:pPr/>
                   <a14:m>
                     <m:oMathPara xmlns:m="http://schemas.openxmlformats.org/officeDocument/2006/math">
                       <m:oMathParaPr>
@@ -8437,7 +8443,7 @@
               </p:txBody>
             </p:sp>
           </mc:Choice>
-          <mc:Fallback>
+          <mc:Fallback xmlns="">
             <p:sp>
               <p:nvSpPr>
                 <p:cNvPr id="19" name="文本框 18">
@@ -8656,8 +8662,8 @@
             </a:fontRef>
           </p:style>
         </p:cxnSp>
-        <mc:AlternateContent xmlns:mc="http://schemas.openxmlformats.org/markup-compatibility/2006">
-          <mc:Choice xmlns:a14="http://schemas.microsoft.com/office/drawing/2010/main" Requires="a14">
+        <mc:AlternateContent xmlns:mc="http://schemas.openxmlformats.org/markup-compatibility/2006" xmlns:a14="http://schemas.microsoft.com/office/drawing/2010/main">
+          <mc:Choice Requires="a14">
             <p:sp>
               <p:nvSpPr>
                 <p:cNvPr id="25" name="文本框 24">
@@ -8686,6 +8692,7 @@
                 </a:bodyPr>
                 <a:lstStyle/>
                 <a:p>
+                  <a:pPr/>
                   <a14:m>
                     <m:oMathPara xmlns:m="http://schemas.openxmlformats.org/officeDocument/2006/math">
                       <m:oMathParaPr>
@@ -8728,7 +8735,7 @@
               </p:txBody>
             </p:sp>
           </mc:Choice>
-          <mc:Fallback>
+          <mc:Fallback xmlns="">
             <p:sp>
               <p:nvSpPr>
                 <p:cNvPr id="25" name="文本框 24">
@@ -8773,8 +8780,8 @@
             </p:sp>
           </mc:Fallback>
         </mc:AlternateContent>
-        <mc:AlternateContent xmlns:mc="http://schemas.openxmlformats.org/markup-compatibility/2006">
-          <mc:Choice xmlns:a14="http://schemas.microsoft.com/office/drawing/2010/main" Requires="a14">
+        <mc:AlternateContent xmlns:mc="http://schemas.openxmlformats.org/markup-compatibility/2006" xmlns:a14="http://schemas.microsoft.com/office/drawing/2010/main">
+          <mc:Choice Requires="a14">
             <p:sp>
               <p:nvSpPr>
                 <p:cNvPr id="26" name="文本框 25">
@@ -8803,6 +8810,7 @@
                 </a:bodyPr>
                 <a:lstStyle/>
                 <a:p>
+                  <a:pPr/>
                   <a14:m>
                     <m:oMathPara xmlns:m="http://schemas.openxmlformats.org/officeDocument/2006/math">
                       <m:oMathParaPr>
@@ -8851,7 +8859,7 @@
               </p:txBody>
             </p:sp>
           </mc:Choice>
-          <mc:Fallback>
+          <mc:Fallback xmlns="">
             <p:sp>
               <p:nvSpPr>
                 <p:cNvPr id="26" name="文本框 25">
@@ -9070,8 +9078,8 @@
             </a:fontRef>
           </p:style>
         </p:cxnSp>
-        <mc:AlternateContent xmlns:mc="http://schemas.openxmlformats.org/markup-compatibility/2006">
-          <mc:Choice xmlns:a14="http://schemas.microsoft.com/office/drawing/2010/main" Requires="a14">
+        <mc:AlternateContent xmlns:mc="http://schemas.openxmlformats.org/markup-compatibility/2006" xmlns:a14="http://schemas.microsoft.com/office/drawing/2010/main">
+          <mc:Choice Requires="a14">
             <p:sp>
               <p:nvSpPr>
                 <p:cNvPr id="32" name="文本框 31">
@@ -9100,6 +9108,7 @@
                 </a:bodyPr>
                 <a:lstStyle/>
                 <a:p>
+                  <a:pPr/>
                   <a14:m>
                     <m:oMathPara xmlns:m="http://schemas.openxmlformats.org/officeDocument/2006/math">
                       <m:oMathParaPr>
@@ -9142,7 +9151,7 @@
               </p:txBody>
             </p:sp>
           </mc:Choice>
-          <mc:Fallback>
+          <mc:Fallback xmlns="">
             <p:sp>
               <p:nvSpPr>
                 <p:cNvPr id="32" name="文本框 31">
@@ -9187,8 +9196,8 @@
             </p:sp>
           </mc:Fallback>
         </mc:AlternateContent>
-        <mc:AlternateContent xmlns:mc="http://schemas.openxmlformats.org/markup-compatibility/2006">
-          <mc:Choice xmlns:a14="http://schemas.microsoft.com/office/drawing/2010/main" Requires="a14">
+        <mc:AlternateContent xmlns:mc="http://schemas.openxmlformats.org/markup-compatibility/2006" xmlns:a14="http://schemas.microsoft.com/office/drawing/2010/main">
+          <mc:Choice Requires="a14">
             <p:sp>
               <p:nvSpPr>
                 <p:cNvPr id="33" name="文本框 32">
@@ -9217,6 +9226,7 @@
                 </a:bodyPr>
                 <a:lstStyle/>
                 <a:p>
+                  <a:pPr/>
                   <a14:m>
                     <m:oMathPara xmlns:m="http://schemas.openxmlformats.org/officeDocument/2006/math">
                       <m:oMathParaPr>
@@ -9265,7 +9275,7 @@
               </p:txBody>
             </p:sp>
           </mc:Choice>
-          <mc:Fallback>
+          <mc:Fallback xmlns="">
             <p:sp>
               <p:nvSpPr>
                 <p:cNvPr id="33" name="文本框 32">
@@ -9553,10 +9563,426 @@
           </a:p>
         </p:txBody>
       </p:sp>
+      <p:pic>
+        <p:nvPicPr>
+          <p:cNvPr id="2" name="图片 1">
+            <a:extLst>
+              <a:ext uri="{FF2B5EF4-FFF2-40B4-BE49-F238E27FC236}">
+                <a16:creationId xmlns:a16="http://schemas.microsoft.com/office/drawing/2014/main" id="{5B16FCD1-0E47-12AD-7C02-FD507D9CDE38}"/>
+              </a:ext>
+            </a:extLst>
+          </p:cNvPr>
+          <p:cNvPicPr>
+            <a:picLocks noChangeAspect="1"/>
+          </p:cNvPicPr>
+          <p:nvPr/>
+        </p:nvPicPr>
+        <p:blipFill>
+          <a:blip r:embed="rId10"/>
+          <a:stretch>
+            <a:fillRect/>
+          </a:stretch>
+        </p:blipFill>
+        <p:spPr>
+          <a:xfrm>
+            <a:off x="7219257" y="930333"/>
+            <a:ext cx="1943100" cy="1905000"/>
+          </a:xfrm>
+          <a:prstGeom prst="rect">
+            <a:avLst/>
+          </a:prstGeom>
+        </p:spPr>
+      </p:pic>
     </p:spTree>
     <p:extLst>
       <p:ext uri="{BB962C8B-B14F-4D97-AF65-F5344CB8AC3E}">
         <p14:creationId xmlns:p14="http://schemas.microsoft.com/office/powerpoint/2010/main" val="3739002192"/>
+      </p:ext>
+    </p:extLst>
+  </p:cSld>
+  <p:clrMapOvr>
+    <a:masterClrMapping/>
+  </p:clrMapOvr>
+</p:sld>
+</file>
+
+<file path=ppt/slides/slide14.xml><?xml version="1.0" encoding="utf-8"?>
+<p:sld xmlns:a="http://schemas.openxmlformats.org/drawingml/2006/main" xmlns:r="http://schemas.openxmlformats.org/officeDocument/2006/relationships" xmlns:p="http://schemas.openxmlformats.org/presentationml/2006/main">
+  <p:cSld>
+    <p:spTree>
+      <p:nvGrpSpPr>
+        <p:cNvPr id="1" name=""/>
+        <p:cNvGrpSpPr/>
+        <p:nvPr/>
+      </p:nvGrpSpPr>
+      <p:grpSpPr>
+        <a:xfrm>
+          <a:off x="0" y="0"/>
+          <a:ext cx="0" cy="0"/>
+          <a:chOff x="0" y="0"/>
+          <a:chExt cx="0" cy="0"/>
+        </a:xfrm>
+      </p:grpSpPr>
+      <p:pic>
+        <p:nvPicPr>
+          <p:cNvPr id="12" name="图片 11">
+            <a:extLst>
+              <a:ext uri="{FF2B5EF4-FFF2-40B4-BE49-F238E27FC236}">
+                <a16:creationId xmlns:a16="http://schemas.microsoft.com/office/drawing/2014/main" id="{F02194CE-7FE5-87DB-045D-BBCC377ABA82}"/>
+              </a:ext>
+            </a:extLst>
+          </p:cNvPr>
+          <p:cNvPicPr>
+            <a:picLocks noChangeAspect="1"/>
+          </p:cNvPicPr>
+          <p:nvPr/>
+        </p:nvPicPr>
+        <p:blipFill>
+          <a:blip r:embed="rId2"/>
+          <a:stretch>
+            <a:fillRect/>
+          </a:stretch>
+        </p:blipFill>
+        <p:spPr>
+          <a:xfrm rot="1597483">
+            <a:off x="489394" y="-1302960"/>
+            <a:ext cx="12940511" cy="7269655"/>
+          </a:xfrm>
+          <a:prstGeom prst="rect">
+            <a:avLst/>
+          </a:prstGeom>
+        </p:spPr>
+      </p:pic>
+    </p:spTree>
+    <p:extLst>
+      <p:ext uri="{BB962C8B-B14F-4D97-AF65-F5344CB8AC3E}">
+        <p14:creationId xmlns:p14="http://schemas.microsoft.com/office/powerpoint/2010/main" val="1416773311"/>
+      </p:ext>
+    </p:extLst>
+  </p:cSld>
+  <p:clrMapOvr>
+    <a:masterClrMapping/>
+  </p:clrMapOvr>
+</p:sld>
+</file>
+
+<file path=ppt/slides/slide15.xml><?xml version="1.0" encoding="utf-8"?>
+<p:sld xmlns:a="http://schemas.openxmlformats.org/drawingml/2006/main" xmlns:r="http://schemas.openxmlformats.org/officeDocument/2006/relationships" xmlns:p="http://schemas.openxmlformats.org/presentationml/2006/main">
+  <p:cSld>
+    <p:spTree>
+      <p:nvGrpSpPr>
+        <p:cNvPr id="1" name="">
+          <a:extLst>
+            <a:ext uri="{FF2B5EF4-FFF2-40B4-BE49-F238E27FC236}">
+              <a16:creationId xmlns:a16="http://schemas.microsoft.com/office/drawing/2014/main" id="{ED187C53-BF0D-DB85-EB29-86E0D15C2D78}"/>
+            </a:ext>
+          </a:extLst>
+        </p:cNvPr>
+        <p:cNvGrpSpPr/>
+        <p:nvPr/>
+      </p:nvGrpSpPr>
+      <p:grpSpPr>
+        <a:xfrm>
+          <a:off x="0" y="0"/>
+          <a:ext cx="0" cy="0"/>
+          <a:chOff x="0" y="0"/>
+          <a:chExt cx="0" cy="0"/>
+        </a:xfrm>
+      </p:grpSpPr>
+      <p:grpSp>
+        <p:nvGrpSpPr>
+          <p:cNvPr id="11" name="组合 10">
+            <a:extLst>
+              <a:ext uri="{FF2B5EF4-FFF2-40B4-BE49-F238E27FC236}">
+                <a16:creationId xmlns:a16="http://schemas.microsoft.com/office/drawing/2014/main" id="{43A7095B-5ED6-D6C5-B112-D45F49DFAE93}"/>
+              </a:ext>
+            </a:extLst>
+          </p:cNvPr>
+          <p:cNvGrpSpPr/>
+          <p:nvPr/>
+        </p:nvGrpSpPr>
+        <p:grpSpPr>
+          <a:xfrm>
+            <a:off x="2238895" y="2435629"/>
+            <a:ext cx="7597832" cy="4092129"/>
+            <a:chOff x="2238895" y="2435629"/>
+            <a:chExt cx="7597832" cy="4092129"/>
+          </a:xfrm>
+        </p:grpSpPr>
+        <p:sp>
+          <p:nvSpPr>
+            <p:cNvPr id="10" name="星形: 四角 9">
+              <a:extLst>
+                <a:ext uri="{FF2B5EF4-FFF2-40B4-BE49-F238E27FC236}">
+                  <a16:creationId xmlns:a16="http://schemas.microsoft.com/office/drawing/2014/main" id="{E73563FF-69F7-52E9-642B-6475333EB2AC}"/>
+                </a:ext>
+              </a:extLst>
+            </p:cNvPr>
+            <p:cNvSpPr/>
+            <p:nvPr/>
+          </p:nvSpPr>
+          <p:spPr>
+            <a:xfrm>
+              <a:off x="6436821" y="3599412"/>
+              <a:ext cx="523702" cy="548640"/>
+            </a:xfrm>
+            <a:prstGeom prst="star4">
+              <a:avLst/>
+            </a:prstGeom>
+          </p:spPr>
+          <p:style>
+            <a:lnRef idx="2">
+              <a:schemeClr val="dk1">
+                <a:shade val="15000"/>
+              </a:schemeClr>
+            </a:lnRef>
+            <a:fillRef idx="1">
+              <a:schemeClr val="dk1"/>
+            </a:fillRef>
+            <a:effectRef idx="0">
+              <a:schemeClr val="dk1"/>
+            </a:effectRef>
+            <a:fontRef idx="minor">
+              <a:schemeClr val="lt1"/>
+            </a:fontRef>
+          </p:style>
+          <p:txBody>
+            <a:bodyPr rtlCol="0" anchor="ctr"/>
+            <a:lstStyle/>
+            <a:p>
+              <a:pPr algn="ctr"/>
+              <a:endParaRPr lang="zh-CN" altLang="en-US"/>
+            </a:p>
+          </p:txBody>
+        </p:sp>
+        <p:sp>
+          <p:nvSpPr>
+            <p:cNvPr id="6" name="矩形 5">
+              <a:extLst>
+                <a:ext uri="{FF2B5EF4-FFF2-40B4-BE49-F238E27FC236}">
+                  <a16:creationId xmlns:a16="http://schemas.microsoft.com/office/drawing/2014/main" id="{9F298B54-6956-6FCB-6122-82B9E2A3FC6D}"/>
+                </a:ext>
+              </a:extLst>
+            </p:cNvPr>
+            <p:cNvSpPr/>
+            <p:nvPr/>
+          </p:nvSpPr>
+          <p:spPr>
+            <a:xfrm>
+              <a:off x="4281054" y="2535074"/>
+              <a:ext cx="2917768" cy="1446550"/>
+            </a:xfrm>
+            <a:prstGeom prst="rect">
+              <a:avLst/>
+            </a:prstGeom>
+            <a:noFill/>
+          </p:spPr>
+          <p:txBody>
+            <a:bodyPr wrap="square" lIns="91440" tIns="45720" rIns="91440" bIns="45720">
+              <a:spAutoFit/>
+            </a:bodyPr>
+            <a:lstStyle/>
+            <a:p>
+              <a:pPr algn="ctr"/>
+              <a:r>
+                <a:rPr lang="zh-CN" altLang="en-US" sz="8800" b="1" cap="none" spc="0">
+                  <a:ln w="0"/>
+                  <a:solidFill>
+                    <a:schemeClr val="tx1"/>
+                  </a:solidFill>
+                  <a:effectLst>
+                    <a:outerShdw blurRad="38100" dist="19050" dir="2700000" algn="tl" rotWithShape="0">
+                      <a:schemeClr val="dk1">
+                        <a:alpha val="40000"/>
+                      </a:schemeClr>
+                    </a:outerShdw>
+                  </a:effectLst>
+                </a:rPr>
+                <a:t>猫猫</a:t>
+              </a:r>
+            </a:p>
+          </p:txBody>
+        </p:sp>
+        <p:sp>
+          <p:nvSpPr>
+            <p:cNvPr id="7" name="文本框 6">
+              <a:extLst>
+                <a:ext uri="{FF2B5EF4-FFF2-40B4-BE49-F238E27FC236}">
+                  <a16:creationId xmlns:a16="http://schemas.microsoft.com/office/drawing/2014/main" id="{22F0B559-0B42-DB05-9014-EFE6ECC952C4}"/>
+                </a:ext>
+              </a:extLst>
+            </p:cNvPr>
+            <p:cNvSpPr txBox="1"/>
+            <p:nvPr/>
+          </p:nvSpPr>
+          <p:spPr>
+            <a:xfrm>
+              <a:off x="2238895" y="5627512"/>
+              <a:ext cx="7597832" cy="900246"/>
+            </a:xfrm>
+            <a:prstGeom prst="rect">
+              <a:avLst/>
+            </a:prstGeom>
+            <a:noFill/>
+          </p:spPr>
+          <p:txBody>
+            <a:bodyPr wrap="square" rtlCol="0">
+              <a:spAutoFit/>
+            </a:bodyPr>
+            <a:lstStyle/>
+            <a:p>
+              <a:r>
+                <a:rPr lang="zh-CN" altLang="en-US" sz="1050" b="1">
+                  <a:latin typeface="Wide Latin" panose="020A0A07050505020404" pitchFamily="18" charset="0"/>
+                </a:rPr>
+                <a:t>抵制不良游戏，拒绝盗版游戏，注意自我保护，谨防受骗上当，适度游戏益脑，沉迷游戏伤身，合理安排时间，享受健康生活。</a:t>
+              </a:r>
+              <a:endParaRPr lang="en-US" altLang="zh-CN" sz="1050" b="1">
+                <a:latin typeface="Wide Latin" panose="020A0A07050505020404" pitchFamily="18" charset="0"/>
+              </a:endParaRPr>
+            </a:p>
+            <a:p>
+              <a:r>
+                <a:rPr lang="en-US" altLang="zh-CN" sz="1050" b="1">
+                  <a:latin typeface="Wide Latin" panose="020A0A07050505020404" pitchFamily="18" charset="0"/>
+                </a:rPr>
+                <a:t>		</a:t>
+              </a:r>
+              <a:r>
+                <a:rPr lang="zh-CN" altLang="en-US" sz="1050" b="1">
+                  <a:latin typeface="Wide Latin" panose="020A0A07050505020404" pitchFamily="18" charset="0"/>
+                </a:rPr>
+                <a:t>审批文号：国新出审</a:t>
+              </a:r>
+              <a:r>
+                <a:rPr lang="en-US" altLang="zh-CN" sz="1050" b="1">
+                  <a:latin typeface="Wide Latin" panose="020A0A07050505020404" pitchFamily="18" charset="0"/>
+                </a:rPr>
+                <a:t> </a:t>
+              </a:r>
+              <a:r>
+                <a:rPr lang="zh-CN" altLang="en-US" sz="1050" b="1">
+                  <a:latin typeface="Wide Latin" panose="020A0A07050505020404" pitchFamily="18" charset="0"/>
+                </a:rPr>
+                <a:t>出版单位：全部启动队吉比特游戏大赛</a:t>
+              </a:r>
+              <a:endParaRPr lang="en-US" altLang="zh-CN" sz="1050" b="1">
+                <a:latin typeface="Wide Latin" panose="020A0A07050505020404" pitchFamily="18" charset="0"/>
+              </a:endParaRPr>
+            </a:p>
+            <a:p>
+              <a:r>
+                <a:rPr lang="en-US" altLang="zh-CN" sz="1050" b="1">
+                  <a:latin typeface="Wide Latin" panose="020A0A07050505020404" pitchFamily="18" charset="0"/>
+                </a:rPr>
+                <a:t>			</a:t>
+              </a:r>
+            </a:p>
+            <a:p>
+              <a:r>
+                <a:rPr lang="en-US" altLang="zh-CN" sz="1050" b="1">
+                  <a:latin typeface="Wide Latin" panose="020A0A07050505020404" pitchFamily="18" charset="0"/>
+                </a:rPr>
+                <a:t>			</a:t>
+              </a:r>
+              <a:r>
+                <a:rPr lang="zh-CN" altLang="en-US" sz="1050" b="1">
+                  <a:latin typeface="Wide Latin" panose="020A0A07050505020404" pitchFamily="18" charset="0"/>
+                </a:rPr>
+                <a:t>著作权人：全部启动队</a:t>
+              </a:r>
+              <a:endParaRPr lang="en-US" altLang="zh-CN" sz="1050" b="1">
+                <a:latin typeface="Wide Latin" panose="020A0A07050505020404" pitchFamily="18" charset="0"/>
+              </a:endParaRPr>
+            </a:p>
+            <a:p>
+              <a:r>
+                <a:rPr lang="en-US" altLang="zh-CN" sz="1050" b="1">
+                  <a:latin typeface="Wide Latin" panose="020A0A07050505020404" pitchFamily="18" charset="0"/>
+                </a:rPr>
+                <a:t>		     </a:t>
+              </a:r>
+              <a:r>
+                <a:rPr lang="zh-CN" altLang="en-US" sz="1050" b="1">
+                  <a:latin typeface="Wide Latin" panose="020A0A07050505020404" pitchFamily="18" charset="0"/>
+                </a:rPr>
+                <a:t>本项目组积极履行</a:t>
+              </a:r>
+              <a:r>
+                <a:rPr lang="en-US" altLang="zh-CN" sz="1050" b="1">
+                  <a:latin typeface="Wide Latin" panose="020A0A07050505020404" pitchFamily="18" charset="0"/>
+                </a:rPr>
+                <a:t>《</a:t>
+              </a:r>
+              <a:r>
+                <a:rPr lang="zh-CN" altLang="en-US" sz="1050" b="1">
+                  <a:latin typeface="Wide Latin" panose="020A0A07050505020404" pitchFamily="18" charset="0"/>
+                </a:rPr>
+                <a:t>网络游戏行业防沉迷自律公约</a:t>
+              </a:r>
+              <a:r>
+                <a:rPr lang="en-US" altLang="zh-CN" sz="1050" b="1">
+                  <a:latin typeface="Wide Latin" panose="020A0A07050505020404" pitchFamily="18" charset="0"/>
+                </a:rPr>
+                <a:t>》</a:t>
+              </a:r>
+              <a:endParaRPr lang="zh-CN" altLang="en-US" sz="1050" b="1">
+                <a:latin typeface="Wide Latin" panose="020A0A07050505020404" pitchFamily="18" charset="0"/>
+              </a:endParaRPr>
+            </a:p>
+          </p:txBody>
+        </p:sp>
+        <p:sp>
+          <p:nvSpPr>
+            <p:cNvPr id="9" name="星形: 四角 8">
+              <a:extLst>
+                <a:ext uri="{FF2B5EF4-FFF2-40B4-BE49-F238E27FC236}">
+                  <a16:creationId xmlns:a16="http://schemas.microsoft.com/office/drawing/2014/main" id="{6CDD0B81-D3D3-A42E-7683-87B959091409}"/>
+                </a:ext>
+              </a:extLst>
+            </p:cNvPr>
+            <p:cNvSpPr/>
+            <p:nvPr/>
+          </p:nvSpPr>
+          <p:spPr>
+            <a:xfrm>
+              <a:off x="6342610" y="2435629"/>
+              <a:ext cx="523702" cy="548640"/>
+            </a:xfrm>
+            <a:prstGeom prst="star4">
+              <a:avLst/>
+            </a:prstGeom>
+          </p:spPr>
+          <p:style>
+            <a:lnRef idx="2">
+              <a:schemeClr val="dk1">
+                <a:shade val="15000"/>
+              </a:schemeClr>
+            </a:lnRef>
+            <a:fillRef idx="1">
+              <a:schemeClr val="dk1"/>
+            </a:fillRef>
+            <a:effectRef idx="0">
+              <a:schemeClr val="dk1"/>
+            </a:effectRef>
+            <a:fontRef idx="minor">
+              <a:schemeClr val="lt1"/>
+            </a:fontRef>
+          </p:style>
+          <p:txBody>
+            <a:bodyPr rtlCol="0" anchor="ctr"/>
+            <a:lstStyle/>
+            <a:p>
+              <a:pPr algn="ctr"/>
+              <a:endParaRPr lang="zh-CN" altLang="en-US"/>
+            </a:p>
+          </p:txBody>
+        </p:sp>
+      </p:grpSp>
+    </p:spTree>
+    <p:extLst>
+      <p:ext uri="{BB962C8B-B14F-4D97-AF65-F5344CB8AC3E}">
+        <p14:creationId xmlns:p14="http://schemas.microsoft.com/office/powerpoint/2010/main" val="1863741148"/>
       </p:ext>
     </p:extLst>
   </p:cSld>

--- a/计算机图形学/图形学教程/Leson_9.pptx
+++ b/计算机图形学/图形学教程/Leson_9.pptx
@@ -19,7 +19,8 @@
     <p:sldId id="267" r:id="rId13"/>
     <p:sldId id="268" r:id="rId14"/>
     <p:sldId id="269" r:id="rId15"/>
-    <p:sldId id="270" r:id="rId16"/>
+    <p:sldId id="271" r:id="rId16"/>
+    <p:sldId id="270" r:id="rId17"/>
   </p:sldIdLst>
   <p:sldSz cx="12192000" cy="6858000"/>
   <p:notesSz cx="6797675" cy="9928225"/>
@@ -273,7 +274,7 @@
           <a:p>
             <a:fld id="{EFC9EF4B-DC85-456E-A69C-7178B0A20B85}" type="datetimeFigureOut">
               <a:rPr lang="zh-CN" altLang="en-US" smtClean="0"/>
-              <a:t>2024/11/26</a:t>
+              <a:t>2024/12/5</a:t>
             </a:fld>
             <a:endParaRPr lang="zh-CN" altLang="en-US"/>
           </a:p>
@@ -471,7 +472,7 @@
           <a:p>
             <a:fld id="{EFC9EF4B-DC85-456E-A69C-7178B0A20B85}" type="datetimeFigureOut">
               <a:rPr lang="zh-CN" altLang="en-US" smtClean="0"/>
-              <a:t>2024/11/26</a:t>
+              <a:t>2024/12/5</a:t>
             </a:fld>
             <a:endParaRPr lang="zh-CN" altLang="en-US"/>
           </a:p>
@@ -679,7 +680,7 @@
           <a:p>
             <a:fld id="{EFC9EF4B-DC85-456E-A69C-7178B0A20B85}" type="datetimeFigureOut">
               <a:rPr lang="zh-CN" altLang="en-US" smtClean="0"/>
-              <a:t>2024/11/26</a:t>
+              <a:t>2024/12/5</a:t>
             </a:fld>
             <a:endParaRPr lang="zh-CN" altLang="en-US"/>
           </a:p>
@@ -877,7 +878,7 @@
           <a:p>
             <a:fld id="{EFC9EF4B-DC85-456E-A69C-7178B0A20B85}" type="datetimeFigureOut">
               <a:rPr lang="zh-CN" altLang="en-US" smtClean="0"/>
-              <a:t>2024/11/26</a:t>
+              <a:t>2024/12/5</a:t>
             </a:fld>
             <a:endParaRPr lang="zh-CN" altLang="en-US"/>
           </a:p>
@@ -1152,7 +1153,7 @@
           <a:p>
             <a:fld id="{EFC9EF4B-DC85-456E-A69C-7178B0A20B85}" type="datetimeFigureOut">
               <a:rPr lang="zh-CN" altLang="en-US" smtClean="0"/>
-              <a:t>2024/11/26</a:t>
+              <a:t>2024/12/5</a:t>
             </a:fld>
             <a:endParaRPr lang="zh-CN" altLang="en-US"/>
           </a:p>
@@ -1417,7 +1418,7 @@
           <a:p>
             <a:fld id="{EFC9EF4B-DC85-456E-A69C-7178B0A20B85}" type="datetimeFigureOut">
               <a:rPr lang="zh-CN" altLang="en-US" smtClean="0"/>
-              <a:t>2024/11/26</a:t>
+              <a:t>2024/12/5</a:t>
             </a:fld>
             <a:endParaRPr lang="zh-CN" altLang="en-US"/>
           </a:p>
@@ -1829,7 +1830,7 @@
           <a:p>
             <a:fld id="{EFC9EF4B-DC85-456E-A69C-7178B0A20B85}" type="datetimeFigureOut">
               <a:rPr lang="zh-CN" altLang="en-US" smtClean="0"/>
-              <a:t>2024/11/26</a:t>
+              <a:t>2024/12/5</a:t>
             </a:fld>
             <a:endParaRPr lang="zh-CN" altLang="en-US"/>
           </a:p>
@@ -1970,7 +1971,7 @@
           <a:p>
             <a:fld id="{EFC9EF4B-DC85-456E-A69C-7178B0A20B85}" type="datetimeFigureOut">
               <a:rPr lang="zh-CN" altLang="en-US" smtClean="0"/>
-              <a:t>2024/11/26</a:t>
+              <a:t>2024/12/5</a:t>
             </a:fld>
             <a:endParaRPr lang="zh-CN" altLang="en-US"/>
           </a:p>
@@ -2083,7 +2084,7 @@
           <a:p>
             <a:fld id="{EFC9EF4B-DC85-456E-A69C-7178B0A20B85}" type="datetimeFigureOut">
               <a:rPr lang="zh-CN" altLang="en-US" smtClean="0"/>
-              <a:t>2024/11/26</a:t>
+              <a:t>2024/12/5</a:t>
             </a:fld>
             <a:endParaRPr lang="zh-CN" altLang="en-US"/>
           </a:p>
@@ -2394,7 +2395,7 @@
           <a:p>
             <a:fld id="{EFC9EF4B-DC85-456E-A69C-7178B0A20B85}" type="datetimeFigureOut">
               <a:rPr lang="zh-CN" altLang="en-US" smtClean="0"/>
-              <a:t>2024/11/26</a:t>
+              <a:t>2024/12/5</a:t>
             </a:fld>
             <a:endParaRPr lang="zh-CN" altLang="en-US"/>
           </a:p>
@@ -2682,7 +2683,7 @@
           <a:p>
             <a:fld id="{EFC9EF4B-DC85-456E-A69C-7178B0A20B85}" type="datetimeFigureOut">
               <a:rPr lang="zh-CN" altLang="en-US" smtClean="0"/>
-              <a:t>2024/11/26</a:t>
+              <a:t>2024/12/5</a:t>
             </a:fld>
             <a:endParaRPr lang="zh-CN" altLang="en-US"/>
           </a:p>
@@ -2923,7 +2924,7 @@
           <a:p>
             <a:fld id="{EFC9EF4B-DC85-456E-A69C-7178B0A20B85}" type="datetimeFigureOut">
               <a:rPr lang="zh-CN" altLang="en-US" smtClean="0"/>
-              <a:t>2024/11/26</a:t>
+              <a:t>2024/12/5</a:t>
             </a:fld>
             <a:endParaRPr lang="zh-CN" altLang="en-US"/>
           </a:p>
@@ -9623,36 +9624,942 @@
           <a:chExt cx="0" cy="0"/>
         </a:xfrm>
       </p:grpSpPr>
-      <p:pic>
-        <p:nvPicPr>
-          <p:cNvPr id="12" name="图片 11">
-            <a:extLst>
-              <a:ext uri="{FF2B5EF4-FFF2-40B4-BE49-F238E27FC236}">
-                <a16:creationId xmlns:a16="http://schemas.microsoft.com/office/drawing/2014/main" id="{F02194CE-7FE5-87DB-045D-BBCC377ABA82}"/>
-              </a:ext>
-            </a:extLst>
-          </p:cNvPr>
-          <p:cNvPicPr>
-            <a:picLocks noChangeAspect="1"/>
-          </p:cNvPicPr>
-          <p:nvPr/>
-        </p:nvPicPr>
-        <p:blipFill>
-          <a:blip r:embed="rId2"/>
-          <a:stretch>
-            <a:fillRect/>
-          </a:stretch>
-        </p:blipFill>
-        <p:spPr>
-          <a:xfrm rot="1597483">
-            <a:off x="489394" y="-1302960"/>
-            <a:ext cx="12940511" cy="7269655"/>
-          </a:xfrm>
-          <a:prstGeom prst="rect">
-            <a:avLst/>
-          </a:prstGeom>
-        </p:spPr>
-      </p:pic>
+      <p:cxnSp>
+        <p:nvCxnSpPr>
+          <p:cNvPr id="3" name="直接连接符 2">
+            <a:extLst>
+              <a:ext uri="{FF2B5EF4-FFF2-40B4-BE49-F238E27FC236}">
+                <a16:creationId xmlns:a16="http://schemas.microsoft.com/office/drawing/2014/main" id="{86AA8FB3-0501-7A3C-1301-32FCA7DAC8A2}"/>
+              </a:ext>
+            </a:extLst>
+          </p:cNvPr>
+          <p:cNvCxnSpPr>
+            <a:cxnSpLocks/>
+          </p:cNvCxnSpPr>
+          <p:nvPr/>
+        </p:nvCxnSpPr>
+        <p:spPr>
+          <a:xfrm flipV="1">
+            <a:off x="1579418" y="1280160"/>
+            <a:ext cx="2576946" cy="2967644"/>
+          </a:xfrm>
+          <a:prstGeom prst="line">
+            <a:avLst/>
+          </a:prstGeom>
+        </p:spPr>
+        <p:style>
+          <a:lnRef idx="1">
+            <a:schemeClr val="accent1"/>
+          </a:lnRef>
+          <a:fillRef idx="0">
+            <a:schemeClr val="accent1"/>
+          </a:fillRef>
+          <a:effectRef idx="0">
+            <a:schemeClr val="accent1"/>
+          </a:effectRef>
+          <a:fontRef idx="minor">
+            <a:schemeClr val="tx1"/>
+          </a:fontRef>
+        </p:style>
+      </p:cxnSp>
+      <p:cxnSp>
+        <p:nvCxnSpPr>
+          <p:cNvPr id="5" name="直接连接符 4">
+            <a:extLst>
+              <a:ext uri="{FF2B5EF4-FFF2-40B4-BE49-F238E27FC236}">
+                <a16:creationId xmlns:a16="http://schemas.microsoft.com/office/drawing/2014/main" id="{980F2F9B-6007-B75C-C3D7-93957E50C9A4}"/>
+              </a:ext>
+            </a:extLst>
+          </p:cNvPr>
+          <p:cNvCxnSpPr>
+            <a:cxnSpLocks/>
+          </p:cNvCxnSpPr>
+          <p:nvPr/>
+        </p:nvCxnSpPr>
+        <p:spPr>
+          <a:xfrm>
+            <a:off x="4156364" y="1280160"/>
+            <a:ext cx="5261956" cy="3117273"/>
+          </a:xfrm>
+          <a:prstGeom prst="line">
+            <a:avLst/>
+          </a:prstGeom>
+        </p:spPr>
+        <p:style>
+          <a:lnRef idx="1">
+            <a:schemeClr val="accent1"/>
+          </a:lnRef>
+          <a:fillRef idx="0">
+            <a:schemeClr val="accent1"/>
+          </a:fillRef>
+          <a:effectRef idx="0">
+            <a:schemeClr val="accent1"/>
+          </a:effectRef>
+          <a:fontRef idx="minor">
+            <a:schemeClr val="tx1"/>
+          </a:fontRef>
+        </p:style>
+      </p:cxnSp>
+      <mc:AlternateContent xmlns:mc="http://schemas.openxmlformats.org/markup-compatibility/2006" xmlns:a14="http://schemas.microsoft.com/office/drawing/2010/main">
+        <mc:Choice Requires="a14">
+          <p:sp>
+            <p:nvSpPr>
+              <p:cNvPr id="8" name="文本框 7">
+                <a:extLst>
+                  <a:ext uri="{FF2B5EF4-FFF2-40B4-BE49-F238E27FC236}">
+                    <a16:creationId xmlns:a16="http://schemas.microsoft.com/office/drawing/2014/main" id="{DDC7CA3B-7566-6D36-A986-50CB65F3C749}"/>
+                  </a:ext>
+                </a:extLst>
+              </p:cNvPr>
+              <p:cNvSpPr txBox="1"/>
+              <p:nvPr/>
+            </p:nvSpPr>
+            <p:spPr>
+              <a:xfrm>
+                <a:off x="3769822" y="807365"/>
+                <a:ext cx="773084" cy="646331"/>
+              </a:xfrm>
+              <a:prstGeom prst="rect">
+                <a:avLst/>
+              </a:prstGeom>
+              <a:noFill/>
+            </p:spPr>
+            <p:txBody>
+              <a:bodyPr wrap="square" rtlCol="0">
+                <a:spAutoFit/>
+              </a:bodyPr>
+              <a:lstStyle/>
+              <a:p>
+                <a:pPr/>
+                <a14:m>
+                  <m:oMathPara xmlns:m="http://schemas.openxmlformats.org/officeDocument/2006/math">
+                    <m:oMathParaPr>
+                      <m:jc m:val="centerGroup"/>
+                    </m:oMathParaPr>
+                    <m:oMath xmlns:m="http://schemas.openxmlformats.org/officeDocument/2006/math">
+                      <m:sSub>
+                        <m:sSubPr>
+                          <m:ctrlPr>
+                            <a:rPr lang="en-US" altLang="zh-CN" b="0" i="1" smtClean="0">
+                              <a:latin typeface="Cambria Math" panose="02040503050406030204" pitchFamily="18" charset="0"/>
+                            </a:rPr>
+                          </m:ctrlPr>
+                        </m:sSubPr>
+                        <m:e>
+                          <m:r>
+                            <a:rPr lang="en-US" altLang="zh-CN" i="1" smtClean="0">
+                              <a:latin typeface="Cambria Math" panose="02040503050406030204" pitchFamily="18" charset="0"/>
+                            </a:rPr>
+                            <m:t>𝑃</m:t>
+                          </m:r>
+                        </m:e>
+                        <m:sub>
+                          <m:r>
+                            <a:rPr lang="en-US" altLang="zh-CN" b="0" i="1" smtClean="0">
+                              <a:latin typeface="Cambria Math" panose="02040503050406030204" pitchFamily="18" charset="0"/>
+                            </a:rPr>
+                            <m:t>1</m:t>
+                          </m:r>
+                        </m:sub>
+                      </m:sSub>
+                    </m:oMath>
+                  </m:oMathPara>
+                </a14:m>
+                <a:endParaRPr lang="en-US" altLang="zh-CN" b="0"/>
+              </a:p>
+              <a:p>
+                <a:endParaRPr lang="zh-CN" altLang="en-US"/>
+              </a:p>
+            </p:txBody>
+          </p:sp>
+        </mc:Choice>
+        <mc:Fallback xmlns="">
+          <p:sp>
+            <p:nvSpPr>
+              <p:cNvPr id="8" name="文本框 7">
+                <a:extLst>
+                  <a:ext uri="{FF2B5EF4-FFF2-40B4-BE49-F238E27FC236}">
+                    <a16:creationId xmlns:a16="http://schemas.microsoft.com/office/drawing/2014/main" id="{DDC7CA3B-7566-6D36-A986-50CB65F3C749}"/>
+                  </a:ext>
+                </a:extLst>
+              </p:cNvPr>
+              <p:cNvSpPr txBox="1">
+                <a:spLocks noRot="1" noChangeAspect="1" noMove="1" noResize="1" noEditPoints="1" noAdjustHandles="1" noChangeArrowheads="1" noChangeShapeType="1" noTextEdit="1"/>
+              </p:cNvSpPr>
+              <p:nvPr/>
+            </p:nvSpPr>
+            <p:spPr>
+              <a:xfrm>
+                <a:off x="3769822" y="807365"/>
+                <a:ext cx="773084" cy="646331"/>
+              </a:xfrm>
+              <a:prstGeom prst="rect">
+                <a:avLst/>
+              </a:prstGeom>
+              <a:blipFill>
+                <a:blip r:embed="rId2"/>
+                <a:stretch>
+                  <a:fillRect/>
+                </a:stretch>
+              </a:blipFill>
+            </p:spPr>
+            <p:txBody>
+              <a:bodyPr/>
+              <a:lstStyle/>
+              <a:p>
+                <a:r>
+                  <a:rPr lang="zh-CN" altLang="en-US">
+                    <a:noFill/>
+                  </a:rPr>
+                  <a:t> </a:t>
+                </a:r>
+              </a:p>
+            </p:txBody>
+          </p:sp>
+        </mc:Fallback>
+      </mc:AlternateContent>
+      <mc:AlternateContent xmlns:mc="http://schemas.openxmlformats.org/markup-compatibility/2006" xmlns:a14="http://schemas.microsoft.com/office/drawing/2010/main">
+        <mc:Choice Requires="a14">
+          <p:sp>
+            <p:nvSpPr>
+              <p:cNvPr id="9" name="文本框 8">
+                <a:extLst>
+                  <a:ext uri="{FF2B5EF4-FFF2-40B4-BE49-F238E27FC236}">
+                    <a16:creationId xmlns:a16="http://schemas.microsoft.com/office/drawing/2014/main" id="{1EEBF021-9E1A-A0F5-FB33-C74398069CDD}"/>
+                  </a:ext>
+                </a:extLst>
+              </p:cNvPr>
+              <p:cNvSpPr txBox="1"/>
+              <p:nvPr/>
+            </p:nvSpPr>
+            <p:spPr>
+              <a:xfrm>
+                <a:off x="1133302" y="4317077"/>
+                <a:ext cx="773084" cy="646331"/>
+              </a:xfrm>
+              <a:prstGeom prst="rect">
+                <a:avLst/>
+              </a:prstGeom>
+              <a:noFill/>
+            </p:spPr>
+            <p:txBody>
+              <a:bodyPr wrap="square" rtlCol="0">
+                <a:spAutoFit/>
+              </a:bodyPr>
+              <a:lstStyle/>
+              <a:p>
+                <a:pPr/>
+                <a14:m>
+                  <m:oMathPara xmlns:m="http://schemas.openxmlformats.org/officeDocument/2006/math">
+                    <m:oMathParaPr>
+                      <m:jc m:val="centerGroup"/>
+                    </m:oMathParaPr>
+                    <m:oMath xmlns:m="http://schemas.openxmlformats.org/officeDocument/2006/math">
+                      <m:sSub>
+                        <m:sSubPr>
+                          <m:ctrlPr>
+                            <a:rPr lang="en-US" altLang="zh-CN" b="0" i="1" smtClean="0">
+                              <a:latin typeface="Cambria Math" panose="02040503050406030204" pitchFamily="18" charset="0"/>
+                            </a:rPr>
+                          </m:ctrlPr>
+                        </m:sSubPr>
+                        <m:e>
+                          <m:r>
+                            <a:rPr lang="en-US" altLang="zh-CN" i="1" smtClean="0">
+                              <a:latin typeface="Cambria Math" panose="02040503050406030204" pitchFamily="18" charset="0"/>
+                            </a:rPr>
+                            <m:t>𝑃</m:t>
+                          </m:r>
+                        </m:e>
+                        <m:sub>
+                          <m:r>
+                            <a:rPr lang="en-US" altLang="zh-CN" b="0" i="1" smtClean="0">
+                              <a:latin typeface="Cambria Math" panose="02040503050406030204" pitchFamily="18" charset="0"/>
+                            </a:rPr>
+                            <m:t>0</m:t>
+                          </m:r>
+                        </m:sub>
+                      </m:sSub>
+                    </m:oMath>
+                  </m:oMathPara>
+                </a14:m>
+                <a:endParaRPr lang="en-US" altLang="zh-CN" b="0"/>
+              </a:p>
+              <a:p>
+                <a:endParaRPr lang="zh-CN" altLang="en-US"/>
+              </a:p>
+            </p:txBody>
+          </p:sp>
+        </mc:Choice>
+        <mc:Fallback xmlns="">
+          <p:sp>
+            <p:nvSpPr>
+              <p:cNvPr id="9" name="文本框 8">
+                <a:extLst>
+                  <a:ext uri="{FF2B5EF4-FFF2-40B4-BE49-F238E27FC236}">
+                    <a16:creationId xmlns:a16="http://schemas.microsoft.com/office/drawing/2014/main" id="{1EEBF021-9E1A-A0F5-FB33-C74398069CDD}"/>
+                  </a:ext>
+                </a:extLst>
+              </p:cNvPr>
+              <p:cNvSpPr txBox="1">
+                <a:spLocks noRot="1" noChangeAspect="1" noMove="1" noResize="1" noEditPoints="1" noAdjustHandles="1" noChangeArrowheads="1" noChangeShapeType="1" noTextEdit="1"/>
+              </p:cNvSpPr>
+              <p:nvPr/>
+            </p:nvSpPr>
+            <p:spPr>
+              <a:xfrm>
+                <a:off x="1133302" y="4317077"/>
+                <a:ext cx="773084" cy="646331"/>
+              </a:xfrm>
+              <a:prstGeom prst="rect">
+                <a:avLst/>
+              </a:prstGeom>
+              <a:blipFill>
+                <a:blip r:embed="rId3"/>
+                <a:stretch>
+                  <a:fillRect/>
+                </a:stretch>
+              </a:blipFill>
+            </p:spPr>
+            <p:txBody>
+              <a:bodyPr/>
+              <a:lstStyle/>
+              <a:p>
+                <a:r>
+                  <a:rPr lang="zh-CN" altLang="en-US">
+                    <a:noFill/>
+                  </a:rPr>
+                  <a:t> </a:t>
+                </a:r>
+              </a:p>
+            </p:txBody>
+          </p:sp>
+        </mc:Fallback>
+      </mc:AlternateContent>
+      <mc:AlternateContent xmlns:mc="http://schemas.openxmlformats.org/markup-compatibility/2006" xmlns:a14="http://schemas.microsoft.com/office/drawing/2010/main">
+        <mc:Choice Requires="a14">
+          <p:sp>
+            <p:nvSpPr>
+              <p:cNvPr id="10" name="文本框 9">
+                <a:extLst>
+                  <a:ext uri="{FF2B5EF4-FFF2-40B4-BE49-F238E27FC236}">
+                    <a16:creationId xmlns:a16="http://schemas.microsoft.com/office/drawing/2014/main" id="{8AA94A6A-5943-6A98-49A8-2E8A407F4021}"/>
+                  </a:ext>
+                </a:extLst>
+              </p:cNvPr>
+              <p:cNvSpPr txBox="1"/>
+              <p:nvPr/>
+            </p:nvSpPr>
+            <p:spPr>
+              <a:xfrm>
+                <a:off x="9260378" y="4458392"/>
+                <a:ext cx="773084" cy="646331"/>
+              </a:xfrm>
+              <a:prstGeom prst="rect">
+                <a:avLst/>
+              </a:prstGeom>
+              <a:noFill/>
+            </p:spPr>
+            <p:txBody>
+              <a:bodyPr wrap="square" rtlCol="0">
+                <a:spAutoFit/>
+              </a:bodyPr>
+              <a:lstStyle/>
+              <a:p>
+                <a:pPr/>
+                <a14:m>
+                  <m:oMathPara xmlns:m="http://schemas.openxmlformats.org/officeDocument/2006/math">
+                    <m:oMathParaPr>
+                      <m:jc m:val="centerGroup"/>
+                    </m:oMathParaPr>
+                    <m:oMath xmlns:m="http://schemas.openxmlformats.org/officeDocument/2006/math">
+                      <m:sSub>
+                        <m:sSubPr>
+                          <m:ctrlPr>
+                            <a:rPr lang="en-US" altLang="zh-CN" b="0" i="1" smtClean="0">
+                              <a:latin typeface="Cambria Math" panose="02040503050406030204" pitchFamily="18" charset="0"/>
+                            </a:rPr>
+                          </m:ctrlPr>
+                        </m:sSubPr>
+                        <m:e>
+                          <m:r>
+                            <a:rPr lang="en-US" altLang="zh-CN" i="1" smtClean="0">
+                              <a:latin typeface="Cambria Math" panose="02040503050406030204" pitchFamily="18" charset="0"/>
+                            </a:rPr>
+                            <m:t>𝑃</m:t>
+                          </m:r>
+                        </m:e>
+                        <m:sub>
+                          <m:r>
+                            <a:rPr lang="en-US" altLang="zh-CN" b="0" i="1" smtClean="0">
+                              <a:latin typeface="Cambria Math" panose="02040503050406030204" pitchFamily="18" charset="0"/>
+                            </a:rPr>
+                            <m:t>2</m:t>
+                          </m:r>
+                        </m:sub>
+                      </m:sSub>
+                    </m:oMath>
+                  </m:oMathPara>
+                </a14:m>
+                <a:endParaRPr lang="en-US" altLang="zh-CN" b="0"/>
+              </a:p>
+              <a:p>
+                <a:endParaRPr lang="zh-CN" altLang="en-US"/>
+              </a:p>
+            </p:txBody>
+          </p:sp>
+        </mc:Choice>
+        <mc:Fallback xmlns="">
+          <p:sp>
+            <p:nvSpPr>
+              <p:cNvPr id="10" name="文本框 9">
+                <a:extLst>
+                  <a:ext uri="{FF2B5EF4-FFF2-40B4-BE49-F238E27FC236}">
+                    <a16:creationId xmlns:a16="http://schemas.microsoft.com/office/drawing/2014/main" id="{8AA94A6A-5943-6A98-49A8-2E8A407F4021}"/>
+                  </a:ext>
+                </a:extLst>
+              </p:cNvPr>
+              <p:cNvSpPr txBox="1">
+                <a:spLocks noRot="1" noChangeAspect="1" noMove="1" noResize="1" noEditPoints="1" noAdjustHandles="1" noChangeArrowheads="1" noChangeShapeType="1" noTextEdit="1"/>
+              </p:cNvSpPr>
+              <p:nvPr/>
+            </p:nvSpPr>
+            <p:spPr>
+              <a:xfrm>
+                <a:off x="9260378" y="4458392"/>
+                <a:ext cx="773084" cy="646331"/>
+              </a:xfrm>
+              <a:prstGeom prst="rect">
+                <a:avLst/>
+              </a:prstGeom>
+              <a:blipFill>
+                <a:blip r:embed="rId4"/>
+                <a:stretch>
+                  <a:fillRect/>
+                </a:stretch>
+              </a:blipFill>
+            </p:spPr>
+            <p:txBody>
+              <a:bodyPr/>
+              <a:lstStyle/>
+              <a:p>
+                <a:r>
+                  <a:rPr lang="zh-CN" altLang="en-US">
+                    <a:noFill/>
+                  </a:rPr>
+                  <a:t> </a:t>
+                </a:r>
+              </a:p>
+            </p:txBody>
+          </p:sp>
+        </mc:Fallback>
+      </mc:AlternateContent>
+      <mc:AlternateContent xmlns:mc="http://schemas.openxmlformats.org/markup-compatibility/2006" xmlns:a14="http://schemas.microsoft.com/office/drawing/2010/main">
+        <mc:Choice Requires="a14">
+          <p:sp>
+            <p:nvSpPr>
+              <p:cNvPr id="11" name="文本框 10">
+                <a:extLst>
+                  <a:ext uri="{FF2B5EF4-FFF2-40B4-BE49-F238E27FC236}">
+                    <a16:creationId xmlns:a16="http://schemas.microsoft.com/office/drawing/2014/main" id="{472F32ED-EA81-DC2F-E857-16B51AE833EA}"/>
+                  </a:ext>
+                </a:extLst>
+              </p:cNvPr>
+              <p:cNvSpPr txBox="1"/>
+              <p:nvPr/>
+            </p:nvSpPr>
+            <p:spPr>
+              <a:xfrm>
+                <a:off x="2258291" y="3228083"/>
+                <a:ext cx="773084" cy="928203"/>
+              </a:xfrm>
+              <a:prstGeom prst="rect">
+                <a:avLst/>
+              </a:prstGeom>
+              <a:noFill/>
+            </p:spPr>
+            <p:txBody>
+              <a:bodyPr wrap="square" rtlCol="0">
+                <a:spAutoFit/>
+              </a:bodyPr>
+              <a:lstStyle/>
+              <a:p>
+                <a:pPr/>
+                <a14:m>
+                  <m:oMathPara xmlns:m="http://schemas.openxmlformats.org/officeDocument/2006/math">
+                    <m:oMathParaPr>
+                      <m:jc m:val="centerGroup"/>
+                    </m:oMathParaPr>
+                    <m:oMath xmlns:m="http://schemas.openxmlformats.org/officeDocument/2006/math">
+                      <m:sSubSup>
+                        <m:sSubSupPr>
+                          <m:ctrlPr>
+                            <a:rPr lang="en-US" altLang="zh-CN" b="0" i="1" smtClean="0">
+                              <a:solidFill>
+                                <a:srgbClr val="FF0000"/>
+                              </a:solidFill>
+                              <a:latin typeface="Cambria Math" panose="02040503050406030204" pitchFamily="18" charset="0"/>
+                            </a:rPr>
+                          </m:ctrlPr>
+                        </m:sSubSupPr>
+                        <m:e>
+                          <m:r>
+                            <a:rPr lang="en-US" altLang="zh-CN" i="1" smtClean="0">
+                              <a:solidFill>
+                                <a:srgbClr val="FF0000"/>
+                              </a:solidFill>
+                              <a:latin typeface="Cambria Math" panose="02040503050406030204" pitchFamily="18" charset="0"/>
+                            </a:rPr>
+                            <m:t>𝑃</m:t>
+                          </m:r>
+                        </m:e>
+                        <m:sub>
+                          <m:r>
+                            <a:rPr lang="en-US" altLang="zh-CN" b="0" i="1" smtClean="0">
+                              <a:solidFill>
+                                <a:srgbClr val="FF0000"/>
+                              </a:solidFill>
+                              <a:latin typeface="Cambria Math" panose="02040503050406030204" pitchFamily="18" charset="0"/>
+                            </a:rPr>
+                            <m:t>0</m:t>
+                          </m:r>
+                        </m:sub>
+                        <m:sup>
+                          <m:r>
+                            <a:rPr lang="en-US" altLang="zh-CN" b="0" i="1" smtClean="0">
+                              <a:solidFill>
+                                <a:srgbClr val="FF0000"/>
+                              </a:solidFill>
+                              <a:latin typeface="Cambria Math" panose="02040503050406030204" pitchFamily="18" charset="0"/>
+                            </a:rPr>
+                            <m:t>1</m:t>
+                          </m:r>
+                        </m:sup>
+                      </m:sSubSup>
+                    </m:oMath>
+                  </m:oMathPara>
+                </a14:m>
+                <a:endParaRPr lang="en-US" altLang="zh-CN" b="0"/>
+              </a:p>
+              <a:p>
+                <a:endParaRPr lang="en-US" altLang="zh-CN" b="0"/>
+              </a:p>
+              <a:p>
+                <a:endParaRPr lang="zh-CN" altLang="en-US"/>
+              </a:p>
+            </p:txBody>
+          </p:sp>
+        </mc:Choice>
+        <mc:Fallback xmlns="">
+          <p:sp>
+            <p:nvSpPr>
+              <p:cNvPr id="11" name="文本框 10">
+                <a:extLst>
+                  <a:ext uri="{FF2B5EF4-FFF2-40B4-BE49-F238E27FC236}">
+                    <a16:creationId xmlns:a16="http://schemas.microsoft.com/office/drawing/2014/main" id="{472F32ED-EA81-DC2F-E857-16B51AE833EA}"/>
+                  </a:ext>
+                </a:extLst>
+              </p:cNvPr>
+              <p:cNvSpPr txBox="1">
+                <a:spLocks noRot="1" noChangeAspect="1" noMove="1" noResize="1" noEditPoints="1" noAdjustHandles="1" noChangeArrowheads="1" noChangeShapeType="1" noTextEdit="1"/>
+              </p:cNvSpPr>
+              <p:nvPr/>
+            </p:nvSpPr>
+            <p:spPr>
+              <a:xfrm>
+                <a:off x="2258291" y="3228083"/>
+                <a:ext cx="773084" cy="928203"/>
+              </a:xfrm>
+              <a:prstGeom prst="rect">
+                <a:avLst/>
+              </a:prstGeom>
+              <a:blipFill>
+                <a:blip r:embed="rId5"/>
+                <a:stretch>
+                  <a:fillRect/>
+                </a:stretch>
+              </a:blipFill>
+            </p:spPr>
+            <p:txBody>
+              <a:bodyPr/>
+              <a:lstStyle/>
+              <a:p>
+                <a:r>
+                  <a:rPr lang="zh-CN" altLang="en-US">
+                    <a:noFill/>
+                  </a:rPr>
+                  <a:t> </a:t>
+                </a:r>
+              </a:p>
+            </p:txBody>
+          </p:sp>
+        </mc:Fallback>
+      </mc:AlternateContent>
+      <mc:AlternateContent xmlns:mc="http://schemas.openxmlformats.org/markup-compatibility/2006" xmlns:a14="http://schemas.microsoft.com/office/drawing/2010/main">
+        <mc:Choice Requires="a14">
+          <p:sp>
+            <p:nvSpPr>
+              <p:cNvPr id="13" name="文本框 12">
+                <a:extLst>
+                  <a:ext uri="{FF2B5EF4-FFF2-40B4-BE49-F238E27FC236}">
+                    <a16:creationId xmlns:a16="http://schemas.microsoft.com/office/drawing/2014/main" id="{692A1AB2-6D18-9B15-B3EB-2B17435BF168}"/>
+                  </a:ext>
+                </a:extLst>
+              </p:cNvPr>
+              <p:cNvSpPr txBox="1"/>
+              <p:nvPr/>
+            </p:nvSpPr>
+            <p:spPr>
+              <a:xfrm>
+                <a:off x="5302134" y="2299880"/>
+                <a:ext cx="773084" cy="928203"/>
+              </a:xfrm>
+              <a:prstGeom prst="rect">
+                <a:avLst/>
+              </a:prstGeom>
+              <a:noFill/>
+            </p:spPr>
+            <p:txBody>
+              <a:bodyPr wrap="square" rtlCol="0">
+                <a:spAutoFit/>
+              </a:bodyPr>
+              <a:lstStyle/>
+              <a:p>
+                <a:pPr/>
+                <a14:m>
+                  <m:oMathPara xmlns:m="http://schemas.openxmlformats.org/officeDocument/2006/math">
+                    <m:oMathParaPr>
+                      <m:jc m:val="centerGroup"/>
+                    </m:oMathParaPr>
+                    <m:oMath xmlns:m="http://schemas.openxmlformats.org/officeDocument/2006/math">
+                      <m:sSubSup>
+                        <m:sSubSupPr>
+                          <m:ctrlPr>
+                            <a:rPr lang="en-US" altLang="zh-CN" b="0" i="1" smtClean="0">
+                              <a:solidFill>
+                                <a:srgbClr val="FF0000"/>
+                              </a:solidFill>
+                              <a:latin typeface="Cambria Math" panose="02040503050406030204" pitchFamily="18" charset="0"/>
+                            </a:rPr>
+                          </m:ctrlPr>
+                        </m:sSubSupPr>
+                        <m:e>
+                          <m:r>
+                            <a:rPr lang="en-US" altLang="zh-CN" i="1" smtClean="0">
+                              <a:solidFill>
+                                <a:srgbClr val="FF0000"/>
+                              </a:solidFill>
+                              <a:latin typeface="Cambria Math" panose="02040503050406030204" pitchFamily="18" charset="0"/>
+                            </a:rPr>
+                            <m:t>𝑃</m:t>
+                          </m:r>
+                        </m:e>
+                        <m:sub>
+                          <m:r>
+                            <a:rPr lang="en-US" altLang="zh-CN" b="0" i="1" smtClean="0">
+                              <a:solidFill>
+                                <a:srgbClr val="FF0000"/>
+                              </a:solidFill>
+                              <a:latin typeface="Cambria Math" panose="02040503050406030204" pitchFamily="18" charset="0"/>
+                            </a:rPr>
+                            <m:t>1</m:t>
+                          </m:r>
+                        </m:sub>
+                        <m:sup>
+                          <m:r>
+                            <a:rPr lang="en-US" altLang="zh-CN" b="0" i="1" smtClean="0">
+                              <a:solidFill>
+                                <a:srgbClr val="FF0000"/>
+                              </a:solidFill>
+                              <a:latin typeface="Cambria Math" panose="02040503050406030204" pitchFamily="18" charset="0"/>
+                            </a:rPr>
+                            <m:t>1</m:t>
+                          </m:r>
+                        </m:sup>
+                      </m:sSubSup>
+                    </m:oMath>
+                  </m:oMathPara>
+                </a14:m>
+                <a:endParaRPr lang="en-US" altLang="zh-CN" b="0"/>
+              </a:p>
+              <a:p>
+                <a:endParaRPr lang="en-US" altLang="zh-CN" b="0"/>
+              </a:p>
+              <a:p>
+                <a:endParaRPr lang="zh-CN" altLang="en-US"/>
+              </a:p>
+            </p:txBody>
+          </p:sp>
+        </mc:Choice>
+        <mc:Fallback xmlns="">
+          <p:sp>
+            <p:nvSpPr>
+              <p:cNvPr id="13" name="文本框 12">
+                <a:extLst>
+                  <a:ext uri="{FF2B5EF4-FFF2-40B4-BE49-F238E27FC236}">
+                    <a16:creationId xmlns:a16="http://schemas.microsoft.com/office/drawing/2014/main" id="{692A1AB2-6D18-9B15-B3EB-2B17435BF168}"/>
+                  </a:ext>
+                </a:extLst>
+              </p:cNvPr>
+              <p:cNvSpPr txBox="1">
+                <a:spLocks noRot="1" noChangeAspect="1" noMove="1" noResize="1" noEditPoints="1" noAdjustHandles="1" noChangeArrowheads="1" noChangeShapeType="1" noTextEdit="1"/>
+              </p:cNvSpPr>
+              <p:nvPr/>
+            </p:nvSpPr>
+            <p:spPr>
+              <a:xfrm>
+                <a:off x="5302134" y="2299880"/>
+                <a:ext cx="773084" cy="928203"/>
+              </a:xfrm>
+              <a:prstGeom prst="rect">
+                <a:avLst/>
+              </a:prstGeom>
+              <a:blipFill>
+                <a:blip r:embed="rId6"/>
+                <a:stretch>
+                  <a:fillRect/>
+                </a:stretch>
+              </a:blipFill>
+            </p:spPr>
+            <p:txBody>
+              <a:bodyPr/>
+              <a:lstStyle/>
+              <a:p>
+                <a:r>
+                  <a:rPr lang="zh-CN" altLang="en-US">
+                    <a:noFill/>
+                  </a:rPr>
+                  <a:t> </a:t>
+                </a:r>
+              </a:p>
+            </p:txBody>
+          </p:sp>
+        </mc:Fallback>
+      </mc:AlternateContent>
+      <p:sp>
+        <p:nvSpPr>
+          <p:cNvPr id="14" name="椭圆 13">
+            <a:extLst>
+              <a:ext uri="{FF2B5EF4-FFF2-40B4-BE49-F238E27FC236}">
+                <a16:creationId xmlns:a16="http://schemas.microsoft.com/office/drawing/2014/main" id="{3BD3CDDF-5E03-955E-C195-735717D272C4}"/>
+              </a:ext>
+            </a:extLst>
+          </p:cNvPr>
+          <p:cNvSpPr/>
+          <p:nvPr/>
+        </p:nvSpPr>
+        <p:spPr>
+          <a:xfrm>
+            <a:off x="2351115" y="3228083"/>
+            <a:ext cx="117763" cy="135749"/>
+          </a:xfrm>
+          <a:prstGeom prst="ellipse">
+            <a:avLst/>
+          </a:prstGeom>
+        </p:spPr>
+        <p:style>
+          <a:lnRef idx="2">
+            <a:schemeClr val="accent1">
+              <a:shade val="15000"/>
+            </a:schemeClr>
+          </a:lnRef>
+          <a:fillRef idx="1">
+            <a:schemeClr val="accent1"/>
+          </a:fillRef>
+          <a:effectRef idx="0">
+            <a:schemeClr val="accent1"/>
+          </a:effectRef>
+          <a:fontRef idx="minor">
+            <a:schemeClr val="lt1"/>
+          </a:fontRef>
+        </p:style>
+        <p:txBody>
+          <a:bodyPr rtlCol="0" anchor="ctr"/>
+          <a:lstStyle/>
+          <a:p>
+            <a:pPr algn="ctr"/>
+            <a:endParaRPr lang="zh-CN" altLang="en-US"/>
+          </a:p>
+        </p:txBody>
+      </p:sp>
+      <p:sp>
+        <p:nvSpPr>
+          <p:cNvPr id="15" name="椭圆 14">
+            <a:extLst>
+              <a:ext uri="{FF2B5EF4-FFF2-40B4-BE49-F238E27FC236}">
+                <a16:creationId xmlns:a16="http://schemas.microsoft.com/office/drawing/2014/main" id="{CF6D5332-F270-431E-D07A-0710ABA14966}"/>
+              </a:ext>
+            </a:extLst>
+          </p:cNvPr>
+          <p:cNvSpPr/>
+          <p:nvPr/>
+        </p:nvSpPr>
+        <p:spPr>
+          <a:xfrm>
+            <a:off x="5629794" y="2090703"/>
+            <a:ext cx="117763" cy="135749"/>
+          </a:xfrm>
+          <a:prstGeom prst="ellipse">
+            <a:avLst/>
+          </a:prstGeom>
+        </p:spPr>
+        <p:style>
+          <a:lnRef idx="2">
+            <a:schemeClr val="accent1">
+              <a:shade val="15000"/>
+            </a:schemeClr>
+          </a:lnRef>
+          <a:fillRef idx="1">
+            <a:schemeClr val="accent1"/>
+          </a:fillRef>
+          <a:effectRef idx="0">
+            <a:schemeClr val="accent1"/>
+          </a:effectRef>
+          <a:fontRef idx="minor">
+            <a:schemeClr val="lt1"/>
+          </a:fontRef>
+        </p:style>
+        <p:txBody>
+          <a:bodyPr rtlCol="0" anchor="ctr"/>
+          <a:lstStyle/>
+          <a:p>
+            <a:pPr algn="ctr"/>
+            <a:endParaRPr lang="zh-CN" altLang="en-US"/>
+          </a:p>
+        </p:txBody>
+      </p:sp>
+      <p:cxnSp>
+        <p:nvCxnSpPr>
+          <p:cNvPr id="17" name="直接连接符 16">
+            <a:extLst>
+              <a:ext uri="{FF2B5EF4-FFF2-40B4-BE49-F238E27FC236}">
+                <a16:creationId xmlns:a16="http://schemas.microsoft.com/office/drawing/2014/main" id="{9339FA02-307F-5FB7-05B4-930996346D7F}"/>
+              </a:ext>
+            </a:extLst>
+          </p:cNvPr>
+          <p:cNvCxnSpPr>
+            <a:stCxn id="14" idx="6"/>
+            <a:endCxn id="15" idx="2"/>
+          </p:cNvCxnSpPr>
+          <p:nvPr/>
+        </p:nvCxnSpPr>
+        <p:spPr>
+          <a:xfrm flipV="1">
+            <a:off x="2468878" y="2158578"/>
+            <a:ext cx="3160916" cy="1137380"/>
+          </a:xfrm>
+          <a:prstGeom prst="line">
+            <a:avLst/>
+          </a:prstGeom>
+          <a:ln w="9525" cap="flat" cmpd="sng" algn="ctr">
+            <a:solidFill>
+              <a:schemeClr val="accent1"/>
+            </a:solidFill>
+            <a:prstDash val="dash"/>
+            <a:round/>
+            <a:headEnd type="none" w="med" len="med"/>
+            <a:tailEnd type="none" w="med" len="med"/>
+          </a:ln>
+        </p:spPr>
+        <p:style>
+          <a:lnRef idx="0">
+            <a:scrgbClr r="0" g="0" b="0"/>
+          </a:lnRef>
+          <a:fillRef idx="0">
+            <a:scrgbClr r="0" g="0" b="0"/>
+          </a:fillRef>
+          <a:effectRef idx="0">
+            <a:scrgbClr r="0" g="0" b="0"/>
+          </a:effectRef>
+          <a:fontRef idx="minor">
+            <a:schemeClr val="tx1"/>
+          </a:fontRef>
+        </p:style>
+      </p:cxnSp>
+      <p:sp>
+        <p:nvSpPr>
+          <p:cNvPr id="18" name="文本框 17">
+            <a:extLst>
+              <a:ext uri="{FF2B5EF4-FFF2-40B4-BE49-F238E27FC236}">
+                <a16:creationId xmlns:a16="http://schemas.microsoft.com/office/drawing/2014/main" id="{2EEE4935-8DC1-7C2C-3E1C-3F0290EA5871}"/>
+              </a:ext>
+            </a:extLst>
+          </p:cNvPr>
+          <p:cNvSpPr txBox="1"/>
+          <p:nvPr/>
+        </p:nvSpPr>
+        <p:spPr>
+          <a:xfrm>
+            <a:off x="1679171" y="3451116"/>
+            <a:ext cx="385155" cy="369332"/>
+          </a:xfrm>
+          <a:prstGeom prst="rect">
+            <a:avLst/>
+          </a:prstGeom>
+          <a:noFill/>
+        </p:spPr>
+        <p:txBody>
+          <a:bodyPr wrap="square" rtlCol="0">
+            <a:spAutoFit/>
+          </a:bodyPr>
+          <a:lstStyle/>
+          <a:p>
+            <a:r>
+              <a:rPr lang="en-US" altLang="zh-CN">
+                <a:latin typeface="微软雅黑" panose="020B0503020204020204" pitchFamily="34" charset="-122"/>
+                <a:ea typeface="微软雅黑" panose="020B0503020204020204" pitchFamily="34" charset="-122"/>
+              </a:rPr>
+              <a:t>t</a:t>
+            </a:r>
+            <a:endParaRPr lang="zh-CN" altLang="en-US">
+              <a:latin typeface="微软雅黑" panose="020B0503020204020204" pitchFamily="34" charset="-122"/>
+              <a:ea typeface="微软雅黑" panose="020B0503020204020204" pitchFamily="34" charset="-122"/>
+            </a:endParaRPr>
+          </a:p>
+        </p:txBody>
+      </p:sp>
+      <p:sp>
+        <p:nvSpPr>
+          <p:cNvPr id="19" name="文本框 18">
+            <a:extLst>
+              <a:ext uri="{FF2B5EF4-FFF2-40B4-BE49-F238E27FC236}">
+                <a16:creationId xmlns:a16="http://schemas.microsoft.com/office/drawing/2014/main" id="{ABFA26E5-72BF-2E0D-E368-2FB6B4B09E8F}"/>
+              </a:ext>
+            </a:extLst>
+          </p:cNvPr>
+          <p:cNvSpPr txBox="1"/>
+          <p:nvPr/>
+        </p:nvSpPr>
+        <p:spPr>
+          <a:xfrm>
+            <a:off x="4957156" y="1387929"/>
+            <a:ext cx="385155" cy="369332"/>
+          </a:xfrm>
+          <a:prstGeom prst="rect">
+            <a:avLst/>
+          </a:prstGeom>
+          <a:noFill/>
+        </p:spPr>
+        <p:txBody>
+          <a:bodyPr wrap="square" rtlCol="0">
+            <a:spAutoFit/>
+          </a:bodyPr>
+          <a:lstStyle/>
+          <a:p>
+            <a:r>
+              <a:rPr lang="en-US" altLang="zh-CN">
+                <a:latin typeface="微软雅黑" panose="020B0503020204020204" pitchFamily="34" charset="-122"/>
+                <a:ea typeface="微软雅黑" panose="020B0503020204020204" pitchFamily="34" charset="-122"/>
+              </a:rPr>
+              <a:t>t</a:t>
+            </a:r>
+            <a:endParaRPr lang="zh-CN" altLang="en-US">
+              <a:latin typeface="微软雅黑" panose="020B0503020204020204" pitchFamily="34" charset="-122"/>
+              <a:ea typeface="微软雅黑" panose="020B0503020204020204" pitchFamily="34" charset="-122"/>
+            </a:endParaRPr>
+          </a:p>
+        </p:txBody>
+      </p:sp>
     </p:spTree>
     <p:extLst>
       <p:ext uri="{BB962C8B-B14F-4D97-AF65-F5344CB8AC3E}">
@@ -9667,6 +10574,2175 @@
 </file>
 
 <file path=ppt/slides/slide15.xml><?xml version="1.0" encoding="utf-8"?>
+<p:sld xmlns:a="http://schemas.openxmlformats.org/drawingml/2006/main" xmlns:r="http://schemas.openxmlformats.org/officeDocument/2006/relationships" xmlns:p="http://schemas.openxmlformats.org/presentationml/2006/main">
+  <p:cSld>
+    <p:spTree>
+      <p:nvGrpSpPr>
+        <p:cNvPr id="1" name="">
+          <a:extLst>
+            <a:ext uri="{FF2B5EF4-FFF2-40B4-BE49-F238E27FC236}">
+              <a16:creationId xmlns:a16="http://schemas.microsoft.com/office/drawing/2014/main" id="{13112AE9-233D-DF84-224E-C1EAB107BCB4}"/>
+            </a:ext>
+          </a:extLst>
+        </p:cNvPr>
+        <p:cNvGrpSpPr/>
+        <p:nvPr/>
+      </p:nvGrpSpPr>
+      <p:grpSpPr>
+        <a:xfrm>
+          <a:off x="0" y="0"/>
+          <a:ext cx="0" cy="0"/>
+          <a:chOff x="0" y="0"/>
+          <a:chExt cx="0" cy="0"/>
+        </a:xfrm>
+      </p:grpSpPr>
+      <p:cxnSp>
+        <p:nvCxnSpPr>
+          <p:cNvPr id="3" name="直接连接符 2">
+            <a:extLst>
+              <a:ext uri="{FF2B5EF4-FFF2-40B4-BE49-F238E27FC236}">
+                <a16:creationId xmlns:a16="http://schemas.microsoft.com/office/drawing/2014/main" id="{331D832F-EC52-E366-83C6-E31A74937E48}"/>
+              </a:ext>
+            </a:extLst>
+          </p:cNvPr>
+          <p:cNvCxnSpPr>
+            <a:cxnSpLocks/>
+          </p:cNvCxnSpPr>
+          <p:nvPr/>
+        </p:nvCxnSpPr>
+        <p:spPr>
+          <a:xfrm flipV="1">
+            <a:off x="1579418" y="1280160"/>
+            <a:ext cx="2576946" cy="2967644"/>
+          </a:xfrm>
+          <a:prstGeom prst="line">
+            <a:avLst/>
+          </a:prstGeom>
+        </p:spPr>
+        <p:style>
+          <a:lnRef idx="1">
+            <a:schemeClr val="accent1"/>
+          </a:lnRef>
+          <a:fillRef idx="0">
+            <a:schemeClr val="accent1"/>
+          </a:fillRef>
+          <a:effectRef idx="0">
+            <a:schemeClr val="accent1"/>
+          </a:effectRef>
+          <a:fontRef idx="minor">
+            <a:schemeClr val="tx1"/>
+          </a:fontRef>
+        </p:style>
+      </p:cxnSp>
+      <p:cxnSp>
+        <p:nvCxnSpPr>
+          <p:cNvPr id="5" name="直接连接符 4">
+            <a:extLst>
+              <a:ext uri="{FF2B5EF4-FFF2-40B4-BE49-F238E27FC236}">
+                <a16:creationId xmlns:a16="http://schemas.microsoft.com/office/drawing/2014/main" id="{A5478006-2C65-3610-B850-7116015F37C4}"/>
+              </a:ext>
+            </a:extLst>
+          </p:cNvPr>
+          <p:cNvCxnSpPr>
+            <a:cxnSpLocks/>
+          </p:cNvCxnSpPr>
+          <p:nvPr/>
+        </p:nvCxnSpPr>
+        <p:spPr>
+          <a:xfrm>
+            <a:off x="4156364" y="1280160"/>
+            <a:ext cx="4979323" cy="477101"/>
+          </a:xfrm>
+          <a:prstGeom prst="line">
+            <a:avLst/>
+          </a:prstGeom>
+        </p:spPr>
+        <p:style>
+          <a:lnRef idx="1">
+            <a:schemeClr val="accent1"/>
+          </a:lnRef>
+          <a:fillRef idx="0">
+            <a:schemeClr val="accent1"/>
+          </a:fillRef>
+          <a:effectRef idx="0">
+            <a:schemeClr val="accent1"/>
+          </a:effectRef>
+          <a:fontRef idx="minor">
+            <a:schemeClr val="tx1"/>
+          </a:fontRef>
+        </p:style>
+      </p:cxnSp>
+      <mc:AlternateContent xmlns:mc="http://schemas.openxmlformats.org/markup-compatibility/2006" xmlns:a14="http://schemas.microsoft.com/office/drawing/2010/main">
+        <mc:Choice Requires="a14">
+          <p:sp>
+            <p:nvSpPr>
+              <p:cNvPr id="8" name="文本框 7">
+                <a:extLst>
+                  <a:ext uri="{FF2B5EF4-FFF2-40B4-BE49-F238E27FC236}">
+                    <a16:creationId xmlns:a16="http://schemas.microsoft.com/office/drawing/2014/main" id="{70A93084-1F5C-CE9D-7BDF-E8DCEF9085BC}"/>
+                  </a:ext>
+                </a:extLst>
+              </p:cNvPr>
+              <p:cNvSpPr txBox="1"/>
+              <p:nvPr/>
+            </p:nvSpPr>
+            <p:spPr>
+              <a:xfrm>
+                <a:off x="3769822" y="807365"/>
+                <a:ext cx="773084" cy="646331"/>
+              </a:xfrm>
+              <a:prstGeom prst="rect">
+                <a:avLst/>
+              </a:prstGeom>
+              <a:noFill/>
+            </p:spPr>
+            <p:txBody>
+              <a:bodyPr wrap="square" rtlCol="0">
+                <a:spAutoFit/>
+              </a:bodyPr>
+              <a:lstStyle/>
+              <a:p>
+                <a:pPr/>
+                <a14:m>
+                  <m:oMathPara xmlns:m="http://schemas.openxmlformats.org/officeDocument/2006/math">
+                    <m:oMathParaPr>
+                      <m:jc m:val="centerGroup"/>
+                    </m:oMathParaPr>
+                    <m:oMath xmlns:m="http://schemas.openxmlformats.org/officeDocument/2006/math">
+                      <m:sSub>
+                        <m:sSubPr>
+                          <m:ctrlPr>
+                            <a:rPr lang="en-US" altLang="zh-CN" b="0" i="1" smtClean="0">
+                              <a:latin typeface="Cambria Math" panose="02040503050406030204" pitchFamily="18" charset="0"/>
+                            </a:rPr>
+                          </m:ctrlPr>
+                        </m:sSubPr>
+                        <m:e>
+                          <m:r>
+                            <a:rPr lang="en-US" altLang="zh-CN" i="1" smtClean="0">
+                              <a:latin typeface="Cambria Math" panose="02040503050406030204" pitchFamily="18" charset="0"/>
+                            </a:rPr>
+                            <m:t>𝑃</m:t>
+                          </m:r>
+                        </m:e>
+                        <m:sub>
+                          <m:r>
+                            <a:rPr lang="en-US" altLang="zh-CN" b="0" i="1" smtClean="0">
+                              <a:latin typeface="Cambria Math" panose="02040503050406030204" pitchFamily="18" charset="0"/>
+                            </a:rPr>
+                            <m:t>1</m:t>
+                          </m:r>
+                        </m:sub>
+                      </m:sSub>
+                    </m:oMath>
+                  </m:oMathPara>
+                </a14:m>
+                <a:endParaRPr lang="en-US" altLang="zh-CN" b="0"/>
+              </a:p>
+              <a:p>
+                <a:endParaRPr lang="zh-CN" altLang="en-US"/>
+              </a:p>
+            </p:txBody>
+          </p:sp>
+        </mc:Choice>
+        <mc:Fallback xmlns="">
+          <p:sp>
+            <p:nvSpPr>
+              <p:cNvPr id="8" name="文本框 7">
+                <a:extLst>
+                  <a:ext uri="{FF2B5EF4-FFF2-40B4-BE49-F238E27FC236}">
+                    <a16:creationId xmlns:a16="http://schemas.microsoft.com/office/drawing/2014/main" id="{70A93084-1F5C-CE9D-7BDF-E8DCEF9085BC}"/>
+                  </a:ext>
+                </a:extLst>
+              </p:cNvPr>
+              <p:cNvSpPr txBox="1">
+                <a:spLocks noRot="1" noChangeAspect="1" noMove="1" noResize="1" noEditPoints="1" noAdjustHandles="1" noChangeArrowheads="1" noChangeShapeType="1" noTextEdit="1"/>
+              </p:cNvSpPr>
+              <p:nvPr/>
+            </p:nvSpPr>
+            <p:spPr>
+              <a:xfrm>
+                <a:off x="3769822" y="807365"/>
+                <a:ext cx="773084" cy="646331"/>
+              </a:xfrm>
+              <a:prstGeom prst="rect">
+                <a:avLst/>
+              </a:prstGeom>
+              <a:blipFill>
+                <a:blip r:embed="rId2"/>
+                <a:stretch>
+                  <a:fillRect/>
+                </a:stretch>
+              </a:blipFill>
+            </p:spPr>
+            <p:txBody>
+              <a:bodyPr/>
+              <a:lstStyle/>
+              <a:p>
+                <a:r>
+                  <a:rPr lang="zh-CN" altLang="en-US">
+                    <a:noFill/>
+                  </a:rPr>
+                  <a:t> </a:t>
+                </a:r>
+              </a:p>
+            </p:txBody>
+          </p:sp>
+        </mc:Fallback>
+      </mc:AlternateContent>
+      <mc:AlternateContent xmlns:mc="http://schemas.openxmlformats.org/markup-compatibility/2006" xmlns:a14="http://schemas.microsoft.com/office/drawing/2010/main">
+        <mc:Choice Requires="a14">
+          <p:sp>
+            <p:nvSpPr>
+              <p:cNvPr id="9" name="文本框 8">
+                <a:extLst>
+                  <a:ext uri="{FF2B5EF4-FFF2-40B4-BE49-F238E27FC236}">
+                    <a16:creationId xmlns:a16="http://schemas.microsoft.com/office/drawing/2014/main" id="{73C81345-59A4-0E91-2FA0-5FF3703671C4}"/>
+                  </a:ext>
+                </a:extLst>
+              </p:cNvPr>
+              <p:cNvSpPr txBox="1"/>
+              <p:nvPr/>
+            </p:nvSpPr>
+            <p:spPr>
+              <a:xfrm>
+                <a:off x="1133302" y="4317077"/>
+                <a:ext cx="773084" cy="646331"/>
+              </a:xfrm>
+              <a:prstGeom prst="rect">
+                <a:avLst/>
+              </a:prstGeom>
+              <a:noFill/>
+            </p:spPr>
+            <p:txBody>
+              <a:bodyPr wrap="square" rtlCol="0">
+                <a:spAutoFit/>
+              </a:bodyPr>
+              <a:lstStyle/>
+              <a:p>
+                <a:pPr/>
+                <a14:m>
+                  <m:oMathPara xmlns:m="http://schemas.openxmlformats.org/officeDocument/2006/math">
+                    <m:oMathParaPr>
+                      <m:jc m:val="centerGroup"/>
+                    </m:oMathParaPr>
+                    <m:oMath xmlns:m="http://schemas.openxmlformats.org/officeDocument/2006/math">
+                      <m:sSub>
+                        <m:sSubPr>
+                          <m:ctrlPr>
+                            <a:rPr lang="en-US" altLang="zh-CN" b="0" i="1" smtClean="0">
+                              <a:latin typeface="Cambria Math" panose="02040503050406030204" pitchFamily="18" charset="0"/>
+                            </a:rPr>
+                          </m:ctrlPr>
+                        </m:sSubPr>
+                        <m:e>
+                          <m:r>
+                            <a:rPr lang="en-US" altLang="zh-CN" i="1" smtClean="0">
+                              <a:latin typeface="Cambria Math" panose="02040503050406030204" pitchFamily="18" charset="0"/>
+                            </a:rPr>
+                            <m:t>𝑃</m:t>
+                          </m:r>
+                        </m:e>
+                        <m:sub>
+                          <m:r>
+                            <a:rPr lang="en-US" altLang="zh-CN" b="0" i="1" smtClean="0">
+                              <a:latin typeface="Cambria Math" panose="02040503050406030204" pitchFamily="18" charset="0"/>
+                            </a:rPr>
+                            <m:t>0</m:t>
+                          </m:r>
+                        </m:sub>
+                      </m:sSub>
+                    </m:oMath>
+                  </m:oMathPara>
+                </a14:m>
+                <a:endParaRPr lang="en-US" altLang="zh-CN" b="0"/>
+              </a:p>
+              <a:p>
+                <a:endParaRPr lang="zh-CN" altLang="en-US"/>
+              </a:p>
+            </p:txBody>
+          </p:sp>
+        </mc:Choice>
+        <mc:Fallback xmlns="">
+          <p:sp>
+            <p:nvSpPr>
+              <p:cNvPr id="9" name="文本框 8">
+                <a:extLst>
+                  <a:ext uri="{FF2B5EF4-FFF2-40B4-BE49-F238E27FC236}">
+                    <a16:creationId xmlns:a16="http://schemas.microsoft.com/office/drawing/2014/main" id="{73C81345-59A4-0E91-2FA0-5FF3703671C4}"/>
+                  </a:ext>
+                </a:extLst>
+              </p:cNvPr>
+              <p:cNvSpPr txBox="1">
+                <a:spLocks noRot="1" noChangeAspect="1" noMove="1" noResize="1" noEditPoints="1" noAdjustHandles="1" noChangeArrowheads="1" noChangeShapeType="1" noTextEdit="1"/>
+              </p:cNvSpPr>
+              <p:nvPr/>
+            </p:nvSpPr>
+            <p:spPr>
+              <a:xfrm>
+                <a:off x="1133302" y="4317077"/>
+                <a:ext cx="773084" cy="646331"/>
+              </a:xfrm>
+              <a:prstGeom prst="rect">
+                <a:avLst/>
+              </a:prstGeom>
+              <a:blipFill>
+                <a:blip r:embed="rId3"/>
+                <a:stretch>
+                  <a:fillRect/>
+                </a:stretch>
+              </a:blipFill>
+            </p:spPr>
+            <p:txBody>
+              <a:bodyPr/>
+              <a:lstStyle/>
+              <a:p>
+                <a:r>
+                  <a:rPr lang="zh-CN" altLang="en-US">
+                    <a:noFill/>
+                  </a:rPr>
+                  <a:t> </a:t>
+                </a:r>
+              </a:p>
+            </p:txBody>
+          </p:sp>
+        </mc:Fallback>
+      </mc:AlternateContent>
+      <mc:AlternateContent xmlns:mc="http://schemas.openxmlformats.org/markup-compatibility/2006" xmlns:a14="http://schemas.microsoft.com/office/drawing/2010/main">
+        <mc:Choice Requires="a14">
+          <p:sp>
+            <p:nvSpPr>
+              <p:cNvPr id="10" name="文本框 9">
+                <a:extLst>
+                  <a:ext uri="{FF2B5EF4-FFF2-40B4-BE49-F238E27FC236}">
+                    <a16:creationId xmlns:a16="http://schemas.microsoft.com/office/drawing/2014/main" id="{F5D86EA1-710D-F631-D869-210909E01CCB}"/>
+                  </a:ext>
+                </a:extLst>
+              </p:cNvPr>
+              <p:cNvSpPr txBox="1"/>
+              <p:nvPr/>
+            </p:nvSpPr>
+            <p:spPr>
+              <a:xfrm>
+                <a:off x="8844741" y="1311588"/>
+                <a:ext cx="773084" cy="646331"/>
+              </a:xfrm>
+              <a:prstGeom prst="rect">
+                <a:avLst/>
+              </a:prstGeom>
+              <a:noFill/>
+            </p:spPr>
+            <p:txBody>
+              <a:bodyPr wrap="square" rtlCol="0">
+                <a:spAutoFit/>
+              </a:bodyPr>
+              <a:lstStyle/>
+              <a:p>
+                <a:pPr/>
+                <a14:m>
+                  <m:oMathPara xmlns:m="http://schemas.openxmlformats.org/officeDocument/2006/math">
+                    <m:oMathParaPr>
+                      <m:jc m:val="centerGroup"/>
+                    </m:oMathParaPr>
+                    <m:oMath xmlns:m="http://schemas.openxmlformats.org/officeDocument/2006/math">
+                      <m:sSub>
+                        <m:sSubPr>
+                          <m:ctrlPr>
+                            <a:rPr lang="en-US" altLang="zh-CN" b="0" i="1" smtClean="0">
+                              <a:latin typeface="Cambria Math" panose="02040503050406030204" pitchFamily="18" charset="0"/>
+                            </a:rPr>
+                          </m:ctrlPr>
+                        </m:sSubPr>
+                        <m:e>
+                          <m:r>
+                            <a:rPr lang="en-US" altLang="zh-CN" i="1" smtClean="0">
+                              <a:latin typeface="Cambria Math" panose="02040503050406030204" pitchFamily="18" charset="0"/>
+                            </a:rPr>
+                            <m:t>𝑃</m:t>
+                          </m:r>
+                        </m:e>
+                        <m:sub>
+                          <m:r>
+                            <a:rPr lang="en-US" altLang="zh-CN" b="0" i="1" smtClean="0">
+                              <a:latin typeface="Cambria Math" panose="02040503050406030204" pitchFamily="18" charset="0"/>
+                            </a:rPr>
+                            <m:t>2</m:t>
+                          </m:r>
+                        </m:sub>
+                      </m:sSub>
+                    </m:oMath>
+                  </m:oMathPara>
+                </a14:m>
+                <a:endParaRPr lang="en-US" altLang="zh-CN" b="0"/>
+              </a:p>
+              <a:p>
+                <a:endParaRPr lang="zh-CN" altLang="en-US"/>
+              </a:p>
+            </p:txBody>
+          </p:sp>
+        </mc:Choice>
+        <mc:Fallback xmlns="">
+          <p:sp>
+            <p:nvSpPr>
+              <p:cNvPr id="10" name="文本框 9">
+                <a:extLst>
+                  <a:ext uri="{FF2B5EF4-FFF2-40B4-BE49-F238E27FC236}">
+                    <a16:creationId xmlns:a16="http://schemas.microsoft.com/office/drawing/2014/main" id="{F5D86EA1-710D-F631-D869-210909E01CCB}"/>
+                  </a:ext>
+                </a:extLst>
+              </p:cNvPr>
+              <p:cNvSpPr txBox="1">
+                <a:spLocks noRot="1" noChangeAspect="1" noMove="1" noResize="1" noEditPoints="1" noAdjustHandles="1" noChangeArrowheads="1" noChangeShapeType="1" noTextEdit="1"/>
+              </p:cNvSpPr>
+              <p:nvPr/>
+            </p:nvSpPr>
+            <p:spPr>
+              <a:xfrm>
+                <a:off x="8844741" y="1311588"/>
+                <a:ext cx="773084" cy="646331"/>
+              </a:xfrm>
+              <a:prstGeom prst="rect">
+                <a:avLst/>
+              </a:prstGeom>
+              <a:blipFill>
+                <a:blip r:embed="rId4"/>
+                <a:stretch>
+                  <a:fillRect/>
+                </a:stretch>
+              </a:blipFill>
+            </p:spPr>
+            <p:txBody>
+              <a:bodyPr/>
+              <a:lstStyle/>
+              <a:p>
+                <a:r>
+                  <a:rPr lang="zh-CN" altLang="en-US">
+                    <a:noFill/>
+                  </a:rPr>
+                  <a:t> </a:t>
+                </a:r>
+              </a:p>
+            </p:txBody>
+          </p:sp>
+        </mc:Fallback>
+      </mc:AlternateContent>
+      <mc:AlternateContent xmlns:mc="http://schemas.openxmlformats.org/markup-compatibility/2006" xmlns:a14="http://schemas.microsoft.com/office/drawing/2010/main">
+        <mc:Choice Requires="a14">
+          <p:sp>
+            <p:nvSpPr>
+              <p:cNvPr id="11" name="文本框 10">
+                <a:extLst>
+                  <a:ext uri="{FF2B5EF4-FFF2-40B4-BE49-F238E27FC236}">
+                    <a16:creationId xmlns:a16="http://schemas.microsoft.com/office/drawing/2014/main" id="{E1DD9D36-B9E4-5BFB-4A1F-CBD6864D6684}"/>
+                  </a:ext>
+                </a:extLst>
+              </p:cNvPr>
+              <p:cNvSpPr txBox="1"/>
+              <p:nvPr/>
+            </p:nvSpPr>
+            <p:spPr>
+              <a:xfrm>
+                <a:off x="5541818" y="1544463"/>
+                <a:ext cx="773084" cy="950966"/>
+              </a:xfrm>
+              <a:prstGeom prst="rect">
+                <a:avLst/>
+              </a:prstGeom>
+              <a:noFill/>
+            </p:spPr>
+            <p:txBody>
+              <a:bodyPr wrap="square" rtlCol="0">
+                <a:spAutoFit/>
+              </a:bodyPr>
+              <a:lstStyle/>
+              <a:p>
+                <a:pPr/>
+                <a14:m>
+                  <m:oMathPara xmlns:m="http://schemas.openxmlformats.org/officeDocument/2006/math">
+                    <m:oMathParaPr>
+                      <m:jc m:val="centerGroup"/>
+                    </m:oMathParaPr>
+                    <m:oMath xmlns:m="http://schemas.openxmlformats.org/officeDocument/2006/math">
+                      <m:sSubSup>
+                        <m:sSubSupPr>
+                          <m:ctrlPr>
+                            <a:rPr lang="en-US" altLang="zh-CN" b="0" i="1" smtClean="0">
+                              <a:solidFill>
+                                <a:srgbClr val="FF0000"/>
+                              </a:solidFill>
+                              <a:latin typeface="Cambria Math" panose="02040503050406030204" pitchFamily="18" charset="0"/>
+                            </a:rPr>
+                          </m:ctrlPr>
+                        </m:sSubSupPr>
+                        <m:e>
+                          <m:r>
+                            <a:rPr lang="en-US" altLang="zh-CN" i="1" smtClean="0">
+                              <a:solidFill>
+                                <a:srgbClr val="FF0000"/>
+                              </a:solidFill>
+                              <a:latin typeface="Cambria Math" panose="02040503050406030204" pitchFamily="18" charset="0"/>
+                            </a:rPr>
+                            <m:t>𝑃</m:t>
+                          </m:r>
+                        </m:e>
+                        <m:sub>
+                          <m:r>
+                            <a:rPr lang="en-US" altLang="zh-CN" b="0" i="1" smtClean="0">
+                              <a:solidFill>
+                                <a:srgbClr val="FF0000"/>
+                              </a:solidFill>
+                              <a:latin typeface="Cambria Math" panose="02040503050406030204" pitchFamily="18" charset="0"/>
+                            </a:rPr>
+                            <m:t>1</m:t>
+                          </m:r>
+                        </m:sub>
+                        <m:sup>
+                          <m:r>
+                            <a:rPr lang="en-US" altLang="zh-CN" b="0" i="1" smtClean="0">
+                              <a:solidFill>
+                                <a:srgbClr val="FF0000"/>
+                              </a:solidFill>
+                              <a:latin typeface="Cambria Math" panose="02040503050406030204" pitchFamily="18" charset="0"/>
+                            </a:rPr>
+                            <m:t>1</m:t>
+                          </m:r>
+                        </m:sup>
+                      </m:sSubSup>
+                    </m:oMath>
+                  </m:oMathPara>
+                </a14:m>
+                <a:endParaRPr lang="en-US" altLang="zh-CN" b="0"/>
+              </a:p>
+              <a:p>
+                <a:endParaRPr lang="en-US" altLang="zh-CN" b="0"/>
+              </a:p>
+              <a:p>
+                <a:endParaRPr lang="zh-CN" altLang="en-US"/>
+              </a:p>
+            </p:txBody>
+          </p:sp>
+        </mc:Choice>
+        <mc:Fallback xmlns="">
+          <p:sp>
+            <p:nvSpPr>
+              <p:cNvPr id="11" name="文本框 10">
+                <a:extLst>
+                  <a:ext uri="{FF2B5EF4-FFF2-40B4-BE49-F238E27FC236}">
+                    <a16:creationId xmlns:a16="http://schemas.microsoft.com/office/drawing/2014/main" id="{E1DD9D36-B9E4-5BFB-4A1F-CBD6864D6684}"/>
+                  </a:ext>
+                </a:extLst>
+              </p:cNvPr>
+              <p:cNvSpPr txBox="1">
+                <a:spLocks noRot="1" noChangeAspect="1" noMove="1" noResize="1" noEditPoints="1" noAdjustHandles="1" noChangeArrowheads="1" noChangeShapeType="1" noTextEdit="1"/>
+              </p:cNvSpPr>
+              <p:nvPr/>
+            </p:nvSpPr>
+            <p:spPr>
+              <a:xfrm>
+                <a:off x="5541818" y="1544463"/>
+                <a:ext cx="773084" cy="950966"/>
+              </a:xfrm>
+              <a:prstGeom prst="rect">
+                <a:avLst/>
+              </a:prstGeom>
+              <a:blipFill>
+                <a:blip r:embed="rId5"/>
+                <a:stretch>
+                  <a:fillRect/>
+                </a:stretch>
+              </a:blipFill>
+            </p:spPr>
+            <p:txBody>
+              <a:bodyPr/>
+              <a:lstStyle/>
+              <a:p>
+                <a:r>
+                  <a:rPr lang="zh-CN" altLang="en-US">
+                    <a:noFill/>
+                  </a:rPr>
+                  <a:t> </a:t>
+                </a:r>
+              </a:p>
+            </p:txBody>
+          </p:sp>
+        </mc:Fallback>
+      </mc:AlternateContent>
+      <p:sp>
+        <p:nvSpPr>
+          <p:cNvPr id="14" name="椭圆 13">
+            <a:extLst>
+              <a:ext uri="{FF2B5EF4-FFF2-40B4-BE49-F238E27FC236}">
+                <a16:creationId xmlns:a16="http://schemas.microsoft.com/office/drawing/2014/main" id="{ABECCFE2-2482-4596-4FB1-ED271A94E4AE}"/>
+              </a:ext>
+            </a:extLst>
+          </p:cNvPr>
+          <p:cNvSpPr/>
+          <p:nvPr/>
+        </p:nvSpPr>
+        <p:spPr>
+          <a:xfrm>
+            <a:off x="2351115" y="3228083"/>
+            <a:ext cx="117763" cy="135749"/>
+          </a:xfrm>
+          <a:prstGeom prst="ellipse">
+            <a:avLst/>
+          </a:prstGeom>
+        </p:spPr>
+        <p:style>
+          <a:lnRef idx="2">
+            <a:schemeClr val="accent1">
+              <a:shade val="15000"/>
+            </a:schemeClr>
+          </a:lnRef>
+          <a:fillRef idx="1">
+            <a:schemeClr val="accent1"/>
+          </a:fillRef>
+          <a:effectRef idx="0">
+            <a:schemeClr val="accent1"/>
+          </a:effectRef>
+          <a:fontRef idx="minor">
+            <a:schemeClr val="lt1"/>
+          </a:fontRef>
+        </p:style>
+        <p:txBody>
+          <a:bodyPr rtlCol="0" anchor="ctr"/>
+          <a:lstStyle/>
+          <a:p>
+            <a:pPr algn="ctr"/>
+            <a:endParaRPr lang="zh-CN" altLang="en-US"/>
+          </a:p>
+        </p:txBody>
+      </p:sp>
+      <p:sp>
+        <p:nvSpPr>
+          <p:cNvPr id="15" name="椭圆 14">
+            <a:extLst>
+              <a:ext uri="{FF2B5EF4-FFF2-40B4-BE49-F238E27FC236}">
+                <a16:creationId xmlns:a16="http://schemas.microsoft.com/office/drawing/2014/main" id="{C4D35A07-7DD0-F437-C52C-960F58AB2DBE}"/>
+              </a:ext>
+            </a:extLst>
+          </p:cNvPr>
+          <p:cNvSpPr/>
+          <p:nvPr/>
+        </p:nvSpPr>
+        <p:spPr>
+          <a:xfrm>
+            <a:off x="5792240" y="1387929"/>
+            <a:ext cx="117763" cy="135749"/>
+          </a:xfrm>
+          <a:prstGeom prst="ellipse">
+            <a:avLst/>
+          </a:prstGeom>
+        </p:spPr>
+        <p:style>
+          <a:lnRef idx="2">
+            <a:schemeClr val="accent1">
+              <a:shade val="15000"/>
+            </a:schemeClr>
+          </a:lnRef>
+          <a:fillRef idx="1">
+            <a:schemeClr val="accent1"/>
+          </a:fillRef>
+          <a:effectRef idx="0">
+            <a:schemeClr val="accent1"/>
+          </a:effectRef>
+          <a:fontRef idx="minor">
+            <a:schemeClr val="lt1"/>
+          </a:fontRef>
+        </p:style>
+        <p:txBody>
+          <a:bodyPr rtlCol="0" anchor="ctr"/>
+          <a:lstStyle/>
+          <a:p>
+            <a:pPr algn="ctr"/>
+            <a:endParaRPr lang="zh-CN" altLang="en-US"/>
+          </a:p>
+        </p:txBody>
+      </p:sp>
+      <p:cxnSp>
+        <p:nvCxnSpPr>
+          <p:cNvPr id="17" name="直接连接符 16">
+            <a:extLst>
+              <a:ext uri="{FF2B5EF4-FFF2-40B4-BE49-F238E27FC236}">
+                <a16:creationId xmlns:a16="http://schemas.microsoft.com/office/drawing/2014/main" id="{ACB5D3A4-466E-1C22-60FB-E6957AD6E666}"/>
+              </a:ext>
+            </a:extLst>
+          </p:cNvPr>
+          <p:cNvCxnSpPr>
+            <a:cxnSpLocks/>
+            <a:stCxn id="14" idx="6"/>
+          </p:cNvCxnSpPr>
+          <p:nvPr/>
+        </p:nvCxnSpPr>
+        <p:spPr>
+          <a:xfrm flipV="1">
+            <a:off x="2468878" y="1442651"/>
+            <a:ext cx="3392286" cy="1853307"/>
+          </a:xfrm>
+          <a:prstGeom prst="line">
+            <a:avLst/>
+          </a:prstGeom>
+          <a:ln w="9525" cap="flat" cmpd="sng" algn="ctr">
+            <a:solidFill>
+              <a:schemeClr val="accent1"/>
+            </a:solidFill>
+            <a:prstDash val="dash"/>
+            <a:round/>
+            <a:headEnd type="none" w="med" len="med"/>
+            <a:tailEnd type="none" w="med" len="med"/>
+          </a:ln>
+        </p:spPr>
+        <p:style>
+          <a:lnRef idx="0">
+            <a:scrgbClr r="0" g="0" b="0"/>
+          </a:lnRef>
+          <a:fillRef idx="0">
+            <a:scrgbClr r="0" g="0" b="0"/>
+          </a:fillRef>
+          <a:effectRef idx="0">
+            <a:scrgbClr r="0" g="0" b="0"/>
+          </a:effectRef>
+          <a:fontRef idx="minor">
+            <a:schemeClr val="tx1"/>
+          </a:fontRef>
+        </p:style>
+      </p:cxnSp>
+      <p:sp>
+        <p:nvSpPr>
+          <p:cNvPr id="18" name="文本框 17">
+            <a:extLst>
+              <a:ext uri="{FF2B5EF4-FFF2-40B4-BE49-F238E27FC236}">
+                <a16:creationId xmlns:a16="http://schemas.microsoft.com/office/drawing/2014/main" id="{EFB7F44A-8C3A-632B-1511-A6755952E51A}"/>
+              </a:ext>
+            </a:extLst>
+          </p:cNvPr>
+          <p:cNvSpPr txBox="1"/>
+          <p:nvPr/>
+        </p:nvSpPr>
+        <p:spPr>
+          <a:xfrm>
+            <a:off x="1679171" y="3451116"/>
+            <a:ext cx="385155" cy="369332"/>
+          </a:xfrm>
+          <a:prstGeom prst="rect">
+            <a:avLst/>
+          </a:prstGeom>
+          <a:noFill/>
+        </p:spPr>
+        <p:txBody>
+          <a:bodyPr wrap="square" rtlCol="0">
+            <a:spAutoFit/>
+          </a:bodyPr>
+          <a:lstStyle/>
+          <a:p>
+            <a:r>
+              <a:rPr lang="en-US" altLang="zh-CN">
+                <a:latin typeface="微软雅黑" panose="020B0503020204020204" pitchFamily="34" charset="-122"/>
+                <a:ea typeface="微软雅黑" panose="020B0503020204020204" pitchFamily="34" charset="-122"/>
+              </a:rPr>
+              <a:t>t</a:t>
+            </a:r>
+            <a:endParaRPr lang="zh-CN" altLang="en-US">
+              <a:latin typeface="微软雅黑" panose="020B0503020204020204" pitchFamily="34" charset="-122"/>
+              <a:ea typeface="微软雅黑" panose="020B0503020204020204" pitchFamily="34" charset="-122"/>
+            </a:endParaRPr>
+          </a:p>
+        </p:txBody>
+      </p:sp>
+      <p:sp>
+        <p:nvSpPr>
+          <p:cNvPr id="19" name="文本框 18">
+            <a:extLst>
+              <a:ext uri="{FF2B5EF4-FFF2-40B4-BE49-F238E27FC236}">
+                <a16:creationId xmlns:a16="http://schemas.microsoft.com/office/drawing/2014/main" id="{D70D6666-F231-4549-095D-19F270D39A57}"/>
+              </a:ext>
+            </a:extLst>
+          </p:cNvPr>
+          <p:cNvSpPr txBox="1"/>
+          <p:nvPr/>
+        </p:nvSpPr>
+        <p:spPr>
+          <a:xfrm>
+            <a:off x="4820170" y="992074"/>
+            <a:ext cx="385155" cy="369332"/>
+          </a:xfrm>
+          <a:prstGeom prst="rect">
+            <a:avLst/>
+          </a:prstGeom>
+          <a:noFill/>
+        </p:spPr>
+        <p:txBody>
+          <a:bodyPr wrap="square" rtlCol="0">
+            <a:spAutoFit/>
+          </a:bodyPr>
+          <a:lstStyle/>
+          <a:p>
+            <a:r>
+              <a:rPr lang="en-US" altLang="zh-CN">
+                <a:latin typeface="微软雅黑" panose="020B0503020204020204" pitchFamily="34" charset="-122"/>
+                <a:ea typeface="微软雅黑" panose="020B0503020204020204" pitchFamily="34" charset="-122"/>
+              </a:rPr>
+              <a:t>t</a:t>
+            </a:r>
+            <a:endParaRPr lang="zh-CN" altLang="en-US">
+              <a:latin typeface="微软雅黑" panose="020B0503020204020204" pitchFamily="34" charset="-122"/>
+              <a:ea typeface="微软雅黑" panose="020B0503020204020204" pitchFamily="34" charset="-122"/>
+            </a:endParaRPr>
+          </a:p>
+        </p:txBody>
+      </p:sp>
+      <p:cxnSp>
+        <p:nvCxnSpPr>
+          <p:cNvPr id="12" name="直接连接符 11">
+            <a:extLst>
+              <a:ext uri="{FF2B5EF4-FFF2-40B4-BE49-F238E27FC236}">
+                <a16:creationId xmlns:a16="http://schemas.microsoft.com/office/drawing/2014/main" id="{B2F6B019-90E3-F8AB-D18E-D43EB8626B02}"/>
+              </a:ext>
+            </a:extLst>
+          </p:cNvPr>
+          <p:cNvCxnSpPr>
+            <a:cxnSpLocks/>
+          </p:cNvCxnSpPr>
+          <p:nvPr/>
+        </p:nvCxnSpPr>
+        <p:spPr>
+          <a:xfrm>
+            <a:off x="9135687" y="1757261"/>
+            <a:ext cx="1521229" cy="3296877"/>
+          </a:xfrm>
+          <a:prstGeom prst="line">
+            <a:avLst/>
+          </a:prstGeom>
+        </p:spPr>
+        <p:style>
+          <a:lnRef idx="1">
+            <a:schemeClr val="accent1"/>
+          </a:lnRef>
+          <a:fillRef idx="0">
+            <a:schemeClr val="accent1"/>
+          </a:fillRef>
+          <a:effectRef idx="0">
+            <a:schemeClr val="accent1"/>
+          </a:effectRef>
+          <a:fontRef idx="minor">
+            <a:schemeClr val="tx1"/>
+          </a:fontRef>
+        </p:style>
+      </p:cxnSp>
+      <mc:AlternateContent xmlns:mc="http://schemas.openxmlformats.org/markup-compatibility/2006" xmlns:a14="http://schemas.microsoft.com/office/drawing/2010/main">
+        <mc:Choice Requires="a14">
+          <p:sp>
+            <p:nvSpPr>
+              <p:cNvPr id="21" name="文本框 20">
+                <a:extLst>
+                  <a:ext uri="{FF2B5EF4-FFF2-40B4-BE49-F238E27FC236}">
+                    <a16:creationId xmlns:a16="http://schemas.microsoft.com/office/drawing/2014/main" id="{EEF7C008-7CDE-E582-A588-FF0624A29D52}"/>
+                  </a:ext>
+                </a:extLst>
+              </p:cNvPr>
+              <p:cNvSpPr txBox="1"/>
+              <p:nvPr/>
+            </p:nvSpPr>
+            <p:spPr>
+              <a:xfrm>
+                <a:off x="10270374" y="5054138"/>
+                <a:ext cx="773084" cy="646331"/>
+              </a:xfrm>
+              <a:prstGeom prst="rect">
+                <a:avLst/>
+              </a:prstGeom>
+              <a:noFill/>
+            </p:spPr>
+            <p:txBody>
+              <a:bodyPr wrap="square" rtlCol="0">
+                <a:spAutoFit/>
+              </a:bodyPr>
+              <a:lstStyle/>
+              <a:p>
+                <a:pPr/>
+                <a14:m>
+                  <m:oMathPara xmlns:m="http://schemas.openxmlformats.org/officeDocument/2006/math">
+                    <m:oMathParaPr>
+                      <m:jc m:val="centerGroup"/>
+                    </m:oMathParaPr>
+                    <m:oMath xmlns:m="http://schemas.openxmlformats.org/officeDocument/2006/math">
+                      <m:sSub>
+                        <m:sSubPr>
+                          <m:ctrlPr>
+                            <a:rPr lang="en-US" altLang="zh-CN" b="0" i="1" smtClean="0">
+                              <a:latin typeface="Cambria Math" panose="02040503050406030204" pitchFamily="18" charset="0"/>
+                            </a:rPr>
+                          </m:ctrlPr>
+                        </m:sSubPr>
+                        <m:e>
+                          <m:r>
+                            <a:rPr lang="en-US" altLang="zh-CN" i="1" smtClean="0">
+                              <a:latin typeface="Cambria Math" panose="02040503050406030204" pitchFamily="18" charset="0"/>
+                            </a:rPr>
+                            <m:t>𝑃</m:t>
+                          </m:r>
+                        </m:e>
+                        <m:sub>
+                          <m:r>
+                            <a:rPr lang="en-US" altLang="zh-CN" b="0" i="1" smtClean="0">
+                              <a:latin typeface="Cambria Math" panose="02040503050406030204" pitchFamily="18" charset="0"/>
+                            </a:rPr>
+                            <m:t>3</m:t>
+                          </m:r>
+                        </m:sub>
+                      </m:sSub>
+                    </m:oMath>
+                  </m:oMathPara>
+                </a14:m>
+                <a:endParaRPr lang="en-US" altLang="zh-CN" b="0"/>
+              </a:p>
+              <a:p>
+                <a:endParaRPr lang="zh-CN" altLang="en-US"/>
+              </a:p>
+            </p:txBody>
+          </p:sp>
+        </mc:Choice>
+        <mc:Fallback xmlns="">
+          <p:sp>
+            <p:nvSpPr>
+              <p:cNvPr id="21" name="文本框 20">
+                <a:extLst>
+                  <a:ext uri="{FF2B5EF4-FFF2-40B4-BE49-F238E27FC236}">
+                    <a16:creationId xmlns:a16="http://schemas.microsoft.com/office/drawing/2014/main" id="{EEF7C008-7CDE-E582-A588-FF0624A29D52}"/>
+                  </a:ext>
+                </a:extLst>
+              </p:cNvPr>
+              <p:cNvSpPr txBox="1">
+                <a:spLocks noRot="1" noChangeAspect="1" noMove="1" noResize="1" noEditPoints="1" noAdjustHandles="1" noChangeArrowheads="1" noChangeShapeType="1" noTextEdit="1"/>
+              </p:cNvSpPr>
+              <p:nvPr/>
+            </p:nvSpPr>
+            <p:spPr>
+              <a:xfrm>
+                <a:off x="10270374" y="5054138"/>
+                <a:ext cx="773084" cy="646331"/>
+              </a:xfrm>
+              <a:prstGeom prst="rect">
+                <a:avLst/>
+              </a:prstGeom>
+              <a:blipFill>
+                <a:blip r:embed="rId6"/>
+                <a:stretch>
+                  <a:fillRect/>
+                </a:stretch>
+              </a:blipFill>
+            </p:spPr>
+            <p:txBody>
+              <a:bodyPr/>
+              <a:lstStyle/>
+              <a:p>
+                <a:r>
+                  <a:rPr lang="zh-CN" altLang="en-US">
+                    <a:noFill/>
+                  </a:rPr>
+                  <a:t> </a:t>
+                </a:r>
+              </a:p>
+            </p:txBody>
+          </p:sp>
+        </mc:Fallback>
+      </mc:AlternateContent>
+      <mc:AlternateContent xmlns:mc="http://schemas.openxmlformats.org/markup-compatibility/2006" xmlns:a14="http://schemas.microsoft.com/office/drawing/2010/main">
+        <mc:Choice Requires="a14">
+          <p:sp>
+            <p:nvSpPr>
+              <p:cNvPr id="24" name="文本框 23">
+                <a:extLst>
+                  <a:ext uri="{FF2B5EF4-FFF2-40B4-BE49-F238E27FC236}">
+                    <a16:creationId xmlns:a16="http://schemas.microsoft.com/office/drawing/2014/main" id="{33A35B91-5255-FC23-D78C-52DF63F623D9}"/>
+                  </a:ext>
+                </a:extLst>
+              </p:cNvPr>
+              <p:cNvSpPr txBox="1"/>
+              <p:nvPr/>
+            </p:nvSpPr>
+            <p:spPr>
+              <a:xfrm>
+                <a:off x="2410691" y="3380483"/>
+                <a:ext cx="773084" cy="928203"/>
+              </a:xfrm>
+              <a:prstGeom prst="rect">
+                <a:avLst/>
+              </a:prstGeom>
+              <a:noFill/>
+            </p:spPr>
+            <p:txBody>
+              <a:bodyPr wrap="square" rtlCol="0">
+                <a:spAutoFit/>
+              </a:bodyPr>
+              <a:lstStyle/>
+              <a:p>
+                <a:pPr/>
+                <a14:m>
+                  <m:oMathPara xmlns:m="http://schemas.openxmlformats.org/officeDocument/2006/math">
+                    <m:oMathParaPr>
+                      <m:jc m:val="centerGroup"/>
+                    </m:oMathParaPr>
+                    <m:oMath xmlns:m="http://schemas.openxmlformats.org/officeDocument/2006/math">
+                      <m:sSubSup>
+                        <m:sSubSupPr>
+                          <m:ctrlPr>
+                            <a:rPr lang="en-US" altLang="zh-CN" b="0" i="1" smtClean="0">
+                              <a:solidFill>
+                                <a:srgbClr val="FF0000"/>
+                              </a:solidFill>
+                              <a:latin typeface="Cambria Math" panose="02040503050406030204" pitchFamily="18" charset="0"/>
+                            </a:rPr>
+                          </m:ctrlPr>
+                        </m:sSubSupPr>
+                        <m:e>
+                          <m:r>
+                            <a:rPr lang="en-US" altLang="zh-CN" i="1" smtClean="0">
+                              <a:solidFill>
+                                <a:srgbClr val="FF0000"/>
+                              </a:solidFill>
+                              <a:latin typeface="Cambria Math" panose="02040503050406030204" pitchFamily="18" charset="0"/>
+                            </a:rPr>
+                            <m:t>𝑃</m:t>
+                          </m:r>
+                        </m:e>
+                        <m:sub>
+                          <m:r>
+                            <a:rPr lang="en-US" altLang="zh-CN" b="0" i="1" smtClean="0">
+                              <a:solidFill>
+                                <a:srgbClr val="FF0000"/>
+                              </a:solidFill>
+                              <a:latin typeface="Cambria Math" panose="02040503050406030204" pitchFamily="18" charset="0"/>
+                            </a:rPr>
+                            <m:t>0</m:t>
+                          </m:r>
+                        </m:sub>
+                        <m:sup>
+                          <m:r>
+                            <a:rPr lang="en-US" altLang="zh-CN" b="0" i="1" smtClean="0">
+                              <a:solidFill>
+                                <a:srgbClr val="FF0000"/>
+                              </a:solidFill>
+                              <a:latin typeface="Cambria Math" panose="02040503050406030204" pitchFamily="18" charset="0"/>
+                            </a:rPr>
+                            <m:t>1</m:t>
+                          </m:r>
+                        </m:sup>
+                      </m:sSubSup>
+                    </m:oMath>
+                  </m:oMathPara>
+                </a14:m>
+                <a:endParaRPr lang="en-US" altLang="zh-CN" b="0"/>
+              </a:p>
+              <a:p>
+                <a:endParaRPr lang="en-US" altLang="zh-CN" b="0"/>
+              </a:p>
+              <a:p>
+                <a:endParaRPr lang="zh-CN" altLang="en-US"/>
+              </a:p>
+            </p:txBody>
+          </p:sp>
+        </mc:Choice>
+        <mc:Fallback xmlns="">
+          <p:sp>
+            <p:nvSpPr>
+              <p:cNvPr id="24" name="文本框 23">
+                <a:extLst>
+                  <a:ext uri="{FF2B5EF4-FFF2-40B4-BE49-F238E27FC236}">
+                    <a16:creationId xmlns:a16="http://schemas.microsoft.com/office/drawing/2014/main" id="{33A35B91-5255-FC23-D78C-52DF63F623D9}"/>
+                  </a:ext>
+                </a:extLst>
+              </p:cNvPr>
+              <p:cNvSpPr txBox="1">
+                <a:spLocks noRot="1" noChangeAspect="1" noMove="1" noResize="1" noEditPoints="1" noAdjustHandles="1" noChangeArrowheads="1" noChangeShapeType="1" noTextEdit="1"/>
+              </p:cNvSpPr>
+              <p:nvPr/>
+            </p:nvSpPr>
+            <p:spPr>
+              <a:xfrm>
+                <a:off x="2410691" y="3380483"/>
+                <a:ext cx="773084" cy="928203"/>
+              </a:xfrm>
+              <a:prstGeom prst="rect">
+                <a:avLst/>
+              </a:prstGeom>
+              <a:blipFill>
+                <a:blip r:embed="rId7"/>
+                <a:stretch>
+                  <a:fillRect/>
+                </a:stretch>
+              </a:blipFill>
+            </p:spPr>
+            <p:txBody>
+              <a:bodyPr/>
+              <a:lstStyle/>
+              <a:p>
+                <a:r>
+                  <a:rPr lang="zh-CN" altLang="en-US">
+                    <a:noFill/>
+                  </a:rPr>
+                  <a:t> </a:t>
+                </a:r>
+              </a:p>
+            </p:txBody>
+          </p:sp>
+        </mc:Fallback>
+      </mc:AlternateContent>
+      <p:sp>
+        <p:nvSpPr>
+          <p:cNvPr id="25" name="椭圆 24">
+            <a:extLst>
+              <a:ext uri="{FF2B5EF4-FFF2-40B4-BE49-F238E27FC236}">
+                <a16:creationId xmlns:a16="http://schemas.microsoft.com/office/drawing/2014/main" id="{C7755D13-CCF2-C05C-9497-F75F9477CFD5}"/>
+              </a:ext>
+            </a:extLst>
+          </p:cNvPr>
+          <p:cNvSpPr/>
+          <p:nvPr/>
+        </p:nvSpPr>
+        <p:spPr>
+          <a:xfrm>
+            <a:off x="9558943" y="2763982"/>
+            <a:ext cx="117763" cy="135749"/>
+          </a:xfrm>
+          <a:prstGeom prst="ellipse">
+            <a:avLst/>
+          </a:prstGeom>
+        </p:spPr>
+        <p:style>
+          <a:lnRef idx="2">
+            <a:schemeClr val="accent1">
+              <a:shade val="15000"/>
+            </a:schemeClr>
+          </a:lnRef>
+          <a:fillRef idx="1">
+            <a:schemeClr val="accent1"/>
+          </a:fillRef>
+          <a:effectRef idx="0">
+            <a:schemeClr val="accent1"/>
+          </a:effectRef>
+          <a:fontRef idx="minor">
+            <a:schemeClr val="lt1"/>
+          </a:fontRef>
+        </p:style>
+        <p:txBody>
+          <a:bodyPr rtlCol="0" anchor="ctr"/>
+          <a:lstStyle/>
+          <a:p>
+            <a:pPr algn="ctr"/>
+            <a:endParaRPr lang="zh-CN" altLang="en-US"/>
+          </a:p>
+        </p:txBody>
+      </p:sp>
+      <p:cxnSp>
+        <p:nvCxnSpPr>
+          <p:cNvPr id="26" name="直接连接符 25">
+            <a:extLst>
+              <a:ext uri="{FF2B5EF4-FFF2-40B4-BE49-F238E27FC236}">
+                <a16:creationId xmlns:a16="http://schemas.microsoft.com/office/drawing/2014/main" id="{CD9C7B76-0311-C8A1-A0B3-1D2DF07A56DA}"/>
+              </a:ext>
+            </a:extLst>
+          </p:cNvPr>
+          <p:cNvCxnSpPr>
+            <a:cxnSpLocks/>
+            <a:stCxn id="15" idx="1"/>
+            <a:endCxn id="25" idx="5"/>
+          </p:cNvCxnSpPr>
+          <p:nvPr/>
+        </p:nvCxnSpPr>
+        <p:spPr>
+          <a:xfrm>
+            <a:off x="5809486" y="1407809"/>
+            <a:ext cx="3849974" cy="1472042"/>
+          </a:xfrm>
+          <a:prstGeom prst="line">
+            <a:avLst/>
+          </a:prstGeom>
+          <a:ln w="9525" cap="flat" cmpd="sng" algn="ctr">
+            <a:solidFill>
+              <a:schemeClr val="accent1"/>
+            </a:solidFill>
+            <a:prstDash val="dash"/>
+            <a:round/>
+            <a:headEnd type="none" w="med" len="med"/>
+            <a:tailEnd type="none" w="med" len="med"/>
+          </a:ln>
+        </p:spPr>
+        <p:style>
+          <a:lnRef idx="0">
+            <a:scrgbClr r="0" g="0" b="0"/>
+          </a:lnRef>
+          <a:fillRef idx="0">
+            <a:scrgbClr r="0" g="0" b="0"/>
+          </a:fillRef>
+          <a:effectRef idx="0">
+            <a:scrgbClr r="0" g="0" b="0"/>
+          </a:effectRef>
+          <a:fontRef idx="minor">
+            <a:schemeClr val="tx1"/>
+          </a:fontRef>
+        </p:style>
+      </p:cxnSp>
+      <p:sp>
+        <p:nvSpPr>
+          <p:cNvPr id="29" name="文本框 28">
+            <a:extLst>
+              <a:ext uri="{FF2B5EF4-FFF2-40B4-BE49-F238E27FC236}">
+                <a16:creationId xmlns:a16="http://schemas.microsoft.com/office/drawing/2014/main" id="{6D48A615-5895-A68C-0C1E-ECE778DC51E0}"/>
+              </a:ext>
+            </a:extLst>
+          </p:cNvPr>
+          <p:cNvSpPr txBox="1"/>
+          <p:nvPr/>
+        </p:nvSpPr>
+        <p:spPr>
+          <a:xfrm>
+            <a:off x="9459053" y="2010618"/>
+            <a:ext cx="385155" cy="369332"/>
+          </a:xfrm>
+          <a:prstGeom prst="rect">
+            <a:avLst/>
+          </a:prstGeom>
+          <a:noFill/>
+        </p:spPr>
+        <p:txBody>
+          <a:bodyPr wrap="square" rtlCol="0">
+            <a:spAutoFit/>
+          </a:bodyPr>
+          <a:lstStyle/>
+          <a:p>
+            <a:r>
+              <a:rPr lang="en-US" altLang="zh-CN">
+                <a:latin typeface="微软雅黑" panose="020B0503020204020204" pitchFamily="34" charset="-122"/>
+                <a:ea typeface="微软雅黑" panose="020B0503020204020204" pitchFamily="34" charset="-122"/>
+              </a:rPr>
+              <a:t>t</a:t>
+            </a:r>
+            <a:endParaRPr lang="zh-CN" altLang="en-US">
+              <a:latin typeface="微软雅黑" panose="020B0503020204020204" pitchFamily="34" charset="-122"/>
+              <a:ea typeface="微软雅黑" panose="020B0503020204020204" pitchFamily="34" charset="-122"/>
+            </a:endParaRPr>
+          </a:p>
+        </p:txBody>
+      </p:sp>
+      <mc:AlternateContent xmlns:mc="http://schemas.openxmlformats.org/markup-compatibility/2006" xmlns:a14="http://schemas.microsoft.com/office/drawing/2010/main">
+        <mc:Choice Requires="a14">
+          <p:sp>
+            <p:nvSpPr>
+              <p:cNvPr id="30" name="文本框 29">
+                <a:extLst>
+                  <a:ext uri="{FF2B5EF4-FFF2-40B4-BE49-F238E27FC236}">
+                    <a16:creationId xmlns:a16="http://schemas.microsoft.com/office/drawing/2014/main" id="{9AA84B66-508C-6F8A-5D86-7AC23900606F}"/>
+                  </a:ext>
+                </a:extLst>
+              </p:cNvPr>
+              <p:cNvSpPr txBox="1"/>
+              <p:nvPr/>
+            </p:nvSpPr>
+            <p:spPr>
+              <a:xfrm>
+                <a:off x="9581110" y="2606105"/>
+                <a:ext cx="773084" cy="950966"/>
+              </a:xfrm>
+              <a:prstGeom prst="rect">
+                <a:avLst/>
+              </a:prstGeom>
+              <a:noFill/>
+            </p:spPr>
+            <p:txBody>
+              <a:bodyPr wrap="square" rtlCol="0">
+                <a:spAutoFit/>
+              </a:bodyPr>
+              <a:lstStyle/>
+              <a:p>
+                <a:pPr/>
+                <a14:m>
+                  <m:oMathPara xmlns:m="http://schemas.openxmlformats.org/officeDocument/2006/math">
+                    <m:oMathParaPr>
+                      <m:jc m:val="centerGroup"/>
+                    </m:oMathParaPr>
+                    <m:oMath xmlns:m="http://schemas.openxmlformats.org/officeDocument/2006/math">
+                      <m:sSubSup>
+                        <m:sSubSupPr>
+                          <m:ctrlPr>
+                            <a:rPr lang="en-US" altLang="zh-CN" b="0" i="1" smtClean="0">
+                              <a:solidFill>
+                                <a:srgbClr val="FF0000"/>
+                              </a:solidFill>
+                              <a:latin typeface="Cambria Math" panose="02040503050406030204" pitchFamily="18" charset="0"/>
+                            </a:rPr>
+                          </m:ctrlPr>
+                        </m:sSubSupPr>
+                        <m:e>
+                          <m:r>
+                            <a:rPr lang="en-US" altLang="zh-CN" i="1" smtClean="0">
+                              <a:solidFill>
+                                <a:srgbClr val="FF0000"/>
+                              </a:solidFill>
+                              <a:latin typeface="Cambria Math" panose="02040503050406030204" pitchFamily="18" charset="0"/>
+                            </a:rPr>
+                            <m:t>𝑃</m:t>
+                          </m:r>
+                        </m:e>
+                        <m:sub>
+                          <m:r>
+                            <a:rPr lang="en-US" altLang="zh-CN" b="0" i="1" smtClean="0">
+                              <a:solidFill>
+                                <a:srgbClr val="FF0000"/>
+                              </a:solidFill>
+                              <a:latin typeface="Cambria Math" panose="02040503050406030204" pitchFamily="18" charset="0"/>
+                            </a:rPr>
+                            <m:t>2</m:t>
+                          </m:r>
+                        </m:sub>
+                        <m:sup>
+                          <m:r>
+                            <a:rPr lang="en-US" altLang="zh-CN" b="0" i="1" smtClean="0">
+                              <a:solidFill>
+                                <a:srgbClr val="FF0000"/>
+                              </a:solidFill>
+                              <a:latin typeface="Cambria Math" panose="02040503050406030204" pitchFamily="18" charset="0"/>
+                            </a:rPr>
+                            <m:t>1</m:t>
+                          </m:r>
+                        </m:sup>
+                      </m:sSubSup>
+                    </m:oMath>
+                  </m:oMathPara>
+                </a14:m>
+                <a:endParaRPr lang="en-US" altLang="zh-CN" b="0"/>
+              </a:p>
+              <a:p>
+                <a:endParaRPr lang="en-US" altLang="zh-CN" b="0"/>
+              </a:p>
+              <a:p>
+                <a:endParaRPr lang="zh-CN" altLang="en-US"/>
+              </a:p>
+            </p:txBody>
+          </p:sp>
+        </mc:Choice>
+        <mc:Fallback xmlns="">
+          <p:sp>
+            <p:nvSpPr>
+              <p:cNvPr id="30" name="文本框 29">
+                <a:extLst>
+                  <a:ext uri="{FF2B5EF4-FFF2-40B4-BE49-F238E27FC236}">
+                    <a16:creationId xmlns:a16="http://schemas.microsoft.com/office/drawing/2014/main" id="{9AA84B66-508C-6F8A-5D86-7AC23900606F}"/>
+                  </a:ext>
+                </a:extLst>
+              </p:cNvPr>
+              <p:cNvSpPr txBox="1">
+                <a:spLocks noRot="1" noChangeAspect="1" noMove="1" noResize="1" noEditPoints="1" noAdjustHandles="1" noChangeArrowheads="1" noChangeShapeType="1" noTextEdit="1"/>
+              </p:cNvSpPr>
+              <p:nvPr/>
+            </p:nvSpPr>
+            <p:spPr>
+              <a:xfrm>
+                <a:off x="9581110" y="2606105"/>
+                <a:ext cx="773084" cy="950966"/>
+              </a:xfrm>
+              <a:prstGeom prst="rect">
+                <a:avLst/>
+              </a:prstGeom>
+              <a:blipFill>
+                <a:blip r:embed="rId8"/>
+                <a:stretch>
+                  <a:fillRect/>
+                </a:stretch>
+              </a:blipFill>
+            </p:spPr>
+            <p:txBody>
+              <a:bodyPr/>
+              <a:lstStyle/>
+              <a:p>
+                <a:r>
+                  <a:rPr lang="zh-CN" altLang="en-US">
+                    <a:noFill/>
+                  </a:rPr>
+                  <a:t> </a:t>
+                </a:r>
+              </a:p>
+            </p:txBody>
+          </p:sp>
+        </mc:Fallback>
+      </mc:AlternateContent>
+      <p:sp>
+        <p:nvSpPr>
+          <p:cNvPr id="31" name="文本框 30">
+            <a:extLst>
+              <a:ext uri="{FF2B5EF4-FFF2-40B4-BE49-F238E27FC236}">
+                <a16:creationId xmlns:a16="http://schemas.microsoft.com/office/drawing/2014/main" id="{D182D603-5734-99EE-3DDA-3767942AECDF}"/>
+              </a:ext>
+            </a:extLst>
+          </p:cNvPr>
+          <p:cNvSpPr txBox="1"/>
+          <p:nvPr/>
+        </p:nvSpPr>
+        <p:spPr>
+          <a:xfrm>
+            <a:off x="2908929" y="2817276"/>
+            <a:ext cx="385155" cy="369332"/>
+          </a:xfrm>
+          <a:prstGeom prst="rect">
+            <a:avLst/>
+          </a:prstGeom>
+          <a:noFill/>
+        </p:spPr>
+        <p:txBody>
+          <a:bodyPr wrap="square" rtlCol="0">
+            <a:spAutoFit/>
+          </a:bodyPr>
+          <a:lstStyle/>
+          <a:p>
+            <a:r>
+              <a:rPr lang="en-US" altLang="zh-CN">
+                <a:solidFill>
+                  <a:schemeClr val="accent6"/>
+                </a:solidFill>
+                <a:latin typeface="微软雅黑" panose="020B0503020204020204" pitchFamily="34" charset="-122"/>
+                <a:ea typeface="微软雅黑" panose="020B0503020204020204" pitchFamily="34" charset="-122"/>
+              </a:rPr>
+              <a:t>t</a:t>
+            </a:r>
+            <a:endParaRPr lang="zh-CN" altLang="en-US">
+              <a:solidFill>
+                <a:schemeClr val="accent6"/>
+              </a:solidFill>
+              <a:latin typeface="微软雅黑" panose="020B0503020204020204" pitchFamily="34" charset="-122"/>
+              <a:ea typeface="微软雅黑" panose="020B0503020204020204" pitchFamily="34" charset="-122"/>
+            </a:endParaRPr>
+          </a:p>
+        </p:txBody>
+      </p:sp>
+      <p:sp>
+        <p:nvSpPr>
+          <p:cNvPr id="32" name="椭圆 31">
+            <a:extLst>
+              <a:ext uri="{FF2B5EF4-FFF2-40B4-BE49-F238E27FC236}">
+                <a16:creationId xmlns:a16="http://schemas.microsoft.com/office/drawing/2014/main" id="{E3784E70-3498-5311-CF61-15405DF3FEE2}"/>
+              </a:ext>
+            </a:extLst>
+          </p:cNvPr>
+          <p:cNvSpPr/>
+          <p:nvPr/>
+        </p:nvSpPr>
+        <p:spPr>
+          <a:xfrm>
+            <a:off x="3399206" y="2699875"/>
+            <a:ext cx="117763" cy="135749"/>
+          </a:xfrm>
+          <a:prstGeom prst="ellipse">
+            <a:avLst/>
+          </a:prstGeom>
+          <a:solidFill>
+            <a:schemeClr val="accent6"/>
+          </a:solidFill>
+        </p:spPr>
+        <p:style>
+          <a:lnRef idx="2">
+            <a:schemeClr val="accent1">
+              <a:shade val="15000"/>
+            </a:schemeClr>
+          </a:lnRef>
+          <a:fillRef idx="1">
+            <a:schemeClr val="accent1"/>
+          </a:fillRef>
+          <a:effectRef idx="0">
+            <a:schemeClr val="accent1"/>
+          </a:effectRef>
+          <a:fontRef idx="minor">
+            <a:schemeClr val="lt1"/>
+          </a:fontRef>
+        </p:style>
+        <p:txBody>
+          <a:bodyPr rtlCol="0" anchor="ctr"/>
+          <a:lstStyle/>
+          <a:p>
+            <a:pPr algn="ctr"/>
+            <a:endParaRPr lang="zh-CN" altLang="en-US"/>
+          </a:p>
+        </p:txBody>
+      </p:sp>
+      <p:sp>
+        <p:nvSpPr>
+          <p:cNvPr id="33" name="椭圆 32">
+            <a:extLst>
+              <a:ext uri="{FF2B5EF4-FFF2-40B4-BE49-F238E27FC236}">
+                <a16:creationId xmlns:a16="http://schemas.microsoft.com/office/drawing/2014/main" id="{91DAAD3F-D92F-6FCF-C5F2-1E0D4D97800A}"/>
+              </a:ext>
+            </a:extLst>
+          </p:cNvPr>
+          <p:cNvSpPr/>
+          <p:nvPr/>
+        </p:nvSpPr>
+        <p:spPr>
+          <a:xfrm>
+            <a:off x="7008320" y="1817035"/>
+            <a:ext cx="117763" cy="135749"/>
+          </a:xfrm>
+          <a:prstGeom prst="ellipse">
+            <a:avLst/>
+          </a:prstGeom>
+          <a:solidFill>
+            <a:schemeClr val="accent6"/>
+          </a:solidFill>
+        </p:spPr>
+        <p:style>
+          <a:lnRef idx="2">
+            <a:schemeClr val="accent1">
+              <a:shade val="15000"/>
+            </a:schemeClr>
+          </a:lnRef>
+          <a:fillRef idx="1">
+            <a:schemeClr val="accent1"/>
+          </a:fillRef>
+          <a:effectRef idx="0">
+            <a:schemeClr val="accent1"/>
+          </a:effectRef>
+          <a:fontRef idx="minor">
+            <a:schemeClr val="lt1"/>
+          </a:fontRef>
+        </p:style>
+        <p:txBody>
+          <a:bodyPr rtlCol="0" anchor="ctr"/>
+          <a:lstStyle/>
+          <a:p>
+            <a:pPr algn="ctr"/>
+            <a:endParaRPr lang="zh-CN" altLang="en-US"/>
+          </a:p>
+        </p:txBody>
+      </p:sp>
+      <p:sp>
+        <p:nvSpPr>
+          <p:cNvPr id="35" name="文本框 34">
+            <a:extLst>
+              <a:ext uri="{FF2B5EF4-FFF2-40B4-BE49-F238E27FC236}">
+                <a16:creationId xmlns:a16="http://schemas.microsoft.com/office/drawing/2014/main" id="{C3D7563C-A49D-C4AF-46A4-AD393CAA768C}"/>
+              </a:ext>
+            </a:extLst>
+          </p:cNvPr>
+          <p:cNvSpPr txBox="1"/>
+          <p:nvPr/>
+        </p:nvSpPr>
+        <p:spPr>
+          <a:xfrm>
+            <a:off x="6421965" y="1516797"/>
+            <a:ext cx="385155" cy="369332"/>
+          </a:xfrm>
+          <a:prstGeom prst="rect">
+            <a:avLst/>
+          </a:prstGeom>
+          <a:noFill/>
+        </p:spPr>
+        <p:txBody>
+          <a:bodyPr wrap="square" rtlCol="0">
+            <a:spAutoFit/>
+          </a:bodyPr>
+          <a:lstStyle/>
+          <a:p>
+            <a:r>
+              <a:rPr lang="en-US" altLang="zh-CN">
+                <a:solidFill>
+                  <a:schemeClr val="accent6"/>
+                </a:solidFill>
+                <a:latin typeface="微软雅黑" panose="020B0503020204020204" pitchFamily="34" charset="-122"/>
+                <a:ea typeface="微软雅黑" panose="020B0503020204020204" pitchFamily="34" charset="-122"/>
+              </a:rPr>
+              <a:t>t</a:t>
+            </a:r>
+            <a:endParaRPr lang="zh-CN" altLang="en-US">
+              <a:solidFill>
+                <a:schemeClr val="accent6"/>
+              </a:solidFill>
+              <a:latin typeface="微软雅黑" panose="020B0503020204020204" pitchFamily="34" charset="-122"/>
+              <a:ea typeface="微软雅黑" panose="020B0503020204020204" pitchFamily="34" charset="-122"/>
+            </a:endParaRPr>
+          </a:p>
+        </p:txBody>
+      </p:sp>
+      <p:cxnSp>
+        <p:nvCxnSpPr>
+          <p:cNvPr id="36" name="直接连接符 35">
+            <a:extLst>
+              <a:ext uri="{FF2B5EF4-FFF2-40B4-BE49-F238E27FC236}">
+                <a16:creationId xmlns:a16="http://schemas.microsoft.com/office/drawing/2014/main" id="{60D8B402-4940-82C1-9370-14FBC6626ECE}"/>
+              </a:ext>
+            </a:extLst>
+          </p:cNvPr>
+          <p:cNvCxnSpPr>
+            <a:cxnSpLocks/>
+            <a:stCxn id="32" idx="6"/>
+            <a:endCxn id="33" idx="5"/>
+          </p:cNvCxnSpPr>
+          <p:nvPr/>
+        </p:nvCxnSpPr>
+        <p:spPr>
+          <a:xfrm flipV="1">
+            <a:off x="3516969" y="1932904"/>
+            <a:ext cx="3591868" cy="834846"/>
+          </a:xfrm>
+          <a:prstGeom prst="line">
+            <a:avLst/>
+          </a:prstGeom>
+          <a:ln w="9525" cap="flat" cmpd="sng" algn="ctr">
+            <a:solidFill>
+              <a:schemeClr val="accent6"/>
+            </a:solidFill>
+            <a:prstDash val="dash"/>
+            <a:round/>
+            <a:headEnd type="none" w="med" len="med"/>
+            <a:tailEnd type="none" w="med" len="med"/>
+          </a:ln>
+        </p:spPr>
+        <p:style>
+          <a:lnRef idx="0">
+            <a:scrgbClr r="0" g="0" b="0"/>
+          </a:lnRef>
+          <a:fillRef idx="0">
+            <a:scrgbClr r="0" g="0" b="0"/>
+          </a:fillRef>
+          <a:effectRef idx="0">
+            <a:scrgbClr r="0" g="0" b="0"/>
+          </a:effectRef>
+          <a:fontRef idx="minor">
+            <a:schemeClr val="tx1"/>
+          </a:fontRef>
+        </p:style>
+      </p:cxnSp>
+      <mc:AlternateContent xmlns:mc="http://schemas.openxmlformats.org/markup-compatibility/2006" xmlns:a14="http://schemas.microsoft.com/office/drawing/2010/main">
+        <mc:Choice Requires="a14">
+          <p:sp>
+            <p:nvSpPr>
+              <p:cNvPr id="39" name="文本框 38">
+                <a:extLst>
+                  <a:ext uri="{FF2B5EF4-FFF2-40B4-BE49-F238E27FC236}">
+                    <a16:creationId xmlns:a16="http://schemas.microsoft.com/office/drawing/2014/main" id="{62DC39AE-A3DA-720B-9C1A-4015F667759E}"/>
+                  </a:ext>
+                </a:extLst>
+              </p:cNvPr>
+              <p:cNvSpPr txBox="1"/>
+              <p:nvPr/>
+            </p:nvSpPr>
+            <p:spPr>
+              <a:xfrm>
+                <a:off x="3071030" y="2294001"/>
+                <a:ext cx="773084" cy="953274"/>
+              </a:xfrm>
+              <a:prstGeom prst="rect">
+                <a:avLst/>
+              </a:prstGeom>
+              <a:noFill/>
+            </p:spPr>
+            <p:txBody>
+              <a:bodyPr wrap="square" rtlCol="0">
+                <a:spAutoFit/>
+              </a:bodyPr>
+              <a:lstStyle/>
+              <a:p>
+                <a:pPr/>
+                <a14:m>
+                  <m:oMathPara xmlns:m="http://schemas.openxmlformats.org/officeDocument/2006/math">
+                    <m:oMathParaPr>
+                      <m:jc m:val="centerGroup"/>
+                    </m:oMathParaPr>
+                    <m:oMath xmlns:m="http://schemas.openxmlformats.org/officeDocument/2006/math">
+                      <m:sSubSup>
+                        <m:sSubSupPr>
+                          <m:ctrlPr>
+                            <a:rPr lang="en-US" altLang="zh-CN" b="0" i="1" smtClean="0">
+                              <a:solidFill>
+                                <a:schemeClr val="accent6"/>
+                              </a:solidFill>
+                              <a:latin typeface="Cambria Math" panose="02040503050406030204" pitchFamily="18" charset="0"/>
+                            </a:rPr>
+                          </m:ctrlPr>
+                        </m:sSubSupPr>
+                        <m:e>
+                          <m:r>
+                            <a:rPr lang="en-US" altLang="zh-CN" i="1" smtClean="0">
+                              <a:solidFill>
+                                <a:schemeClr val="accent6"/>
+                              </a:solidFill>
+                              <a:latin typeface="Cambria Math" panose="02040503050406030204" pitchFamily="18" charset="0"/>
+                            </a:rPr>
+                            <m:t>𝑃</m:t>
+                          </m:r>
+                        </m:e>
+                        <m:sub>
+                          <m:r>
+                            <a:rPr lang="en-US" altLang="zh-CN" b="0" i="1" smtClean="0">
+                              <a:solidFill>
+                                <a:schemeClr val="accent6"/>
+                              </a:solidFill>
+                              <a:latin typeface="Cambria Math" panose="02040503050406030204" pitchFamily="18" charset="0"/>
+                            </a:rPr>
+                            <m:t>0</m:t>
+                          </m:r>
+                        </m:sub>
+                        <m:sup>
+                          <m:r>
+                            <a:rPr lang="en-US" altLang="zh-CN" b="0" i="1" smtClean="0">
+                              <a:solidFill>
+                                <a:schemeClr val="accent6"/>
+                              </a:solidFill>
+                              <a:latin typeface="Cambria Math" panose="02040503050406030204" pitchFamily="18" charset="0"/>
+                            </a:rPr>
+                            <m:t>2</m:t>
+                          </m:r>
+                        </m:sup>
+                      </m:sSubSup>
+                    </m:oMath>
+                  </m:oMathPara>
+                </a14:m>
+                <a:endParaRPr lang="en-US" altLang="zh-CN" b="0"/>
+              </a:p>
+              <a:p>
+                <a:endParaRPr lang="en-US" altLang="zh-CN" b="0"/>
+              </a:p>
+              <a:p>
+                <a:endParaRPr lang="zh-CN" altLang="en-US"/>
+              </a:p>
+            </p:txBody>
+          </p:sp>
+        </mc:Choice>
+        <mc:Fallback xmlns="">
+          <p:sp>
+            <p:nvSpPr>
+              <p:cNvPr id="39" name="文本框 38">
+                <a:extLst>
+                  <a:ext uri="{FF2B5EF4-FFF2-40B4-BE49-F238E27FC236}">
+                    <a16:creationId xmlns:a16="http://schemas.microsoft.com/office/drawing/2014/main" id="{62DC39AE-A3DA-720B-9C1A-4015F667759E}"/>
+                  </a:ext>
+                </a:extLst>
+              </p:cNvPr>
+              <p:cNvSpPr txBox="1">
+                <a:spLocks noRot="1" noChangeAspect="1" noMove="1" noResize="1" noEditPoints="1" noAdjustHandles="1" noChangeArrowheads="1" noChangeShapeType="1" noTextEdit="1"/>
+              </p:cNvSpPr>
+              <p:nvPr/>
+            </p:nvSpPr>
+            <p:spPr>
+              <a:xfrm>
+                <a:off x="3071030" y="2294001"/>
+                <a:ext cx="773084" cy="953274"/>
+              </a:xfrm>
+              <a:prstGeom prst="rect">
+                <a:avLst/>
+              </a:prstGeom>
+              <a:blipFill>
+                <a:blip r:embed="rId9"/>
+                <a:stretch>
+                  <a:fillRect/>
+                </a:stretch>
+              </a:blipFill>
+            </p:spPr>
+            <p:txBody>
+              <a:bodyPr/>
+              <a:lstStyle/>
+              <a:p>
+                <a:r>
+                  <a:rPr lang="zh-CN" altLang="en-US">
+                    <a:noFill/>
+                  </a:rPr>
+                  <a:t> </a:t>
+                </a:r>
+              </a:p>
+            </p:txBody>
+          </p:sp>
+        </mc:Fallback>
+      </mc:AlternateContent>
+      <mc:AlternateContent xmlns:mc="http://schemas.openxmlformats.org/markup-compatibility/2006" xmlns:a14="http://schemas.microsoft.com/office/drawing/2010/main">
+        <mc:Choice Requires="a14">
+          <p:sp>
+            <p:nvSpPr>
+              <p:cNvPr id="40" name="文本框 39">
+                <a:extLst>
+                  <a:ext uri="{FF2B5EF4-FFF2-40B4-BE49-F238E27FC236}">
+                    <a16:creationId xmlns:a16="http://schemas.microsoft.com/office/drawing/2014/main" id="{6A17500E-4763-A2D6-5E20-EF05F946BD78}"/>
+                  </a:ext>
+                </a:extLst>
+              </p:cNvPr>
+              <p:cNvSpPr txBox="1"/>
+              <p:nvPr/>
+            </p:nvSpPr>
+            <p:spPr>
+              <a:xfrm>
+                <a:off x="6732095" y="1982628"/>
+                <a:ext cx="773084" cy="953274"/>
+              </a:xfrm>
+              <a:prstGeom prst="rect">
+                <a:avLst/>
+              </a:prstGeom>
+              <a:noFill/>
+            </p:spPr>
+            <p:txBody>
+              <a:bodyPr wrap="square" rtlCol="0">
+                <a:spAutoFit/>
+              </a:bodyPr>
+              <a:lstStyle/>
+              <a:p>
+                <a:pPr/>
+                <a14:m>
+                  <m:oMathPara xmlns:m="http://schemas.openxmlformats.org/officeDocument/2006/math">
+                    <m:oMathParaPr>
+                      <m:jc m:val="centerGroup"/>
+                    </m:oMathParaPr>
+                    <m:oMath xmlns:m="http://schemas.openxmlformats.org/officeDocument/2006/math">
+                      <m:sSubSup>
+                        <m:sSubSupPr>
+                          <m:ctrlPr>
+                            <a:rPr lang="en-US" altLang="zh-CN" b="0" i="1" smtClean="0">
+                              <a:solidFill>
+                                <a:schemeClr val="accent6"/>
+                              </a:solidFill>
+                              <a:latin typeface="Cambria Math" panose="02040503050406030204" pitchFamily="18" charset="0"/>
+                            </a:rPr>
+                          </m:ctrlPr>
+                        </m:sSubSupPr>
+                        <m:e>
+                          <m:r>
+                            <a:rPr lang="en-US" altLang="zh-CN" i="1" smtClean="0">
+                              <a:solidFill>
+                                <a:schemeClr val="accent6"/>
+                              </a:solidFill>
+                              <a:latin typeface="Cambria Math" panose="02040503050406030204" pitchFamily="18" charset="0"/>
+                            </a:rPr>
+                            <m:t>𝑃</m:t>
+                          </m:r>
+                        </m:e>
+                        <m:sub>
+                          <m:r>
+                            <a:rPr lang="en-US" altLang="zh-CN" b="0" i="1" smtClean="0">
+                              <a:solidFill>
+                                <a:schemeClr val="accent6"/>
+                              </a:solidFill>
+                              <a:latin typeface="Cambria Math" panose="02040503050406030204" pitchFamily="18" charset="0"/>
+                            </a:rPr>
+                            <m:t>1</m:t>
+                          </m:r>
+                        </m:sub>
+                        <m:sup>
+                          <m:r>
+                            <a:rPr lang="en-US" altLang="zh-CN" b="0" i="1" smtClean="0">
+                              <a:solidFill>
+                                <a:schemeClr val="accent6"/>
+                              </a:solidFill>
+                              <a:latin typeface="Cambria Math" panose="02040503050406030204" pitchFamily="18" charset="0"/>
+                            </a:rPr>
+                            <m:t>2</m:t>
+                          </m:r>
+                        </m:sup>
+                      </m:sSubSup>
+                    </m:oMath>
+                  </m:oMathPara>
+                </a14:m>
+                <a:endParaRPr lang="en-US" altLang="zh-CN" b="0"/>
+              </a:p>
+              <a:p>
+                <a:endParaRPr lang="en-US" altLang="zh-CN" b="0"/>
+              </a:p>
+              <a:p>
+                <a:endParaRPr lang="zh-CN" altLang="en-US"/>
+              </a:p>
+            </p:txBody>
+          </p:sp>
+        </mc:Choice>
+        <mc:Fallback xmlns="">
+          <p:sp>
+            <p:nvSpPr>
+              <p:cNvPr id="40" name="文本框 39">
+                <a:extLst>
+                  <a:ext uri="{FF2B5EF4-FFF2-40B4-BE49-F238E27FC236}">
+                    <a16:creationId xmlns:a16="http://schemas.microsoft.com/office/drawing/2014/main" id="{6A17500E-4763-A2D6-5E20-EF05F946BD78}"/>
+                  </a:ext>
+                </a:extLst>
+              </p:cNvPr>
+              <p:cNvSpPr txBox="1">
+                <a:spLocks noRot="1" noChangeAspect="1" noMove="1" noResize="1" noEditPoints="1" noAdjustHandles="1" noChangeArrowheads="1" noChangeShapeType="1" noTextEdit="1"/>
+              </p:cNvSpPr>
+              <p:nvPr/>
+            </p:nvSpPr>
+            <p:spPr>
+              <a:xfrm>
+                <a:off x="6732095" y="1982628"/>
+                <a:ext cx="773084" cy="953274"/>
+              </a:xfrm>
+              <a:prstGeom prst="rect">
+                <a:avLst/>
+              </a:prstGeom>
+              <a:blipFill>
+                <a:blip r:embed="rId10"/>
+                <a:stretch>
+                  <a:fillRect/>
+                </a:stretch>
+              </a:blipFill>
+            </p:spPr>
+            <p:txBody>
+              <a:bodyPr/>
+              <a:lstStyle/>
+              <a:p>
+                <a:r>
+                  <a:rPr lang="zh-CN" altLang="en-US">
+                    <a:noFill/>
+                  </a:rPr>
+                  <a:t> </a:t>
+                </a:r>
+              </a:p>
+            </p:txBody>
+          </p:sp>
+        </mc:Fallback>
+      </mc:AlternateContent>
+      <p:sp>
+        <p:nvSpPr>
+          <p:cNvPr id="41" name="文本框 40">
+            <a:extLst>
+              <a:ext uri="{FF2B5EF4-FFF2-40B4-BE49-F238E27FC236}">
+                <a16:creationId xmlns:a16="http://schemas.microsoft.com/office/drawing/2014/main" id="{66F4EC0B-AB31-0989-C65F-4B29DC33836C}"/>
+              </a:ext>
+            </a:extLst>
+          </p:cNvPr>
+          <p:cNvSpPr txBox="1"/>
+          <p:nvPr/>
+        </p:nvSpPr>
+        <p:spPr>
+          <a:xfrm>
+            <a:off x="3917375" y="2477856"/>
+            <a:ext cx="385155" cy="369332"/>
+          </a:xfrm>
+          <a:prstGeom prst="rect">
+            <a:avLst/>
+          </a:prstGeom>
+          <a:noFill/>
+        </p:spPr>
+        <p:txBody>
+          <a:bodyPr wrap="square" rtlCol="0">
+            <a:spAutoFit/>
+          </a:bodyPr>
+          <a:lstStyle/>
+          <a:p>
+            <a:r>
+              <a:rPr lang="en-US" altLang="zh-CN">
+                <a:solidFill>
+                  <a:srgbClr val="7030A0"/>
+                </a:solidFill>
+                <a:latin typeface="微软雅黑" panose="020B0503020204020204" pitchFamily="34" charset="-122"/>
+                <a:ea typeface="微软雅黑" panose="020B0503020204020204" pitchFamily="34" charset="-122"/>
+              </a:rPr>
+              <a:t>t</a:t>
+            </a:r>
+            <a:endParaRPr lang="zh-CN" altLang="en-US">
+              <a:solidFill>
+                <a:srgbClr val="7030A0"/>
+              </a:solidFill>
+              <a:latin typeface="微软雅黑" panose="020B0503020204020204" pitchFamily="34" charset="-122"/>
+              <a:ea typeface="微软雅黑" panose="020B0503020204020204" pitchFamily="34" charset="-122"/>
+            </a:endParaRPr>
+          </a:p>
+        </p:txBody>
+      </p:sp>
+      <p:sp>
+        <p:nvSpPr>
+          <p:cNvPr id="42" name="椭圆 41">
+            <a:extLst>
+              <a:ext uri="{FF2B5EF4-FFF2-40B4-BE49-F238E27FC236}">
+                <a16:creationId xmlns:a16="http://schemas.microsoft.com/office/drawing/2014/main" id="{17A79DFC-A29C-7D71-59C3-5F7406608F3A}"/>
+              </a:ext>
+            </a:extLst>
+          </p:cNvPr>
+          <p:cNvSpPr/>
+          <p:nvPr/>
+        </p:nvSpPr>
+        <p:spPr>
+          <a:xfrm>
+            <a:off x="4561351" y="2427554"/>
+            <a:ext cx="117763" cy="135749"/>
+          </a:xfrm>
+          <a:prstGeom prst="ellipse">
+            <a:avLst/>
+          </a:prstGeom>
+          <a:solidFill>
+            <a:srgbClr val="7030A0"/>
+          </a:solidFill>
+        </p:spPr>
+        <p:style>
+          <a:lnRef idx="2">
+            <a:schemeClr val="accent1">
+              <a:shade val="15000"/>
+            </a:schemeClr>
+          </a:lnRef>
+          <a:fillRef idx="1">
+            <a:schemeClr val="accent1"/>
+          </a:fillRef>
+          <a:effectRef idx="0">
+            <a:schemeClr val="accent1"/>
+          </a:effectRef>
+          <a:fontRef idx="minor">
+            <a:schemeClr val="lt1"/>
+          </a:fontRef>
+        </p:style>
+        <p:txBody>
+          <a:bodyPr rtlCol="0" anchor="ctr"/>
+          <a:lstStyle/>
+          <a:p>
+            <a:pPr algn="ctr"/>
+            <a:endParaRPr lang="zh-CN" altLang="en-US"/>
+          </a:p>
+        </p:txBody>
+      </p:sp>
+      <mc:AlternateContent xmlns:mc="http://schemas.openxmlformats.org/markup-compatibility/2006" xmlns:a14="http://schemas.microsoft.com/office/drawing/2010/main">
+        <mc:Choice Requires="a14">
+          <p:sp>
+            <p:nvSpPr>
+              <p:cNvPr id="43" name="文本框 42">
+                <a:extLst>
+                  <a:ext uri="{FF2B5EF4-FFF2-40B4-BE49-F238E27FC236}">
+                    <a16:creationId xmlns:a16="http://schemas.microsoft.com/office/drawing/2014/main" id="{29D23ADD-1EC0-4ADF-3B1B-0B8E86A96BD5}"/>
+                  </a:ext>
+                </a:extLst>
+              </p:cNvPr>
+              <p:cNvSpPr txBox="1"/>
+              <p:nvPr/>
+            </p:nvSpPr>
+            <p:spPr>
+              <a:xfrm>
+                <a:off x="4424032" y="2603797"/>
+                <a:ext cx="773084" cy="953274"/>
+              </a:xfrm>
+              <a:prstGeom prst="rect">
+                <a:avLst/>
+              </a:prstGeom>
+              <a:noFill/>
+            </p:spPr>
+            <p:txBody>
+              <a:bodyPr wrap="square" rtlCol="0">
+                <a:spAutoFit/>
+              </a:bodyPr>
+              <a:lstStyle/>
+              <a:p>
+                <a:pPr/>
+                <a14:m>
+                  <m:oMathPara xmlns:m="http://schemas.openxmlformats.org/officeDocument/2006/math">
+                    <m:oMathParaPr>
+                      <m:jc m:val="centerGroup"/>
+                    </m:oMathParaPr>
+                    <m:oMath xmlns:m="http://schemas.openxmlformats.org/officeDocument/2006/math">
+                      <m:sSubSup>
+                        <m:sSubSupPr>
+                          <m:ctrlPr>
+                            <a:rPr lang="en-US" altLang="zh-CN" b="0" i="1" smtClean="0">
+                              <a:solidFill>
+                                <a:srgbClr val="7030A0"/>
+                              </a:solidFill>
+                              <a:latin typeface="Cambria Math" panose="02040503050406030204" pitchFamily="18" charset="0"/>
+                            </a:rPr>
+                          </m:ctrlPr>
+                        </m:sSubSupPr>
+                        <m:e>
+                          <m:r>
+                            <a:rPr lang="en-US" altLang="zh-CN" i="1" smtClean="0">
+                              <a:solidFill>
+                                <a:srgbClr val="7030A0"/>
+                              </a:solidFill>
+                              <a:latin typeface="Cambria Math" panose="02040503050406030204" pitchFamily="18" charset="0"/>
+                            </a:rPr>
+                            <m:t>𝑃</m:t>
+                          </m:r>
+                        </m:e>
+                        <m:sub>
+                          <m:r>
+                            <a:rPr lang="en-US" altLang="zh-CN" b="0" i="1" smtClean="0">
+                              <a:solidFill>
+                                <a:srgbClr val="7030A0"/>
+                              </a:solidFill>
+                              <a:latin typeface="Cambria Math" panose="02040503050406030204" pitchFamily="18" charset="0"/>
+                            </a:rPr>
+                            <m:t>0</m:t>
+                          </m:r>
+                        </m:sub>
+                        <m:sup>
+                          <m:r>
+                            <a:rPr lang="en-US" altLang="zh-CN" b="0" i="1" smtClean="0">
+                              <a:solidFill>
+                                <a:srgbClr val="7030A0"/>
+                              </a:solidFill>
+                              <a:latin typeface="Cambria Math" panose="02040503050406030204" pitchFamily="18" charset="0"/>
+                            </a:rPr>
+                            <m:t>3</m:t>
+                          </m:r>
+                        </m:sup>
+                      </m:sSubSup>
+                    </m:oMath>
+                  </m:oMathPara>
+                </a14:m>
+                <a:endParaRPr lang="en-US" altLang="zh-CN" b="0"/>
+              </a:p>
+              <a:p>
+                <a:endParaRPr lang="en-US" altLang="zh-CN" b="0"/>
+              </a:p>
+              <a:p>
+                <a:endParaRPr lang="zh-CN" altLang="en-US"/>
+              </a:p>
+            </p:txBody>
+          </p:sp>
+        </mc:Choice>
+        <mc:Fallback xmlns="">
+          <p:sp>
+            <p:nvSpPr>
+              <p:cNvPr id="43" name="文本框 42">
+                <a:extLst>
+                  <a:ext uri="{FF2B5EF4-FFF2-40B4-BE49-F238E27FC236}">
+                    <a16:creationId xmlns:a16="http://schemas.microsoft.com/office/drawing/2014/main" id="{29D23ADD-1EC0-4ADF-3B1B-0B8E86A96BD5}"/>
+                  </a:ext>
+                </a:extLst>
+              </p:cNvPr>
+              <p:cNvSpPr txBox="1">
+                <a:spLocks noRot="1" noChangeAspect="1" noMove="1" noResize="1" noEditPoints="1" noAdjustHandles="1" noChangeArrowheads="1" noChangeShapeType="1" noTextEdit="1"/>
+              </p:cNvSpPr>
+              <p:nvPr/>
+            </p:nvSpPr>
+            <p:spPr>
+              <a:xfrm>
+                <a:off x="4424032" y="2603797"/>
+                <a:ext cx="773084" cy="953274"/>
+              </a:xfrm>
+              <a:prstGeom prst="rect">
+                <a:avLst/>
+              </a:prstGeom>
+              <a:blipFill>
+                <a:blip r:embed="rId11"/>
+                <a:stretch>
+                  <a:fillRect/>
+                </a:stretch>
+              </a:blipFill>
+            </p:spPr>
+            <p:txBody>
+              <a:bodyPr/>
+              <a:lstStyle/>
+              <a:p>
+                <a:r>
+                  <a:rPr lang="zh-CN" altLang="en-US">
+                    <a:noFill/>
+                  </a:rPr>
+                  <a:t> </a:t>
+                </a:r>
+              </a:p>
+            </p:txBody>
+          </p:sp>
+        </mc:Fallback>
+      </mc:AlternateContent>
+    </p:spTree>
+    <p:extLst>
+      <p:ext uri="{BB962C8B-B14F-4D97-AF65-F5344CB8AC3E}">
+        <p14:creationId xmlns:p14="http://schemas.microsoft.com/office/powerpoint/2010/main" val="3057107932"/>
+      </p:ext>
+    </p:extLst>
+  </p:cSld>
+  <p:clrMapOvr>
+    <a:masterClrMapping/>
+  </p:clrMapOvr>
+</p:sld>
+</file>
+
+<file path=ppt/slides/slide16.xml><?xml version="1.0" encoding="utf-8"?>
 <p:sld xmlns:a="http://schemas.openxmlformats.org/drawingml/2006/main" xmlns:r="http://schemas.openxmlformats.org/officeDocument/2006/relationships" xmlns:p="http://schemas.openxmlformats.org/presentationml/2006/main">
   <p:cSld>
     <p:spTree>
@@ -9689,296 +12765,213 @@
           <a:chExt cx="0" cy="0"/>
         </a:xfrm>
       </p:grpSpPr>
-      <p:grpSp>
-        <p:nvGrpSpPr>
-          <p:cNvPr id="11" name="组合 10">
-            <a:extLst>
-              <a:ext uri="{FF2B5EF4-FFF2-40B4-BE49-F238E27FC236}">
-                <a16:creationId xmlns:a16="http://schemas.microsoft.com/office/drawing/2014/main" id="{43A7095B-5ED6-D6C5-B112-D45F49DFAE93}"/>
-              </a:ext>
-            </a:extLst>
-          </p:cNvPr>
-          <p:cNvGrpSpPr/>
-          <p:nvPr/>
-        </p:nvGrpSpPr>
-        <p:grpSpPr>
-          <a:xfrm>
-            <a:off x="2238895" y="2435629"/>
-            <a:ext cx="7597832" cy="4092129"/>
-            <a:chOff x="2238895" y="2435629"/>
-            <a:chExt cx="7597832" cy="4092129"/>
-          </a:xfrm>
-        </p:grpSpPr>
-        <p:sp>
-          <p:nvSpPr>
-            <p:cNvPr id="10" name="星形: 四角 9">
-              <a:extLst>
-                <a:ext uri="{FF2B5EF4-FFF2-40B4-BE49-F238E27FC236}">
-                  <a16:creationId xmlns:a16="http://schemas.microsoft.com/office/drawing/2014/main" id="{E73563FF-69F7-52E9-642B-6475333EB2AC}"/>
-                </a:ext>
-              </a:extLst>
-            </p:cNvPr>
-            <p:cNvSpPr/>
-            <p:nvPr/>
-          </p:nvSpPr>
-          <p:spPr>
-            <a:xfrm>
-              <a:off x="6436821" y="3599412"/>
-              <a:ext cx="523702" cy="548640"/>
-            </a:xfrm>
-            <a:prstGeom prst="star4">
-              <a:avLst/>
-            </a:prstGeom>
-          </p:spPr>
-          <p:style>
-            <a:lnRef idx="2">
-              <a:schemeClr val="dk1">
-                <a:shade val="15000"/>
-              </a:schemeClr>
-            </a:lnRef>
-            <a:fillRef idx="1">
-              <a:schemeClr val="dk1"/>
-            </a:fillRef>
-            <a:effectRef idx="0">
-              <a:schemeClr val="dk1"/>
-            </a:effectRef>
-            <a:fontRef idx="minor">
-              <a:schemeClr val="lt1"/>
-            </a:fontRef>
-          </p:style>
-          <p:txBody>
-            <a:bodyPr rtlCol="0" anchor="ctr"/>
-            <a:lstStyle/>
-            <a:p>
-              <a:pPr algn="ctr"/>
-              <a:endParaRPr lang="zh-CN" altLang="en-US"/>
-            </a:p>
-          </p:txBody>
-        </p:sp>
-        <p:sp>
-          <p:nvSpPr>
-            <p:cNvPr id="6" name="矩形 5">
-              <a:extLst>
-                <a:ext uri="{FF2B5EF4-FFF2-40B4-BE49-F238E27FC236}">
-                  <a16:creationId xmlns:a16="http://schemas.microsoft.com/office/drawing/2014/main" id="{9F298B54-6956-6FCB-6122-82B9E2A3FC6D}"/>
-                </a:ext>
-              </a:extLst>
-            </p:cNvPr>
-            <p:cNvSpPr/>
-            <p:nvPr/>
-          </p:nvSpPr>
-          <p:spPr>
-            <a:xfrm>
-              <a:off x="4281054" y="2535074"/>
-              <a:ext cx="2917768" cy="1446550"/>
-            </a:xfrm>
-            <a:prstGeom prst="rect">
-              <a:avLst/>
-            </a:prstGeom>
-            <a:noFill/>
-          </p:spPr>
-          <p:txBody>
-            <a:bodyPr wrap="square" lIns="91440" tIns="45720" rIns="91440" bIns="45720">
-              <a:spAutoFit/>
-            </a:bodyPr>
-            <a:lstStyle/>
-            <a:p>
-              <a:pPr algn="ctr"/>
-              <a:r>
-                <a:rPr lang="zh-CN" altLang="en-US" sz="8800" b="1" cap="none" spc="0">
-                  <a:ln w="0"/>
-                  <a:solidFill>
-                    <a:schemeClr val="tx1"/>
-                  </a:solidFill>
-                  <a:effectLst>
-                    <a:outerShdw blurRad="38100" dist="19050" dir="2700000" algn="tl" rotWithShape="0">
-                      <a:schemeClr val="dk1">
-                        <a:alpha val="40000"/>
-                      </a:schemeClr>
-                    </a:outerShdw>
-                  </a:effectLst>
-                </a:rPr>
-                <a:t>猫猫</a:t>
-              </a:r>
-            </a:p>
-          </p:txBody>
-        </p:sp>
-        <p:sp>
-          <p:nvSpPr>
-            <p:cNvPr id="7" name="文本框 6">
-              <a:extLst>
-                <a:ext uri="{FF2B5EF4-FFF2-40B4-BE49-F238E27FC236}">
-                  <a16:creationId xmlns:a16="http://schemas.microsoft.com/office/drawing/2014/main" id="{22F0B559-0B42-DB05-9014-EFE6ECC952C4}"/>
-                </a:ext>
-              </a:extLst>
-            </p:cNvPr>
-            <p:cNvSpPr txBox="1"/>
-            <p:nvPr/>
-          </p:nvSpPr>
-          <p:spPr>
-            <a:xfrm>
-              <a:off x="2238895" y="5627512"/>
-              <a:ext cx="7597832" cy="900246"/>
-            </a:xfrm>
-            <a:prstGeom prst="rect">
-              <a:avLst/>
-            </a:prstGeom>
-            <a:noFill/>
-          </p:spPr>
-          <p:txBody>
-            <a:bodyPr wrap="square" rtlCol="0">
-              <a:spAutoFit/>
-            </a:bodyPr>
-            <a:lstStyle/>
-            <a:p>
-              <a:r>
-                <a:rPr lang="zh-CN" altLang="en-US" sz="1050" b="1">
-                  <a:latin typeface="Wide Latin" panose="020A0A07050505020404" pitchFamily="18" charset="0"/>
-                </a:rPr>
-                <a:t>抵制不良游戏，拒绝盗版游戏，注意自我保护，谨防受骗上当，适度游戏益脑，沉迷游戏伤身，合理安排时间，享受健康生活。</a:t>
-              </a:r>
-              <a:endParaRPr lang="en-US" altLang="zh-CN" sz="1050" b="1">
-                <a:latin typeface="Wide Latin" panose="020A0A07050505020404" pitchFamily="18" charset="0"/>
-              </a:endParaRPr>
-            </a:p>
-            <a:p>
-              <a:r>
-                <a:rPr lang="en-US" altLang="zh-CN" sz="1050" b="1">
-                  <a:latin typeface="Wide Latin" panose="020A0A07050505020404" pitchFamily="18" charset="0"/>
-                </a:rPr>
-                <a:t>		</a:t>
-              </a:r>
-              <a:r>
-                <a:rPr lang="zh-CN" altLang="en-US" sz="1050" b="1">
-                  <a:latin typeface="Wide Latin" panose="020A0A07050505020404" pitchFamily="18" charset="0"/>
-                </a:rPr>
-                <a:t>审批文号：国新出审</a:t>
-              </a:r>
-              <a:r>
-                <a:rPr lang="en-US" altLang="zh-CN" sz="1050" b="1">
-                  <a:latin typeface="Wide Latin" panose="020A0A07050505020404" pitchFamily="18" charset="0"/>
-                </a:rPr>
-                <a:t> </a:t>
-              </a:r>
-              <a:r>
-                <a:rPr lang="zh-CN" altLang="en-US" sz="1050" b="1">
-                  <a:latin typeface="Wide Latin" panose="020A0A07050505020404" pitchFamily="18" charset="0"/>
-                </a:rPr>
-                <a:t>出版单位：全部启动队吉比特游戏大赛</a:t>
-              </a:r>
-              <a:endParaRPr lang="en-US" altLang="zh-CN" sz="1050" b="1">
-                <a:latin typeface="Wide Latin" panose="020A0A07050505020404" pitchFamily="18" charset="0"/>
-              </a:endParaRPr>
-            </a:p>
-            <a:p>
-              <a:r>
-                <a:rPr lang="en-US" altLang="zh-CN" sz="1050" b="1">
-                  <a:latin typeface="Wide Latin" panose="020A0A07050505020404" pitchFamily="18" charset="0"/>
-                </a:rPr>
-                <a:t>			</a:t>
-              </a:r>
-            </a:p>
-            <a:p>
-              <a:r>
-                <a:rPr lang="en-US" altLang="zh-CN" sz="1050" b="1">
-                  <a:latin typeface="Wide Latin" panose="020A0A07050505020404" pitchFamily="18" charset="0"/>
-                </a:rPr>
-                <a:t>			</a:t>
-              </a:r>
-              <a:r>
-                <a:rPr lang="zh-CN" altLang="en-US" sz="1050" b="1">
-                  <a:latin typeface="Wide Latin" panose="020A0A07050505020404" pitchFamily="18" charset="0"/>
-                </a:rPr>
-                <a:t>著作权人：全部启动队</a:t>
-              </a:r>
-              <a:endParaRPr lang="en-US" altLang="zh-CN" sz="1050" b="1">
-                <a:latin typeface="Wide Latin" panose="020A0A07050505020404" pitchFamily="18" charset="0"/>
-              </a:endParaRPr>
-            </a:p>
-            <a:p>
-              <a:r>
-                <a:rPr lang="en-US" altLang="zh-CN" sz="1050" b="1">
-                  <a:latin typeface="Wide Latin" panose="020A0A07050505020404" pitchFamily="18" charset="0"/>
-                </a:rPr>
-                <a:t>		     </a:t>
-              </a:r>
-              <a:r>
-                <a:rPr lang="zh-CN" altLang="en-US" sz="1050" b="1">
-                  <a:latin typeface="Wide Latin" panose="020A0A07050505020404" pitchFamily="18" charset="0"/>
-                </a:rPr>
-                <a:t>本项目组积极履行</a:t>
-              </a:r>
-              <a:r>
-                <a:rPr lang="en-US" altLang="zh-CN" sz="1050" b="1">
-                  <a:latin typeface="Wide Latin" panose="020A0A07050505020404" pitchFamily="18" charset="0"/>
-                </a:rPr>
-                <a:t>《</a:t>
-              </a:r>
-              <a:r>
-                <a:rPr lang="zh-CN" altLang="en-US" sz="1050" b="1">
-                  <a:latin typeface="Wide Latin" panose="020A0A07050505020404" pitchFamily="18" charset="0"/>
-                </a:rPr>
-                <a:t>网络游戏行业防沉迷自律公约</a:t>
-              </a:r>
-              <a:r>
-                <a:rPr lang="en-US" altLang="zh-CN" sz="1050" b="1">
-                  <a:latin typeface="Wide Latin" panose="020A0A07050505020404" pitchFamily="18" charset="0"/>
-                </a:rPr>
-                <a:t>》</a:t>
-              </a:r>
-              <a:endParaRPr lang="zh-CN" altLang="en-US" sz="1050" b="1">
-                <a:latin typeface="Wide Latin" panose="020A0A07050505020404" pitchFamily="18" charset="0"/>
-              </a:endParaRPr>
-            </a:p>
-          </p:txBody>
-        </p:sp>
-        <p:sp>
-          <p:nvSpPr>
-            <p:cNvPr id="9" name="星形: 四角 8">
-              <a:extLst>
-                <a:ext uri="{FF2B5EF4-FFF2-40B4-BE49-F238E27FC236}">
-                  <a16:creationId xmlns:a16="http://schemas.microsoft.com/office/drawing/2014/main" id="{6CDD0B81-D3D3-A42E-7683-87B959091409}"/>
-                </a:ext>
-              </a:extLst>
-            </p:cNvPr>
-            <p:cNvSpPr/>
-            <p:nvPr/>
-          </p:nvSpPr>
-          <p:spPr>
-            <a:xfrm>
-              <a:off x="6342610" y="2435629"/>
-              <a:ext cx="523702" cy="548640"/>
-            </a:xfrm>
-            <a:prstGeom prst="star4">
-              <a:avLst/>
-            </a:prstGeom>
-          </p:spPr>
-          <p:style>
-            <a:lnRef idx="2">
-              <a:schemeClr val="dk1">
-                <a:shade val="15000"/>
-              </a:schemeClr>
-            </a:lnRef>
-            <a:fillRef idx="1">
-              <a:schemeClr val="dk1"/>
-            </a:fillRef>
-            <a:effectRef idx="0">
-              <a:schemeClr val="dk1"/>
-            </a:effectRef>
-            <a:fontRef idx="minor">
-              <a:schemeClr val="lt1"/>
-            </a:fontRef>
-          </p:style>
-          <p:txBody>
-            <a:bodyPr rtlCol="0" anchor="ctr"/>
-            <a:lstStyle/>
-            <a:p>
-              <a:pPr algn="ctr"/>
-              <a:endParaRPr lang="zh-CN" altLang="en-US"/>
-            </a:p>
-          </p:txBody>
-        </p:sp>
-      </p:grpSp>
+      <p:pic>
+        <p:nvPicPr>
+          <p:cNvPr id="3" name="图片 2">
+            <a:extLst>
+              <a:ext uri="{FF2B5EF4-FFF2-40B4-BE49-F238E27FC236}">
+                <a16:creationId xmlns:a16="http://schemas.microsoft.com/office/drawing/2014/main" id="{68F076C1-27E1-72B7-FF88-54E924ABD85E}"/>
+              </a:ext>
+            </a:extLst>
+          </p:cNvPr>
+          <p:cNvPicPr>
+            <a:picLocks noChangeAspect="1"/>
+          </p:cNvPicPr>
+          <p:nvPr/>
+        </p:nvPicPr>
+        <p:blipFill>
+          <a:blip r:embed="rId2"/>
+          <a:stretch>
+            <a:fillRect/>
+          </a:stretch>
+        </p:blipFill>
+        <p:spPr>
+          <a:xfrm>
+            <a:off x="700435" y="485774"/>
+            <a:ext cx="3312537" cy="2839317"/>
+          </a:xfrm>
+          <a:prstGeom prst="rect">
+            <a:avLst/>
+          </a:prstGeom>
+        </p:spPr>
+      </p:pic>
+      <p:sp>
+        <p:nvSpPr>
+          <p:cNvPr id="4" name="文本框 3">
+            <a:extLst>
+              <a:ext uri="{FF2B5EF4-FFF2-40B4-BE49-F238E27FC236}">
+                <a16:creationId xmlns:a16="http://schemas.microsoft.com/office/drawing/2014/main" id="{B1546F9B-101E-A2CC-1764-2789FA7D8AD0}"/>
+              </a:ext>
+            </a:extLst>
+          </p:cNvPr>
+          <p:cNvSpPr txBox="1"/>
+          <p:nvPr/>
+        </p:nvSpPr>
+        <p:spPr>
+          <a:xfrm>
+            <a:off x="1330037" y="3420103"/>
+            <a:ext cx="2518756" cy="369332"/>
+          </a:xfrm>
+          <a:prstGeom prst="rect">
+            <a:avLst/>
+          </a:prstGeom>
+          <a:noFill/>
+        </p:spPr>
+        <p:txBody>
+          <a:bodyPr wrap="square" rtlCol="0">
+            <a:spAutoFit/>
+          </a:bodyPr>
+          <a:lstStyle/>
+          <a:p>
+            <a:r>
+              <a:rPr lang="en-US" altLang="zh-CN"/>
+              <a:t>4</a:t>
+            </a:r>
+            <a:r>
+              <a:rPr lang="zh-CN" altLang="en-US"/>
+              <a:t>阶贝塞尔曲线</a:t>
+            </a:r>
+          </a:p>
+        </p:txBody>
+      </p:sp>
+      <p:pic>
+        <p:nvPicPr>
+          <p:cNvPr id="6" name="图片 5">
+            <a:extLst>
+              <a:ext uri="{FF2B5EF4-FFF2-40B4-BE49-F238E27FC236}">
+                <a16:creationId xmlns:a16="http://schemas.microsoft.com/office/drawing/2014/main" id="{F9A084E6-03C6-C560-2D67-B38379956E99}"/>
+              </a:ext>
+            </a:extLst>
+          </p:cNvPr>
+          <p:cNvPicPr>
+            <a:picLocks noChangeAspect="1"/>
+          </p:cNvPicPr>
+          <p:nvPr/>
+        </p:nvPicPr>
+        <p:blipFill>
+          <a:blip r:embed="rId3"/>
+          <a:stretch>
+            <a:fillRect/>
+          </a:stretch>
+        </p:blipFill>
+        <p:spPr>
+          <a:xfrm>
+            <a:off x="4604792" y="436830"/>
+            <a:ext cx="2982415" cy="3038475"/>
+          </a:xfrm>
+          <a:prstGeom prst="rect">
+            <a:avLst/>
+          </a:prstGeom>
+        </p:spPr>
+      </p:pic>
+      <p:sp>
+        <p:nvSpPr>
+          <p:cNvPr id="7" name="文本框 6">
+            <a:extLst>
+              <a:ext uri="{FF2B5EF4-FFF2-40B4-BE49-F238E27FC236}">
+                <a16:creationId xmlns:a16="http://schemas.microsoft.com/office/drawing/2014/main" id="{D9711C07-23F8-446E-BB4A-D0B91E5C9CEB}"/>
+              </a:ext>
+            </a:extLst>
+          </p:cNvPr>
+          <p:cNvSpPr txBox="1"/>
+          <p:nvPr/>
+        </p:nvSpPr>
+        <p:spPr>
+          <a:xfrm>
+            <a:off x="5068451" y="3604769"/>
+            <a:ext cx="2518756" cy="369332"/>
+          </a:xfrm>
+          <a:prstGeom prst="rect">
+            <a:avLst/>
+          </a:prstGeom>
+          <a:noFill/>
+        </p:spPr>
+        <p:txBody>
+          <a:bodyPr wrap="square" rtlCol="0">
+            <a:spAutoFit/>
+          </a:bodyPr>
+          <a:lstStyle/>
+          <a:p>
+            <a:r>
+              <a:rPr lang="en-US" altLang="zh-CN"/>
+              <a:t>6</a:t>
+            </a:r>
+            <a:r>
+              <a:rPr lang="zh-CN" altLang="en-US"/>
+              <a:t>阶贝塞尔曲线</a:t>
+            </a:r>
+          </a:p>
+        </p:txBody>
+      </p:sp>
+      <p:pic>
+        <p:nvPicPr>
+          <p:cNvPr id="9" name="图片 8">
+            <a:extLst>
+              <a:ext uri="{FF2B5EF4-FFF2-40B4-BE49-F238E27FC236}">
+                <a16:creationId xmlns:a16="http://schemas.microsoft.com/office/drawing/2014/main" id="{0AD65305-04CA-C491-1D44-BE658C35E172}"/>
+              </a:ext>
+            </a:extLst>
+          </p:cNvPr>
+          <p:cNvPicPr>
+            <a:picLocks noChangeAspect="1"/>
+          </p:cNvPicPr>
+          <p:nvPr/>
+        </p:nvPicPr>
+        <p:blipFill>
+          <a:blip r:embed="rId4"/>
+          <a:stretch>
+            <a:fillRect/>
+          </a:stretch>
+        </p:blipFill>
+        <p:spPr>
+          <a:xfrm>
+            <a:off x="8245286" y="187901"/>
+            <a:ext cx="3246279" cy="3702455"/>
+          </a:xfrm>
+          <a:prstGeom prst="rect">
+            <a:avLst/>
+          </a:prstGeom>
+        </p:spPr>
+      </p:pic>
+      <p:sp>
+        <p:nvSpPr>
+          <p:cNvPr id="10" name="文本框 9">
+            <a:extLst>
+              <a:ext uri="{FF2B5EF4-FFF2-40B4-BE49-F238E27FC236}">
+                <a16:creationId xmlns:a16="http://schemas.microsoft.com/office/drawing/2014/main" id="{D08EFB6D-1923-2711-0148-F67AED269DB5}"/>
+              </a:ext>
+            </a:extLst>
+          </p:cNvPr>
+          <p:cNvSpPr txBox="1"/>
+          <p:nvPr/>
+        </p:nvSpPr>
+        <p:spPr>
+          <a:xfrm>
+            <a:off x="8972809" y="4114616"/>
+            <a:ext cx="2518756" cy="369332"/>
+          </a:xfrm>
+          <a:prstGeom prst="rect">
+            <a:avLst/>
+          </a:prstGeom>
+          <a:noFill/>
+        </p:spPr>
+        <p:txBody>
+          <a:bodyPr wrap="square" rtlCol="0">
+            <a:spAutoFit/>
+          </a:bodyPr>
+          <a:lstStyle/>
+          <a:p>
+            <a:r>
+              <a:rPr lang="en-US" altLang="zh-CN"/>
+              <a:t>8</a:t>
+            </a:r>
+            <a:r>
+              <a:rPr lang="zh-CN" altLang="en-US"/>
+              <a:t>阶贝塞尔曲线</a:t>
+            </a:r>
+          </a:p>
+        </p:txBody>
+      </p:sp>
     </p:spTree>
     <p:extLst>
       <p:ext uri="{BB962C8B-B14F-4D97-AF65-F5344CB8AC3E}">

--- a/计算机图形学/图形学教程/Leson_9.pptx
+++ b/计算机图形学/图形学教程/Leson_9.pptx
@@ -21,6 +21,7 @@
     <p:sldId id="269" r:id="rId15"/>
     <p:sldId id="271" r:id="rId16"/>
     <p:sldId id="270" r:id="rId17"/>
+    <p:sldId id="272" r:id="rId18"/>
   </p:sldIdLst>
   <p:sldSz cx="12192000" cy="6858000"/>
   <p:notesSz cx="6797675" cy="9928225"/>
@@ -274,7 +275,7 @@
           <a:p>
             <a:fld id="{EFC9EF4B-DC85-456E-A69C-7178B0A20B85}" type="datetimeFigureOut">
               <a:rPr lang="zh-CN" altLang="en-US" smtClean="0"/>
-              <a:t>2024/12/5</a:t>
+              <a:t>2024/12/6</a:t>
             </a:fld>
             <a:endParaRPr lang="zh-CN" altLang="en-US"/>
           </a:p>
@@ -472,7 +473,7 @@
           <a:p>
             <a:fld id="{EFC9EF4B-DC85-456E-A69C-7178B0A20B85}" type="datetimeFigureOut">
               <a:rPr lang="zh-CN" altLang="en-US" smtClean="0"/>
-              <a:t>2024/12/5</a:t>
+              <a:t>2024/12/6</a:t>
             </a:fld>
             <a:endParaRPr lang="zh-CN" altLang="en-US"/>
           </a:p>
@@ -680,7 +681,7 @@
           <a:p>
             <a:fld id="{EFC9EF4B-DC85-456E-A69C-7178B0A20B85}" type="datetimeFigureOut">
               <a:rPr lang="zh-CN" altLang="en-US" smtClean="0"/>
-              <a:t>2024/12/5</a:t>
+              <a:t>2024/12/6</a:t>
             </a:fld>
             <a:endParaRPr lang="zh-CN" altLang="en-US"/>
           </a:p>
@@ -878,7 +879,7 @@
           <a:p>
             <a:fld id="{EFC9EF4B-DC85-456E-A69C-7178B0A20B85}" type="datetimeFigureOut">
               <a:rPr lang="zh-CN" altLang="en-US" smtClean="0"/>
-              <a:t>2024/12/5</a:t>
+              <a:t>2024/12/6</a:t>
             </a:fld>
             <a:endParaRPr lang="zh-CN" altLang="en-US"/>
           </a:p>
@@ -1153,7 +1154,7 @@
           <a:p>
             <a:fld id="{EFC9EF4B-DC85-456E-A69C-7178B0A20B85}" type="datetimeFigureOut">
               <a:rPr lang="zh-CN" altLang="en-US" smtClean="0"/>
-              <a:t>2024/12/5</a:t>
+              <a:t>2024/12/6</a:t>
             </a:fld>
             <a:endParaRPr lang="zh-CN" altLang="en-US"/>
           </a:p>
@@ -1418,7 +1419,7 @@
           <a:p>
             <a:fld id="{EFC9EF4B-DC85-456E-A69C-7178B0A20B85}" type="datetimeFigureOut">
               <a:rPr lang="zh-CN" altLang="en-US" smtClean="0"/>
-              <a:t>2024/12/5</a:t>
+              <a:t>2024/12/6</a:t>
             </a:fld>
             <a:endParaRPr lang="zh-CN" altLang="en-US"/>
           </a:p>
@@ -1830,7 +1831,7 @@
           <a:p>
             <a:fld id="{EFC9EF4B-DC85-456E-A69C-7178B0A20B85}" type="datetimeFigureOut">
               <a:rPr lang="zh-CN" altLang="en-US" smtClean="0"/>
-              <a:t>2024/12/5</a:t>
+              <a:t>2024/12/6</a:t>
             </a:fld>
             <a:endParaRPr lang="zh-CN" altLang="en-US"/>
           </a:p>
@@ -1971,7 +1972,7 @@
           <a:p>
             <a:fld id="{EFC9EF4B-DC85-456E-A69C-7178B0A20B85}" type="datetimeFigureOut">
               <a:rPr lang="zh-CN" altLang="en-US" smtClean="0"/>
-              <a:t>2024/12/5</a:t>
+              <a:t>2024/12/6</a:t>
             </a:fld>
             <a:endParaRPr lang="zh-CN" altLang="en-US"/>
           </a:p>
@@ -2084,7 +2085,7 @@
           <a:p>
             <a:fld id="{EFC9EF4B-DC85-456E-A69C-7178B0A20B85}" type="datetimeFigureOut">
               <a:rPr lang="zh-CN" altLang="en-US" smtClean="0"/>
-              <a:t>2024/12/5</a:t>
+              <a:t>2024/12/6</a:t>
             </a:fld>
             <a:endParaRPr lang="zh-CN" altLang="en-US"/>
           </a:p>
@@ -2395,7 +2396,7 @@
           <a:p>
             <a:fld id="{EFC9EF4B-DC85-456E-A69C-7178B0A20B85}" type="datetimeFigureOut">
               <a:rPr lang="zh-CN" altLang="en-US" smtClean="0"/>
-              <a:t>2024/12/5</a:t>
+              <a:t>2024/12/6</a:t>
             </a:fld>
             <a:endParaRPr lang="zh-CN" altLang="en-US"/>
           </a:p>
@@ -2683,7 +2684,7 @@
           <a:p>
             <a:fld id="{EFC9EF4B-DC85-456E-A69C-7178B0A20B85}" type="datetimeFigureOut">
               <a:rPr lang="zh-CN" altLang="en-US" smtClean="0"/>
-              <a:t>2024/12/5</a:t>
+              <a:t>2024/12/6</a:t>
             </a:fld>
             <a:endParaRPr lang="zh-CN" altLang="en-US"/>
           </a:p>
@@ -2924,7 +2925,7 @@
           <a:p>
             <a:fld id="{EFC9EF4B-DC85-456E-A69C-7178B0A20B85}" type="datetimeFigureOut">
               <a:rPr lang="zh-CN" altLang="en-US" smtClean="0"/>
-              <a:t>2024/12/5</a:t>
+              <a:t>2024/12/6</a:t>
             </a:fld>
             <a:endParaRPr lang="zh-CN" altLang="en-US"/>
           </a:p>
@@ -12985,6 +12986,166 @@
 </p:sld>
 </file>
 
+<file path=ppt/slides/slide17.xml><?xml version="1.0" encoding="utf-8"?>
+<p:sld xmlns:a="http://schemas.openxmlformats.org/drawingml/2006/main" xmlns:r="http://schemas.openxmlformats.org/officeDocument/2006/relationships" xmlns:p="http://schemas.openxmlformats.org/presentationml/2006/main">
+  <p:cSld>
+    <p:spTree>
+      <p:nvGrpSpPr>
+        <p:cNvPr id="1" name=""/>
+        <p:cNvGrpSpPr/>
+        <p:nvPr/>
+      </p:nvGrpSpPr>
+      <p:grpSpPr>
+        <a:xfrm>
+          <a:off x="0" y="0"/>
+          <a:ext cx="0" cy="0"/>
+          <a:chOff x="0" y="0"/>
+          <a:chExt cx="0" cy="0"/>
+        </a:xfrm>
+      </p:grpSpPr>
+      <p:pic>
+        <p:nvPicPr>
+          <p:cNvPr id="5" name="图片 4">
+            <a:extLst>
+              <a:ext uri="{FF2B5EF4-FFF2-40B4-BE49-F238E27FC236}">
+                <a16:creationId xmlns:a16="http://schemas.microsoft.com/office/drawing/2014/main" id="{F3B5D25C-2319-0A60-65E4-C75A62942E07}"/>
+              </a:ext>
+            </a:extLst>
+          </p:cNvPr>
+          <p:cNvPicPr>
+            <a:picLocks noChangeAspect="1"/>
+          </p:cNvPicPr>
+          <p:nvPr/>
+        </p:nvPicPr>
+        <p:blipFill>
+          <a:blip r:embed="rId2"/>
+          <a:stretch>
+            <a:fillRect/>
+          </a:stretch>
+        </p:blipFill>
+        <p:spPr>
+          <a:xfrm>
+            <a:off x="831271" y="835602"/>
+            <a:ext cx="4973069" cy="2896813"/>
+          </a:xfrm>
+          <a:prstGeom prst="rect">
+            <a:avLst/>
+          </a:prstGeom>
+        </p:spPr>
+      </p:pic>
+      <p:sp>
+        <p:nvSpPr>
+          <p:cNvPr id="6" name="文本框 5">
+            <a:extLst>
+              <a:ext uri="{FF2B5EF4-FFF2-40B4-BE49-F238E27FC236}">
+                <a16:creationId xmlns:a16="http://schemas.microsoft.com/office/drawing/2014/main" id="{CB225721-72B3-9D25-24F0-8660A74B491C}"/>
+              </a:ext>
+            </a:extLst>
+          </p:cNvPr>
+          <p:cNvSpPr txBox="1"/>
+          <p:nvPr/>
+        </p:nvSpPr>
+        <p:spPr>
+          <a:xfrm>
+            <a:off x="2302625" y="3915294"/>
+            <a:ext cx="2726575" cy="369332"/>
+          </a:xfrm>
+          <a:prstGeom prst="rect">
+            <a:avLst/>
+          </a:prstGeom>
+          <a:noFill/>
+        </p:spPr>
+        <p:txBody>
+          <a:bodyPr wrap="square" rtlCol="0">
+            <a:spAutoFit/>
+          </a:bodyPr>
+          <a:lstStyle/>
+          <a:p>
+            <a:r>
+              <a:rPr lang="zh-CN" altLang="en-US"/>
+              <a:t>原始贝塞尔曲线</a:t>
+            </a:r>
+          </a:p>
+        </p:txBody>
+      </p:sp>
+      <p:pic>
+        <p:nvPicPr>
+          <p:cNvPr id="8" name="图片 7">
+            <a:extLst>
+              <a:ext uri="{FF2B5EF4-FFF2-40B4-BE49-F238E27FC236}">
+                <a16:creationId xmlns:a16="http://schemas.microsoft.com/office/drawing/2014/main" id="{A644629D-4252-4FFD-7EC1-0F34C6D5DD36}"/>
+              </a:ext>
+            </a:extLst>
+          </p:cNvPr>
+          <p:cNvPicPr>
+            <a:picLocks noChangeAspect="1"/>
+          </p:cNvPicPr>
+          <p:nvPr/>
+        </p:nvPicPr>
+        <p:blipFill>
+          <a:blip r:embed="rId3"/>
+          <a:stretch>
+            <a:fillRect/>
+          </a:stretch>
+        </p:blipFill>
+        <p:spPr>
+          <a:xfrm>
+            <a:off x="6209676" y="835602"/>
+            <a:ext cx="4978896" cy="2896812"/>
+          </a:xfrm>
+          <a:prstGeom prst="rect">
+            <a:avLst/>
+          </a:prstGeom>
+        </p:spPr>
+      </p:pic>
+      <p:sp>
+        <p:nvSpPr>
+          <p:cNvPr id="9" name="文本框 8">
+            <a:extLst>
+              <a:ext uri="{FF2B5EF4-FFF2-40B4-BE49-F238E27FC236}">
+                <a16:creationId xmlns:a16="http://schemas.microsoft.com/office/drawing/2014/main" id="{A28F716C-473F-8AD2-D49E-C11F984C7026}"/>
+              </a:ext>
+            </a:extLst>
+          </p:cNvPr>
+          <p:cNvSpPr txBox="1"/>
+          <p:nvPr/>
+        </p:nvSpPr>
+        <p:spPr>
+          <a:xfrm>
+            <a:off x="7500851" y="3915294"/>
+            <a:ext cx="3197629" cy="369332"/>
+          </a:xfrm>
+          <a:prstGeom prst="rect">
+            <a:avLst/>
+          </a:prstGeom>
+          <a:noFill/>
+        </p:spPr>
+        <p:txBody>
+          <a:bodyPr wrap="square" rtlCol="0">
+            <a:spAutoFit/>
+          </a:bodyPr>
+          <a:lstStyle/>
+          <a:p>
+            <a:r>
+              <a:rPr lang="zh-CN" altLang="en-US"/>
+              <a:t>编辑一个点后的贝塞尔曲线</a:t>
+            </a:r>
+          </a:p>
+        </p:txBody>
+      </p:sp>
+    </p:spTree>
+    <p:extLst>
+      <p:ext uri="{BB962C8B-B14F-4D97-AF65-F5344CB8AC3E}">
+        <p14:creationId xmlns:p14="http://schemas.microsoft.com/office/powerpoint/2010/main" val="3838984659"/>
+      </p:ext>
+    </p:extLst>
+  </p:cSld>
+  <p:clrMapOvr>
+    <a:masterClrMapping/>
+  </p:clrMapOvr>
+</p:sld>
+</file>
+
 <file path=ppt/slides/slide2.xml><?xml version="1.0" encoding="utf-8"?>
 <p:sld xmlns:a="http://schemas.openxmlformats.org/drawingml/2006/main" xmlns:r="http://schemas.openxmlformats.org/officeDocument/2006/relationships" xmlns:p="http://schemas.openxmlformats.org/presentationml/2006/main">
   <p:cSld>
